--- a/Сайт для компании «Кисловодск-строй».pptx
+++ b/Сайт для компании «Кисловодск-строй».pptx
@@ -7,6 +7,11 @@
   <p:sldIdLst>
     <p:sldId id="256" r:id="rId2"/>
     <p:sldId id="257" r:id="rId3"/>
+    <p:sldId id="258" r:id="rId4"/>
+    <p:sldId id="259" r:id="rId5"/>
+    <p:sldId id="260" r:id="rId6"/>
+    <p:sldId id="261" r:id="rId7"/>
+    <p:sldId id="262" r:id="rId8"/>
   </p:sldIdLst>
   <p:sldSz cx="12192000" cy="6858000"/>
   <p:notesSz cx="6858000" cy="9144000"/>
@@ -105,6 +110,11 @@
       </a:defRPr>
     </a:lvl9pPr>
   </p:defaultTextStyle>
+  <p:extLst>
+    <p:ext uri="{EFAFB233-063F-42B5-8137-9DF3F51BA10A}">
+      <p15:sldGuideLst xmlns:p15="http://schemas.microsoft.com/office/powerpoint/2012/main"/>
+    </p:ext>
+  </p:extLst>
 </p:presentation>
 </file>
 
@@ -354,7 +364,7 @@
             <a:fld id="{B61BEF0D-F0BB-DE4B-95CE-6DB70DBA9567}" type="datetimeFigureOut">
               <a:rPr lang="en-US" dirty="0"/>
               <a:pPr/>
-              <a:t>6/17/2024</a:t>
+              <a:t>6/18/2024</a:t>
             </a:fld>
             <a:endParaRPr lang="en-US" dirty="0"/>
           </a:p>
@@ -613,7 +623,7 @@
             <a:fld id="{B61BEF0D-F0BB-DE4B-95CE-6DB70DBA9567}" type="datetimeFigureOut">
               <a:rPr lang="en-US" dirty="0"/>
               <a:pPr/>
-              <a:t>6/17/2024</a:t>
+              <a:t>6/18/2024</a:t>
             </a:fld>
             <a:endParaRPr lang="en-US" dirty="0"/>
           </a:p>
@@ -845,7 +855,7 @@
             <a:fld id="{B61BEF0D-F0BB-DE4B-95CE-6DB70DBA9567}" type="datetimeFigureOut">
               <a:rPr lang="en-US" dirty="0"/>
               <a:pPr/>
-              <a:t>6/17/2024</a:t>
+              <a:t>6/18/2024</a:t>
             </a:fld>
             <a:endParaRPr lang="en-US" dirty="0"/>
           </a:p>
@@ -1082,7 +1092,7 @@
             <a:fld id="{B61BEF0D-F0BB-DE4B-95CE-6DB70DBA9567}" type="datetimeFigureOut">
               <a:rPr lang="en-US" dirty="0"/>
               <a:pPr/>
-              <a:t>6/17/2024</a:t>
+              <a:t>6/18/2024</a:t>
             </a:fld>
             <a:endParaRPr lang="en-US" dirty="0"/>
           </a:p>
@@ -1386,7 +1396,7 @@
             <a:fld id="{B61BEF0D-F0BB-DE4B-95CE-6DB70DBA9567}" type="datetimeFigureOut">
               <a:rPr lang="en-US" dirty="0"/>
               <a:pPr/>
-              <a:t>6/17/2024</a:t>
+              <a:t>6/18/2024</a:t>
             </a:fld>
             <a:endParaRPr lang="en-US" dirty="0"/>
           </a:p>
@@ -1685,7 +1695,7 @@
             <a:fld id="{B61BEF0D-F0BB-DE4B-95CE-6DB70DBA9567}" type="datetimeFigureOut">
               <a:rPr lang="en-US" dirty="0"/>
               <a:pPr/>
-              <a:t>6/17/2024</a:t>
+              <a:t>6/18/2024</a:t>
             </a:fld>
             <a:endParaRPr lang="en-US" dirty="0"/>
           </a:p>
@@ -2104,7 +2114,7 @@
             <a:fld id="{B61BEF0D-F0BB-DE4B-95CE-6DB70DBA9567}" type="datetimeFigureOut">
               <a:rPr lang="en-US" dirty="0"/>
               <a:pPr/>
-              <a:t>6/17/2024</a:t>
+              <a:t>6/18/2024</a:t>
             </a:fld>
             <a:endParaRPr lang="en-US" dirty="0"/>
           </a:p>
@@ -2263,7 +2273,7 @@
             <a:fld id="{B61BEF0D-F0BB-DE4B-95CE-6DB70DBA9567}" type="datetimeFigureOut">
               <a:rPr lang="en-US" dirty="0"/>
               <a:pPr/>
-              <a:t>6/17/2024</a:t>
+              <a:t>6/18/2024</a:t>
             </a:fld>
             <a:endParaRPr lang="en-US" dirty="0"/>
           </a:p>
@@ -2355,7 +2365,7 @@
             <a:fld id="{B61BEF0D-F0BB-DE4B-95CE-6DB70DBA9567}" type="datetimeFigureOut">
               <a:rPr lang="en-US" dirty="0"/>
               <a:pPr/>
-              <a:t>6/17/2024</a:t>
+              <a:t>6/18/2024</a:t>
             </a:fld>
             <a:endParaRPr lang="en-US" dirty="0"/>
           </a:p>
@@ -2730,7 +2740,7 @@
             <a:fld id="{B61BEF0D-F0BB-DE4B-95CE-6DB70DBA9567}" type="datetimeFigureOut">
               <a:rPr lang="en-US" dirty="0"/>
               <a:pPr/>
-              <a:t>6/17/2024</a:t>
+              <a:t>6/18/2024</a:t>
             </a:fld>
             <a:endParaRPr lang="en-US" dirty="0"/>
           </a:p>
@@ -3016,7 +3026,7 @@
             <a:fld id="{B61BEF0D-F0BB-DE4B-95CE-6DB70DBA9567}" type="datetimeFigureOut">
               <a:rPr lang="en-US" dirty="0"/>
               <a:pPr/>
-              <a:t>6/17/2024</a:t>
+              <a:t>6/18/2024</a:t>
             </a:fld>
             <a:endParaRPr lang="en-US" dirty="0"/>
           </a:p>
@@ -3224,7 +3234,7 @@
             <a:fld id="{B61BEF0D-F0BB-DE4B-95CE-6DB70DBA9567}" type="datetimeFigureOut">
               <a:rPr lang="en-US" dirty="0"/>
               <a:pPr/>
-              <a:t>6/17/2024</a:t>
+              <a:t>6/18/2024</a:t>
             </a:fld>
             <a:endParaRPr lang="en-US" dirty="0"/>
           </a:p>
@@ -4023,7 +4033,7 @@
           </a:p>
           <a:p>
             <a:r>
-              <a:rPr lang="ru-RU" sz="2400" smtClean="0"/>
+              <a:rPr lang="ru-RU" sz="2400" dirty="0" smtClean="0"/>
               <a:t>Условия проекта</a:t>
             </a:r>
             <a:endParaRPr lang="ru-RU" sz="2400" dirty="0"/>
@@ -4034,6 +4044,1213 @@
     <p:extLst>
       <p:ext uri="{BB962C8B-B14F-4D97-AF65-F5344CB8AC3E}">
         <p14:creationId xmlns:p14="http://schemas.microsoft.com/office/powerpoint/2010/main" val="1979172660"/>
+      </p:ext>
+    </p:extLst>
+  </p:cSld>
+  <p:clrMapOvr>
+    <a:masterClrMapping/>
+  </p:clrMapOvr>
+</p:sld>
+</file>
+
+<file path=ppt/slides/slide3.xml><?xml version="1.0" encoding="utf-8"?>
+<p:sld xmlns:a="http://schemas.openxmlformats.org/drawingml/2006/main" xmlns:r="http://schemas.openxmlformats.org/officeDocument/2006/relationships" xmlns:p="http://schemas.openxmlformats.org/presentationml/2006/main">
+  <p:cSld>
+    <p:spTree>
+      <p:nvGrpSpPr>
+        <p:cNvPr id="1" name=""/>
+        <p:cNvGrpSpPr/>
+        <p:nvPr/>
+      </p:nvGrpSpPr>
+      <p:grpSpPr>
+        <a:xfrm>
+          <a:off x="0" y="0"/>
+          <a:ext cx="0" cy="0"/>
+          <a:chOff x="0" y="0"/>
+          <a:chExt cx="0" cy="0"/>
+        </a:xfrm>
+      </p:grpSpPr>
+      <p:sp>
+        <p:nvSpPr>
+          <p:cNvPr id="2" name="Заголовок 1"/>
+          <p:cNvSpPr>
+            <a:spLocks noGrp="1"/>
+          </p:cNvSpPr>
+          <p:nvPr>
+            <p:ph type="title"/>
+          </p:nvPr>
+        </p:nvSpPr>
+        <p:spPr/>
+        <p:txBody>
+          <a:bodyPr/>
+          <a:lstStyle/>
+          <a:p>
+            <a:r>
+              <a:rPr lang="ru-RU" dirty="0" smtClean="0"/>
+              <a:t>Модель Жизненного цикла</a:t>
+            </a:r>
+            <a:endParaRPr lang="ru-RU" dirty="0"/>
+          </a:p>
+        </p:txBody>
+      </p:sp>
+      <p:sp>
+        <p:nvSpPr>
+          <p:cNvPr id="3" name="Объект 2"/>
+          <p:cNvSpPr>
+            <a:spLocks noGrp="1"/>
+          </p:cNvSpPr>
+          <p:nvPr>
+            <p:ph idx="1"/>
+          </p:nvPr>
+        </p:nvSpPr>
+        <p:spPr/>
+        <p:txBody>
+          <a:bodyPr>
+            <a:normAutofit/>
+          </a:bodyPr>
+          <a:lstStyle/>
+          <a:p>
+            <a:r>
+              <a:rPr lang="ru-RU" sz="4400" dirty="0" smtClean="0"/>
+              <a:t>Классическая с </a:t>
+            </a:r>
+            <a:r>
+              <a:rPr lang="ru-RU" sz="4400" dirty="0" err="1" smtClean="0"/>
+              <a:t>прототипированием</a:t>
+            </a:r>
+            <a:endParaRPr lang="ru-RU" sz="4400" dirty="0"/>
+          </a:p>
+        </p:txBody>
+      </p:sp>
+    </p:spTree>
+    <p:extLst>
+      <p:ext uri="{BB962C8B-B14F-4D97-AF65-F5344CB8AC3E}">
+        <p14:creationId xmlns:p14="http://schemas.microsoft.com/office/powerpoint/2010/main" val="3750334208"/>
+      </p:ext>
+    </p:extLst>
+  </p:cSld>
+  <p:clrMapOvr>
+    <a:masterClrMapping/>
+  </p:clrMapOvr>
+  <p:timing>
+    <p:tnLst>
+      <p:par>
+        <p:cTn id="1" dur="indefinite" restart="never" nodeType="tmRoot"/>
+      </p:par>
+    </p:tnLst>
+  </p:timing>
+</p:sld>
+</file>
+
+<file path=ppt/slides/slide4.xml><?xml version="1.0" encoding="utf-8"?>
+<p:sld xmlns:a="http://schemas.openxmlformats.org/drawingml/2006/main" xmlns:r="http://schemas.openxmlformats.org/officeDocument/2006/relationships" xmlns:p="http://schemas.openxmlformats.org/presentationml/2006/main">
+  <p:cSld>
+    <p:spTree>
+      <p:nvGrpSpPr>
+        <p:cNvPr id="1" name=""/>
+        <p:cNvGrpSpPr/>
+        <p:nvPr/>
+      </p:nvGrpSpPr>
+      <p:grpSpPr>
+        <a:xfrm>
+          <a:off x="0" y="0"/>
+          <a:ext cx="0" cy="0"/>
+          <a:chOff x="0" y="0"/>
+          <a:chExt cx="0" cy="0"/>
+        </a:xfrm>
+      </p:grpSpPr>
+      <p:sp>
+        <p:nvSpPr>
+          <p:cNvPr id="2" name="Заголовок 1"/>
+          <p:cNvSpPr>
+            <a:spLocks noGrp="1"/>
+          </p:cNvSpPr>
+          <p:nvPr>
+            <p:ph type="title"/>
+          </p:nvPr>
+        </p:nvSpPr>
+        <p:spPr/>
+        <p:txBody>
+          <a:bodyPr/>
+          <a:lstStyle/>
+          <a:p>
+            <a:r>
+              <a:rPr lang="ru-RU" dirty="0" smtClean="0"/>
+              <a:t>Графический Пользовательский интерфейс</a:t>
+            </a:r>
+            <a:endParaRPr lang="ru-RU" dirty="0"/>
+          </a:p>
+        </p:txBody>
+      </p:sp>
+      <p:sp>
+        <p:nvSpPr>
+          <p:cNvPr id="3" name="Объект 2"/>
+          <p:cNvSpPr>
+            <a:spLocks noGrp="1"/>
+          </p:cNvSpPr>
+          <p:nvPr>
+            <p:ph idx="1"/>
+          </p:nvPr>
+        </p:nvSpPr>
+        <p:spPr/>
+        <p:txBody>
+          <a:bodyPr>
+            <a:normAutofit/>
+          </a:bodyPr>
+          <a:lstStyle/>
+          <a:p>
+            <a:r>
+              <a:rPr lang="ru-RU" sz="2400" dirty="0" smtClean="0"/>
+              <a:t>Структура сайта</a:t>
+            </a:r>
+            <a:endParaRPr lang="ru-RU" sz="2400" dirty="0"/>
+          </a:p>
+        </p:txBody>
+      </p:sp>
+      <p:pic>
+        <p:nvPicPr>
+          <p:cNvPr id="4" name="Рисунок 3"/>
+          <p:cNvPicPr>
+            <a:picLocks noChangeAspect="1"/>
+          </p:cNvPicPr>
+          <p:nvPr/>
+        </p:nvPicPr>
+        <p:blipFill>
+          <a:blip r:embed="rId2"/>
+          <a:stretch>
+            <a:fillRect/>
+          </a:stretch>
+        </p:blipFill>
+        <p:spPr>
+          <a:xfrm>
+            <a:off x="3652420" y="1871737"/>
+            <a:ext cx="7732756" cy="4885322"/>
+          </a:xfrm>
+          <a:prstGeom prst="rect">
+            <a:avLst/>
+          </a:prstGeom>
+        </p:spPr>
+      </p:pic>
+    </p:spTree>
+    <p:extLst>
+      <p:ext uri="{BB962C8B-B14F-4D97-AF65-F5344CB8AC3E}">
+        <p14:creationId xmlns:p14="http://schemas.microsoft.com/office/powerpoint/2010/main" val="2094449980"/>
+      </p:ext>
+    </p:extLst>
+  </p:cSld>
+  <p:clrMapOvr>
+    <a:masterClrMapping/>
+  </p:clrMapOvr>
+  <p:timing>
+    <p:tnLst>
+      <p:par>
+        <p:cTn id="1" dur="indefinite" restart="never" nodeType="tmRoot"/>
+      </p:par>
+    </p:tnLst>
+  </p:timing>
+</p:sld>
+</file>
+
+<file path=ppt/slides/slide5.xml><?xml version="1.0" encoding="utf-8"?>
+<p:sld xmlns:a="http://schemas.openxmlformats.org/drawingml/2006/main" xmlns:r="http://schemas.openxmlformats.org/officeDocument/2006/relationships" xmlns:p="http://schemas.openxmlformats.org/presentationml/2006/main">
+  <p:cSld>
+    <p:spTree>
+      <p:nvGrpSpPr>
+        <p:cNvPr id="1" name=""/>
+        <p:cNvGrpSpPr/>
+        <p:nvPr/>
+      </p:nvGrpSpPr>
+      <p:grpSpPr>
+        <a:xfrm>
+          <a:off x="0" y="0"/>
+          <a:ext cx="0" cy="0"/>
+          <a:chOff x="0" y="0"/>
+          <a:chExt cx="0" cy="0"/>
+        </a:xfrm>
+      </p:grpSpPr>
+      <p:sp>
+        <p:nvSpPr>
+          <p:cNvPr id="2" name="Заголовок 1"/>
+          <p:cNvSpPr>
+            <a:spLocks noGrp="1"/>
+          </p:cNvSpPr>
+          <p:nvPr>
+            <p:ph type="title"/>
+          </p:nvPr>
+        </p:nvSpPr>
+        <p:spPr/>
+        <p:txBody>
+          <a:bodyPr/>
+          <a:lstStyle/>
+          <a:p>
+            <a:r>
+              <a:rPr lang="ru-RU" dirty="0"/>
+              <a:t>Графический Пользовательский интерфейс</a:t>
+            </a:r>
+          </a:p>
+        </p:txBody>
+      </p:sp>
+      <p:sp>
+        <p:nvSpPr>
+          <p:cNvPr id="3" name="Объект 2"/>
+          <p:cNvSpPr>
+            <a:spLocks noGrp="1"/>
+          </p:cNvSpPr>
+          <p:nvPr>
+            <p:ph idx="1"/>
+          </p:nvPr>
+        </p:nvSpPr>
+        <p:spPr>
+          <a:xfrm>
+            <a:off x="581192" y="2192371"/>
+            <a:ext cx="11029615" cy="3678303"/>
+          </a:xfrm>
+        </p:spPr>
+        <p:txBody>
+          <a:bodyPr>
+            <a:normAutofit/>
+          </a:bodyPr>
+          <a:lstStyle/>
+          <a:p>
+            <a:r>
+              <a:rPr lang="ru-RU" sz="2400" dirty="0" smtClean="0"/>
+              <a:t>Принципы, использованные при проектировании интерфейса:</a:t>
+            </a:r>
+          </a:p>
+          <a:p>
+            <a:pPr marL="457200" indent="-457200">
+              <a:buFont typeface="+mj-lt"/>
+              <a:buAutoNum type="arabicPeriod"/>
+            </a:pPr>
+            <a:r>
+              <a:rPr lang="ru-RU" sz="2400" dirty="0" smtClean="0"/>
+              <a:t>Принцип </a:t>
+            </a:r>
+            <a:r>
+              <a:rPr lang="ru-RU" sz="2400" dirty="0"/>
+              <a:t>структуризации </a:t>
+            </a:r>
+          </a:p>
+          <a:p>
+            <a:pPr marL="457200" indent="-457200">
+              <a:buFont typeface="+mj-lt"/>
+              <a:buAutoNum type="arabicPeriod"/>
+            </a:pPr>
+            <a:r>
+              <a:rPr lang="ru-RU" sz="2400" dirty="0" smtClean="0"/>
+              <a:t>Принцип </a:t>
+            </a:r>
+            <a:r>
+              <a:rPr lang="ru-RU" sz="2400" dirty="0"/>
+              <a:t>простоты </a:t>
+            </a:r>
+          </a:p>
+          <a:p>
+            <a:pPr marL="457200" indent="-457200">
+              <a:buFont typeface="+mj-lt"/>
+              <a:buAutoNum type="arabicPeriod"/>
+            </a:pPr>
+            <a:r>
+              <a:rPr lang="ru-RU" sz="2400" dirty="0" smtClean="0"/>
+              <a:t>Принцип </a:t>
+            </a:r>
+            <a:r>
+              <a:rPr lang="ru-RU" sz="2400" dirty="0"/>
+              <a:t>повторного </a:t>
+            </a:r>
+            <a:r>
+              <a:rPr lang="ru-RU" sz="2400" dirty="0" smtClean="0"/>
+              <a:t>использования</a:t>
+            </a:r>
+          </a:p>
+          <a:p>
+            <a:pPr marL="457200" indent="-457200">
+              <a:buFont typeface="+mj-lt"/>
+              <a:buAutoNum type="arabicPeriod"/>
+            </a:pPr>
+            <a:r>
+              <a:rPr lang="ru-RU" sz="2400" dirty="0" smtClean="0"/>
+              <a:t>Принцип </a:t>
+            </a:r>
+            <a:r>
+              <a:rPr lang="ru-RU" sz="2400" dirty="0"/>
+              <a:t>видимости</a:t>
+            </a:r>
+            <a:endParaRPr lang="ru-RU" sz="2400" dirty="0" smtClean="0"/>
+          </a:p>
+          <a:p>
+            <a:endParaRPr lang="ru-RU" sz="2400" dirty="0"/>
+          </a:p>
+        </p:txBody>
+      </p:sp>
+    </p:spTree>
+    <p:extLst>
+      <p:ext uri="{BB962C8B-B14F-4D97-AF65-F5344CB8AC3E}">
+        <p14:creationId xmlns:p14="http://schemas.microsoft.com/office/powerpoint/2010/main" val="3207310630"/>
+      </p:ext>
+    </p:extLst>
+  </p:cSld>
+  <p:clrMapOvr>
+    <a:masterClrMapping/>
+  </p:clrMapOvr>
+</p:sld>
+</file>
+
+<file path=ppt/slides/slide6.xml><?xml version="1.0" encoding="utf-8"?>
+<p:sld xmlns:a="http://schemas.openxmlformats.org/drawingml/2006/main" xmlns:r="http://schemas.openxmlformats.org/officeDocument/2006/relationships" xmlns:p="http://schemas.openxmlformats.org/presentationml/2006/main">
+  <p:cSld>
+    <p:spTree>
+      <p:nvGrpSpPr>
+        <p:cNvPr id="1" name=""/>
+        <p:cNvGrpSpPr/>
+        <p:nvPr/>
+      </p:nvGrpSpPr>
+      <p:grpSpPr>
+        <a:xfrm>
+          <a:off x="0" y="0"/>
+          <a:ext cx="0" cy="0"/>
+          <a:chOff x="0" y="0"/>
+          <a:chExt cx="0" cy="0"/>
+        </a:xfrm>
+      </p:grpSpPr>
+      <p:sp>
+        <p:nvSpPr>
+          <p:cNvPr id="5" name="Прямоугольник 4"/>
+          <p:cNvSpPr/>
+          <p:nvPr/>
+        </p:nvSpPr>
+        <p:spPr>
+          <a:xfrm>
+            <a:off x="427512" y="604007"/>
+            <a:ext cx="11334276" cy="6058050"/>
+          </a:xfrm>
+          <a:prstGeom prst="rect">
+            <a:avLst/>
+          </a:prstGeom>
+          <a:solidFill>
+            <a:schemeClr val="bg1"/>
+          </a:solidFill>
+          <a:ln w="57150">
+            <a:noFill/>
+          </a:ln>
+        </p:spPr>
+        <p:style>
+          <a:lnRef idx="2">
+            <a:schemeClr val="accent1">
+              <a:shade val="50000"/>
+            </a:schemeClr>
+          </a:lnRef>
+          <a:fillRef idx="1">
+            <a:schemeClr val="accent1"/>
+          </a:fillRef>
+          <a:effectRef idx="0">
+            <a:schemeClr val="accent1"/>
+          </a:effectRef>
+          <a:fontRef idx="minor">
+            <a:schemeClr val="lt1"/>
+          </a:fontRef>
+        </p:style>
+        <p:txBody>
+          <a:bodyPr rtlCol="0" anchor="ctr"/>
+          <a:lstStyle/>
+          <a:p>
+            <a:pPr algn="ctr"/>
+            <a:endParaRPr lang="ru-RU"/>
+          </a:p>
+        </p:txBody>
+      </p:sp>
+      <p:sp>
+        <p:nvSpPr>
+          <p:cNvPr id="2" name="Заголовок 1"/>
+          <p:cNvSpPr>
+            <a:spLocks noGrp="1"/>
+          </p:cNvSpPr>
+          <p:nvPr>
+            <p:ph type="title"/>
+          </p:nvPr>
+        </p:nvSpPr>
+        <p:spPr>
+          <a:xfrm>
+            <a:off x="581192" y="-473504"/>
+            <a:ext cx="11029616" cy="1013800"/>
+          </a:xfrm>
+        </p:spPr>
+        <p:txBody>
+          <a:bodyPr/>
+          <a:lstStyle/>
+          <a:p>
+            <a:r>
+              <a:rPr lang="ru-RU" dirty="0">
+                <a:solidFill>
+                  <a:schemeClr val="accent1"/>
+                </a:solidFill>
+              </a:rPr>
+              <a:t>Графический Пользовательский интерфейс</a:t>
+            </a:r>
+          </a:p>
+        </p:txBody>
+      </p:sp>
+      <p:sp>
+        <p:nvSpPr>
+          <p:cNvPr id="7" name="Объект 2"/>
+          <p:cNvSpPr>
+            <a:spLocks noGrp="1"/>
+          </p:cNvSpPr>
+          <p:nvPr>
+            <p:ph idx="1"/>
+          </p:nvPr>
+        </p:nvSpPr>
+        <p:spPr>
+          <a:xfrm>
+            <a:off x="1733098" y="6083755"/>
+            <a:ext cx="3159535" cy="622080"/>
+          </a:xfrm>
+        </p:spPr>
+        <p:txBody>
+          <a:bodyPr>
+            <a:normAutofit/>
+          </a:bodyPr>
+          <a:lstStyle/>
+          <a:p>
+            <a:r>
+              <a:rPr lang="ru-RU" sz="2400" dirty="0" smtClean="0"/>
+              <a:t>Макет </a:t>
+            </a:r>
+            <a:r>
+              <a:rPr lang="ru-RU" sz="2400" u="sng" dirty="0" smtClean="0"/>
+              <a:t>Корзины</a:t>
+            </a:r>
+          </a:p>
+        </p:txBody>
+      </p:sp>
+      <p:sp>
+        <p:nvSpPr>
+          <p:cNvPr id="9" name="Объект 2"/>
+          <p:cNvSpPr txBox="1">
+            <a:spLocks/>
+          </p:cNvSpPr>
+          <p:nvPr/>
+        </p:nvSpPr>
+        <p:spPr>
+          <a:xfrm>
+            <a:off x="7068076" y="6083755"/>
+            <a:ext cx="3159535" cy="622080"/>
+          </a:xfrm>
+          <a:prstGeom prst="rect">
+            <a:avLst/>
+          </a:prstGeom>
+        </p:spPr>
+        <p:txBody>
+          <a:bodyPr vert="horz" lIns="91440" tIns="45720" rIns="91440" bIns="45720" rtlCol="0" anchor="ctr">
+            <a:normAutofit/>
+          </a:bodyPr>
+          <a:lstStyle>
+            <a:lvl1pPr marL="306000" indent="-306000" algn="l" defTabSz="457200" rtl="0" eaLnBrk="1" latinLnBrk="0" hangingPunct="1">
+              <a:spcBef>
+                <a:spcPct val="20000"/>
+              </a:spcBef>
+              <a:spcAft>
+                <a:spcPts val="600"/>
+              </a:spcAft>
+              <a:buClr>
+                <a:schemeClr val="accent2"/>
+              </a:buClr>
+              <a:buSzPct val="92000"/>
+              <a:buFont typeface="Wingdings 2" panose="05020102010507070707" pitchFamily="18" charset="2"/>
+              <a:buChar char=""/>
+              <a:defRPr sz="1800" kern="1200">
+                <a:solidFill>
+                  <a:schemeClr val="tx2"/>
+                </a:solidFill>
+                <a:latin typeface="+mn-lt"/>
+                <a:ea typeface="+mn-ea"/>
+                <a:cs typeface="+mn-cs"/>
+              </a:defRPr>
+            </a:lvl1pPr>
+            <a:lvl2pPr marL="630000" indent="-306000" algn="l" defTabSz="457200" rtl="0" eaLnBrk="1" latinLnBrk="0" hangingPunct="1">
+              <a:spcBef>
+                <a:spcPct val="20000"/>
+              </a:spcBef>
+              <a:spcAft>
+                <a:spcPts val="600"/>
+              </a:spcAft>
+              <a:buClr>
+                <a:schemeClr val="accent2"/>
+              </a:buClr>
+              <a:buSzPct val="92000"/>
+              <a:buFont typeface="Wingdings 2" panose="05020102010507070707" pitchFamily="18" charset="2"/>
+              <a:buChar char=""/>
+              <a:defRPr sz="1600" kern="1200">
+                <a:solidFill>
+                  <a:schemeClr val="tx2"/>
+                </a:solidFill>
+                <a:latin typeface="+mn-lt"/>
+                <a:ea typeface="+mn-ea"/>
+                <a:cs typeface="+mn-cs"/>
+              </a:defRPr>
+            </a:lvl2pPr>
+            <a:lvl3pPr marL="900000" indent="-270000" algn="l" defTabSz="457200" rtl="0" eaLnBrk="1" latinLnBrk="0" hangingPunct="1">
+              <a:spcBef>
+                <a:spcPct val="20000"/>
+              </a:spcBef>
+              <a:spcAft>
+                <a:spcPts val="600"/>
+              </a:spcAft>
+              <a:buClr>
+                <a:schemeClr val="accent2"/>
+              </a:buClr>
+              <a:buSzPct val="92000"/>
+              <a:buFont typeface="Wingdings 2" panose="05020102010507070707" pitchFamily="18" charset="2"/>
+              <a:buChar char=""/>
+              <a:defRPr sz="1400" kern="1200">
+                <a:solidFill>
+                  <a:schemeClr val="tx2"/>
+                </a:solidFill>
+                <a:latin typeface="+mn-lt"/>
+                <a:ea typeface="+mn-ea"/>
+                <a:cs typeface="+mn-cs"/>
+              </a:defRPr>
+            </a:lvl3pPr>
+            <a:lvl4pPr marL="1242000" indent="-234000" algn="l" defTabSz="457200" rtl="0" eaLnBrk="1" latinLnBrk="0" hangingPunct="1">
+              <a:spcBef>
+                <a:spcPct val="20000"/>
+              </a:spcBef>
+              <a:spcAft>
+                <a:spcPts val="600"/>
+              </a:spcAft>
+              <a:buClr>
+                <a:schemeClr val="accent2"/>
+              </a:buClr>
+              <a:buSzPct val="92000"/>
+              <a:buFont typeface="Wingdings 2" panose="05020102010507070707" pitchFamily="18" charset="2"/>
+              <a:buChar char=""/>
+              <a:defRPr sz="1200" kern="1200">
+                <a:solidFill>
+                  <a:schemeClr val="tx2"/>
+                </a:solidFill>
+                <a:latin typeface="+mn-lt"/>
+                <a:ea typeface="+mn-ea"/>
+                <a:cs typeface="+mn-cs"/>
+              </a:defRPr>
+            </a:lvl4pPr>
+            <a:lvl5pPr marL="1602000" indent="-234000" algn="l" defTabSz="457200" rtl="0" eaLnBrk="1" latinLnBrk="0" hangingPunct="1">
+              <a:spcBef>
+                <a:spcPct val="20000"/>
+              </a:spcBef>
+              <a:spcAft>
+                <a:spcPts val="600"/>
+              </a:spcAft>
+              <a:buClr>
+                <a:schemeClr val="accent2"/>
+              </a:buClr>
+              <a:buSzPct val="92000"/>
+              <a:buFont typeface="Wingdings 2" panose="05020102010507070707" pitchFamily="18" charset="2"/>
+              <a:buChar char=""/>
+              <a:defRPr sz="1200" kern="1200">
+                <a:solidFill>
+                  <a:schemeClr val="tx2"/>
+                </a:solidFill>
+                <a:latin typeface="+mn-lt"/>
+                <a:ea typeface="+mn-ea"/>
+                <a:cs typeface="+mn-cs"/>
+              </a:defRPr>
+            </a:lvl5pPr>
+            <a:lvl6pPr marL="1900000" indent="-228600" algn="l" defTabSz="457200" rtl="0" eaLnBrk="1" latinLnBrk="0" hangingPunct="1">
+              <a:spcBef>
+                <a:spcPct val="20000"/>
+              </a:spcBef>
+              <a:spcAft>
+                <a:spcPts val="600"/>
+              </a:spcAft>
+              <a:buClr>
+                <a:schemeClr val="accent2"/>
+              </a:buClr>
+              <a:buSzPct val="92000"/>
+              <a:buFont typeface="Wingdings 2" panose="05020102010507070707" pitchFamily="18" charset="2"/>
+              <a:buChar char=""/>
+              <a:defRPr sz="1200" kern="1200">
+                <a:solidFill>
+                  <a:schemeClr val="tx2"/>
+                </a:solidFill>
+                <a:latin typeface="+mn-lt"/>
+                <a:ea typeface="+mn-ea"/>
+                <a:cs typeface="+mn-cs"/>
+              </a:defRPr>
+            </a:lvl6pPr>
+            <a:lvl7pPr marL="2200000" indent="-228600" algn="l" defTabSz="457200" rtl="0" eaLnBrk="1" latinLnBrk="0" hangingPunct="1">
+              <a:spcBef>
+                <a:spcPct val="20000"/>
+              </a:spcBef>
+              <a:spcAft>
+                <a:spcPts val="600"/>
+              </a:spcAft>
+              <a:buClr>
+                <a:schemeClr val="accent2"/>
+              </a:buClr>
+              <a:buSzPct val="92000"/>
+              <a:buFont typeface="Wingdings 2" panose="05020102010507070707" pitchFamily="18" charset="2"/>
+              <a:buChar char=""/>
+              <a:defRPr sz="1200" kern="1200">
+                <a:solidFill>
+                  <a:schemeClr val="tx2"/>
+                </a:solidFill>
+                <a:latin typeface="+mn-lt"/>
+                <a:ea typeface="+mn-ea"/>
+                <a:cs typeface="+mn-cs"/>
+              </a:defRPr>
+            </a:lvl7pPr>
+            <a:lvl8pPr marL="2500000" indent="-228600" algn="l" defTabSz="457200" rtl="0" eaLnBrk="1" latinLnBrk="0" hangingPunct="1">
+              <a:spcBef>
+                <a:spcPct val="20000"/>
+              </a:spcBef>
+              <a:spcAft>
+                <a:spcPts val="600"/>
+              </a:spcAft>
+              <a:buClr>
+                <a:schemeClr val="accent2"/>
+              </a:buClr>
+              <a:buSzPct val="92000"/>
+              <a:buFont typeface="Wingdings 2" panose="05020102010507070707" pitchFamily="18" charset="2"/>
+              <a:buChar char=""/>
+              <a:defRPr sz="1200" kern="1200">
+                <a:solidFill>
+                  <a:schemeClr val="tx2"/>
+                </a:solidFill>
+                <a:latin typeface="+mn-lt"/>
+                <a:ea typeface="+mn-ea"/>
+                <a:cs typeface="+mn-cs"/>
+              </a:defRPr>
+            </a:lvl8pPr>
+            <a:lvl9pPr marL="2800000" indent="-228600" algn="l" defTabSz="457200" rtl="0" eaLnBrk="1" latinLnBrk="0" hangingPunct="1">
+              <a:spcBef>
+                <a:spcPct val="20000"/>
+              </a:spcBef>
+              <a:spcAft>
+                <a:spcPts val="600"/>
+              </a:spcAft>
+              <a:buClr>
+                <a:schemeClr val="accent2"/>
+              </a:buClr>
+              <a:buSzPct val="92000"/>
+              <a:buFont typeface="Wingdings 2" panose="05020102010507070707" pitchFamily="18" charset="2"/>
+              <a:buChar char=""/>
+              <a:defRPr sz="1200" kern="1200">
+                <a:solidFill>
+                  <a:schemeClr val="tx2"/>
+                </a:solidFill>
+                <a:latin typeface="+mn-lt"/>
+                <a:ea typeface="+mn-ea"/>
+                <a:cs typeface="+mn-cs"/>
+              </a:defRPr>
+            </a:lvl9pPr>
+          </a:lstStyle>
+          <a:p>
+            <a:r>
+              <a:rPr lang="ru-RU" sz="2400" dirty="0" smtClean="0"/>
+              <a:t>Макет </a:t>
+            </a:r>
+            <a:r>
+              <a:rPr lang="ru-RU" sz="2400" u="sng" dirty="0" smtClean="0"/>
+              <a:t>Каталога</a:t>
+            </a:r>
+            <a:endParaRPr lang="ru-RU" sz="2400" u="sng" dirty="0" smtClean="0"/>
+          </a:p>
+        </p:txBody>
+      </p:sp>
+      <p:pic>
+        <p:nvPicPr>
+          <p:cNvPr id="10" name="Рисунок 9"/>
+          <p:cNvPicPr>
+            <a:picLocks noChangeAspect="1"/>
+          </p:cNvPicPr>
+          <p:nvPr/>
+        </p:nvPicPr>
+        <p:blipFill>
+          <a:blip r:embed="rId2"/>
+          <a:stretch>
+            <a:fillRect/>
+          </a:stretch>
+        </p:blipFill>
+        <p:spPr>
+          <a:xfrm>
+            <a:off x="427512" y="629423"/>
+            <a:ext cx="5404401" cy="5600257"/>
+          </a:xfrm>
+          <a:prstGeom prst="rect">
+            <a:avLst/>
+          </a:prstGeom>
+          <a:ln>
+            <a:solidFill>
+              <a:schemeClr val="accent1"/>
+            </a:solidFill>
+          </a:ln>
+        </p:spPr>
+      </p:pic>
+      <p:pic>
+        <p:nvPicPr>
+          <p:cNvPr id="11" name="Рисунок 10"/>
+          <p:cNvPicPr>
+            <a:picLocks noChangeAspect="1"/>
+          </p:cNvPicPr>
+          <p:nvPr/>
+        </p:nvPicPr>
+        <p:blipFill>
+          <a:blip r:embed="rId3"/>
+          <a:stretch>
+            <a:fillRect/>
+          </a:stretch>
+        </p:blipFill>
+        <p:spPr>
+          <a:xfrm>
+            <a:off x="7008980" y="596681"/>
+            <a:ext cx="4752808" cy="5632999"/>
+          </a:xfrm>
+          <a:prstGeom prst="rect">
+            <a:avLst/>
+          </a:prstGeom>
+          <a:ln>
+            <a:solidFill>
+              <a:schemeClr val="accent1"/>
+            </a:solidFill>
+          </a:ln>
+        </p:spPr>
+      </p:pic>
+    </p:spTree>
+    <p:extLst>
+      <p:ext uri="{BB962C8B-B14F-4D97-AF65-F5344CB8AC3E}">
+        <p14:creationId xmlns:p14="http://schemas.microsoft.com/office/powerpoint/2010/main" val="2120338948"/>
+      </p:ext>
+    </p:extLst>
+  </p:cSld>
+  <p:clrMapOvr>
+    <a:masterClrMapping/>
+  </p:clrMapOvr>
+</p:sld>
+</file>
+
+<file path=ppt/slides/slide7.xml><?xml version="1.0" encoding="utf-8"?>
+<p:sld xmlns:a="http://schemas.openxmlformats.org/drawingml/2006/main" xmlns:r="http://schemas.openxmlformats.org/officeDocument/2006/relationships" xmlns:p="http://schemas.openxmlformats.org/presentationml/2006/main">
+  <p:cSld>
+    <p:spTree>
+      <p:nvGrpSpPr>
+        <p:cNvPr id="1" name=""/>
+        <p:cNvGrpSpPr/>
+        <p:nvPr/>
+      </p:nvGrpSpPr>
+      <p:grpSpPr>
+        <a:xfrm>
+          <a:off x="0" y="0"/>
+          <a:ext cx="0" cy="0"/>
+          <a:chOff x="0" y="0"/>
+          <a:chExt cx="0" cy="0"/>
+        </a:xfrm>
+      </p:grpSpPr>
+      <p:sp>
+        <p:nvSpPr>
+          <p:cNvPr id="5" name="Прямоугольник 4"/>
+          <p:cNvSpPr/>
+          <p:nvPr/>
+        </p:nvSpPr>
+        <p:spPr>
+          <a:xfrm>
+            <a:off x="427512" y="612396"/>
+            <a:ext cx="11334276" cy="6049661"/>
+          </a:xfrm>
+          <a:prstGeom prst="rect">
+            <a:avLst/>
+          </a:prstGeom>
+          <a:solidFill>
+            <a:schemeClr val="bg1"/>
+          </a:solidFill>
+          <a:ln w="57150">
+            <a:noFill/>
+          </a:ln>
+        </p:spPr>
+        <p:style>
+          <a:lnRef idx="2">
+            <a:schemeClr val="accent1">
+              <a:shade val="50000"/>
+            </a:schemeClr>
+          </a:lnRef>
+          <a:fillRef idx="1">
+            <a:schemeClr val="accent1"/>
+          </a:fillRef>
+          <a:effectRef idx="0">
+            <a:schemeClr val="accent1"/>
+          </a:effectRef>
+          <a:fontRef idx="minor">
+            <a:schemeClr val="lt1"/>
+          </a:fontRef>
+        </p:style>
+        <p:txBody>
+          <a:bodyPr rtlCol="0" anchor="ctr"/>
+          <a:lstStyle/>
+          <a:p>
+            <a:pPr algn="ctr"/>
+            <a:endParaRPr lang="ru-RU"/>
+          </a:p>
+        </p:txBody>
+      </p:sp>
+      <p:sp>
+        <p:nvSpPr>
+          <p:cNvPr id="2" name="Заголовок 1"/>
+          <p:cNvSpPr>
+            <a:spLocks noGrp="1"/>
+          </p:cNvSpPr>
+          <p:nvPr>
+            <p:ph type="title"/>
+          </p:nvPr>
+        </p:nvSpPr>
+        <p:spPr>
+          <a:xfrm>
+            <a:off x="581192" y="-473504"/>
+            <a:ext cx="11029616" cy="1013800"/>
+          </a:xfrm>
+        </p:spPr>
+        <p:txBody>
+          <a:bodyPr/>
+          <a:lstStyle/>
+          <a:p>
+            <a:r>
+              <a:rPr lang="ru-RU" dirty="0">
+                <a:solidFill>
+                  <a:schemeClr val="accent1"/>
+                </a:solidFill>
+              </a:rPr>
+              <a:t>Графический Пользовательский интерфейс</a:t>
+            </a:r>
+          </a:p>
+        </p:txBody>
+      </p:sp>
+      <p:sp>
+        <p:nvSpPr>
+          <p:cNvPr id="7" name="Объект 2"/>
+          <p:cNvSpPr>
+            <a:spLocks noGrp="1"/>
+          </p:cNvSpPr>
+          <p:nvPr>
+            <p:ph idx="1"/>
+          </p:nvPr>
+        </p:nvSpPr>
+        <p:spPr>
+          <a:xfrm>
+            <a:off x="581192" y="4907994"/>
+            <a:ext cx="3159535" cy="1054335"/>
+          </a:xfrm>
+        </p:spPr>
+        <p:txBody>
+          <a:bodyPr>
+            <a:normAutofit/>
+          </a:bodyPr>
+          <a:lstStyle/>
+          <a:p>
+            <a:r>
+              <a:rPr lang="ru-RU" sz="2400" dirty="0" smtClean="0"/>
+              <a:t>Макет </a:t>
+            </a:r>
+            <a:r>
+              <a:rPr lang="ru-RU" sz="2400" u="sng" dirty="0" smtClean="0"/>
+              <a:t>Главной страницы (верх)</a:t>
+            </a:r>
+          </a:p>
+        </p:txBody>
+      </p:sp>
+      <p:pic>
+        <p:nvPicPr>
+          <p:cNvPr id="13" name="Рисунок 12"/>
+          <p:cNvPicPr>
+            <a:picLocks noChangeAspect="1"/>
+          </p:cNvPicPr>
+          <p:nvPr/>
+        </p:nvPicPr>
+        <p:blipFill>
+          <a:blip r:embed="rId2"/>
+          <a:stretch>
+            <a:fillRect/>
+          </a:stretch>
+        </p:blipFill>
+        <p:spPr>
+          <a:xfrm>
+            <a:off x="427512" y="702545"/>
+            <a:ext cx="6720332" cy="4115300"/>
+          </a:xfrm>
+          <a:prstGeom prst="rect">
+            <a:avLst/>
+          </a:prstGeom>
+          <a:ln>
+            <a:solidFill>
+              <a:schemeClr val="accent1"/>
+            </a:solidFill>
+          </a:ln>
+        </p:spPr>
+      </p:pic>
+      <p:pic>
+        <p:nvPicPr>
+          <p:cNvPr id="14" name="Рисунок 13"/>
+          <p:cNvPicPr>
+            <a:picLocks noChangeAspect="1"/>
+          </p:cNvPicPr>
+          <p:nvPr/>
+        </p:nvPicPr>
+        <p:blipFill>
+          <a:blip r:embed="rId3"/>
+          <a:stretch>
+            <a:fillRect/>
+          </a:stretch>
+        </p:blipFill>
+        <p:spPr>
+          <a:xfrm>
+            <a:off x="7691430" y="702545"/>
+            <a:ext cx="4070358" cy="5740683"/>
+          </a:xfrm>
+          <a:prstGeom prst="rect">
+            <a:avLst/>
+          </a:prstGeom>
+          <a:ln>
+            <a:solidFill>
+              <a:schemeClr val="accent1"/>
+            </a:solidFill>
+          </a:ln>
+        </p:spPr>
+      </p:pic>
+      <p:sp>
+        <p:nvSpPr>
+          <p:cNvPr id="16" name="Объект 2"/>
+          <p:cNvSpPr txBox="1">
+            <a:spLocks/>
+          </p:cNvSpPr>
+          <p:nvPr/>
+        </p:nvSpPr>
+        <p:spPr>
+          <a:xfrm>
+            <a:off x="5301798" y="5607722"/>
+            <a:ext cx="3159535" cy="1054335"/>
+          </a:xfrm>
+          <a:prstGeom prst="rect">
+            <a:avLst/>
+          </a:prstGeom>
+        </p:spPr>
+        <p:txBody>
+          <a:bodyPr vert="horz" lIns="91440" tIns="45720" rIns="91440" bIns="45720" rtlCol="0" anchor="ctr">
+            <a:normAutofit/>
+          </a:bodyPr>
+          <a:lstStyle>
+            <a:lvl1pPr marL="306000" indent="-306000" algn="l" defTabSz="457200" rtl="0" eaLnBrk="1" latinLnBrk="0" hangingPunct="1">
+              <a:spcBef>
+                <a:spcPct val="20000"/>
+              </a:spcBef>
+              <a:spcAft>
+                <a:spcPts val="600"/>
+              </a:spcAft>
+              <a:buClr>
+                <a:schemeClr val="accent2"/>
+              </a:buClr>
+              <a:buSzPct val="92000"/>
+              <a:buFont typeface="Wingdings 2" panose="05020102010507070707" pitchFamily="18" charset="2"/>
+              <a:buChar char=""/>
+              <a:defRPr sz="1800" kern="1200">
+                <a:solidFill>
+                  <a:schemeClr val="tx2"/>
+                </a:solidFill>
+                <a:latin typeface="+mn-lt"/>
+                <a:ea typeface="+mn-ea"/>
+                <a:cs typeface="+mn-cs"/>
+              </a:defRPr>
+            </a:lvl1pPr>
+            <a:lvl2pPr marL="630000" indent="-306000" algn="l" defTabSz="457200" rtl="0" eaLnBrk="1" latinLnBrk="0" hangingPunct="1">
+              <a:spcBef>
+                <a:spcPct val="20000"/>
+              </a:spcBef>
+              <a:spcAft>
+                <a:spcPts val="600"/>
+              </a:spcAft>
+              <a:buClr>
+                <a:schemeClr val="accent2"/>
+              </a:buClr>
+              <a:buSzPct val="92000"/>
+              <a:buFont typeface="Wingdings 2" panose="05020102010507070707" pitchFamily="18" charset="2"/>
+              <a:buChar char=""/>
+              <a:defRPr sz="1600" kern="1200">
+                <a:solidFill>
+                  <a:schemeClr val="tx2"/>
+                </a:solidFill>
+                <a:latin typeface="+mn-lt"/>
+                <a:ea typeface="+mn-ea"/>
+                <a:cs typeface="+mn-cs"/>
+              </a:defRPr>
+            </a:lvl2pPr>
+            <a:lvl3pPr marL="900000" indent="-270000" algn="l" defTabSz="457200" rtl="0" eaLnBrk="1" latinLnBrk="0" hangingPunct="1">
+              <a:spcBef>
+                <a:spcPct val="20000"/>
+              </a:spcBef>
+              <a:spcAft>
+                <a:spcPts val="600"/>
+              </a:spcAft>
+              <a:buClr>
+                <a:schemeClr val="accent2"/>
+              </a:buClr>
+              <a:buSzPct val="92000"/>
+              <a:buFont typeface="Wingdings 2" panose="05020102010507070707" pitchFamily="18" charset="2"/>
+              <a:buChar char=""/>
+              <a:defRPr sz="1400" kern="1200">
+                <a:solidFill>
+                  <a:schemeClr val="tx2"/>
+                </a:solidFill>
+                <a:latin typeface="+mn-lt"/>
+                <a:ea typeface="+mn-ea"/>
+                <a:cs typeface="+mn-cs"/>
+              </a:defRPr>
+            </a:lvl3pPr>
+            <a:lvl4pPr marL="1242000" indent="-234000" algn="l" defTabSz="457200" rtl="0" eaLnBrk="1" latinLnBrk="0" hangingPunct="1">
+              <a:spcBef>
+                <a:spcPct val="20000"/>
+              </a:spcBef>
+              <a:spcAft>
+                <a:spcPts val="600"/>
+              </a:spcAft>
+              <a:buClr>
+                <a:schemeClr val="accent2"/>
+              </a:buClr>
+              <a:buSzPct val="92000"/>
+              <a:buFont typeface="Wingdings 2" panose="05020102010507070707" pitchFamily="18" charset="2"/>
+              <a:buChar char=""/>
+              <a:defRPr sz="1200" kern="1200">
+                <a:solidFill>
+                  <a:schemeClr val="tx2"/>
+                </a:solidFill>
+                <a:latin typeface="+mn-lt"/>
+                <a:ea typeface="+mn-ea"/>
+                <a:cs typeface="+mn-cs"/>
+              </a:defRPr>
+            </a:lvl4pPr>
+            <a:lvl5pPr marL="1602000" indent="-234000" algn="l" defTabSz="457200" rtl="0" eaLnBrk="1" latinLnBrk="0" hangingPunct="1">
+              <a:spcBef>
+                <a:spcPct val="20000"/>
+              </a:spcBef>
+              <a:spcAft>
+                <a:spcPts val="600"/>
+              </a:spcAft>
+              <a:buClr>
+                <a:schemeClr val="accent2"/>
+              </a:buClr>
+              <a:buSzPct val="92000"/>
+              <a:buFont typeface="Wingdings 2" panose="05020102010507070707" pitchFamily="18" charset="2"/>
+              <a:buChar char=""/>
+              <a:defRPr sz="1200" kern="1200">
+                <a:solidFill>
+                  <a:schemeClr val="tx2"/>
+                </a:solidFill>
+                <a:latin typeface="+mn-lt"/>
+                <a:ea typeface="+mn-ea"/>
+                <a:cs typeface="+mn-cs"/>
+              </a:defRPr>
+            </a:lvl5pPr>
+            <a:lvl6pPr marL="1900000" indent="-228600" algn="l" defTabSz="457200" rtl="0" eaLnBrk="1" latinLnBrk="0" hangingPunct="1">
+              <a:spcBef>
+                <a:spcPct val="20000"/>
+              </a:spcBef>
+              <a:spcAft>
+                <a:spcPts val="600"/>
+              </a:spcAft>
+              <a:buClr>
+                <a:schemeClr val="accent2"/>
+              </a:buClr>
+              <a:buSzPct val="92000"/>
+              <a:buFont typeface="Wingdings 2" panose="05020102010507070707" pitchFamily="18" charset="2"/>
+              <a:buChar char=""/>
+              <a:defRPr sz="1200" kern="1200">
+                <a:solidFill>
+                  <a:schemeClr val="tx2"/>
+                </a:solidFill>
+                <a:latin typeface="+mn-lt"/>
+                <a:ea typeface="+mn-ea"/>
+                <a:cs typeface="+mn-cs"/>
+              </a:defRPr>
+            </a:lvl6pPr>
+            <a:lvl7pPr marL="2200000" indent="-228600" algn="l" defTabSz="457200" rtl="0" eaLnBrk="1" latinLnBrk="0" hangingPunct="1">
+              <a:spcBef>
+                <a:spcPct val="20000"/>
+              </a:spcBef>
+              <a:spcAft>
+                <a:spcPts val="600"/>
+              </a:spcAft>
+              <a:buClr>
+                <a:schemeClr val="accent2"/>
+              </a:buClr>
+              <a:buSzPct val="92000"/>
+              <a:buFont typeface="Wingdings 2" panose="05020102010507070707" pitchFamily="18" charset="2"/>
+              <a:buChar char=""/>
+              <a:defRPr sz="1200" kern="1200">
+                <a:solidFill>
+                  <a:schemeClr val="tx2"/>
+                </a:solidFill>
+                <a:latin typeface="+mn-lt"/>
+                <a:ea typeface="+mn-ea"/>
+                <a:cs typeface="+mn-cs"/>
+              </a:defRPr>
+            </a:lvl7pPr>
+            <a:lvl8pPr marL="2500000" indent="-228600" algn="l" defTabSz="457200" rtl="0" eaLnBrk="1" latinLnBrk="0" hangingPunct="1">
+              <a:spcBef>
+                <a:spcPct val="20000"/>
+              </a:spcBef>
+              <a:spcAft>
+                <a:spcPts val="600"/>
+              </a:spcAft>
+              <a:buClr>
+                <a:schemeClr val="accent2"/>
+              </a:buClr>
+              <a:buSzPct val="92000"/>
+              <a:buFont typeface="Wingdings 2" panose="05020102010507070707" pitchFamily="18" charset="2"/>
+              <a:buChar char=""/>
+              <a:defRPr sz="1200" kern="1200">
+                <a:solidFill>
+                  <a:schemeClr val="tx2"/>
+                </a:solidFill>
+                <a:latin typeface="+mn-lt"/>
+                <a:ea typeface="+mn-ea"/>
+                <a:cs typeface="+mn-cs"/>
+              </a:defRPr>
+            </a:lvl8pPr>
+            <a:lvl9pPr marL="2800000" indent="-228600" algn="l" defTabSz="457200" rtl="0" eaLnBrk="1" latinLnBrk="0" hangingPunct="1">
+              <a:spcBef>
+                <a:spcPct val="20000"/>
+              </a:spcBef>
+              <a:spcAft>
+                <a:spcPts val="600"/>
+              </a:spcAft>
+              <a:buClr>
+                <a:schemeClr val="accent2"/>
+              </a:buClr>
+              <a:buSzPct val="92000"/>
+              <a:buFont typeface="Wingdings 2" panose="05020102010507070707" pitchFamily="18" charset="2"/>
+              <a:buChar char=""/>
+              <a:defRPr sz="1200" kern="1200">
+                <a:solidFill>
+                  <a:schemeClr val="tx2"/>
+                </a:solidFill>
+                <a:latin typeface="+mn-lt"/>
+                <a:ea typeface="+mn-ea"/>
+                <a:cs typeface="+mn-cs"/>
+              </a:defRPr>
+            </a:lvl9pPr>
+          </a:lstStyle>
+          <a:p>
+            <a:r>
+              <a:rPr lang="ru-RU" sz="2400" dirty="0" smtClean="0"/>
+              <a:t>Макет </a:t>
+            </a:r>
+            <a:r>
+              <a:rPr lang="ru-RU" sz="2400" u="sng" dirty="0" smtClean="0"/>
+              <a:t>Главной страницы (низ)</a:t>
+            </a:r>
+            <a:endParaRPr lang="ru-RU" sz="2400" u="sng" dirty="0" smtClean="0"/>
+          </a:p>
+        </p:txBody>
+      </p:sp>
+    </p:spTree>
+    <p:extLst>
+      <p:ext uri="{BB962C8B-B14F-4D97-AF65-F5344CB8AC3E}">
+        <p14:creationId xmlns:p14="http://schemas.microsoft.com/office/powerpoint/2010/main" val="572637135"/>
       </p:ext>
     </p:extLst>
   </p:cSld>

--- a/Сайт для компании «Кисловодск-строй».pptx
+++ b/Сайт для компании «Кисловодск-строй».pptx
@@ -1,17 +1,25 @@
 
 <file path=ppt/presentation.xml><?xml version="1.0" encoding="utf-8"?>
-<p:presentation xmlns:a="http://schemas.openxmlformats.org/drawingml/2006/main" xmlns:r="http://schemas.openxmlformats.org/officeDocument/2006/relationships" xmlns:p="http://schemas.openxmlformats.org/presentationml/2006/main" autoCompressPictures="0">
+<p:presentation xmlns:a="http://schemas.openxmlformats.org/drawingml/2006/main" xmlns:r="http://schemas.openxmlformats.org/officeDocument/2006/relationships" xmlns:p="http://schemas.openxmlformats.org/presentationml/2006/main" showSpecialPlsOnTitleSld="0" autoCompressPictures="0">
   <p:sldMasterIdLst>
-    <p:sldMasterId id="2147483648" r:id="rId1"/>
+    <p:sldMasterId id="2147483684" r:id="rId1"/>
   </p:sldMasterIdLst>
+  <p:notesMasterIdLst>
+    <p:notesMasterId r:id="rId14"/>
+  </p:notesMasterIdLst>
   <p:sldIdLst>
     <p:sldId id="256" r:id="rId2"/>
     <p:sldId id="257" r:id="rId3"/>
     <p:sldId id="258" r:id="rId4"/>
     <p:sldId id="259" r:id="rId5"/>
-    <p:sldId id="260" r:id="rId6"/>
-    <p:sldId id="261" r:id="rId7"/>
-    <p:sldId id="262" r:id="rId8"/>
+    <p:sldId id="263" r:id="rId6"/>
+    <p:sldId id="260" r:id="rId7"/>
+    <p:sldId id="268" r:id="rId8"/>
+    <p:sldId id="262" r:id="rId9"/>
+    <p:sldId id="264" r:id="rId10"/>
+    <p:sldId id="265" r:id="rId11"/>
+    <p:sldId id="266" r:id="rId12"/>
+    <p:sldId id="267" r:id="rId13"/>
   </p:sldIdLst>
   <p:sldSz cx="12192000" cy="6858000"/>
   <p:notesSz cx="6858000" cy="9144000"/>
@@ -118,6 +126,382 @@
 </p:presentation>
 </file>
 
+<file path=ppt/commentAuthors.xml><?xml version="1.0" encoding="utf-8"?>
+<p:cmAuthorLst xmlns:a="http://schemas.openxmlformats.org/drawingml/2006/main" xmlns:r="http://schemas.openxmlformats.org/officeDocument/2006/relationships" xmlns:p="http://schemas.openxmlformats.org/presentationml/2006/main">
+  <p:cmAuthor id="1" name="evgen" initials="e" lastIdx="1" clrIdx="0">
+    <p:extLst>
+      <p:ext uri="{19B8F6BF-5375-455C-9EA6-DF929625EA0E}">
+        <p15:presenceInfo xmlns:p15="http://schemas.microsoft.com/office/powerpoint/2012/main" userId="7c2057cc35d274f8" providerId="Windows Live"/>
+      </p:ext>
+    </p:extLst>
+  </p:cmAuthor>
+</p:cmAuthorLst>
+</file>
+
+<file path=ppt/comments/comment1.xml><?xml version="1.0" encoding="utf-8"?>
+<p:cmLst xmlns:a="http://schemas.openxmlformats.org/drawingml/2006/main" xmlns:r="http://schemas.openxmlformats.org/officeDocument/2006/relationships" xmlns:p="http://schemas.openxmlformats.org/presentationml/2006/main">
+  <p:cm authorId="1" dt="2024-06-18T21:43:01.671" idx="1">
+    <p:pos x="10" y="10"/>
+    <p:text/>
+    <p:extLst>
+      <p:ext uri="{C676402C-5697-4E1C-873F-D02D1690AC5C}">
+        <p15:threadingInfo xmlns:p15="http://schemas.microsoft.com/office/powerpoint/2012/main" timeZoneBias="-180"/>
+      </p:ext>
+    </p:extLst>
+  </p:cm>
+</p:cmLst>
+</file>
+
+<file path=ppt/notesMasters/notesMaster1.xml><?xml version="1.0" encoding="utf-8"?>
+<p:notesMaster xmlns:a="http://schemas.openxmlformats.org/drawingml/2006/main" xmlns:r="http://schemas.openxmlformats.org/officeDocument/2006/relationships" xmlns:p="http://schemas.openxmlformats.org/presentationml/2006/main">
+  <p:cSld>
+    <p:bg>
+      <p:bgRef idx="1001">
+        <a:schemeClr val="bg1"/>
+      </p:bgRef>
+    </p:bg>
+    <p:spTree>
+      <p:nvGrpSpPr>
+        <p:cNvPr id="1" name=""/>
+        <p:cNvGrpSpPr/>
+        <p:nvPr/>
+      </p:nvGrpSpPr>
+      <p:grpSpPr>
+        <a:xfrm>
+          <a:off x="0" y="0"/>
+          <a:ext cx="0" cy="0"/>
+          <a:chOff x="0" y="0"/>
+          <a:chExt cx="0" cy="0"/>
+        </a:xfrm>
+      </p:grpSpPr>
+      <p:sp>
+        <p:nvSpPr>
+          <p:cNvPr id="2" name="Верхний колонтитул 1"/>
+          <p:cNvSpPr>
+            <a:spLocks noGrp="1"/>
+          </p:cNvSpPr>
+          <p:nvPr>
+            <p:ph type="hdr" sz="quarter"/>
+          </p:nvPr>
+        </p:nvSpPr>
+        <p:spPr>
+          <a:xfrm>
+            <a:off x="0" y="0"/>
+            <a:ext cx="2971800" cy="458788"/>
+          </a:xfrm>
+          <a:prstGeom prst="rect">
+            <a:avLst/>
+          </a:prstGeom>
+        </p:spPr>
+        <p:txBody>
+          <a:bodyPr vert="horz" lIns="91440" tIns="45720" rIns="91440" bIns="45720" rtlCol="0"/>
+          <a:lstStyle>
+            <a:lvl1pPr algn="l">
+              <a:defRPr sz="1200"/>
+            </a:lvl1pPr>
+          </a:lstStyle>
+          <a:p>
+            <a:endParaRPr lang="ru-RU"/>
+          </a:p>
+        </p:txBody>
+      </p:sp>
+      <p:sp>
+        <p:nvSpPr>
+          <p:cNvPr id="3" name="Дата 2"/>
+          <p:cNvSpPr>
+            <a:spLocks noGrp="1"/>
+          </p:cNvSpPr>
+          <p:nvPr>
+            <p:ph type="dt" idx="1"/>
+          </p:nvPr>
+        </p:nvSpPr>
+        <p:spPr>
+          <a:xfrm>
+            <a:off x="3884613" y="0"/>
+            <a:ext cx="2971800" cy="458788"/>
+          </a:xfrm>
+          <a:prstGeom prst="rect">
+            <a:avLst/>
+          </a:prstGeom>
+        </p:spPr>
+        <p:txBody>
+          <a:bodyPr vert="horz" lIns="91440" tIns="45720" rIns="91440" bIns="45720" rtlCol="0"/>
+          <a:lstStyle>
+            <a:lvl1pPr algn="r">
+              <a:defRPr sz="1200"/>
+            </a:lvl1pPr>
+          </a:lstStyle>
+          <a:p>
+            <a:fld id="{AC8D3FD7-A755-4966-A4E3-844B456159E1}" type="datetimeFigureOut">
+              <a:rPr lang="ru-RU" smtClean="0"/>
+              <a:t>18.06.2024</a:t>
+            </a:fld>
+            <a:endParaRPr lang="ru-RU"/>
+          </a:p>
+        </p:txBody>
+      </p:sp>
+      <p:sp>
+        <p:nvSpPr>
+          <p:cNvPr id="4" name="Образ слайда 3"/>
+          <p:cNvSpPr>
+            <a:spLocks noGrp="1" noRot="1" noChangeAspect="1"/>
+          </p:cNvSpPr>
+          <p:nvPr>
+            <p:ph type="sldImg" idx="2"/>
+          </p:nvPr>
+        </p:nvSpPr>
+        <p:spPr>
+          <a:xfrm>
+            <a:off x="685800" y="1143000"/>
+            <a:ext cx="5486400" cy="3086100"/>
+          </a:xfrm>
+          <a:prstGeom prst="rect">
+            <a:avLst/>
+          </a:prstGeom>
+          <a:noFill/>
+          <a:ln w="12700">
+            <a:solidFill>
+              <a:prstClr val="black"/>
+            </a:solidFill>
+          </a:ln>
+        </p:spPr>
+        <p:txBody>
+          <a:bodyPr vert="horz" lIns="91440" tIns="45720" rIns="91440" bIns="45720" rtlCol="0" anchor="ctr"/>
+          <a:lstStyle/>
+          <a:p>
+            <a:endParaRPr lang="ru-RU"/>
+          </a:p>
+        </p:txBody>
+      </p:sp>
+      <p:sp>
+        <p:nvSpPr>
+          <p:cNvPr id="5" name="Заметки 4"/>
+          <p:cNvSpPr>
+            <a:spLocks noGrp="1"/>
+          </p:cNvSpPr>
+          <p:nvPr>
+            <p:ph type="body" sz="quarter" idx="3"/>
+          </p:nvPr>
+        </p:nvSpPr>
+        <p:spPr>
+          <a:xfrm>
+            <a:off x="685800" y="4400550"/>
+            <a:ext cx="5486400" cy="3600450"/>
+          </a:xfrm>
+          <a:prstGeom prst="rect">
+            <a:avLst/>
+          </a:prstGeom>
+        </p:spPr>
+        <p:txBody>
+          <a:bodyPr vert="horz" lIns="91440" tIns="45720" rIns="91440" bIns="45720" rtlCol="0"/>
+          <a:lstStyle/>
+          <a:p>
+            <a:pPr lvl="0"/>
+            <a:r>
+              <a:rPr lang="ru-RU" smtClean="0"/>
+              <a:t>Образец текста</a:t>
+            </a:r>
+          </a:p>
+          <a:p>
+            <a:pPr lvl="1"/>
+            <a:r>
+              <a:rPr lang="ru-RU" smtClean="0"/>
+              <a:t>Второй уровень</a:t>
+            </a:r>
+          </a:p>
+          <a:p>
+            <a:pPr lvl="2"/>
+            <a:r>
+              <a:rPr lang="ru-RU" smtClean="0"/>
+              <a:t>Третий уровень</a:t>
+            </a:r>
+          </a:p>
+          <a:p>
+            <a:pPr lvl="3"/>
+            <a:r>
+              <a:rPr lang="ru-RU" smtClean="0"/>
+              <a:t>Четвертый уровень</a:t>
+            </a:r>
+          </a:p>
+          <a:p>
+            <a:pPr lvl="4"/>
+            <a:r>
+              <a:rPr lang="ru-RU" smtClean="0"/>
+              <a:t>Пятый уровень</a:t>
+            </a:r>
+            <a:endParaRPr lang="ru-RU"/>
+          </a:p>
+        </p:txBody>
+      </p:sp>
+      <p:sp>
+        <p:nvSpPr>
+          <p:cNvPr id="6" name="Нижний колонтитул 5"/>
+          <p:cNvSpPr>
+            <a:spLocks noGrp="1"/>
+          </p:cNvSpPr>
+          <p:nvPr>
+            <p:ph type="ftr" sz="quarter" idx="4"/>
+          </p:nvPr>
+        </p:nvSpPr>
+        <p:spPr>
+          <a:xfrm>
+            <a:off x="0" y="8685213"/>
+            <a:ext cx="2971800" cy="458787"/>
+          </a:xfrm>
+          <a:prstGeom prst="rect">
+            <a:avLst/>
+          </a:prstGeom>
+        </p:spPr>
+        <p:txBody>
+          <a:bodyPr vert="horz" lIns="91440" tIns="45720" rIns="91440" bIns="45720" rtlCol="0" anchor="b"/>
+          <a:lstStyle>
+            <a:lvl1pPr algn="l">
+              <a:defRPr sz="1200"/>
+            </a:lvl1pPr>
+          </a:lstStyle>
+          <a:p>
+            <a:endParaRPr lang="ru-RU"/>
+          </a:p>
+        </p:txBody>
+      </p:sp>
+      <p:sp>
+        <p:nvSpPr>
+          <p:cNvPr id="7" name="Номер слайда 6"/>
+          <p:cNvSpPr>
+            <a:spLocks noGrp="1"/>
+          </p:cNvSpPr>
+          <p:nvPr>
+            <p:ph type="sldNum" sz="quarter" idx="5"/>
+          </p:nvPr>
+        </p:nvSpPr>
+        <p:spPr>
+          <a:xfrm>
+            <a:off x="3884613" y="8685213"/>
+            <a:ext cx="2971800" cy="458787"/>
+          </a:xfrm>
+          <a:prstGeom prst="rect">
+            <a:avLst/>
+          </a:prstGeom>
+        </p:spPr>
+        <p:txBody>
+          <a:bodyPr vert="horz" lIns="91440" tIns="45720" rIns="91440" bIns="45720" rtlCol="0" anchor="b"/>
+          <a:lstStyle>
+            <a:lvl1pPr algn="r">
+              <a:defRPr sz="1200"/>
+            </a:lvl1pPr>
+          </a:lstStyle>
+          <a:p>
+            <a:fld id="{A9DB48F5-1657-4915-8D98-F0B144A908CC}" type="slidenum">
+              <a:rPr lang="ru-RU" smtClean="0"/>
+              <a:t>‹#›</a:t>
+            </a:fld>
+            <a:endParaRPr lang="ru-RU"/>
+          </a:p>
+        </p:txBody>
+      </p:sp>
+    </p:spTree>
+    <p:extLst>
+      <p:ext uri="{BB962C8B-B14F-4D97-AF65-F5344CB8AC3E}">
+        <p14:creationId xmlns:p14="http://schemas.microsoft.com/office/powerpoint/2010/main" val="2202445"/>
+      </p:ext>
+    </p:extLst>
+  </p:cSld>
+  <p:clrMap bg1="lt1" tx1="dk1" bg2="lt2" tx2="dk2" accent1="accent1" accent2="accent2" accent3="accent3" accent4="accent4" accent5="accent5" accent6="accent6" hlink="hlink" folHlink="folHlink"/>
+  <p:notesStyle>
+    <a:lvl1pPr marL="0" algn="l" defTabSz="914400" rtl="0" eaLnBrk="1" latinLnBrk="0" hangingPunct="1">
+      <a:defRPr sz="1200" kern="1200">
+        <a:solidFill>
+          <a:schemeClr val="tx1"/>
+        </a:solidFill>
+        <a:latin typeface="+mn-lt"/>
+        <a:ea typeface="+mn-ea"/>
+        <a:cs typeface="+mn-cs"/>
+      </a:defRPr>
+    </a:lvl1pPr>
+    <a:lvl2pPr marL="457200" algn="l" defTabSz="914400" rtl="0" eaLnBrk="1" latinLnBrk="0" hangingPunct="1">
+      <a:defRPr sz="1200" kern="1200">
+        <a:solidFill>
+          <a:schemeClr val="tx1"/>
+        </a:solidFill>
+        <a:latin typeface="+mn-lt"/>
+        <a:ea typeface="+mn-ea"/>
+        <a:cs typeface="+mn-cs"/>
+      </a:defRPr>
+    </a:lvl2pPr>
+    <a:lvl3pPr marL="914400" algn="l" defTabSz="914400" rtl="0" eaLnBrk="1" latinLnBrk="0" hangingPunct="1">
+      <a:defRPr sz="1200" kern="1200">
+        <a:solidFill>
+          <a:schemeClr val="tx1"/>
+        </a:solidFill>
+        <a:latin typeface="+mn-lt"/>
+        <a:ea typeface="+mn-ea"/>
+        <a:cs typeface="+mn-cs"/>
+      </a:defRPr>
+    </a:lvl3pPr>
+    <a:lvl4pPr marL="1371600" algn="l" defTabSz="914400" rtl="0" eaLnBrk="1" latinLnBrk="0" hangingPunct="1">
+      <a:defRPr sz="1200" kern="1200">
+        <a:solidFill>
+          <a:schemeClr val="tx1"/>
+        </a:solidFill>
+        <a:latin typeface="+mn-lt"/>
+        <a:ea typeface="+mn-ea"/>
+        <a:cs typeface="+mn-cs"/>
+      </a:defRPr>
+    </a:lvl4pPr>
+    <a:lvl5pPr marL="1828800" algn="l" defTabSz="914400" rtl="0" eaLnBrk="1" latinLnBrk="0" hangingPunct="1">
+      <a:defRPr sz="1200" kern="1200">
+        <a:solidFill>
+          <a:schemeClr val="tx1"/>
+        </a:solidFill>
+        <a:latin typeface="+mn-lt"/>
+        <a:ea typeface="+mn-ea"/>
+        <a:cs typeface="+mn-cs"/>
+      </a:defRPr>
+    </a:lvl5pPr>
+    <a:lvl6pPr marL="2286000" algn="l" defTabSz="914400" rtl="0" eaLnBrk="1" latinLnBrk="0" hangingPunct="1">
+      <a:defRPr sz="1200" kern="1200">
+        <a:solidFill>
+          <a:schemeClr val="tx1"/>
+        </a:solidFill>
+        <a:latin typeface="+mn-lt"/>
+        <a:ea typeface="+mn-ea"/>
+        <a:cs typeface="+mn-cs"/>
+      </a:defRPr>
+    </a:lvl6pPr>
+    <a:lvl7pPr marL="2743200" algn="l" defTabSz="914400" rtl="0" eaLnBrk="1" latinLnBrk="0" hangingPunct="1">
+      <a:defRPr sz="1200" kern="1200">
+        <a:solidFill>
+          <a:schemeClr val="tx1"/>
+        </a:solidFill>
+        <a:latin typeface="+mn-lt"/>
+        <a:ea typeface="+mn-ea"/>
+        <a:cs typeface="+mn-cs"/>
+      </a:defRPr>
+    </a:lvl7pPr>
+    <a:lvl8pPr marL="3200400" algn="l" defTabSz="914400" rtl="0" eaLnBrk="1" latinLnBrk="0" hangingPunct="1">
+      <a:defRPr sz="1200" kern="1200">
+        <a:solidFill>
+          <a:schemeClr val="tx1"/>
+        </a:solidFill>
+        <a:latin typeface="+mn-lt"/>
+        <a:ea typeface="+mn-ea"/>
+        <a:cs typeface="+mn-cs"/>
+      </a:defRPr>
+    </a:lvl8pPr>
+    <a:lvl9pPr marL="3657600" algn="l" defTabSz="914400" rtl="0" eaLnBrk="1" latinLnBrk="0" hangingPunct="1">
+      <a:defRPr sz="1200" kern="1200">
+        <a:solidFill>
+          <a:schemeClr val="tx1"/>
+        </a:solidFill>
+        <a:latin typeface="+mn-lt"/>
+        <a:ea typeface="+mn-ea"/>
+        <a:cs typeface="+mn-cs"/>
+      </a:defRPr>
+    </a:lvl9pPr>
+  </p:notesStyle>
+</p:notesMaster>
+</file>
+
 <file path=ppt/slideLayouts/slideLayout1.xml><?xml version="1.0" encoding="utf-8"?>
 <p:sldLayout xmlns:a="http://schemas.openxmlformats.org/drawingml/2006/main" xmlns:r="http://schemas.openxmlformats.org/officeDocument/2006/relationships" xmlns:p="http://schemas.openxmlformats.org/presentationml/2006/main" type="title" preserve="1">
   <p:cSld name="Титульный слайд">
@@ -361,9 +745,8 @@
             </a:lvl1pPr>
           </a:lstStyle>
           <a:p>
-            <a:fld id="{B61BEF0D-F0BB-DE4B-95CE-6DB70DBA9567}" type="datetimeFigureOut">
-              <a:rPr lang="en-US" dirty="0"/>
-              <a:pPr/>
+            <a:fld id="{739B03AD-6ED1-4274-A52A-DC9FA690B45D}" type="datetime1">
+              <a:rPr lang="en-US" smtClean="0"/>
               <a:t>6/18/2024</a:t>
             </a:fld>
             <a:endParaRPr lang="en-US" dirty="0"/>
@@ -437,7 +820,7 @@
           </a:lstStyle>
           <a:p>
             <a:fld id="{D57F1E4F-1CFF-5643-939E-217C01CDF565}" type="slidenum">
-              <a:rPr lang="en-US" dirty="0"/>
+              <a:rPr lang="en-US" smtClean="0"/>
               <a:pPr/>
               <a:t>‹#›</a:t>
             </a:fld>
@@ -446,6 +829,11 @@
         </p:txBody>
       </p:sp>
     </p:spTree>
+    <p:extLst>
+      <p:ext uri="{BB962C8B-B14F-4D97-AF65-F5344CB8AC3E}">
+        <p14:creationId xmlns:p14="http://schemas.microsoft.com/office/powerpoint/2010/main" val="3867847070"/>
+      </p:ext>
+    </p:extLst>
   </p:cSld>
   <p:clrMapOvr>
     <a:masterClrMapping/>
@@ -620,9 +1008,8 @@
           <a:bodyPr/>
           <a:lstStyle/>
           <a:p>
-            <a:fld id="{B61BEF0D-F0BB-DE4B-95CE-6DB70DBA9567}" type="datetimeFigureOut">
-              <a:rPr lang="en-US" dirty="0"/>
-              <a:pPr/>
+            <a:fld id="{4D2B0814-6C13-4B68-BA33-FC93401D68EA}" type="datetime1">
+              <a:rPr lang="en-US" smtClean="0"/>
               <a:t>6/18/2024</a:t>
             </a:fld>
             <a:endParaRPr lang="en-US" dirty="0"/>
@@ -664,7 +1051,7 @@
           <a:lstStyle/>
           <a:p>
             <a:fld id="{D57F1E4F-1CFF-5643-939E-217C01CDF565}" type="slidenum">
-              <a:rPr lang="en-US" dirty="0"/>
+              <a:rPr lang="en-US" smtClean="0"/>
               <a:pPr/>
               <a:t>‹#›</a:t>
             </a:fld>
@@ -673,6 +1060,11 @@
         </p:txBody>
       </p:sp>
     </p:spTree>
+    <p:extLst>
+      <p:ext uri="{BB962C8B-B14F-4D97-AF65-F5344CB8AC3E}">
+        <p14:creationId xmlns:p14="http://schemas.microsoft.com/office/powerpoint/2010/main" val="3370827437"/>
+      </p:ext>
+    </p:extLst>
   </p:cSld>
   <p:clrMapOvr>
     <a:masterClrMapping/>
@@ -852,9 +1244,8 @@
             </a:lvl1pPr>
           </a:lstStyle>
           <a:p>
-            <a:fld id="{B61BEF0D-F0BB-DE4B-95CE-6DB70DBA9567}" type="datetimeFigureOut">
-              <a:rPr lang="en-US" dirty="0"/>
-              <a:pPr/>
+            <a:fld id="{6A8EC655-A397-44F6-BEB5-313C5D0F8057}" type="datetime1">
+              <a:rPr lang="en-US" smtClean="0"/>
               <a:t>6/18/2024</a:t>
             </a:fld>
             <a:endParaRPr lang="en-US" dirty="0"/>
@@ -917,7 +1308,7 @@
           </a:lstStyle>
           <a:p>
             <a:fld id="{D57F1E4F-1CFF-5643-939E-217C01CDF565}" type="slidenum">
-              <a:rPr lang="en-US" dirty="0"/>
+              <a:rPr lang="en-US" smtClean="0"/>
               <a:pPr/>
               <a:t>‹#›</a:t>
             </a:fld>
@@ -926,6 +1317,11 @@
         </p:txBody>
       </p:sp>
     </p:spTree>
+    <p:extLst>
+      <p:ext uri="{BB962C8B-B14F-4D97-AF65-F5344CB8AC3E}">
+        <p14:creationId xmlns:p14="http://schemas.microsoft.com/office/powerpoint/2010/main" val="2485202595"/>
+      </p:ext>
+    </p:extLst>
   </p:cSld>
   <p:clrMapOvr>
     <a:masterClrMapping/>
@@ -1089,9 +1485,8 @@
           <a:bodyPr/>
           <a:lstStyle/>
           <a:p>
-            <a:fld id="{B61BEF0D-F0BB-DE4B-95CE-6DB70DBA9567}" type="datetimeFigureOut">
-              <a:rPr lang="en-US" dirty="0"/>
-              <a:pPr/>
+            <a:fld id="{8173375E-3736-4BED-B83B-878B977CCF33}" type="datetime1">
+              <a:rPr lang="en-US" smtClean="0"/>
               <a:t>6/18/2024</a:t>
             </a:fld>
             <a:endParaRPr lang="en-US" dirty="0"/>
@@ -1138,7 +1533,7 @@
           <a:lstStyle/>
           <a:p>
             <a:fld id="{D57F1E4F-1CFF-5643-939E-217C01CDF565}" type="slidenum">
-              <a:rPr lang="en-US" dirty="0"/>
+              <a:rPr lang="en-US" smtClean="0"/>
               <a:pPr/>
               <a:t>‹#›</a:t>
             </a:fld>
@@ -1147,6 +1542,11 @@
         </p:txBody>
       </p:sp>
     </p:spTree>
+    <p:extLst>
+      <p:ext uri="{BB962C8B-B14F-4D97-AF65-F5344CB8AC3E}">
+        <p14:creationId xmlns:p14="http://schemas.microsoft.com/office/powerpoint/2010/main" val="1372031180"/>
+      </p:ext>
+    </p:extLst>
   </p:cSld>
   <p:clrMapOvr>
     <a:masterClrMapping/>
@@ -1393,9 +1793,8 @@
             </a:lvl1pPr>
           </a:lstStyle>
           <a:p>
-            <a:fld id="{B61BEF0D-F0BB-DE4B-95CE-6DB70DBA9567}" type="datetimeFigureOut">
-              <a:rPr lang="en-US" dirty="0"/>
-              <a:pPr/>
+            <a:fld id="{8EE8A1D6-559C-4085-B648-411A8ED5D278}" type="datetime1">
+              <a:rPr lang="en-US" smtClean="0"/>
               <a:t>6/18/2024</a:t>
             </a:fld>
             <a:endParaRPr lang="en-US" dirty="0"/>
@@ -1459,7 +1858,7 @@
           </a:lstStyle>
           <a:p>
             <a:fld id="{D57F1E4F-1CFF-5643-939E-217C01CDF565}" type="slidenum">
-              <a:rPr lang="en-US" dirty="0"/>
+              <a:rPr lang="en-US" smtClean="0"/>
               <a:pPr/>
               <a:t>‹#›</a:t>
             </a:fld>
@@ -1468,6 +1867,11 @@
         </p:txBody>
       </p:sp>
     </p:spTree>
+    <p:extLst>
+      <p:ext uri="{BB962C8B-B14F-4D97-AF65-F5344CB8AC3E}">
+        <p14:creationId xmlns:p14="http://schemas.microsoft.com/office/powerpoint/2010/main" val="1820369912"/>
+      </p:ext>
+    </p:extLst>
   </p:cSld>
   <p:clrMapOvr>
     <a:masterClrMapping/>
@@ -1692,9 +2096,8 @@
           <a:bodyPr/>
           <a:lstStyle/>
           <a:p>
-            <a:fld id="{B61BEF0D-F0BB-DE4B-95CE-6DB70DBA9567}" type="datetimeFigureOut">
-              <a:rPr lang="en-US" dirty="0"/>
-              <a:pPr/>
+            <a:fld id="{EAD5F190-BFE2-4CFD-9A7E-BD949474EF89}" type="datetime1">
+              <a:rPr lang="en-US" smtClean="0"/>
               <a:t>6/18/2024</a:t>
             </a:fld>
             <a:endParaRPr lang="en-US" dirty="0"/>
@@ -1736,7 +2139,7 @@
           <a:lstStyle/>
           <a:p>
             <a:fld id="{D57F1E4F-1CFF-5643-939E-217C01CDF565}" type="slidenum">
-              <a:rPr lang="en-US" dirty="0"/>
+              <a:rPr lang="en-US" smtClean="0"/>
               <a:pPr/>
               <a:t>‹#›</a:t>
             </a:fld>
@@ -1745,6 +2148,11 @@
         </p:txBody>
       </p:sp>
     </p:spTree>
+    <p:extLst>
+      <p:ext uri="{BB962C8B-B14F-4D97-AF65-F5344CB8AC3E}">
+        <p14:creationId xmlns:p14="http://schemas.microsoft.com/office/powerpoint/2010/main" val="2730124531"/>
+      </p:ext>
+    </p:extLst>
   </p:cSld>
   <p:clrMapOvr>
     <a:masterClrMapping/>
@@ -2111,9 +2519,8 @@
           <a:bodyPr/>
           <a:lstStyle/>
           <a:p>
-            <a:fld id="{B61BEF0D-F0BB-DE4B-95CE-6DB70DBA9567}" type="datetimeFigureOut">
-              <a:rPr lang="en-US" dirty="0"/>
-              <a:pPr/>
+            <a:fld id="{CA185710-0CB8-4676-9B8A-3AA4A0ACE6ED}" type="datetime1">
+              <a:rPr lang="en-US" smtClean="0"/>
               <a:t>6/18/2024</a:t>
             </a:fld>
             <a:endParaRPr lang="en-US" dirty="0"/>
@@ -2155,7 +2562,7 @@
           <a:lstStyle/>
           <a:p>
             <a:fld id="{D57F1E4F-1CFF-5643-939E-217C01CDF565}" type="slidenum">
-              <a:rPr lang="en-US" dirty="0"/>
+              <a:rPr lang="en-US" smtClean="0"/>
               <a:pPr/>
               <a:t>‹#›</a:t>
             </a:fld>
@@ -2164,6 +2571,11 @@
         </p:txBody>
       </p:sp>
     </p:spTree>
+    <p:extLst>
+      <p:ext uri="{BB962C8B-B14F-4D97-AF65-F5344CB8AC3E}">
+        <p14:creationId xmlns:p14="http://schemas.microsoft.com/office/powerpoint/2010/main" val="1083707250"/>
+      </p:ext>
+    </p:extLst>
   </p:cSld>
   <p:clrMapOvr>
     <a:masterClrMapping/>
@@ -2270,9 +2682,8 @@
           <a:bodyPr/>
           <a:lstStyle/>
           <a:p>
-            <a:fld id="{B61BEF0D-F0BB-DE4B-95CE-6DB70DBA9567}" type="datetimeFigureOut">
-              <a:rPr lang="en-US" dirty="0"/>
-              <a:pPr/>
+            <a:fld id="{FA8B0F95-D820-4A9A-9A58-FE09324B1C7B}" type="datetime1">
+              <a:rPr lang="en-US" smtClean="0"/>
               <a:t>6/18/2024</a:t>
             </a:fld>
             <a:endParaRPr lang="en-US" dirty="0"/>
@@ -2314,7 +2725,7 @@
           <a:lstStyle/>
           <a:p>
             <a:fld id="{D57F1E4F-1CFF-5643-939E-217C01CDF565}" type="slidenum">
-              <a:rPr lang="en-US" dirty="0"/>
+              <a:rPr lang="en-US" smtClean="0"/>
               <a:pPr/>
               <a:t>‹#›</a:t>
             </a:fld>
@@ -2323,6 +2734,11 @@
         </p:txBody>
       </p:sp>
     </p:spTree>
+    <p:extLst>
+      <p:ext uri="{BB962C8B-B14F-4D97-AF65-F5344CB8AC3E}">
+        <p14:creationId xmlns:p14="http://schemas.microsoft.com/office/powerpoint/2010/main" val="2415844250"/>
+      </p:ext>
+    </p:extLst>
   </p:cSld>
   <p:clrMapOvr>
     <a:masterClrMapping/>
@@ -2362,9 +2778,8 @@
           <a:bodyPr/>
           <a:lstStyle/>
           <a:p>
-            <a:fld id="{B61BEF0D-F0BB-DE4B-95CE-6DB70DBA9567}" type="datetimeFigureOut">
-              <a:rPr lang="en-US" dirty="0"/>
-              <a:pPr/>
+            <a:fld id="{7763D4B6-5C60-499C-BC94-767365083D7C}" type="datetime1">
+              <a:rPr lang="en-US" smtClean="0"/>
               <a:t>6/18/2024</a:t>
             </a:fld>
             <a:endParaRPr lang="en-US" dirty="0"/>
@@ -2406,7 +2821,7 @@
           <a:lstStyle/>
           <a:p>
             <a:fld id="{D57F1E4F-1CFF-5643-939E-217C01CDF565}" type="slidenum">
-              <a:rPr lang="en-US" dirty="0"/>
+              <a:rPr lang="en-US" smtClean="0"/>
               <a:pPr/>
               <a:t>‹#›</a:t>
             </a:fld>
@@ -2415,6 +2830,11 @@
         </p:txBody>
       </p:sp>
     </p:spTree>
+    <p:extLst>
+      <p:ext uri="{BB962C8B-B14F-4D97-AF65-F5344CB8AC3E}">
+        <p14:creationId xmlns:p14="http://schemas.microsoft.com/office/powerpoint/2010/main" val="3503780776"/>
+      </p:ext>
+    </p:extLst>
   </p:cSld>
   <p:clrMapOvr>
     <a:masterClrMapping/>
@@ -2737,9 +3157,8 @@
             </a:lvl1pPr>
           </a:lstStyle>
           <a:p>
-            <a:fld id="{B61BEF0D-F0BB-DE4B-95CE-6DB70DBA9567}" type="datetimeFigureOut">
-              <a:rPr lang="en-US" dirty="0"/>
-              <a:pPr/>
+            <a:fld id="{D421958E-7981-43C3-93C0-452CF197834A}" type="datetime1">
+              <a:rPr lang="en-US" smtClean="0"/>
               <a:t>6/18/2024</a:t>
             </a:fld>
             <a:endParaRPr lang="en-US" dirty="0"/>
@@ -2803,7 +3222,7 @@
           </a:lstStyle>
           <a:p>
             <a:fld id="{D57F1E4F-1CFF-5643-939E-217C01CDF565}" type="slidenum">
-              <a:rPr lang="en-US" dirty="0"/>
+              <a:rPr lang="en-US" smtClean="0"/>
               <a:pPr/>
               <a:t>‹#›</a:t>
             </a:fld>
@@ -2812,6 +3231,11 @@
         </p:txBody>
       </p:sp>
     </p:spTree>
+    <p:extLst>
+      <p:ext uri="{BB962C8B-B14F-4D97-AF65-F5344CB8AC3E}">
+        <p14:creationId xmlns:p14="http://schemas.microsoft.com/office/powerpoint/2010/main" val="3425322976"/>
+      </p:ext>
+    </p:extLst>
   </p:cSld>
   <p:clrMapOvr>
     <a:masterClrMapping/>
@@ -3023,9 +3447,8 @@
           <a:bodyPr/>
           <a:lstStyle/>
           <a:p>
-            <a:fld id="{B61BEF0D-F0BB-DE4B-95CE-6DB70DBA9567}" type="datetimeFigureOut">
-              <a:rPr lang="en-US" dirty="0"/>
-              <a:pPr/>
+            <a:fld id="{7DE44962-766E-43CB-AAF1-179505212E07}" type="datetime1">
+              <a:rPr lang="en-US" smtClean="0"/>
               <a:t>6/18/2024</a:t>
             </a:fld>
             <a:endParaRPr lang="en-US" dirty="0"/>
@@ -3067,7 +3490,7 @@
           <a:lstStyle/>
           <a:p>
             <a:fld id="{D57F1E4F-1CFF-5643-939E-217C01CDF565}" type="slidenum">
-              <a:rPr lang="en-US" dirty="0"/>
+              <a:rPr lang="en-US" smtClean="0"/>
               <a:pPr/>
               <a:t>‹#›</a:t>
             </a:fld>
@@ -3076,6 +3499,11 @@
         </p:txBody>
       </p:sp>
     </p:spTree>
+    <p:extLst>
+      <p:ext uri="{BB962C8B-B14F-4D97-AF65-F5344CB8AC3E}">
+        <p14:creationId xmlns:p14="http://schemas.microsoft.com/office/powerpoint/2010/main" val="2795500451"/>
+      </p:ext>
+    </p:extLst>
   </p:cSld>
   <p:clrMapOvr>
     <a:masterClrMapping/>
@@ -3231,9 +3659,8 @@
             </a:lvl1pPr>
           </a:lstStyle>
           <a:p>
-            <a:fld id="{B61BEF0D-F0BB-DE4B-95CE-6DB70DBA9567}" type="datetimeFigureOut">
-              <a:rPr lang="en-US" dirty="0"/>
-              <a:pPr/>
+            <a:fld id="{81CB1547-160B-4F9E-9E20-0F577EC68284}" type="datetime1">
+              <a:rPr lang="en-US" smtClean="0"/>
               <a:t>6/18/2024</a:t>
             </a:fld>
             <a:endParaRPr lang="en-US" dirty="0"/>
@@ -3307,7 +3734,7 @@
           </a:lstStyle>
           <a:p>
             <a:fld id="{D57F1E4F-1CFF-5643-939E-217C01CDF565}" type="slidenum">
-              <a:rPr lang="en-US" dirty="0"/>
+              <a:rPr lang="en-US" smtClean="0"/>
               <a:pPr/>
               <a:t>‹#›</a:t>
             </a:fld>
@@ -3427,21 +3854,27 @@
         </p:style>
       </p:sp>
     </p:spTree>
+    <p:extLst>
+      <p:ext uri="{BB962C8B-B14F-4D97-AF65-F5344CB8AC3E}">
+        <p14:creationId xmlns:p14="http://schemas.microsoft.com/office/powerpoint/2010/main" val="2814387017"/>
+      </p:ext>
+    </p:extLst>
   </p:cSld>
   <p:clrMap bg1="lt1" tx1="dk1" bg2="lt2" tx2="dk2" accent1="accent1" accent2="accent2" accent3="accent3" accent4="accent4" accent5="accent5" accent6="accent6" hlink="hlink" folHlink="folHlink"/>
   <p:sldLayoutIdLst>
-    <p:sldLayoutId id="2147483649" r:id="rId1"/>
-    <p:sldLayoutId id="2147483650" r:id="rId2"/>
-    <p:sldLayoutId id="2147483651" r:id="rId3"/>
-    <p:sldLayoutId id="2147483652" r:id="rId4"/>
-    <p:sldLayoutId id="2147483653" r:id="rId5"/>
-    <p:sldLayoutId id="2147483654" r:id="rId6"/>
-    <p:sldLayoutId id="2147483655" r:id="rId7"/>
-    <p:sldLayoutId id="2147483656" r:id="rId8"/>
-    <p:sldLayoutId id="2147483657" r:id="rId9"/>
-    <p:sldLayoutId id="2147483658" r:id="rId10"/>
-    <p:sldLayoutId id="2147483659" r:id="rId11"/>
+    <p:sldLayoutId id="2147483685" r:id="rId1"/>
+    <p:sldLayoutId id="2147483686" r:id="rId2"/>
+    <p:sldLayoutId id="2147483687" r:id="rId3"/>
+    <p:sldLayoutId id="2147483688" r:id="rId4"/>
+    <p:sldLayoutId id="2147483689" r:id="rId5"/>
+    <p:sldLayoutId id="2147483690" r:id="rId6"/>
+    <p:sldLayoutId id="2147483691" r:id="rId7"/>
+    <p:sldLayoutId id="2147483692" r:id="rId8"/>
+    <p:sldLayoutId id="2147483693" r:id="rId9"/>
+    <p:sldLayoutId id="2147483694" r:id="rId10"/>
+    <p:sldLayoutId id="2147483695" r:id="rId11"/>
   </p:sldLayoutIdLst>
+  <p:hf hdr="0" ftr="0" dt="0"/>
   <p:txStyles>
     <p:titleStyle>
       <a:lvl1pPr algn="l" defTabSz="457200" rtl="0" eaLnBrk="1" latinLnBrk="0" hangingPunct="1">
@@ -3888,40 +4321,603 @@
           <a:lstStyle/>
           <a:p>
             <a:r>
-              <a:rPr lang="ru-RU" sz="2400" cap="none" dirty="0" smtClean="0"/>
+              <a:rPr lang="ru-RU" sz="2400" cap="none" dirty="0"/>
               <a:t>Автор: Моисеев Евгений</a:t>
             </a:r>
           </a:p>
           <a:p>
             <a:r>
-              <a:rPr lang="en-US" sz="2400" cap="none" dirty="0" smtClean="0"/>
-              <a:t>Git</a:t>
-            </a:r>
-            <a:r>
               <a:rPr lang="en-US" sz="2400" cap="none" dirty="0"/>
-              <a:t>H</a:t>
-            </a:r>
-            <a:r>
-              <a:rPr lang="en-US" sz="2400" cap="none" dirty="0" smtClean="0"/>
-              <a:t>ub: </a:t>
-            </a:r>
-            <a:r>
-              <a:rPr lang="ru-RU" sz="2400" cap="none" dirty="0" smtClean="0"/>
+              <a:t>GitHub: </a:t>
+            </a:r>
+            <a:r>
+              <a:rPr lang="ru-RU" sz="2400" cap="none" dirty="0"/>
               <a:t> </a:t>
             </a:r>
             <a:r>
               <a:rPr lang="en-US" sz="2400" cap="none" dirty="0">
                 <a:hlinkClick r:id="rId2"/>
               </a:rPr>
-              <a:t>https://</a:t>
-            </a:r>
-            <a:r>
-              <a:rPr lang="en-US" sz="2400" cap="none" dirty="0" smtClean="0">
-                <a:hlinkClick r:id="rId2"/>
+              <a:t>https://github.com/jecsonM/MDKmyWORKasAstudent.git</a:t>
+            </a:r>
+            <a:endParaRPr lang="ru-RU" sz="2400" cap="none" dirty="0"/>
+          </a:p>
+        </p:txBody>
+      </p:sp>
+      <p:sp>
+        <p:nvSpPr>
+          <p:cNvPr id="4" name="Объект 2"/>
+          <p:cNvSpPr txBox="1">
+            <a:spLocks/>
+          </p:cNvSpPr>
+          <p:nvPr/>
+        </p:nvSpPr>
+        <p:spPr>
+          <a:xfrm>
+            <a:off x="581193" y="3162650"/>
+            <a:ext cx="11029615" cy="3112315"/>
+          </a:xfrm>
+          <a:prstGeom prst="rect">
+            <a:avLst/>
+          </a:prstGeom>
+        </p:spPr>
+        <p:txBody>
+          <a:bodyPr vert="horz" lIns="91440" tIns="45720" rIns="91440" bIns="45720" rtlCol="0" anchor="t">
+            <a:normAutofit/>
+          </a:bodyPr>
+          <a:lstStyle>
+            <a:lvl1pPr marL="0" indent="0" algn="l" defTabSz="457200" rtl="0" eaLnBrk="1" latinLnBrk="0" hangingPunct="1">
+              <a:spcBef>
+                <a:spcPct val="20000"/>
+              </a:spcBef>
+              <a:spcAft>
+                <a:spcPts val="600"/>
+              </a:spcAft>
+              <a:buClr>
+                <a:schemeClr val="accent2"/>
+              </a:buClr>
+              <a:buSzPct val="92000"/>
+              <a:buFont typeface="Wingdings 2" panose="05020102010507070707" pitchFamily="18" charset="2"/>
+              <a:buNone/>
+              <a:defRPr sz="1600" kern="1200" cap="all">
+                <a:solidFill>
+                  <a:schemeClr val="accent2"/>
+                </a:solidFill>
+                <a:latin typeface="+mn-lt"/>
+                <a:ea typeface="+mn-ea"/>
+                <a:cs typeface="+mn-cs"/>
+              </a:defRPr>
+            </a:lvl1pPr>
+            <a:lvl2pPr marL="457200" indent="0" algn="ctr" defTabSz="457200" rtl="0" eaLnBrk="1" latinLnBrk="0" hangingPunct="1">
+              <a:spcBef>
+                <a:spcPct val="20000"/>
+              </a:spcBef>
+              <a:spcAft>
+                <a:spcPts val="600"/>
+              </a:spcAft>
+              <a:buClr>
+                <a:schemeClr val="accent2"/>
+              </a:buClr>
+              <a:buSzPct val="92000"/>
+              <a:buFont typeface="Wingdings 2" panose="05020102010507070707" pitchFamily="18" charset="2"/>
+              <a:buNone/>
+              <a:defRPr sz="1600" kern="1200">
+                <a:solidFill>
+                  <a:schemeClr val="tx1">
+                    <a:tint val="75000"/>
+                  </a:schemeClr>
+                </a:solidFill>
+                <a:latin typeface="+mn-lt"/>
+                <a:ea typeface="+mn-ea"/>
+                <a:cs typeface="+mn-cs"/>
+              </a:defRPr>
+            </a:lvl2pPr>
+            <a:lvl3pPr marL="914400" indent="0" algn="ctr" defTabSz="457200" rtl="0" eaLnBrk="1" latinLnBrk="0" hangingPunct="1">
+              <a:spcBef>
+                <a:spcPct val="20000"/>
+              </a:spcBef>
+              <a:spcAft>
+                <a:spcPts val="600"/>
+              </a:spcAft>
+              <a:buClr>
+                <a:schemeClr val="accent2"/>
+              </a:buClr>
+              <a:buSzPct val="92000"/>
+              <a:buFont typeface="Wingdings 2" panose="05020102010507070707" pitchFamily="18" charset="2"/>
+              <a:buNone/>
+              <a:defRPr sz="1400" kern="1200">
+                <a:solidFill>
+                  <a:schemeClr val="tx1">
+                    <a:tint val="75000"/>
+                  </a:schemeClr>
+                </a:solidFill>
+                <a:latin typeface="+mn-lt"/>
+                <a:ea typeface="+mn-ea"/>
+                <a:cs typeface="+mn-cs"/>
+              </a:defRPr>
+            </a:lvl3pPr>
+            <a:lvl4pPr marL="1371600" indent="0" algn="ctr" defTabSz="457200" rtl="0" eaLnBrk="1" latinLnBrk="0" hangingPunct="1">
+              <a:spcBef>
+                <a:spcPct val="20000"/>
+              </a:spcBef>
+              <a:spcAft>
+                <a:spcPts val="600"/>
+              </a:spcAft>
+              <a:buClr>
+                <a:schemeClr val="accent2"/>
+              </a:buClr>
+              <a:buSzPct val="92000"/>
+              <a:buFont typeface="Wingdings 2" panose="05020102010507070707" pitchFamily="18" charset="2"/>
+              <a:buNone/>
+              <a:defRPr sz="1200" kern="1200">
+                <a:solidFill>
+                  <a:schemeClr val="tx1">
+                    <a:tint val="75000"/>
+                  </a:schemeClr>
+                </a:solidFill>
+                <a:latin typeface="+mn-lt"/>
+                <a:ea typeface="+mn-ea"/>
+                <a:cs typeface="+mn-cs"/>
+              </a:defRPr>
+            </a:lvl4pPr>
+            <a:lvl5pPr marL="1828800" indent="0" algn="ctr" defTabSz="457200" rtl="0" eaLnBrk="1" latinLnBrk="0" hangingPunct="1">
+              <a:spcBef>
+                <a:spcPct val="20000"/>
+              </a:spcBef>
+              <a:spcAft>
+                <a:spcPts val="600"/>
+              </a:spcAft>
+              <a:buClr>
+                <a:schemeClr val="accent2"/>
+              </a:buClr>
+              <a:buSzPct val="92000"/>
+              <a:buFont typeface="Wingdings 2" panose="05020102010507070707" pitchFamily="18" charset="2"/>
+              <a:buNone/>
+              <a:defRPr sz="1200" kern="1200">
+                <a:solidFill>
+                  <a:schemeClr val="tx1">
+                    <a:tint val="75000"/>
+                  </a:schemeClr>
+                </a:solidFill>
+                <a:latin typeface="+mn-lt"/>
+                <a:ea typeface="+mn-ea"/>
+                <a:cs typeface="+mn-cs"/>
+              </a:defRPr>
+            </a:lvl5pPr>
+            <a:lvl6pPr marL="2286000" indent="0" algn="ctr" defTabSz="457200" rtl="0" eaLnBrk="1" latinLnBrk="0" hangingPunct="1">
+              <a:spcBef>
+                <a:spcPct val="20000"/>
+              </a:spcBef>
+              <a:spcAft>
+                <a:spcPts val="600"/>
+              </a:spcAft>
+              <a:buClr>
+                <a:schemeClr val="accent2"/>
+              </a:buClr>
+              <a:buSzPct val="92000"/>
+              <a:buFont typeface="Wingdings 2" panose="05020102010507070707" pitchFamily="18" charset="2"/>
+              <a:buNone/>
+              <a:defRPr sz="1200" kern="1200">
+                <a:solidFill>
+                  <a:schemeClr val="tx1">
+                    <a:tint val="75000"/>
+                  </a:schemeClr>
+                </a:solidFill>
+                <a:latin typeface="+mn-lt"/>
+                <a:ea typeface="+mn-ea"/>
+                <a:cs typeface="+mn-cs"/>
+              </a:defRPr>
+            </a:lvl6pPr>
+            <a:lvl7pPr marL="2743200" indent="0" algn="ctr" defTabSz="457200" rtl="0" eaLnBrk="1" latinLnBrk="0" hangingPunct="1">
+              <a:spcBef>
+                <a:spcPct val="20000"/>
+              </a:spcBef>
+              <a:spcAft>
+                <a:spcPts val="600"/>
+              </a:spcAft>
+              <a:buClr>
+                <a:schemeClr val="accent2"/>
+              </a:buClr>
+              <a:buSzPct val="92000"/>
+              <a:buFont typeface="Wingdings 2" panose="05020102010507070707" pitchFamily="18" charset="2"/>
+              <a:buNone/>
+              <a:defRPr sz="1200" kern="1200">
+                <a:solidFill>
+                  <a:schemeClr val="tx1">
+                    <a:tint val="75000"/>
+                  </a:schemeClr>
+                </a:solidFill>
+                <a:latin typeface="+mn-lt"/>
+                <a:ea typeface="+mn-ea"/>
+                <a:cs typeface="+mn-cs"/>
+              </a:defRPr>
+            </a:lvl7pPr>
+            <a:lvl8pPr marL="3200400" indent="0" algn="ctr" defTabSz="457200" rtl="0" eaLnBrk="1" latinLnBrk="0" hangingPunct="1">
+              <a:spcBef>
+                <a:spcPct val="20000"/>
+              </a:spcBef>
+              <a:spcAft>
+                <a:spcPts val="600"/>
+              </a:spcAft>
+              <a:buClr>
+                <a:schemeClr val="accent2"/>
+              </a:buClr>
+              <a:buSzPct val="92000"/>
+              <a:buFont typeface="Wingdings 2" panose="05020102010507070707" pitchFamily="18" charset="2"/>
+              <a:buNone/>
+              <a:defRPr sz="1200" kern="1200">
+                <a:solidFill>
+                  <a:schemeClr val="tx1">
+                    <a:tint val="75000"/>
+                  </a:schemeClr>
+                </a:solidFill>
+                <a:latin typeface="+mn-lt"/>
+                <a:ea typeface="+mn-ea"/>
+                <a:cs typeface="+mn-cs"/>
+              </a:defRPr>
+            </a:lvl8pPr>
+            <a:lvl9pPr marL="3657600" indent="0" algn="ctr" defTabSz="457200" rtl="0" eaLnBrk="1" latinLnBrk="0" hangingPunct="1">
+              <a:spcBef>
+                <a:spcPct val="20000"/>
+              </a:spcBef>
+              <a:spcAft>
+                <a:spcPts val="600"/>
+              </a:spcAft>
+              <a:buClr>
+                <a:schemeClr val="accent2"/>
+              </a:buClr>
+              <a:buSzPct val="92000"/>
+              <a:buFont typeface="Wingdings 2" panose="05020102010507070707" pitchFamily="18" charset="2"/>
+              <a:buNone/>
+              <a:defRPr sz="1200" kern="1200">
+                <a:solidFill>
+                  <a:schemeClr val="tx1">
+                    <a:tint val="75000"/>
+                  </a:schemeClr>
+                </a:solidFill>
+                <a:latin typeface="+mn-lt"/>
+                <a:ea typeface="+mn-ea"/>
+                <a:cs typeface="+mn-cs"/>
+              </a:defRPr>
+            </a:lvl9pPr>
+          </a:lstStyle>
+          <a:p>
+            <a:endParaRPr lang="ru-RU" sz="2400" dirty="0">
+              <a:solidFill>
+                <a:schemeClr val="bg1"/>
+              </a:solidFill>
+            </a:endParaRPr>
+          </a:p>
+        </p:txBody>
+      </p:sp>
+      <p:sp>
+        <p:nvSpPr>
+          <p:cNvPr id="5" name="Объект 2"/>
+          <p:cNvSpPr txBox="1">
+            <a:spLocks/>
+          </p:cNvSpPr>
+          <p:nvPr/>
+        </p:nvSpPr>
+        <p:spPr>
+          <a:xfrm>
+            <a:off x="581193" y="3229761"/>
+            <a:ext cx="11029615" cy="3045204"/>
+          </a:xfrm>
+          <a:prstGeom prst="rect">
+            <a:avLst/>
+          </a:prstGeom>
+        </p:spPr>
+        <p:txBody>
+          <a:bodyPr vert="horz" lIns="91440" tIns="45720" rIns="91440" bIns="45720" rtlCol="0" anchor="t">
+            <a:noAutofit/>
+          </a:bodyPr>
+          <a:lstStyle>
+            <a:lvl1pPr marL="0" indent="0" algn="l" defTabSz="457200" rtl="0" eaLnBrk="1" latinLnBrk="0" hangingPunct="1">
+              <a:spcBef>
+                <a:spcPct val="20000"/>
+              </a:spcBef>
+              <a:spcAft>
+                <a:spcPts val="600"/>
+              </a:spcAft>
+              <a:buClr>
+                <a:schemeClr val="accent2"/>
+              </a:buClr>
+              <a:buSzPct val="92000"/>
+              <a:buFont typeface="Wingdings 2" panose="05020102010507070707" pitchFamily="18" charset="2"/>
+              <a:buNone/>
+              <a:defRPr sz="1600" kern="1200" cap="all">
+                <a:solidFill>
+                  <a:schemeClr val="accent2"/>
+                </a:solidFill>
+                <a:latin typeface="+mn-lt"/>
+                <a:ea typeface="+mn-ea"/>
+                <a:cs typeface="+mn-cs"/>
+              </a:defRPr>
+            </a:lvl1pPr>
+            <a:lvl2pPr marL="457200" indent="0" algn="ctr" defTabSz="457200" rtl="0" eaLnBrk="1" latinLnBrk="0" hangingPunct="1">
+              <a:spcBef>
+                <a:spcPct val="20000"/>
+              </a:spcBef>
+              <a:spcAft>
+                <a:spcPts val="600"/>
+              </a:spcAft>
+              <a:buClr>
+                <a:schemeClr val="accent2"/>
+              </a:buClr>
+              <a:buSzPct val="92000"/>
+              <a:buFont typeface="Wingdings 2" panose="05020102010507070707" pitchFamily="18" charset="2"/>
+              <a:buNone/>
+              <a:defRPr sz="1600" kern="1200">
+                <a:solidFill>
+                  <a:schemeClr val="tx1">
+                    <a:tint val="75000"/>
+                  </a:schemeClr>
+                </a:solidFill>
+                <a:latin typeface="+mn-lt"/>
+                <a:ea typeface="+mn-ea"/>
+                <a:cs typeface="+mn-cs"/>
+              </a:defRPr>
+            </a:lvl2pPr>
+            <a:lvl3pPr marL="914400" indent="0" algn="ctr" defTabSz="457200" rtl="0" eaLnBrk="1" latinLnBrk="0" hangingPunct="1">
+              <a:spcBef>
+                <a:spcPct val="20000"/>
+              </a:spcBef>
+              <a:spcAft>
+                <a:spcPts val="600"/>
+              </a:spcAft>
+              <a:buClr>
+                <a:schemeClr val="accent2"/>
+              </a:buClr>
+              <a:buSzPct val="92000"/>
+              <a:buFont typeface="Wingdings 2" panose="05020102010507070707" pitchFamily="18" charset="2"/>
+              <a:buNone/>
+              <a:defRPr sz="1400" kern="1200">
+                <a:solidFill>
+                  <a:schemeClr val="tx1">
+                    <a:tint val="75000"/>
+                  </a:schemeClr>
+                </a:solidFill>
+                <a:latin typeface="+mn-lt"/>
+                <a:ea typeface="+mn-ea"/>
+                <a:cs typeface="+mn-cs"/>
+              </a:defRPr>
+            </a:lvl3pPr>
+            <a:lvl4pPr marL="1371600" indent="0" algn="ctr" defTabSz="457200" rtl="0" eaLnBrk="1" latinLnBrk="0" hangingPunct="1">
+              <a:spcBef>
+                <a:spcPct val="20000"/>
+              </a:spcBef>
+              <a:spcAft>
+                <a:spcPts val="600"/>
+              </a:spcAft>
+              <a:buClr>
+                <a:schemeClr val="accent2"/>
+              </a:buClr>
+              <a:buSzPct val="92000"/>
+              <a:buFont typeface="Wingdings 2" panose="05020102010507070707" pitchFamily="18" charset="2"/>
+              <a:buNone/>
+              <a:defRPr sz="1200" kern="1200">
+                <a:solidFill>
+                  <a:schemeClr val="tx1">
+                    <a:tint val="75000"/>
+                  </a:schemeClr>
+                </a:solidFill>
+                <a:latin typeface="+mn-lt"/>
+                <a:ea typeface="+mn-ea"/>
+                <a:cs typeface="+mn-cs"/>
+              </a:defRPr>
+            </a:lvl4pPr>
+            <a:lvl5pPr marL="1828800" indent="0" algn="ctr" defTabSz="457200" rtl="0" eaLnBrk="1" latinLnBrk="0" hangingPunct="1">
+              <a:spcBef>
+                <a:spcPct val="20000"/>
+              </a:spcBef>
+              <a:spcAft>
+                <a:spcPts val="600"/>
+              </a:spcAft>
+              <a:buClr>
+                <a:schemeClr val="accent2"/>
+              </a:buClr>
+              <a:buSzPct val="92000"/>
+              <a:buFont typeface="Wingdings 2" panose="05020102010507070707" pitchFamily="18" charset="2"/>
+              <a:buNone/>
+              <a:defRPr sz="1200" kern="1200">
+                <a:solidFill>
+                  <a:schemeClr val="tx1">
+                    <a:tint val="75000"/>
+                  </a:schemeClr>
+                </a:solidFill>
+                <a:latin typeface="+mn-lt"/>
+                <a:ea typeface="+mn-ea"/>
+                <a:cs typeface="+mn-cs"/>
+              </a:defRPr>
+            </a:lvl5pPr>
+            <a:lvl6pPr marL="2286000" indent="0" algn="ctr" defTabSz="457200" rtl="0" eaLnBrk="1" latinLnBrk="0" hangingPunct="1">
+              <a:spcBef>
+                <a:spcPct val="20000"/>
+              </a:spcBef>
+              <a:spcAft>
+                <a:spcPts val="600"/>
+              </a:spcAft>
+              <a:buClr>
+                <a:schemeClr val="accent2"/>
+              </a:buClr>
+              <a:buSzPct val="92000"/>
+              <a:buFont typeface="Wingdings 2" panose="05020102010507070707" pitchFamily="18" charset="2"/>
+              <a:buNone/>
+              <a:defRPr sz="1200" kern="1200">
+                <a:solidFill>
+                  <a:schemeClr val="tx1">
+                    <a:tint val="75000"/>
+                  </a:schemeClr>
+                </a:solidFill>
+                <a:latin typeface="+mn-lt"/>
+                <a:ea typeface="+mn-ea"/>
+                <a:cs typeface="+mn-cs"/>
+              </a:defRPr>
+            </a:lvl6pPr>
+            <a:lvl7pPr marL="2743200" indent="0" algn="ctr" defTabSz="457200" rtl="0" eaLnBrk="1" latinLnBrk="0" hangingPunct="1">
+              <a:spcBef>
+                <a:spcPct val="20000"/>
+              </a:spcBef>
+              <a:spcAft>
+                <a:spcPts val="600"/>
+              </a:spcAft>
+              <a:buClr>
+                <a:schemeClr val="accent2"/>
+              </a:buClr>
+              <a:buSzPct val="92000"/>
+              <a:buFont typeface="Wingdings 2" panose="05020102010507070707" pitchFamily="18" charset="2"/>
+              <a:buNone/>
+              <a:defRPr sz="1200" kern="1200">
+                <a:solidFill>
+                  <a:schemeClr val="tx1">
+                    <a:tint val="75000"/>
+                  </a:schemeClr>
+                </a:solidFill>
+                <a:latin typeface="+mn-lt"/>
+                <a:ea typeface="+mn-ea"/>
+                <a:cs typeface="+mn-cs"/>
+              </a:defRPr>
+            </a:lvl7pPr>
+            <a:lvl8pPr marL="3200400" indent="0" algn="ctr" defTabSz="457200" rtl="0" eaLnBrk="1" latinLnBrk="0" hangingPunct="1">
+              <a:spcBef>
+                <a:spcPct val="20000"/>
+              </a:spcBef>
+              <a:spcAft>
+                <a:spcPts val="600"/>
+              </a:spcAft>
+              <a:buClr>
+                <a:schemeClr val="accent2"/>
+              </a:buClr>
+              <a:buSzPct val="92000"/>
+              <a:buFont typeface="Wingdings 2" panose="05020102010507070707" pitchFamily="18" charset="2"/>
+              <a:buNone/>
+              <a:defRPr sz="1200" kern="1200">
+                <a:solidFill>
+                  <a:schemeClr val="tx1">
+                    <a:tint val="75000"/>
+                  </a:schemeClr>
+                </a:solidFill>
+                <a:latin typeface="+mn-lt"/>
+                <a:ea typeface="+mn-ea"/>
+                <a:cs typeface="+mn-cs"/>
+              </a:defRPr>
+            </a:lvl8pPr>
+            <a:lvl9pPr marL="3657600" indent="0" algn="ctr" defTabSz="457200" rtl="0" eaLnBrk="1" latinLnBrk="0" hangingPunct="1">
+              <a:spcBef>
+                <a:spcPct val="20000"/>
+              </a:spcBef>
+              <a:spcAft>
+                <a:spcPts val="600"/>
+              </a:spcAft>
+              <a:buClr>
+                <a:schemeClr val="accent2"/>
+              </a:buClr>
+              <a:buSzPct val="92000"/>
+              <a:buFont typeface="Wingdings 2" panose="05020102010507070707" pitchFamily="18" charset="2"/>
+              <a:buNone/>
+              <a:defRPr sz="1200" kern="1200">
+                <a:solidFill>
+                  <a:schemeClr val="tx1">
+                    <a:tint val="75000"/>
+                  </a:schemeClr>
+                </a:solidFill>
+                <a:latin typeface="+mn-lt"/>
+                <a:ea typeface="+mn-ea"/>
+                <a:cs typeface="+mn-cs"/>
+              </a:defRPr>
+            </a:lvl9pPr>
+          </a:lstStyle>
+          <a:p>
+            <a:pPr algn="ctr"/>
+            <a:r>
+              <a:rPr lang="ru-RU" sz="2200" b="1" dirty="0">
+                <a:solidFill>
+                  <a:schemeClr val="bg1"/>
+                </a:solidFill>
               </a:rPr>
-              <a:t>github.com/jecsonM/MDKmyWORKasAstudent.git</a:t>
-            </a:r>
-            <a:endParaRPr lang="ru-RU" sz="2400" cap="none" dirty="0" smtClean="0"/>
+              <a:t>Министерство науки и высшего образования Российской Федерации</a:t>
+            </a:r>
+            <a:endParaRPr lang="ru-RU" sz="2200" dirty="0">
+              <a:solidFill>
+                <a:schemeClr val="bg1"/>
+              </a:solidFill>
+            </a:endParaRPr>
+          </a:p>
+          <a:p>
+            <a:pPr algn="ctr"/>
+            <a:r>
+              <a:rPr lang="ru-RU" sz="2200" dirty="0">
+                <a:solidFill>
+                  <a:schemeClr val="bg1"/>
+                </a:solidFill>
+              </a:rPr>
+              <a:t>федеральное государственное автономное образовательное учреждение </a:t>
+            </a:r>
+          </a:p>
+          <a:p>
+            <a:pPr algn="ctr"/>
+            <a:r>
+              <a:rPr lang="ru-RU" sz="2200" dirty="0">
+                <a:solidFill>
+                  <a:schemeClr val="bg1"/>
+                </a:solidFill>
+              </a:rPr>
+              <a:t>высшего образования</a:t>
+            </a:r>
+          </a:p>
+          <a:p>
+            <a:pPr algn="ctr"/>
+            <a:r>
+              <a:rPr lang="ru-RU" sz="2200" dirty="0">
+                <a:solidFill>
+                  <a:schemeClr val="bg1"/>
+                </a:solidFill>
+              </a:rPr>
+              <a:t>«Санкт-Петербургский политехнический университет Петра Великого»</a:t>
+            </a:r>
+          </a:p>
+          <a:p>
+            <a:pPr algn="ctr"/>
+            <a:r>
+              <a:rPr lang="ru-RU" sz="2200" dirty="0">
+                <a:solidFill>
+                  <a:schemeClr val="bg1"/>
+                </a:solidFill>
+              </a:rPr>
+              <a:t>(ФГАОУ ВО «</a:t>
+            </a:r>
+            <a:r>
+              <a:rPr lang="ru-RU" sz="2200" dirty="0" err="1">
+                <a:solidFill>
+                  <a:schemeClr val="bg1"/>
+                </a:solidFill>
+              </a:rPr>
+              <a:t>СПбПУ</a:t>
+            </a:r>
+            <a:r>
+              <a:rPr lang="ru-RU" sz="2200" dirty="0">
+                <a:solidFill>
+                  <a:schemeClr val="bg1"/>
+                </a:solidFill>
+              </a:rPr>
+              <a:t>»)</a:t>
+            </a:r>
+          </a:p>
+          <a:p>
+            <a:pPr algn="ctr"/>
+            <a:r>
+              <a:rPr lang="ru-RU" sz="2200" b="1" dirty="0">
+                <a:solidFill>
+                  <a:schemeClr val="bg1"/>
+                </a:solidFill>
+              </a:rPr>
+              <a:t>Институт среднего профессионального образования</a:t>
+            </a:r>
+            <a:endParaRPr lang="ru-RU" sz="2200" dirty="0">
+              <a:solidFill>
+                <a:schemeClr val="bg1"/>
+              </a:solidFill>
+            </a:endParaRPr>
           </a:p>
         </p:txBody>
       </p:sp>
@@ -3935,6 +4931,1798 @@
   <p:clrMapOvr>
     <a:masterClrMapping/>
   </p:clrMapOvr>
+  <p:timing>
+    <p:tnLst>
+      <p:par>
+        <p:cTn id="1" dur="indefinite" restart="never" nodeType="tmRoot"/>
+      </p:par>
+    </p:tnLst>
+  </p:timing>
+</p:sld>
+</file>
+
+<file path=ppt/slides/slide10.xml><?xml version="1.0" encoding="utf-8"?>
+<p:sld xmlns:a="http://schemas.openxmlformats.org/drawingml/2006/main" xmlns:r="http://schemas.openxmlformats.org/officeDocument/2006/relationships" xmlns:p="http://schemas.openxmlformats.org/presentationml/2006/main">
+  <p:cSld>
+    <p:spTree>
+      <p:nvGrpSpPr>
+        <p:cNvPr id="1" name=""/>
+        <p:cNvGrpSpPr/>
+        <p:nvPr/>
+      </p:nvGrpSpPr>
+      <p:grpSpPr>
+        <a:xfrm>
+          <a:off x="0" y="0"/>
+          <a:ext cx="0" cy="0"/>
+          <a:chOff x="0" y="0"/>
+          <a:chExt cx="0" cy="0"/>
+        </a:xfrm>
+      </p:grpSpPr>
+      <p:sp>
+        <p:nvSpPr>
+          <p:cNvPr id="5" name="Заголовок 4"/>
+          <p:cNvSpPr>
+            <a:spLocks noGrp="1"/>
+          </p:cNvSpPr>
+          <p:nvPr>
+            <p:ph type="title"/>
+          </p:nvPr>
+        </p:nvSpPr>
+        <p:spPr/>
+        <p:txBody>
+          <a:bodyPr/>
+          <a:lstStyle/>
+          <a:p>
+            <a:r>
+              <a:rPr lang="ru-RU" dirty="0" smtClean="0"/>
+              <a:t>Тестирование</a:t>
+            </a:r>
+            <a:endParaRPr lang="ru-RU" dirty="0"/>
+          </a:p>
+        </p:txBody>
+      </p:sp>
+      <p:sp>
+        <p:nvSpPr>
+          <p:cNvPr id="6" name="Объект 5"/>
+          <p:cNvSpPr>
+            <a:spLocks noGrp="1"/>
+          </p:cNvSpPr>
+          <p:nvPr>
+            <p:ph idx="1"/>
+          </p:nvPr>
+        </p:nvSpPr>
+        <p:spPr/>
+        <p:txBody>
+          <a:bodyPr>
+            <a:normAutofit/>
+          </a:bodyPr>
+          <a:lstStyle/>
+          <a:p>
+            <a:r>
+              <a:rPr lang="ru-RU" sz="2400" dirty="0" smtClean="0"/>
+              <a:t>Ключевые оценочные элементы?</a:t>
+            </a:r>
+            <a:endParaRPr lang="ru-RU" sz="2400" dirty="0"/>
+          </a:p>
+        </p:txBody>
+      </p:sp>
+      <p:sp>
+        <p:nvSpPr>
+          <p:cNvPr id="9" name="Номер слайда 8"/>
+          <p:cNvSpPr>
+            <a:spLocks noGrp="1"/>
+          </p:cNvSpPr>
+          <p:nvPr>
+            <p:ph type="sldNum" sz="quarter" idx="12"/>
+          </p:nvPr>
+        </p:nvSpPr>
+        <p:spPr/>
+        <p:txBody>
+          <a:bodyPr/>
+          <a:lstStyle/>
+          <a:p>
+            <a:fld id="{D57F1E4F-1CFF-5643-939E-217C01CDF565}" type="slidenum">
+              <a:rPr lang="en-US" sz="1200" smtClean="0"/>
+              <a:pPr/>
+              <a:t>10</a:t>
+            </a:fld>
+            <a:endParaRPr lang="en-US" sz="1200" dirty="0"/>
+          </a:p>
+        </p:txBody>
+      </p:sp>
+    </p:spTree>
+    <p:extLst>
+      <p:ext uri="{BB962C8B-B14F-4D97-AF65-F5344CB8AC3E}">
+        <p14:creationId xmlns:p14="http://schemas.microsoft.com/office/powerpoint/2010/main" val="465720200"/>
+      </p:ext>
+    </p:extLst>
+  </p:cSld>
+  <p:clrMapOvr>
+    <a:masterClrMapping/>
+  </p:clrMapOvr>
+  <p:timing>
+    <p:tnLst>
+      <p:par>
+        <p:cTn id="1" dur="indefinite" restart="never" nodeType="tmRoot"/>
+      </p:par>
+    </p:tnLst>
+  </p:timing>
+</p:sld>
+</file>
+
+<file path=ppt/slides/slide11.xml><?xml version="1.0" encoding="utf-8"?>
+<p:sld xmlns:a="http://schemas.openxmlformats.org/drawingml/2006/main" xmlns:r="http://schemas.openxmlformats.org/officeDocument/2006/relationships" xmlns:p="http://schemas.openxmlformats.org/presentationml/2006/main">
+  <p:cSld>
+    <p:spTree>
+      <p:nvGrpSpPr>
+        <p:cNvPr id="1" name=""/>
+        <p:cNvGrpSpPr/>
+        <p:nvPr/>
+      </p:nvGrpSpPr>
+      <p:grpSpPr>
+        <a:xfrm>
+          <a:off x="0" y="0"/>
+          <a:ext cx="0" cy="0"/>
+          <a:chOff x="0" y="0"/>
+          <a:chExt cx="0" cy="0"/>
+        </a:xfrm>
+      </p:grpSpPr>
+      <p:sp>
+        <p:nvSpPr>
+          <p:cNvPr id="2" name="Заголовок 1"/>
+          <p:cNvSpPr>
+            <a:spLocks noGrp="1"/>
+          </p:cNvSpPr>
+          <p:nvPr>
+            <p:ph type="title"/>
+          </p:nvPr>
+        </p:nvSpPr>
+        <p:spPr/>
+        <p:txBody>
+          <a:bodyPr/>
+          <a:lstStyle/>
+          <a:p>
+            <a:r>
+              <a:rPr lang="ru-RU" dirty="0"/>
+              <a:t>Тестирование</a:t>
+            </a:r>
+          </a:p>
+        </p:txBody>
+      </p:sp>
+      <p:graphicFrame>
+        <p:nvGraphicFramePr>
+          <p:cNvPr id="5" name="Объект 4"/>
+          <p:cNvGraphicFramePr>
+            <a:graphicFrameLocks noGrp="1"/>
+          </p:cNvGraphicFramePr>
+          <p:nvPr>
+            <p:ph idx="1"/>
+            <p:extLst>
+              <p:ext uri="{D42A27DB-BD31-4B8C-83A1-F6EECF244321}">
+                <p14:modId xmlns:p14="http://schemas.microsoft.com/office/powerpoint/2010/main" val="1739257634"/>
+              </p:ext>
+            </p:extLst>
+          </p:nvPr>
+        </p:nvGraphicFramePr>
+        <p:xfrm>
+          <a:off x="6375503" y="2265536"/>
+          <a:ext cx="5377472" cy="2348295"/>
+        </p:xfrm>
+        <a:graphic>
+          <a:graphicData uri="http://schemas.openxmlformats.org/drawingml/2006/table">
+            <a:tbl>
+              <a:tblPr firstRow="1" firstCol="1" bandRow="1">
+                <a:tableStyleId>{5C22544A-7EE6-4342-B048-85BDC9FD1C3A}</a:tableStyleId>
+              </a:tblPr>
+              <a:tblGrid>
+                <a:gridCol w="2688448">
+                  <a:extLst>
+                    <a:ext uri="{9D8B030D-6E8A-4147-A177-3AD203B41FA5}">
+                      <a16:colId xmlns:a16="http://schemas.microsoft.com/office/drawing/2014/main" val="1792865036"/>
+                    </a:ext>
+                  </a:extLst>
+                </a:gridCol>
+                <a:gridCol w="2689024">
+                  <a:extLst>
+                    <a:ext uri="{9D8B030D-6E8A-4147-A177-3AD203B41FA5}">
+                      <a16:colId xmlns:a16="http://schemas.microsoft.com/office/drawing/2014/main" val="1743073044"/>
+                    </a:ext>
+                  </a:extLst>
+                </a:gridCol>
+              </a:tblGrid>
+              <a:tr h="0">
+                <a:tc>
+                  <a:txBody>
+                    <a:bodyPr/>
+                    <a:lstStyle/>
+                    <a:p>
+                      <a:pPr>
+                        <a:lnSpc>
+                          <a:spcPct val="107000"/>
+                        </a:lnSpc>
+                        <a:spcAft>
+                          <a:spcPts val="0"/>
+                        </a:spcAft>
+                      </a:pPr>
+                      <a:r>
+                        <a:rPr lang="ru-RU" sz="1600">
+                          <a:effectLst/>
+                        </a:rPr>
+                        <a:t>Действие</a:t>
+                      </a:r>
+                      <a:endParaRPr lang="ru-RU" sz="1600">
+                        <a:effectLst/>
+                        <a:latin typeface="Times New Roman" panose="02020603050405020304" pitchFamily="18" charset="0"/>
+                        <a:ea typeface="Calibri" panose="020F0502020204030204" pitchFamily="34" charset="0"/>
+                        <a:cs typeface="Times New Roman" panose="02020603050405020304" pitchFamily="18" charset="0"/>
+                      </a:endParaRPr>
+                    </a:p>
+                  </a:txBody>
+                  <a:tcPr marL="68580" marR="68580" marT="0" marB="0"/>
+                </a:tc>
+                <a:tc>
+                  <a:txBody>
+                    <a:bodyPr/>
+                    <a:lstStyle/>
+                    <a:p>
+                      <a:pPr>
+                        <a:lnSpc>
+                          <a:spcPct val="107000"/>
+                        </a:lnSpc>
+                        <a:spcAft>
+                          <a:spcPts val="0"/>
+                        </a:spcAft>
+                      </a:pPr>
+                      <a:r>
+                        <a:rPr lang="ru-RU" sz="1600">
+                          <a:effectLst/>
+                        </a:rPr>
+                        <a:t>Ожидаемый результат</a:t>
+                      </a:r>
+                      <a:endParaRPr lang="ru-RU" sz="1600">
+                        <a:effectLst/>
+                        <a:latin typeface="Times New Roman" panose="02020603050405020304" pitchFamily="18" charset="0"/>
+                        <a:ea typeface="Calibri" panose="020F0502020204030204" pitchFamily="34" charset="0"/>
+                        <a:cs typeface="Times New Roman" panose="02020603050405020304" pitchFamily="18" charset="0"/>
+                      </a:endParaRPr>
+                    </a:p>
+                  </a:txBody>
+                  <a:tcPr marL="68580" marR="68580" marT="0" marB="0"/>
+                </a:tc>
+                <a:extLst>
+                  <a:ext uri="{0D108BD9-81ED-4DB2-BD59-A6C34878D82A}">
+                    <a16:rowId xmlns:a16="http://schemas.microsoft.com/office/drawing/2014/main" val="3978026962"/>
+                  </a:ext>
+                </a:extLst>
+              </a:tr>
+              <a:tr h="0">
+                <a:tc>
+                  <a:txBody>
+                    <a:bodyPr/>
+                    <a:lstStyle/>
+                    <a:p>
+                      <a:pPr marL="342900" lvl="0" indent="-342900">
+                        <a:lnSpc>
+                          <a:spcPct val="107000"/>
+                        </a:lnSpc>
+                        <a:spcAft>
+                          <a:spcPts val="0"/>
+                        </a:spcAft>
+                        <a:buFont typeface="+mj-lt"/>
+                        <a:buAutoNum type="arabicPeriod"/>
+                      </a:pPr>
+                      <a:r>
+                        <a:rPr lang="ru-RU" sz="1600" dirty="0" smtClean="0">
+                          <a:effectLst/>
+                          <a:latin typeface="+mn-lt"/>
+                          <a:ea typeface="+mn-ea"/>
+                          <a:cs typeface="+mn-cs"/>
+                        </a:rPr>
+                        <a:t>Первый</a:t>
+                      </a:r>
+                      <a:r>
+                        <a:rPr lang="ru-RU" sz="1600" baseline="0" dirty="0" smtClean="0">
+                          <a:effectLst/>
+                          <a:latin typeface="+mn-lt"/>
+                          <a:ea typeface="+mn-ea"/>
+                          <a:cs typeface="+mn-cs"/>
+                        </a:rPr>
+                        <a:t> блок действий</a:t>
+                      </a:r>
+                      <a:endParaRPr lang="ru-RU" sz="1600" dirty="0">
+                        <a:effectLst/>
+                        <a:latin typeface="Times New Roman" panose="02020603050405020304" pitchFamily="18" charset="0"/>
+                        <a:ea typeface="Calibri" panose="020F0502020204030204" pitchFamily="34" charset="0"/>
+                        <a:cs typeface="Times New Roman" panose="02020603050405020304" pitchFamily="18" charset="0"/>
+                      </a:endParaRPr>
+                    </a:p>
+                  </a:txBody>
+                  <a:tcPr marL="68580" marR="68580" marT="0" marB="0"/>
+                </a:tc>
+                <a:tc>
+                  <a:txBody>
+                    <a:bodyPr/>
+                    <a:lstStyle/>
+                    <a:p>
+                      <a:pPr marL="342900" lvl="0" indent="-342900">
+                        <a:lnSpc>
+                          <a:spcPct val="107000"/>
+                        </a:lnSpc>
+                        <a:spcAft>
+                          <a:spcPts val="0"/>
+                        </a:spcAft>
+                        <a:buFont typeface="+mj-lt"/>
+                        <a:buAutoNum type="arabicParenR"/>
+                      </a:pPr>
+                      <a:endParaRPr lang="ru-RU" sz="1600" dirty="0">
+                        <a:effectLst/>
+                        <a:latin typeface="Times New Roman" panose="02020603050405020304" pitchFamily="18" charset="0"/>
+                        <a:ea typeface="Calibri" panose="020F0502020204030204" pitchFamily="34" charset="0"/>
+                        <a:cs typeface="Times New Roman" panose="02020603050405020304" pitchFamily="18" charset="0"/>
+                      </a:endParaRPr>
+                    </a:p>
+                  </a:txBody>
+                  <a:tcPr marL="68580" marR="68580" marT="0" marB="0"/>
+                </a:tc>
+                <a:extLst>
+                  <a:ext uri="{0D108BD9-81ED-4DB2-BD59-A6C34878D82A}">
+                    <a16:rowId xmlns:a16="http://schemas.microsoft.com/office/drawing/2014/main" val="2249992978"/>
+                  </a:ext>
+                </a:extLst>
+              </a:tr>
+              <a:tr h="921159">
+                <a:tc>
+                  <a:txBody>
+                    <a:bodyPr/>
+                    <a:lstStyle/>
+                    <a:p>
+                      <a:pPr marL="342900" lvl="0" indent="-342900">
+                        <a:lnSpc>
+                          <a:spcPct val="107000"/>
+                        </a:lnSpc>
+                        <a:spcAft>
+                          <a:spcPts val="0"/>
+                        </a:spcAft>
+                        <a:buFont typeface="+mj-lt"/>
+                        <a:buAutoNum type="arabicPeriod" startAt="2"/>
+                      </a:pPr>
+                      <a:r>
+                        <a:rPr lang="ru-RU" sz="1600" b="1" kern="1200" dirty="0" smtClean="0">
+                          <a:solidFill>
+                            <a:schemeClr val="lt1"/>
+                          </a:solidFill>
+                          <a:effectLst/>
+                          <a:latin typeface="+mn-lt"/>
+                          <a:ea typeface="+mn-ea"/>
+                          <a:cs typeface="+mn-cs"/>
+                        </a:rPr>
+                        <a:t>Второй блок действий</a:t>
+                      </a:r>
+                      <a:r>
+                        <a:rPr lang="ru-RU" sz="1600" dirty="0" smtClean="0">
+                          <a:effectLst/>
+                        </a:rPr>
+                        <a:t>:</a:t>
+                      </a:r>
+                      <a:endParaRPr lang="ru-RU" sz="1600" dirty="0">
+                        <a:effectLst/>
+                      </a:endParaRPr>
+                    </a:p>
+                    <a:p>
+                      <a:pPr marL="342900" lvl="0" indent="-342900">
+                        <a:lnSpc>
+                          <a:spcPct val="107000"/>
+                        </a:lnSpc>
+                        <a:spcAft>
+                          <a:spcPts val="0"/>
+                        </a:spcAft>
+                        <a:buFont typeface="+mj-lt"/>
+                        <a:buAutoNum type="arabicParenR"/>
+                      </a:pPr>
+                      <a:r>
+                        <a:rPr lang="ru-RU" sz="1600" dirty="0" smtClean="0">
+                          <a:effectLst/>
+                        </a:rPr>
+                        <a:t>Действие1,</a:t>
+                      </a:r>
+                      <a:endParaRPr lang="ru-RU" sz="1600" dirty="0">
+                        <a:effectLst/>
+                      </a:endParaRPr>
+                    </a:p>
+                    <a:p>
+                      <a:pPr marL="342900" lvl="0" indent="-342900">
+                        <a:lnSpc>
+                          <a:spcPct val="107000"/>
+                        </a:lnSpc>
+                        <a:spcAft>
+                          <a:spcPts val="0"/>
+                        </a:spcAft>
+                        <a:buFont typeface="+mj-lt"/>
+                        <a:buAutoNum type="arabicParenR"/>
+                      </a:pPr>
+                      <a:r>
+                        <a:rPr lang="ru-RU" sz="1600" dirty="0" smtClean="0">
+                          <a:effectLst/>
+                        </a:rPr>
+                        <a:t>Действие2,</a:t>
+                      </a:r>
+                    </a:p>
+                    <a:p>
+                      <a:pPr marL="342900" lvl="0" indent="-342900">
+                        <a:lnSpc>
+                          <a:spcPct val="107000"/>
+                        </a:lnSpc>
+                        <a:spcAft>
+                          <a:spcPts val="0"/>
+                        </a:spcAft>
+                        <a:buFont typeface="+mj-lt"/>
+                        <a:buAutoNum type="arabicParenR"/>
+                      </a:pPr>
+                      <a:r>
+                        <a:rPr lang="ru-RU" sz="1600" dirty="0" smtClean="0">
+                          <a:effectLst/>
+                        </a:rPr>
+                        <a:t>Действие3,</a:t>
+                      </a:r>
+                    </a:p>
+                    <a:p>
+                      <a:pPr marL="342900" marR="0" lvl="0" indent="-342900" algn="l" defTabSz="457200" rtl="0" eaLnBrk="1" fontAlgn="auto" latinLnBrk="0" hangingPunct="1">
+                        <a:lnSpc>
+                          <a:spcPct val="107000"/>
+                        </a:lnSpc>
+                        <a:spcBef>
+                          <a:spcPts val="0"/>
+                        </a:spcBef>
+                        <a:spcAft>
+                          <a:spcPts val="0"/>
+                        </a:spcAft>
+                        <a:buClrTx/>
+                        <a:buSzTx/>
+                        <a:buFont typeface="+mj-lt"/>
+                        <a:buAutoNum type="arabicParenR"/>
+                        <a:tabLst/>
+                        <a:defRPr/>
+                      </a:pPr>
+                      <a:r>
+                        <a:rPr lang="ru-RU" sz="1600" dirty="0" smtClean="0">
+                          <a:effectLst/>
+                        </a:rPr>
+                        <a:t>Действие4,</a:t>
+                      </a:r>
+                    </a:p>
+                  </a:txBody>
+                  <a:tcPr marL="68580" marR="68580" marT="0" marB="0"/>
+                </a:tc>
+                <a:tc>
+                  <a:txBody>
+                    <a:bodyPr/>
+                    <a:lstStyle/>
+                    <a:p>
+                      <a:pPr>
+                        <a:lnSpc>
+                          <a:spcPct val="107000"/>
+                        </a:lnSpc>
+                        <a:spcAft>
+                          <a:spcPts val="0"/>
+                        </a:spcAft>
+                      </a:pPr>
+                      <a:endParaRPr lang="ru-RU" sz="1600" dirty="0">
+                        <a:effectLst/>
+                        <a:latin typeface="Times New Roman" panose="02020603050405020304" pitchFamily="18" charset="0"/>
+                        <a:ea typeface="Calibri" panose="020F0502020204030204" pitchFamily="34" charset="0"/>
+                        <a:cs typeface="Times New Roman" panose="02020603050405020304" pitchFamily="18" charset="0"/>
+                      </a:endParaRPr>
+                    </a:p>
+                  </a:txBody>
+                  <a:tcPr marL="68580" marR="68580" marT="0" marB="0"/>
+                </a:tc>
+                <a:extLst>
+                  <a:ext uri="{0D108BD9-81ED-4DB2-BD59-A6C34878D82A}">
+                    <a16:rowId xmlns:a16="http://schemas.microsoft.com/office/drawing/2014/main" val="4287929793"/>
+                  </a:ext>
+                </a:extLst>
+              </a:tr>
+              <a:tr h="0">
+                <a:tc>
+                  <a:txBody>
+                    <a:bodyPr/>
+                    <a:lstStyle/>
+                    <a:p>
+                      <a:pPr marL="342900" lvl="0" indent="-342900">
+                        <a:lnSpc>
+                          <a:spcPct val="107000"/>
+                        </a:lnSpc>
+                        <a:spcAft>
+                          <a:spcPts val="0"/>
+                        </a:spcAft>
+                        <a:buFont typeface="+mj-lt"/>
+                        <a:buAutoNum type="arabicPeriod" startAt="3"/>
+                      </a:pPr>
+                      <a:r>
+                        <a:rPr lang="ru-RU" sz="1600" dirty="0" smtClean="0">
+                          <a:effectLst/>
+                        </a:rPr>
+                        <a:t>Последний блок действий</a:t>
+                      </a:r>
+                      <a:endParaRPr lang="ru-RU" sz="1600" dirty="0">
+                        <a:effectLst/>
+                        <a:latin typeface="Times New Roman" panose="02020603050405020304" pitchFamily="18" charset="0"/>
+                        <a:ea typeface="Calibri" panose="020F0502020204030204" pitchFamily="34" charset="0"/>
+                        <a:cs typeface="Times New Roman" panose="02020603050405020304" pitchFamily="18" charset="0"/>
+                      </a:endParaRPr>
+                    </a:p>
+                  </a:txBody>
+                  <a:tcPr marL="68580" marR="68580" marT="0" marB="0"/>
+                </a:tc>
+                <a:tc>
+                  <a:txBody>
+                    <a:bodyPr/>
+                    <a:lstStyle/>
+                    <a:p>
+                      <a:pPr>
+                        <a:lnSpc>
+                          <a:spcPct val="107000"/>
+                        </a:lnSpc>
+                        <a:spcAft>
+                          <a:spcPts val="0"/>
+                        </a:spcAft>
+                      </a:pPr>
+                      <a:endParaRPr lang="ru-RU" sz="1600" dirty="0">
+                        <a:effectLst/>
+                        <a:latin typeface="Times New Roman" panose="02020603050405020304" pitchFamily="18" charset="0"/>
+                        <a:ea typeface="Calibri" panose="020F0502020204030204" pitchFamily="34" charset="0"/>
+                        <a:cs typeface="Times New Roman" panose="02020603050405020304" pitchFamily="18" charset="0"/>
+                      </a:endParaRPr>
+                    </a:p>
+                  </a:txBody>
+                  <a:tcPr marL="68580" marR="68580" marT="0" marB="0"/>
+                </a:tc>
+                <a:extLst>
+                  <a:ext uri="{0D108BD9-81ED-4DB2-BD59-A6C34878D82A}">
+                    <a16:rowId xmlns:a16="http://schemas.microsoft.com/office/drawing/2014/main" val="272333774"/>
+                  </a:ext>
+                </a:extLst>
+              </a:tr>
+            </a:tbl>
+          </a:graphicData>
+        </a:graphic>
+      </p:graphicFrame>
+      <p:sp>
+        <p:nvSpPr>
+          <p:cNvPr id="4" name="Номер слайда 3"/>
+          <p:cNvSpPr>
+            <a:spLocks noGrp="1"/>
+          </p:cNvSpPr>
+          <p:nvPr>
+            <p:ph type="sldNum" sz="quarter" idx="12"/>
+          </p:nvPr>
+        </p:nvSpPr>
+        <p:spPr/>
+        <p:txBody>
+          <a:bodyPr/>
+          <a:lstStyle/>
+          <a:p>
+            <a:fld id="{D57F1E4F-1CFF-5643-939E-217C01CDF565}" type="slidenum">
+              <a:rPr lang="en-US" sz="1200" smtClean="0"/>
+              <a:pPr/>
+              <a:t>11</a:t>
+            </a:fld>
+            <a:endParaRPr lang="en-US" sz="1200" dirty="0"/>
+          </a:p>
+        </p:txBody>
+      </p:sp>
+      <p:sp>
+        <p:nvSpPr>
+          <p:cNvPr id="6" name="Rectangle 1"/>
+          <p:cNvSpPr>
+            <a:spLocks noChangeArrowheads="1"/>
+          </p:cNvSpPr>
+          <p:nvPr/>
+        </p:nvSpPr>
+        <p:spPr bwMode="auto">
+          <a:xfrm>
+            <a:off x="6375502" y="2003926"/>
+            <a:ext cx="5377473" cy="261610"/>
+          </a:xfrm>
+          <a:prstGeom prst="rect">
+            <a:avLst/>
+          </a:prstGeom>
+          <a:noFill/>
+          <a:ln>
+            <a:noFill/>
+          </a:ln>
+          <a:effectLst/>
+          <a:extLst>
+            <a:ext uri="{909E8E84-426E-40DD-AFC4-6F175D3DCCD1}">
+              <a14:hiddenFill xmlns:a14="http://schemas.microsoft.com/office/drawing/2010/main">
+                <a:solidFill>
+                  <a:schemeClr val="accent1"/>
+                </a:solidFill>
+              </a14:hiddenFill>
+            </a:ext>
+            <a:ext uri="{91240B29-F687-4F45-9708-019B960494DF}">
+              <a14:hiddenLine xmlns:a14="http://schemas.microsoft.com/office/drawing/2010/main" w="9525">
+                <a:solidFill>
+                  <a:schemeClr val="tx1"/>
+                </a:solidFill>
+                <a:miter lim="800000"/>
+                <a:headEnd/>
+                <a:tailEnd/>
+              </a14:hiddenLine>
+            </a:ext>
+            <a:ext uri="{AF507438-7753-43E0-B8FC-AC1667EBCBE1}">
+              <a14:hiddenEffects xmlns:a14="http://schemas.microsoft.com/office/drawing/2010/main">
+                <a:effectLst>
+                  <a:outerShdw dist="35921" dir="2700000" algn="ctr" rotWithShape="0">
+                    <a:schemeClr val="bg2"/>
+                  </a:outerShdw>
+                </a:effectLst>
+              </a14:hiddenEffects>
+            </a:ext>
+          </a:extLst>
+        </p:spPr>
+        <p:txBody>
+          <a:bodyPr vert="horz" wrap="square" lIns="91440" tIns="45720" rIns="91440" bIns="45720" numCol="1" anchor="ctr" anchorCtr="0" compatLnSpc="1">
+            <a:prstTxWarp prst="textNoShape">
+              <a:avLst/>
+            </a:prstTxWarp>
+            <a:spAutoFit/>
+          </a:bodyPr>
+          <a:lstStyle>
+            <a:lvl1pPr eaLnBrk="0" fontAlgn="base" hangingPunct="0">
+              <a:spcBef>
+                <a:spcPct val="0"/>
+              </a:spcBef>
+              <a:spcAft>
+                <a:spcPct val="0"/>
+              </a:spcAft>
+              <a:defRPr>
+                <a:solidFill>
+                  <a:schemeClr val="tx1"/>
+                </a:solidFill>
+                <a:latin typeface="Arial" panose="020B0604020202020204" pitchFamily="34" charset="0"/>
+              </a:defRPr>
+            </a:lvl1pPr>
+            <a:lvl2pPr eaLnBrk="0" fontAlgn="base" hangingPunct="0">
+              <a:spcBef>
+                <a:spcPct val="0"/>
+              </a:spcBef>
+              <a:spcAft>
+                <a:spcPct val="0"/>
+              </a:spcAft>
+              <a:defRPr>
+                <a:solidFill>
+                  <a:schemeClr val="tx1"/>
+                </a:solidFill>
+                <a:latin typeface="Arial" panose="020B0604020202020204" pitchFamily="34" charset="0"/>
+              </a:defRPr>
+            </a:lvl2pPr>
+            <a:lvl3pPr eaLnBrk="0" fontAlgn="base" hangingPunct="0">
+              <a:spcBef>
+                <a:spcPct val="0"/>
+              </a:spcBef>
+              <a:spcAft>
+                <a:spcPct val="0"/>
+              </a:spcAft>
+              <a:defRPr>
+                <a:solidFill>
+                  <a:schemeClr val="tx1"/>
+                </a:solidFill>
+                <a:latin typeface="Arial" panose="020B0604020202020204" pitchFamily="34" charset="0"/>
+              </a:defRPr>
+            </a:lvl3pPr>
+            <a:lvl4pPr eaLnBrk="0" fontAlgn="base" hangingPunct="0">
+              <a:spcBef>
+                <a:spcPct val="0"/>
+              </a:spcBef>
+              <a:spcAft>
+                <a:spcPct val="0"/>
+              </a:spcAft>
+              <a:defRPr>
+                <a:solidFill>
+                  <a:schemeClr val="tx1"/>
+                </a:solidFill>
+                <a:latin typeface="Arial" panose="020B0604020202020204" pitchFamily="34" charset="0"/>
+              </a:defRPr>
+            </a:lvl4pPr>
+            <a:lvl5pPr eaLnBrk="0" fontAlgn="base" hangingPunct="0">
+              <a:spcBef>
+                <a:spcPct val="0"/>
+              </a:spcBef>
+              <a:spcAft>
+                <a:spcPct val="0"/>
+              </a:spcAft>
+              <a:defRPr>
+                <a:solidFill>
+                  <a:schemeClr val="tx1"/>
+                </a:solidFill>
+                <a:latin typeface="Arial" panose="020B0604020202020204" pitchFamily="34" charset="0"/>
+              </a:defRPr>
+            </a:lvl5pPr>
+            <a:lvl6pPr eaLnBrk="0" fontAlgn="base" hangingPunct="0">
+              <a:spcBef>
+                <a:spcPct val="0"/>
+              </a:spcBef>
+              <a:spcAft>
+                <a:spcPct val="0"/>
+              </a:spcAft>
+              <a:defRPr>
+                <a:solidFill>
+                  <a:schemeClr val="tx1"/>
+                </a:solidFill>
+                <a:latin typeface="Arial" panose="020B0604020202020204" pitchFamily="34" charset="0"/>
+              </a:defRPr>
+            </a:lvl6pPr>
+            <a:lvl7pPr eaLnBrk="0" fontAlgn="base" hangingPunct="0">
+              <a:spcBef>
+                <a:spcPct val="0"/>
+              </a:spcBef>
+              <a:spcAft>
+                <a:spcPct val="0"/>
+              </a:spcAft>
+              <a:defRPr>
+                <a:solidFill>
+                  <a:schemeClr val="tx1"/>
+                </a:solidFill>
+                <a:latin typeface="Arial" panose="020B0604020202020204" pitchFamily="34" charset="0"/>
+              </a:defRPr>
+            </a:lvl7pPr>
+            <a:lvl8pPr eaLnBrk="0" fontAlgn="base" hangingPunct="0">
+              <a:spcBef>
+                <a:spcPct val="0"/>
+              </a:spcBef>
+              <a:spcAft>
+                <a:spcPct val="0"/>
+              </a:spcAft>
+              <a:defRPr>
+                <a:solidFill>
+                  <a:schemeClr val="tx1"/>
+                </a:solidFill>
+                <a:latin typeface="Arial" panose="020B0604020202020204" pitchFamily="34" charset="0"/>
+              </a:defRPr>
+            </a:lvl8pPr>
+            <a:lvl9pPr eaLnBrk="0" fontAlgn="base" hangingPunct="0">
+              <a:spcBef>
+                <a:spcPct val="0"/>
+              </a:spcBef>
+              <a:spcAft>
+                <a:spcPct val="0"/>
+              </a:spcAft>
+              <a:defRPr>
+                <a:solidFill>
+                  <a:schemeClr val="tx1"/>
+                </a:solidFill>
+                <a:latin typeface="Arial" panose="020B0604020202020204" pitchFamily="34" charset="0"/>
+              </a:defRPr>
+            </a:lvl9pPr>
+          </a:lstStyle>
+          <a:p>
+            <a:pPr marL="0" marR="0" lvl="0" indent="0" algn="l" defTabSz="914400" rtl="0" eaLnBrk="0" fontAlgn="base" latinLnBrk="0" hangingPunct="0">
+              <a:lnSpc>
+                <a:spcPct val="100000"/>
+              </a:lnSpc>
+              <a:spcBef>
+                <a:spcPct val="0"/>
+              </a:spcBef>
+              <a:spcAft>
+                <a:spcPct val="0"/>
+              </a:spcAft>
+              <a:buClrTx/>
+              <a:buSzTx/>
+              <a:buFontTx/>
+              <a:buNone/>
+              <a:tabLst/>
+            </a:pPr>
+            <a:r>
+              <a:rPr kumimoji="0" lang="ru-RU" altLang="ru-RU" sz="1100" b="0" i="0" u="sng" strike="noStrike" cap="none" normalizeH="0" baseline="0" dirty="0" smtClean="0">
+                <a:ln>
+                  <a:noFill/>
+                </a:ln>
+                <a:solidFill>
+                  <a:schemeClr val="tx1"/>
+                </a:solidFill>
+                <a:effectLst/>
+                <a:latin typeface="Arial" panose="020B0604020202020204" pitchFamily="34" charset="0"/>
+                <a:ea typeface="Calibri" panose="020F0502020204030204" pitchFamily="34" charset="0"/>
+                <a:cs typeface="Times New Roman" panose="02020603050405020304" pitchFamily="18" charset="0"/>
+              </a:rPr>
+              <a:t>Тест-кейс № 01</a:t>
+            </a:r>
+            <a:r>
+              <a:rPr kumimoji="0" lang="ru-RU" altLang="ru-RU" sz="1100" b="0" i="0" u="none" strike="noStrike" cap="none" normalizeH="0" baseline="0" dirty="0" smtClean="0">
+                <a:ln>
+                  <a:noFill/>
+                </a:ln>
+                <a:solidFill>
+                  <a:schemeClr val="tx1"/>
+                </a:solidFill>
+                <a:effectLst/>
+                <a:latin typeface="Arial" panose="020B0604020202020204" pitchFamily="34" charset="0"/>
+                <a:ea typeface="Calibri" panose="020F0502020204030204" pitchFamily="34" charset="0"/>
+                <a:cs typeface="Times New Roman" panose="02020603050405020304" pitchFamily="18" charset="0"/>
+              </a:rPr>
+              <a:t>. Название Тест-Кейса</a:t>
+            </a:r>
+            <a:endParaRPr kumimoji="0" lang="ru-RU" altLang="ru-RU" sz="1800" b="0" i="0" u="none" strike="noStrike" cap="none" normalizeH="0" baseline="0" dirty="0" smtClean="0">
+              <a:ln>
+                <a:noFill/>
+              </a:ln>
+              <a:solidFill>
+                <a:schemeClr val="tx1"/>
+              </a:solidFill>
+              <a:effectLst/>
+              <a:latin typeface="Arial" panose="020B0604020202020204" pitchFamily="34" charset="0"/>
+            </a:endParaRPr>
+          </a:p>
+        </p:txBody>
+      </p:sp>
+      <p:sp>
+        <p:nvSpPr>
+          <p:cNvPr id="7" name="Объект 2"/>
+          <p:cNvSpPr txBox="1">
+            <a:spLocks/>
+          </p:cNvSpPr>
+          <p:nvPr/>
+        </p:nvSpPr>
+        <p:spPr>
+          <a:xfrm>
+            <a:off x="8044999" y="4613831"/>
+            <a:ext cx="3159535" cy="1054335"/>
+          </a:xfrm>
+          <a:prstGeom prst="rect">
+            <a:avLst/>
+          </a:prstGeom>
+        </p:spPr>
+        <p:txBody>
+          <a:bodyPr vert="horz" lIns="91440" tIns="45720" rIns="91440" bIns="45720" rtlCol="0" anchor="ctr">
+            <a:normAutofit/>
+          </a:bodyPr>
+          <a:lstStyle>
+            <a:lvl1pPr marL="306000" indent="-306000" algn="l" defTabSz="457200" rtl="0" eaLnBrk="1" latinLnBrk="0" hangingPunct="1">
+              <a:spcBef>
+                <a:spcPct val="20000"/>
+              </a:spcBef>
+              <a:spcAft>
+                <a:spcPts val="600"/>
+              </a:spcAft>
+              <a:buClr>
+                <a:schemeClr val="accent2"/>
+              </a:buClr>
+              <a:buSzPct val="92000"/>
+              <a:buFont typeface="Wingdings 2" panose="05020102010507070707" pitchFamily="18" charset="2"/>
+              <a:buChar char=""/>
+              <a:defRPr sz="1800" kern="1200">
+                <a:solidFill>
+                  <a:schemeClr val="tx2"/>
+                </a:solidFill>
+                <a:latin typeface="+mn-lt"/>
+                <a:ea typeface="+mn-ea"/>
+                <a:cs typeface="+mn-cs"/>
+              </a:defRPr>
+            </a:lvl1pPr>
+            <a:lvl2pPr marL="630000" indent="-306000" algn="l" defTabSz="457200" rtl="0" eaLnBrk="1" latinLnBrk="0" hangingPunct="1">
+              <a:spcBef>
+                <a:spcPct val="20000"/>
+              </a:spcBef>
+              <a:spcAft>
+                <a:spcPts val="600"/>
+              </a:spcAft>
+              <a:buClr>
+                <a:schemeClr val="accent2"/>
+              </a:buClr>
+              <a:buSzPct val="92000"/>
+              <a:buFont typeface="Wingdings 2" panose="05020102010507070707" pitchFamily="18" charset="2"/>
+              <a:buChar char=""/>
+              <a:defRPr sz="1600" kern="1200">
+                <a:solidFill>
+                  <a:schemeClr val="tx2"/>
+                </a:solidFill>
+                <a:latin typeface="+mn-lt"/>
+                <a:ea typeface="+mn-ea"/>
+                <a:cs typeface="+mn-cs"/>
+              </a:defRPr>
+            </a:lvl2pPr>
+            <a:lvl3pPr marL="900000" indent="-270000" algn="l" defTabSz="457200" rtl="0" eaLnBrk="1" latinLnBrk="0" hangingPunct="1">
+              <a:spcBef>
+                <a:spcPct val="20000"/>
+              </a:spcBef>
+              <a:spcAft>
+                <a:spcPts val="600"/>
+              </a:spcAft>
+              <a:buClr>
+                <a:schemeClr val="accent2"/>
+              </a:buClr>
+              <a:buSzPct val="92000"/>
+              <a:buFont typeface="Wingdings 2" panose="05020102010507070707" pitchFamily="18" charset="2"/>
+              <a:buChar char=""/>
+              <a:defRPr sz="1400" kern="1200">
+                <a:solidFill>
+                  <a:schemeClr val="tx2"/>
+                </a:solidFill>
+                <a:latin typeface="+mn-lt"/>
+                <a:ea typeface="+mn-ea"/>
+                <a:cs typeface="+mn-cs"/>
+              </a:defRPr>
+            </a:lvl3pPr>
+            <a:lvl4pPr marL="1242000" indent="-234000" algn="l" defTabSz="457200" rtl="0" eaLnBrk="1" latinLnBrk="0" hangingPunct="1">
+              <a:spcBef>
+                <a:spcPct val="20000"/>
+              </a:spcBef>
+              <a:spcAft>
+                <a:spcPts val="600"/>
+              </a:spcAft>
+              <a:buClr>
+                <a:schemeClr val="accent2"/>
+              </a:buClr>
+              <a:buSzPct val="92000"/>
+              <a:buFont typeface="Wingdings 2" panose="05020102010507070707" pitchFamily="18" charset="2"/>
+              <a:buChar char=""/>
+              <a:defRPr sz="1200" kern="1200">
+                <a:solidFill>
+                  <a:schemeClr val="tx2"/>
+                </a:solidFill>
+                <a:latin typeface="+mn-lt"/>
+                <a:ea typeface="+mn-ea"/>
+                <a:cs typeface="+mn-cs"/>
+              </a:defRPr>
+            </a:lvl4pPr>
+            <a:lvl5pPr marL="1602000" indent="-234000" algn="l" defTabSz="457200" rtl="0" eaLnBrk="1" latinLnBrk="0" hangingPunct="1">
+              <a:spcBef>
+                <a:spcPct val="20000"/>
+              </a:spcBef>
+              <a:spcAft>
+                <a:spcPts val="600"/>
+              </a:spcAft>
+              <a:buClr>
+                <a:schemeClr val="accent2"/>
+              </a:buClr>
+              <a:buSzPct val="92000"/>
+              <a:buFont typeface="Wingdings 2" panose="05020102010507070707" pitchFamily="18" charset="2"/>
+              <a:buChar char=""/>
+              <a:defRPr sz="1200" kern="1200">
+                <a:solidFill>
+                  <a:schemeClr val="tx2"/>
+                </a:solidFill>
+                <a:latin typeface="+mn-lt"/>
+                <a:ea typeface="+mn-ea"/>
+                <a:cs typeface="+mn-cs"/>
+              </a:defRPr>
+            </a:lvl5pPr>
+            <a:lvl6pPr marL="1900000" indent="-228600" algn="l" defTabSz="457200" rtl="0" eaLnBrk="1" latinLnBrk="0" hangingPunct="1">
+              <a:spcBef>
+                <a:spcPct val="20000"/>
+              </a:spcBef>
+              <a:spcAft>
+                <a:spcPts val="600"/>
+              </a:spcAft>
+              <a:buClr>
+                <a:schemeClr val="accent2"/>
+              </a:buClr>
+              <a:buSzPct val="92000"/>
+              <a:buFont typeface="Wingdings 2" panose="05020102010507070707" pitchFamily="18" charset="2"/>
+              <a:buChar char=""/>
+              <a:defRPr sz="1200" kern="1200">
+                <a:solidFill>
+                  <a:schemeClr val="tx2"/>
+                </a:solidFill>
+                <a:latin typeface="+mn-lt"/>
+                <a:ea typeface="+mn-ea"/>
+                <a:cs typeface="+mn-cs"/>
+              </a:defRPr>
+            </a:lvl6pPr>
+            <a:lvl7pPr marL="2200000" indent="-228600" algn="l" defTabSz="457200" rtl="0" eaLnBrk="1" latinLnBrk="0" hangingPunct="1">
+              <a:spcBef>
+                <a:spcPct val="20000"/>
+              </a:spcBef>
+              <a:spcAft>
+                <a:spcPts val="600"/>
+              </a:spcAft>
+              <a:buClr>
+                <a:schemeClr val="accent2"/>
+              </a:buClr>
+              <a:buSzPct val="92000"/>
+              <a:buFont typeface="Wingdings 2" panose="05020102010507070707" pitchFamily="18" charset="2"/>
+              <a:buChar char=""/>
+              <a:defRPr sz="1200" kern="1200">
+                <a:solidFill>
+                  <a:schemeClr val="tx2"/>
+                </a:solidFill>
+                <a:latin typeface="+mn-lt"/>
+                <a:ea typeface="+mn-ea"/>
+                <a:cs typeface="+mn-cs"/>
+              </a:defRPr>
+            </a:lvl7pPr>
+            <a:lvl8pPr marL="2500000" indent="-228600" algn="l" defTabSz="457200" rtl="0" eaLnBrk="1" latinLnBrk="0" hangingPunct="1">
+              <a:spcBef>
+                <a:spcPct val="20000"/>
+              </a:spcBef>
+              <a:spcAft>
+                <a:spcPts val="600"/>
+              </a:spcAft>
+              <a:buClr>
+                <a:schemeClr val="accent2"/>
+              </a:buClr>
+              <a:buSzPct val="92000"/>
+              <a:buFont typeface="Wingdings 2" panose="05020102010507070707" pitchFamily="18" charset="2"/>
+              <a:buChar char=""/>
+              <a:defRPr sz="1200" kern="1200">
+                <a:solidFill>
+                  <a:schemeClr val="tx2"/>
+                </a:solidFill>
+                <a:latin typeface="+mn-lt"/>
+                <a:ea typeface="+mn-ea"/>
+                <a:cs typeface="+mn-cs"/>
+              </a:defRPr>
+            </a:lvl8pPr>
+            <a:lvl9pPr marL="2800000" indent="-228600" algn="l" defTabSz="457200" rtl="0" eaLnBrk="1" latinLnBrk="0" hangingPunct="1">
+              <a:spcBef>
+                <a:spcPct val="20000"/>
+              </a:spcBef>
+              <a:spcAft>
+                <a:spcPts val="600"/>
+              </a:spcAft>
+              <a:buClr>
+                <a:schemeClr val="accent2"/>
+              </a:buClr>
+              <a:buSzPct val="92000"/>
+              <a:buFont typeface="Wingdings 2" panose="05020102010507070707" pitchFamily="18" charset="2"/>
+              <a:buChar char=""/>
+              <a:defRPr sz="1200" kern="1200">
+                <a:solidFill>
+                  <a:schemeClr val="tx2"/>
+                </a:solidFill>
+                <a:latin typeface="+mn-lt"/>
+                <a:ea typeface="+mn-ea"/>
+                <a:cs typeface="+mn-cs"/>
+              </a:defRPr>
+            </a:lvl9pPr>
+          </a:lstStyle>
+          <a:p>
+            <a:r>
+              <a:rPr lang="ru-RU" sz="2400" dirty="0" smtClean="0"/>
+              <a:t>Форма </a:t>
+            </a:r>
+            <a:r>
+              <a:rPr lang="ru-RU" sz="2400" u="sng" dirty="0" smtClean="0"/>
+              <a:t>Тест-Кейса</a:t>
+            </a:r>
+            <a:endParaRPr lang="ru-RU" sz="2400" u="sng" dirty="0" smtClean="0"/>
+          </a:p>
+        </p:txBody>
+      </p:sp>
+      <p:sp>
+        <p:nvSpPr>
+          <p:cNvPr id="8" name="Объект 2"/>
+          <p:cNvSpPr txBox="1">
+            <a:spLocks/>
+          </p:cNvSpPr>
+          <p:nvPr/>
+        </p:nvSpPr>
+        <p:spPr>
+          <a:xfrm>
+            <a:off x="581192" y="2192371"/>
+            <a:ext cx="5500695" cy="4451710"/>
+          </a:xfrm>
+          <a:prstGeom prst="rect">
+            <a:avLst/>
+          </a:prstGeom>
+        </p:spPr>
+        <p:txBody>
+          <a:bodyPr vert="horz" lIns="91440" tIns="45720" rIns="91440" bIns="45720" rtlCol="0" anchor="ctr">
+            <a:normAutofit/>
+          </a:bodyPr>
+          <a:lstStyle>
+            <a:lvl1pPr marL="306000" indent="-306000" algn="l" defTabSz="457200" rtl="0" eaLnBrk="1" latinLnBrk="0" hangingPunct="1">
+              <a:spcBef>
+                <a:spcPct val="20000"/>
+              </a:spcBef>
+              <a:spcAft>
+                <a:spcPts val="600"/>
+              </a:spcAft>
+              <a:buClr>
+                <a:schemeClr val="accent2"/>
+              </a:buClr>
+              <a:buSzPct val="92000"/>
+              <a:buFont typeface="Wingdings 2" panose="05020102010507070707" pitchFamily="18" charset="2"/>
+              <a:buChar char=""/>
+              <a:defRPr sz="1800" kern="1200">
+                <a:solidFill>
+                  <a:schemeClr val="tx2"/>
+                </a:solidFill>
+                <a:latin typeface="+mn-lt"/>
+                <a:ea typeface="+mn-ea"/>
+                <a:cs typeface="+mn-cs"/>
+              </a:defRPr>
+            </a:lvl1pPr>
+            <a:lvl2pPr marL="630000" indent="-306000" algn="l" defTabSz="457200" rtl="0" eaLnBrk="1" latinLnBrk="0" hangingPunct="1">
+              <a:spcBef>
+                <a:spcPct val="20000"/>
+              </a:spcBef>
+              <a:spcAft>
+                <a:spcPts val="600"/>
+              </a:spcAft>
+              <a:buClr>
+                <a:schemeClr val="accent2"/>
+              </a:buClr>
+              <a:buSzPct val="92000"/>
+              <a:buFont typeface="Wingdings 2" panose="05020102010507070707" pitchFamily="18" charset="2"/>
+              <a:buChar char=""/>
+              <a:defRPr sz="1600" kern="1200">
+                <a:solidFill>
+                  <a:schemeClr val="tx2"/>
+                </a:solidFill>
+                <a:latin typeface="+mn-lt"/>
+                <a:ea typeface="+mn-ea"/>
+                <a:cs typeface="+mn-cs"/>
+              </a:defRPr>
+            </a:lvl2pPr>
+            <a:lvl3pPr marL="900000" indent="-270000" algn="l" defTabSz="457200" rtl="0" eaLnBrk="1" latinLnBrk="0" hangingPunct="1">
+              <a:spcBef>
+                <a:spcPct val="20000"/>
+              </a:spcBef>
+              <a:spcAft>
+                <a:spcPts val="600"/>
+              </a:spcAft>
+              <a:buClr>
+                <a:schemeClr val="accent2"/>
+              </a:buClr>
+              <a:buSzPct val="92000"/>
+              <a:buFont typeface="Wingdings 2" panose="05020102010507070707" pitchFamily="18" charset="2"/>
+              <a:buChar char=""/>
+              <a:defRPr sz="1400" kern="1200">
+                <a:solidFill>
+                  <a:schemeClr val="tx2"/>
+                </a:solidFill>
+                <a:latin typeface="+mn-lt"/>
+                <a:ea typeface="+mn-ea"/>
+                <a:cs typeface="+mn-cs"/>
+              </a:defRPr>
+            </a:lvl3pPr>
+            <a:lvl4pPr marL="1242000" indent="-234000" algn="l" defTabSz="457200" rtl="0" eaLnBrk="1" latinLnBrk="0" hangingPunct="1">
+              <a:spcBef>
+                <a:spcPct val="20000"/>
+              </a:spcBef>
+              <a:spcAft>
+                <a:spcPts val="600"/>
+              </a:spcAft>
+              <a:buClr>
+                <a:schemeClr val="accent2"/>
+              </a:buClr>
+              <a:buSzPct val="92000"/>
+              <a:buFont typeface="Wingdings 2" panose="05020102010507070707" pitchFamily="18" charset="2"/>
+              <a:buChar char=""/>
+              <a:defRPr sz="1200" kern="1200">
+                <a:solidFill>
+                  <a:schemeClr val="tx2"/>
+                </a:solidFill>
+                <a:latin typeface="+mn-lt"/>
+                <a:ea typeface="+mn-ea"/>
+                <a:cs typeface="+mn-cs"/>
+              </a:defRPr>
+            </a:lvl4pPr>
+            <a:lvl5pPr marL="1602000" indent="-234000" algn="l" defTabSz="457200" rtl="0" eaLnBrk="1" latinLnBrk="0" hangingPunct="1">
+              <a:spcBef>
+                <a:spcPct val="20000"/>
+              </a:spcBef>
+              <a:spcAft>
+                <a:spcPts val="600"/>
+              </a:spcAft>
+              <a:buClr>
+                <a:schemeClr val="accent2"/>
+              </a:buClr>
+              <a:buSzPct val="92000"/>
+              <a:buFont typeface="Wingdings 2" panose="05020102010507070707" pitchFamily="18" charset="2"/>
+              <a:buChar char=""/>
+              <a:defRPr sz="1200" kern="1200">
+                <a:solidFill>
+                  <a:schemeClr val="tx2"/>
+                </a:solidFill>
+                <a:latin typeface="+mn-lt"/>
+                <a:ea typeface="+mn-ea"/>
+                <a:cs typeface="+mn-cs"/>
+              </a:defRPr>
+            </a:lvl5pPr>
+            <a:lvl6pPr marL="1900000" indent="-228600" algn="l" defTabSz="457200" rtl="0" eaLnBrk="1" latinLnBrk="0" hangingPunct="1">
+              <a:spcBef>
+                <a:spcPct val="20000"/>
+              </a:spcBef>
+              <a:spcAft>
+                <a:spcPts val="600"/>
+              </a:spcAft>
+              <a:buClr>
+                <a:schemeClr val="accent2"/>
+              </a:buClr>
+              <a:buSzPct val="92000"/>
+              <a:buFont typeface="Wingdings 2" panose="05020102010507070707" pitchFamily="18" charset="2"/>
+              <a:buChar char=""/>
+              <a:defRPr sz="1200" kern="1200">
+                <a:solidFill>
+                  <a:schemeClr val="tx2"/>
+                </a:solidFill>
+                <a:latin typeface="+mn-lt"/>
+                <a:ea typeface="+mn-ea"/>
+                <a:cs typeface="+mn-cs"/>
+              </a:defRPr>
+            </a:lvl6pPr>
+            <a:lvl7pPr marL="2200000" indent="-228600" algn="l" defTabSz="457200" rtl="0" eaLnBrk="1" latinLnBrk="0" hangingPunct="1">
+              <a:spcBef>
+                <a:spcPct val="20000"/>
+              </a:spcBef>
+              <a:spcAft>
+                <a:spcPts val="600"/>
+              </a:spcAft>
+              <a:buClr>
+                <a:schemeClr val="accent2"/>
+              </a:buClr>
+              <a:buSzPct val="92000"/>
+              <a:buFont typeface="Wingdings 2" panose="05020102010507070707" pitchFamily="18" charset="2"/>
+              <a:buChar char=""/>
+              <a:defRPr sz="1200" kern="1200">
+                <a:solidFill>
+                  <a:schemeClr val="tx2"/>
+                </a:solidFill>
+                <a:latin typeface="+mn-lt"/>
+                <a:ea typeface="+mn-ea"/>
+                <a:cs typeface="+mn-cs"/>
+              </a:defRPr>
+            </a:lvl7pPr>
+            <a:lvl8pPr marL="2500000" indent="-228600" algn="l" defTabSz="457200" rtl="0" eaLnBrk="1" latinLnBrk="0" hangingPunct="1">
+              <a:spcBef>
+                <a:spcPct val="20000"/>
+              </a:spcBef>
+              <a:spcAft>
+                <a:spcPts val="600"/>
+              </a:spcAft>
+              <a:buClr>
+                <a:schemeClr val="accent2"/>
+              </a:buClr>
+              <a:buSzPct val="92000"/>
+              <a:buFont typeface="Wingdings 2" panose="05020102010507070707" pitchFamily="18" charset="2"/>
+              <a:buChar char=""/>
+              <a:defRPr sz="1200" kern="1200">
+                <a:solidFill>
+                  <a:schemeClr val="tx2"/>
+                </a:solidFill>
+                <a:latin typeface="+mn-lt"/>
+                <a:ea typeface="+mn-ea"/>
+                <a:cs typeface="+mn-cs"/>
+              </a:defRPr>
+            </a:lvl8pPr>
+            <a:lvl9pPr marL="2800000" indent="-228600" algn="l" defTabSz="457200" rtl="0" eaLnBrk="1" latinLnBrk="0" hangingPunct="1">
+              <a:spcBef>
+                <a:spcPct val="20000"/>
+              </a:spcBef>
+              <a:spcAft>
+                <a:spcPts val="600"/>
+              </a:spcAft>
+              <a:buClr>
+                <a:schemeClr val="accent2"/>
+              </a:buClr>
+              <a:buSzPct val="92000"/>
+              <a:buFont typeface="Wingdings 2" panose="05020102010507070707" pitchFamily="18" charset="2"/>
+              <a:buChar char=""/>
+              <a:defRPr sz="1200" kern="1200">
+                <a:solidFill>
+                  <a:schemeClr val="tx2"/>
+                </a:solidFill>
+                <a:latin typeface="+mn-lt"/>
+                <a:ea typeface="+mn-ea"/>
+                <a:cs typeface="+mn-cs"/>
+              </a:defRPr>
+            </a:lvl9pPr>
+          </a:lstStyle>
+          <a:p>
+            <a:r>
+              <a:rPr lang="ru-RU" sz="2400" dirty="0" smtClean="0"/>
+              <a:t>Мы проводили Тестирование пользовательского интерфейса</a:t>
+            </a:r>
+          </a:p>
+          <a:p>
+            <a:r>
+              <a:rPr lang="ru-RU" sz="2400" dirty="0" smtClean="0"/>
+              <a:t>Пользовались методами:</a:t>
+            </a:r>
+          </a:p>
+          <a:p>
+            <a:pPr marL="457200" indent="-457200">
+              <a:buFont typeface="+mj-lt"/>
+              <a:buAutoNum type="arabicParenR"/>
+            </a:pPr>
+            <a:r>
+              <a:rPr lang="ru-RU" sz="2400" dirty="0" smtClean="0"/>
+              <a:t>Равномерного тестирования</a:t>
+            </a:r>
+          </a:p>
+          <a:p>
+            <a:pPr marL="457200" indent="-457200">
+              <a:buFont typeface="+mj-lt"/>
+              <a:buAutoNum type="arabicParenR"/>
+            </a:pPr>
+            <a:r>
+              <a:rPr lang="ru-RU" sz="2400" dirty="0" smtClean="0"/>
+              <a:t>Предугадывания ошибки</a:t>
+            </a:r>
+          </a:p>
+          <a:p>
+            <a:pPr marL="457200" indent="-457200">
+              <a:buFont typeface="+mj-lt"/>
+              <a:buAutoNum type="arabicParenR"/>
+            </a:pPr>
+            <a:r>
+              <a:rPr lang="ru-RU" sz="2400" dirty="0" smtClean="0"/>
+              <a:t>Граничного тестирования</a:t>
+            </a:r>
+          </a:p>
+          <a:p>
+            <a:r>
+              <a:rPr lang="ru-RU" sz="2400" dirty="0" smtClean="0"/>
+              <a:t>На данный момент процент тестового покрытия составляет </a:t>
+            </a:r>
+            <a:r>
+              <a:rPr lang="ru-RU" sz="2400" b="1" dirty="0" smtClean="0">
+                <a:solidFill>
+                  <a:schemeClr val="accent1"/>
+                </a:solidFill>
+              </a:rPr>
+              <a:t>75%</a:t>
+            </a:r>
+            <a:r>
+              <a:rPr lang="ru-RU" sz="2400" dirty="0" smtClean="0"/>
+              <a:t> </a:t>
+            </a:r>
+          </a:p>
+        </p:txBody>
+      </p:sp>
+    </p:spTree>
+    <p:extLst>
+      <p:ext uri="{BB962C8B-B14F-4D97-AF65-F5344CB8AC3E}">
+        <p14:creationId xmlns:p14="http://schemas.microsoft.com/office/powerpoint/2010/main" val="3464636312"/>
+      </p:ext>
+    </p:extLst>
+  </p:cSld>
+  <p:clrMapOvr>
+    <a:masterClrMapping/>
+  </p:clrMapOvr>
+  <p:timing>
+    <p:tnLst>
+      <p:par>
+        <p:cTn id="1" dur="indefinite" restart="never" nodeType="tmRoot"/>
+      </p:par>
+    </p:tnLst>
+  </p:timing>
+</p:sld>
+</file>
+
+<file path=ppt/slides/slide12.xml><?xml version="1.0" encoding="utf-8"?>
+<p:sld xmlns:a="http://schemas.openxmlformats.org/drawingml/2006/main" xmlns:r="http://schemas.openxmlformats.org/officeDocument/2006/relationships" xmlns:p="http://schemas.openxmlformats.org/presentationml/2006/main">
+  <p:cSld>
+    <p:spTree>
+      <p:nvGrpSpPr>
+        <p:cNvPr id="1" name=""/>
+        <p:cNvGrpSpPr/>
+        <p:nvPr/>
+      </p:nvGrpSpPr>
+      <p:grpSpPr>
+        <a:xfrm>
+          <a:off x="0" y="0"/>
+          <a:ext cx="0" cy="0"/>
+          <a:chOff x="0" y="0"/>
+          <a:chExt cx="0" cy="0"/>
+        </a:xfrm>
+      </p:grpSpPr>
+      <p:sp>
+        <p:nvSpPr>
+          <p:cNvPr id="5" name="Заголовок 4"/>
+          <p:cNvSpPr>
+            <a:spLocks noGrp="1"/>
+          </p:cNvSpPr>
+          <p:nvPr>
+            <p:ph type="ctrTitle"/>
+          </p:nvPr>
+        </p:nvSpPr>
+        <p:spPr>
+          <a:xfrm>
+            <a:off x="581191" y="1020432"/>
+            <a:ext cx="10993549" cy="934204"/>
+          </a:xfrm>
+        </p:spPr>
+        <p:txBody>
+          <a:bodyPr/>
+          <a:lstStyle/>
+          <a:p>
+            <a:r>
+              <a:rPr lang="ru-RU" dirty="0"/>
+              <a:t>Сайт для компании </a:t>
+            </a:r>
+            <a:r>
+              <a:rPr lang="ru-RU" sz="4000" dirty="0"/>
+              <a:t>«Кисловодск-строй»</a:t>
+            </a:r>
+            <a:endParaRPr lang="ru-RU" dirty="0"/>
+          </a:p>
+        </p:txBody>
+      </p:sp>
+      <p:sp>
+        <p:nvSpPr>
+          <p:cNvPr id="6" name="Подзаголовок 5"/>
+          <p:cNvSpPr>
+            <a:spLocks noGrp="1"/>
+          </p:cNvSpPr>
+          <p:nvPr>
+            <p:ph type="subTitle" idx="1"/>
+          </p:nvPr>
+        </p:nvSpPr>
+        <p:spPr>
+          <a:xfrm>
+            <a:off x="581194" y="2114027"/>
+            <a:ext cx="10993546" cy="971740"/>
+          </a:xfrm>
+        </p:spPr>
+        <p:txBody>
+          <a:bodyPr>
+            <a:noAutofit/>
+          </a:bodyPr>
+          <a:lstStyle/>
+          <a:p>
+            <a:r>
+              <a:rPr lang="ru-RU" sz="2400" cap="none" dirty="0"/>
+              <a:t>Автор: Моисеев Евгений</a:t>
+            </a:r>
+          </a:p>
+          <a:p>
+            <a:r>
+              <a:rPr lang="en-US" sz="2400" cap="none"/>
+              <a:t>GitHub: </a:t>
+            </a:r>
+            <a:r>
+              <a:rPr lang="ru-RU" sz="2400" cap="none"/>
+              <a:t> </a:t>
+            </a:r>
+            <a:r>
+              <a:rPr lang="en-US" sz="2400" cap="none">
+                <a:hlinkClick r:id="rId2"/>
+              </a:rPr>
+              <a:t>https</a:t>
+            </a:r>
+            <a:r>
+              <a:rPr lang="en-US" sz="2400" cap="none">
+                <a:hlinkClick r:id="rId2"/>
+              </a:rPr>
+              <a:t>://</a:t>
+            </a:r>
+            <a:r>
+              <a:rPr lang="en-US" sz="2400" cap="none" smtClean="0">
+                <a:hlinkClick r:id="rId2"/>
+              </a:rPr>
+              <a:t>github.com/jecsonM/MDKmyWORKasAstudent.git</a:t>
+            </a:r>
+            <a:endParaRPr lang="ru-RU" sz="2400" cap="none"/>
+          </a:p>
+        </p:txBody>
+      </p:sp>
+      <p:sp>
+        <p:nvSpPr>
+          <p:cNvPr id="4" name="Номер слайда 3"/>
+          <p:cNvSpPr>
+            <a:spLocks noGrp="1"/>
+          </p:cNvSpPr>
+          <p:nvPr>
+            <p:ph type="sldNum" sz="quarter" idx="12"/>
+          </p:nvPr>
+        </p:nvSpPr>
+        <p:spPr/>
+        <p:txBody>
+          <a:bodyPr/>
+          <a:lstStyle/>
+          <a:p>
+            <a:fld id="{D57F1E4F-1CFF-5643-939E-217C01CDF565}" type="slidenum">
+              <a:rPr lang="en-US" sz="1200" smtClean="0">
+                <a:solidFill>
+                  <a:schemeClr val="bg1"/>
+                </a:solidFill>
+              </a:rPr>
+              <a:pPr/>
+              <a:t>12</a:t>
+            </a:fld>
+            <a:endParaRPr lang="en-US" sz="1200" dirty="0">
+              <a:solidFill>
+                <a:schemeClr val="bg1"/>
+              </a:solidFill>
+            </a:endParaRPr>
+          </a:p>
+        </p:txBody>
+      </p:sp>
+      <p:sp>
+        <p:nvSpPr>
+          <p:cNvPr id="8" name="Объект 2"/>
+          <p:cNvSpPr txBox="1">
+            <a:spLocks/>
+          </p:cNvSpPr>
+          <p:nvPr/>
+        </p:nvSpPr>
+        <p:spPr>
+          <a:xfrm>
+            <a:off x="581193" y="3229761"/>
+            <a:ext cx="11029615" cy="3045204"/>
+          </a:xfrm>
+          <a:prstGeom prst="rect">
+            <a:avLst/>
+          </a:prstGeom>
+        </p:spPr>
+        <p:txBody>
+          <a:bodyPr vert="horz" lIns="91440" tIns="45720" rIns="91440" bIns="45720" rtlCol="0" anchor="t">
+            <a:noAutofit/>
+          </a:bodyPr>
+          <a:lstStyle>
+            <a:lvl1pPr marL="0" indent="0" algn="l" defTabSz="457200" rtl="0" eaLnBrk="1" latinLnBrk="0" hangingPunct="1">
+              <a:spcBef>
+                <a:spcPct val="20000"/>
+              </a:spcBef>
+              <a:spcAft>
+                <a:spcPts val="600"/>
+              </a:spcAft>
+              <a:buClr>
+                <a:schemeClr val="accent2"/>
+              </a:buClr>
+              <a:buSzPct val="92000"/>
+              <a:buFont typeface="Wingdings 2" panose="05020102010507070707" pitchFamily="18" charset="2"/>
+              <a:buNone/>
+              <a:defRPr sz="1600" kern="1200" cap="all">
+                <a:solidFill>
+                  <a:schemeClr val="accent2"/>
+                </a:solidFill>
+                <a:latin typeface="+mn-lt"/>
+                <a:ea typeface="+mn-ea"/>
+                <a:cs typeface="+mn-cs"/>
+              </a:defRPr>
+            </a:lvl1pPr>
+            <a:lvl2pPr marL="457200" indent="0" algn="ctr" defTabSz="457200" rtl="0" eaLnBrk="1" latinLnBrk="0" hangingPunct="1">
+              <a:spcBef>
+                <a:spcPct val="20000"/>
+              </a:spcBef>
+              <a:spcAft>
+                <a:spcPts val="600"/>
+              </a:spcAft>
+              <a:buClr>
+                <a:schemeClr val="accent2"/>
+              </a:buClr>
+              <a:buSzPct val="92000"/>
+              <a:buFont typeface="Wingdings 2" panose="05020102010507070707" pitchFamily="18" charset="2"/>
+              <a:buNone/>
+              <a:defRPr sz="1600" kern="1200">
+                <a:solidFill>
+                  <a:schemeClr val="tx1">
+                    <a:tint val="75000"/>
+                  </a:schemeClr>
+                </a:solidFill>
+                <a:latin typeface="+mn-lt"/>
+                <a:ea typeface="+mn-ea"/>
+                <a:cs typeface="+mn-cs"/>
+              </a:defRPr>
+            </a:lvl2pPr>
+            <a:lvl3pPr marL="914400" indent="0" algn="ctr" defTabSz="457200" rtl="0" eaLnBrk="1" latinLnBrk="0" hangingPunct="1">
+              <a:spcBef>
+                <a:spcPct val="20000"/>
+              </a:spcBef>
+              <a:spcAft>
+                <a:spcPts val="600"/>
+              </a:spcAft>
+              <a:buClr>
+                <a:schemeClr val="accent2"/>
+              </a:buClr>
+              <a:buSzPct val="92000"/>
+              <a:buFont typeface="Wingdings 2" panose="05020102010507070707" pitchFamily="18" charset="2"/>
+              <a:buNone/>
+              <a:defRPr sz="1400" kern="1200">
+                <a:solidFill>
+                  <a:schemeClr val="tx1">
+                    <a:tint val="75000"/>
+                  </a:schemeClr>
+                </a:solidFill>
+                <a:latin typeface="+mn-lt"/>
+                <a:ea typeface="+mn-ea"/>
+                <a:cs typeface="+mn-cs"/>
+              </a:defRPr>
+            </a:lvl3pPr>
+            <a:lvl4pPr marL="1371600" indent="0" algn="ctr" defTabSz="457200" rtl="0" eaLnBrk="1" latinLnBrk="0" hangingPunct="1">
+              <a:spcBef>
+                <a:spcPct val="20000"/>
+              </a:spcBef>
+              <a:spcAft>
+                <a:spcPts val="600"/>
+              </a:spcAft>
+              <a:buClr>
+                <a:schemeClr val="accent2"/>
+              </a:buClr>
+              <a:buSzPct val="92000"/>
+              <a:buFont typeface="Wingdings 2" panose="05020102010507070707" pitchFamily="18" charset="2"/>
+              <a:buNone/>
+              <a:defRPr sz="1200" kern="1200">
+                <a:solidFill>
+                  <a:schemeClr val="tx1">
+                    <a:tint val="75000"/>
+                  </a:schemeClr>
+                </a:solidFill>
+                <a:latin typeface="+mn-lt"/>
+                <a:ea typeface="+mn-ea"/>
+                <a:cs typeface="+mn-cs"/>
+              </a:defRPr>
+            </a:lvl4pPr>
+            <a:lvl5pPr marL="1828800" indent="0" algn="ctr" defTabSz="457200" rtl="0" eaLnBrk="1" latinLnBrk="0" hangingPunct="1">
+              <a:spcBef>
+                <a:spcPct val="20000"/>
+              </a:spcBef>
+              <a:spcAft>
+                <a:spcPts val="600"/>
+              </a:spcAft>
+              <a:buClr>
+                <a:schemeClr val="accent2"/>
+              </a:buClr>
+              <a:buSzPct val="92000"/>
+              <a:buFont typeface="Wingdings 2" panose="05020102010507070707" pitchFamily="18" charset="2"/>
+              <a:buNone/>
+              <a:defRPr sz="1200" kern="1200">
+                <a:solidFill>
+                  <a:schemeClr val="tx1">
+                    <a:tint val="75000"/>
+                  </a:schemeClr>
+                </a:solidFill>
+                <a:latin typeface="+mn-lt"/>
+                <a:ea typeface="+mn-ea"/>
+                <a:cs typeface="+mn-cs"/>
+              </a:defRPr>
+            </a:lvl5pPr>
+            <a:lvl6pPr marL="2286000" indent="0" algn="ctr" defTabSz="457200" rtl="0" eaLnBrk="1" latinLnBrk="0" hangingPunct="1">
+              <a:spcBef>
+                <a:spcPct val="20000"/>
+              </a:spcBef>
+              <a:spcAft>
+                <a:spcPts val="600"/>
+              </a:spcAft>
+              <a:buClr>
+                <a:schemeClr val="accent2"/>
+              </a:buClr>
+              <a:buSzPct val="92000"/>
+              <a:buFont typeface="Wingdings 2" panose="05020102010507070707" pitchFamily="18" charset="2"/>
+              <a:buNone/>
+              <a:defRPr sz="1200" kern="1200">
+                <a:solidFill>
+                  <a:schemeClr val="tx1">
+                    <a:tint val="75000"/>
+                  </a:schemeClr>
+                </a:solidFill>
+                <a:latin typeface="+mn-lt"/>
+                <a:ea typeface="+mn-ea"/>
+                <a:cs typeface="+mn-cs"/>
+              </a:defRPr>
+            </a:lvl6pPr>
+            <a:lvl7pPr marL="2743200" indent="0" algn="ctr" defTabSz="457200" rtl="0" eaLnBrk="1" latinLnBrk="0" hangingPunct="1">
+              <a:spcBef>
+                <a:spcPct val="20000"/>
+              </a:spcBef>
+              <a:spcAft>
+                <a:spcPts val="600"/>
+              </a:spcAft>
+              <a:buClr>
+                <a:schemeClr val="accent2"/>
+              </a:buClr>
+              <a:buSzPct val="92000"/>
+              <a:buFont typeface="Wingdings 2" panose="05020102010507070707" pitchFamily="18" charset="2"/>
+              <a:buNone/>
+              <a:defRPr sz="1200" kern="1200">
+                <a:solidFill>
+                  <a:schemeClr val="tx1">
+                    <a:tint val="75000"/>
+                  </a:schemeClr>
+                </a:solidFill>
+                <a:latin typeface="+mn-lt"/>
+                <a:ea typeface="+mn-ea"/>
+                <a:cs typeface="+mn-cs"/>
+              </a:defRPr>
+            </a:lvl7pPr>
+            <a:lvl8pPr marL="3200400" indent="0" algn="ctr" defTabSz="457200" rtl="0" eaLnBrk="1" latinLnBrk="0" hangingPunct="1">
+              <a:spcBef>
+                <a:spcPct val="20000"/>
+              </a:spcBef>
+              <a:spcAft>
+                <a:spcPts val="600"/>
+              </a:spcAft>
+              <a:buClr>
+                <a:schemeClr val="accent2"/>
+              </a:buClr>
+              <a:buSzPct val="92000"/>
+              <a:buFont typeface="Wingdings 2" panose="05020102010507070707" pitchFamily="18" charset="2"/>
+              <a:buNone/>
+              <a:defRPr sz="1200" kern="1200">
+                <a:solidFill>
+                  <a:schemeClr val="tx1">
+                    <a:tint val="75000"/>
+                  </a:schemeClr>
+                </a:solidFill>
+                <a:latin typeface="+mn-lt"/>
+                <a:ea typeface="+mn-ea"/>
+                <a:cs typeface="+mn-cs"/>
+              </a:defRPr>
+            </a:lvl8pPr>
+            <a:lvl9pPr marL="3657600" indent="0" algn="ctr" defTabSz="457200" rtl="0" eaLnBrk="1" latinLnBrk="0" hangingPunct="1">
+              <a:spcBef>
+                <a:spcPct val="20000"/>
+              </a:spcBef>
+              <a:spcAft>
+                <a:spcPts val="600"/>
+              </a:spcAft>
+              <a:buClr>
+                <a:schemeClr val="accent2"/>
+              </a:buClr>
+              <a:buSzPct val="92000"/>
+              <a:buFont typeface="Wingdings 2" panose="05020102010507070707" pitchFamily="18" charset="2"/>
+              <a:buNone/>
+              <a:defRPr sz="1200" kern="1200">
+                <a:solidFill>
+                  <a:schemeClr val="tx1">
+                    <a:tint val="75000"/>
+                  </a:schemeClr>
+                </a:solidFill>
+                <a:latin typeface="+mn-lt"/>
+                <a:ea typeface="+mn-ea"/>
+                <a:cs typeface="+mn-cs"/>
+              </a:defRPr>
+            </a:lvl9pPr>
+          </a:lstStyle>
+          <a:p>
+            <a:pPr algn="ctr"/>
+            <a:r>
+              <a:rPr lang="ru-RU" sz="3600" b="1" dirty="0" smtClean="0">
+                <a:solidFill>
+                  <a:schemeClr val="bg1"/>
+                </a:solidFill>
+              </a:rPr>
+              <a:t>Спасибо за внимание</a:t>
+            </a:r>
+          </a:p>
+          <a:p>
+            <a:pPr algn="ctr"/>
+            <a:endParaRPr lang="ru-RU" sz="3600" b="1" dirty="0">
+              <a:solidFill>
+                <a:schemeClr val="bg1"/>
+              </a:solidFill>
+            </a:endParaRPr>
+          </a:p>
+          <a:p>
+            <a:pPr algn="ctr"/>
+            <a:r>
+              <a:rPr lang="ru-RU" sz="3600" b="1" dirty="0" smtClean="0">
+                <a:solidFill>
+                  <a:schemeClr val="bg1"/>
+                </a:solidFill>
+              </a:rPr>
+              <a:t>Готов к ответам на ваши вопросы</a:t>
+            </a:r>
+            <a:endParaRPr lang="ru-RU" sz="3600" dirty="0">
+              <a:solidFill>
+                <a:schemeClr val="bg1"/>
+              </a:solidFill>
+            </a:endParaRPr>
+          </a:p>
+        </p:txBody>
+      </p:sp>
+    </p:spTree>
+    <p:extLst>
+      <p:ext uri="{BB962C8B-B14F-4D97-AF65-F5344CB8AC3E}">
+        <p14:creationId xmlns:p14="http://schemas.microsoft.com/office/powerpoint/2010/main" val="807799813"/>
+      </p:ext>
+    </p:extLst>
+  </p:cSld>
+  <p:clrMapOvr>
+    <a:masterClrMapping/>
+  </p:clrMapOvr>
+  <p:timing>
+    <p:tnLst>
+      <p:par>
+        <p:cTn id="1" dur="indefinite" restart="never" nodeType="tmRoot"/>
+      </p:par>
+    </p:tnLst>
+  </p:timing>
 </p:sld>
 </file>
 
@@ -3973,10 +6761,10 @@
           <a:lstStyle/>
           <a:p>
             <a:r>
-              <a:rPr lang="ru-RU" sz="3200" dirty="0" smtClean="0"/>
+              <a:rPr lang="ru-RU" dirty="0" smtClean="0"/>
               <a:t>Предметная область</a:t>
             </a:r>
-            <a:endParaRPr lang="ru-RU" sz="3200" dirty="0"/>
+            <a:endParaRPr lang="ru-RU" dirty="0"/>
           </a:p>
         </p:txBody>
       </p:sp>
@@ -4016,14 +6804,16 @@
           <a:p>
             <a:r>
               <a:rPr lang="ru-RU" sz="2400" dirty="0" smtClean="0"/>
-              <a:t>Сроки</a:t>
-            </a:r>
+              <a:t>Сроки – 2,5 месяца</a:t>
+            </a:r>
+            <a:endParaRPr lang="ru-RU" sz="2400" dirty="0" smtClean="0"/>
           </a:p>
           <a:p>
             <a:r>
               <a:rPr lang="ru-RU" sz="2400" dirty="0" smtClean="0"/>
-              <a:t>Бюджет</a:t>
-            </a:r>
+              <a:t>Бюджет – 2,125 млн. рублей</a:t>
+            </a:r>
+            <a:endParaRPr lang="ru-RU" sz="2400" dirty="0" smtClean="0"/>
           </a:p>
           <a:p>
             <a:r>
@@ -4037,6 +6827,30 @@
               <a:t>Условия проекта</a:t>
             </a:r>
             <a:endParaRPr lang="ru-RU" sz="2400" dirty="0"/>
+          </a:p>
+        </p:txBody>
+      </p:sp>
+      <p:sp>
+        <p:nvSpPr>
+          <p:cNvPr id="6" name="Номер слайда 5"/>
+          <p:cNvSpPr>
+            <a:spLocks noGrp="1"/>
+          </p:cNvSpPr>
+          <p:nvPr>
+            <p:ph type="sldNum" sz="quarter" idx="12"/>
+          </p:nvPr>
+        </p:nvSpPr>
+        <p:spPr/>
+        <p:txBody>
+          <a:bodyPr/>
+          <a:lstStyle/>
+          <a:p>
+            <a:fld id="{D57F1E4F-1CFF-5643-939E-217C01CDF565}" type="slidenum">
+              <a:rPr lang="en-US" sz="1200" smtClean="0"/>
+              <a:pPr/>
+              <a:t>2</a:t>
+            </a:fld>
+            <a:endParaRPr lang="en-US" sz="1200" dirty="0"/>
           </a:p>
         </p:txBody>
       </p:sp>
@@ -4050,6 +6864,13 @@
   <p:clrMapOvr>
     <a:masterClrMapping/>
   </p:clrMapOvr>
+  <p:timing>
+    <p:tnLst>
+      <p:par>
+        <p:cTn id="1" dur="indefinite" restart="never" nodeType="tmRoot"/>
+      </p:par>
+    </p:tnLst>
+  </p:timing>
 </p:sld>
 </file>
 
@@ -4103,7 +6924,12 @@
             <p:ph idx="1"/>
           </p:nvPr>
         </p:nvSpPr>
-        <p:spPr/>
+        <p:spPr>
+          <a:xfrm>
+            <a:off x="463746" y="1786856"/>
+            <a:ext cx="11029615" cy="746620"/>
+          </a:xfrm>
+        </p:spPr>
         <p:txBody>
           <a:bodyPr>
             <a:normAutofit/>
@@ -4111,17 +6937,495 @@
           <a:lstStyle/>
           <a:p>
             <a:r>
-              <a:rPr lang="ru-RU" sz="4400" dirty="0" smtClean="0"/>
+              <a:rPr lang="ru-RU" sz="4000" dirty="0" smtClean="0"/>
               <a:t>Классическая с </a:t>
             </a:r>
             <a:r>
-              <a:rPr lang="ru-RU" sz="4400" dirty="0" err="1" smtClean="0"/>
+              <a:rPr lang="ru-RU" sz="4000" dirty="0" err="1" smtClean="0"/>
               <a:t>прототипированием</a:t>
             </a:r>
-            <a:endParaRPr lang="ru-RU" sz="4400" dirty="0"/>
-          </a:p>
-        </p:txBody>
-      </p:sp>
+            <a:endParaRPr lang="ru-RU" sz="4000" dirty="0"/>
+          </a:p>
+        </p:txBody>
+      </p:sp>
+      <p:sp>
+        <p:nvSpPr>
+          <p:cNvPr id="107" name="Номер слайда 106"/>
+          <p:cNvSpPr>
+            <a:spLocks noGrp="1"/>
+          </p:cNvSpPr>
+          <p:nvPr>
+            <p:ph type="sldNum" sz="quarter" idx="12"/>
+          </p:nvPr>
+        </p:nvSpPr>
+        <p:spPr/>
+        <p:txBody>
+          <a:bodyPr/>
+          <a:lstStyle/>
+          <a:p>
+            <a:fld id="{D57F1E4F-1CFF-5643-939E-217C01CDF565}" type="slidenum">
+              <a:rPr lang="en-US" sz="1200" smtClean="0"/>
+              <a:pPr/>
+              <a:t>3</a:t>
+            </a:fld>
+            <a:endParaRPr lang="en-US" sz="1200" dirty="0"/>
+          </a:p>
+        </p:txBody>
+      </p:sp>
+      <p:sp>
+        <p:nvSpPr>
+          <p:cNvPr id="81" name="Прямоугольник 80"/>
+          <p:cNvSpPr/>
+          <p:nvPr/>
+        </p:nvSpPr>
+        <p:spPr>
+          <a:xfrm>
+            <a:off x="2863442" y="2533476"/>
+            <a:ext cx="6096000" cy="4154984"/>
+          </a:xfrm>
+          <a:prstGeom prst="rect">
+            <a:avLst/>
+          </a:prstGeom>
+        </p:spPr>
+        <p:txBody>
+          <a:bodyPr>
+            <a:spAutoFit/>
+          </a:bodyPr>
+          <a:lstStyle/>
+          <a:p>
+            <a:pPr marL="400050" lvl="0" indent="-400050">
+              <a:spcAft>
+                <a:spcPts val="0"/>
+              </a:spcAft>
+              <a:buClr>
+                <a:schemeClr val="accent2"/>
+              </a:buClr>
+              <a:buFont typeface="+mj-lt"/>
+              <a:buAutoNum type="romanUcPeriod"/>
+            </a:pPr>
+            <a:r>
+              <a:rPr lang="ru-RU" sz="2400" dirty="0">
+                <a:latin typeface="Times New Roman" panose="02020603050405020304" pitchFamily="18" charset="0"/>
+                <a:ea typeface="Calibri" panose="020F0502020204030204" pitchFamily="34" charset="0"/>
+              </a:rPr>
+              <a:t>Сбор и уточнение </a:t>
+            </a:r>
+            <a:r>
+              <a:rPr lang="ru-RU" sz="2400" dirty="0" smtClean="0">
+                <a:latin typeface="Times New Roman" panose="02020603050405020304" pitchFamily="18" charset="0"/>
+                <a:ea typeface="Calibri" panose="020F0502020204030204" pitchFamily="34" charset="0"/>
+              </a:rPr>
+              <a:t>требований</a:t>
+            </a:r>
+          </a:p>
+          <a:p>
+            <a:pPr marL="400050" lvl="0" indent="-400050">
+              <a:spcAft>
+                <a:spcPts val="0"/>
+              </a:spcAft>
+              <a:buClr>
+                <a:schemeClr val="accent2"/>
+              </a:buClr>
+              <a:buFont typeface="+mj-lt"/>
+              <a:buAutoNum type="romanUcPeriod"/>
+            </a:pPr>
+            <a:endParaRPr lang="ru-RU" sz="2400" dirty="0">
+              <a:latin typeface="Times New Roman" panose="02020603050405020304" pitchFamily="18" charset="0"/>
+              <a:ea typeface="Calibri" panose="020F0502020204030204" pitchFamily="34" charset="0"/>
+            </a:endParaRPr>
+          </a:p>
+          <a:p>
+            <a:pPr marL="400050" lvl="0" indent="-400050">
+              <a:spcAft>
+                <a:spcPts val="0"/>
+              </a:spcAft>
+              <a:buClr>
+                <a:schemeClr val="accent2"/>
+              </a:buClr>
+              <a:buFont typeface="+mj-lt"/>
+              <a:buAutoNum type="romanUcPeriod"/>
+            </a:pPr>
+            <a:r>
+              <a:rPr lang="ru-RU" sz="2400" dirty="0">
+                <a:latin typeface="Times New Roman" panose="02020603050405020304" pitchFamily="18" charset="0"/>
+                <a:ea typeface="Calibri" panose="020F0502020204030204" pitchFamily="34" charset="0"/>
+              </a:rPr>
+              <a:t>Быстрое </a:t>
+            </a:r>
+            <a:r>
+              <a:rPr lang="ru-RU" sz="2400" dirty="0" smtClean="0">
+                <a:latin typeface="Times New Roman" panose="02020603050405020304" pitchFamily="18" charset="0"/>
+                <a:ea typeface="Calibri" panose="020F0502020204030204" pitchFamily="34" charset="0"/>
+              </a:rPr>
+              <a:t>проектирование</a:t>
+            </a:r>
+          </a:p>
+          <a:p>
+            <a:pPr marL="400050" lvl="0" indent="-400050">
+              <a:spcAft>
+                <a:spcPts val="0"/>
+              </a:spcAft>
+              <a:buClr>
+                <a:schemeClr val="accent2"/>
+              </a:buClr>
+              <a:buFont typeface="+mj-lt"/>
+              <a:buAutoNum type="romanUcPeriod"/>
+            </a:pPr>
+            <a:endParaRPr lang="ru-RU" sz="2400" dirty="0">
+              <a:latin typeface="Times New Roman" panose="02020603050405020304" pitchFamily="18" charset="0"/>
+              <a:ea typeface="Calibri" panose="020F0502020204030204" pitchFamily="34" charset="0"/>
+            </a:endParaRPr>
+          </a:p>
+          <a:p>
+            <a:pPr marL="400050" lvl="0" indent="-400050">
+              <a:spcAft>
+                <a:spcPts val="0"/>
+              </a:spcAft>
+              <a:buClr>
+                <a:schemeClr val="accent2"/>
+              </a:buClr>
+              <a:buFont typeface="+mj-lt"/>
+              <a:buAutoNum type="romanUcPeriod"/>
+            </a:pPr>
+            <a:r>
+              <a:rPr lang="ru-RU" sz="2400" dirty="0">
+                <a:latin typeface="Times New Roman" panose="02020603050405020304" pitchFamily="18" charset="0"/>
+                <a:ea typeface="Calibri" panose="020F0502020204030204" pitchFamily="34" charset="0"/>
+              </a:rPr>
+              <a:t>Построение </a:t>
+            </a:r>
+            <a:r>
+              <a:rPr lang="ru-RU" sz="2400" dirty="0" smtClean="0">
+                <a:latin typeface="Times New Roman" panose="02020603050405020304" pitchFamily="18" charset="0"/>
+                <a:ea typeface="Calibri" panose="020F0502020204030204" pitchFamily="34" charset="0"/>
+              </a:rPr>
+              <a:t>макета</a:t>
+            </a:r>
+          </a:p>
+          <a:p>
+            <a:pPr marL="400050" lvl="0" indent="-400050">
+              <a:spcAft>
+                <a:spcPts val="0"/>
+              </a:spcAft>
+              <a:buClr>
+                <a:schemeClr val="accent2"/>
+              </a:buClr>
+              <a:buFont typeface="+mj-lt"/>
+              <a:buAutoNum type="romanUcPeriod"/>
+            </a:pPr>
+            <a:endParaRPr lang="ru-RU" sz="2400" dirty="0">
+              <a:latin typeface="Times New Roman" panose="02020603050405020304" pitchFamily="18" charset="0"/>
+              <a:ea typeface="Calibri" panose="020F0502020204030204" pitchFamily="34" charset="0"/>
+            </a:endParaRPr>
+          </a:p>
+          <a:p>
+            <a:pPr marL="400050" lvl="0" indent="-400050">
+              <a:spcAft>
+                <a:spcPts val="0"/>
+              </a:spcAft>
+              <a:buClr>
+                <a:schemeClr val="accent2"/>
+              </a:buClr>
+              <a:buFont typeface="+mj-lt"/>
+              <a:buAutoNum type="romanUcPeriod"/>
+            </a:pPr>
+            <a:r>
+              <a:rPr lang="ru-RU" sz="2400" dirty="0">
+                <a:latin typeface="Times New Roman" panose="02020603050405020304" pitchFamily="18" charset="0"/>
+                <a:ea typeface="Calibri" panose="020F0502020204030204" pitchFamily="34" charset="0"/>
+              </a:rPr>
+              <a:t>Мониторинг </a:t>
+            </a:r>
+            <a:r>
+              <a:rPr lang="ru-RU" sz="2400" dirty="0" smtClean="0">
+                <a:latin typeface="Times New Roman" panose="02020603050405020304" pitchFamily="18" charset="0"/>
+                <a:ea typeface="Calibri" panose="020F0502020204030204" pitchFamily="34" charset="0"/>
+              </a:rPr>
+              <a:t>соглашения</a:t>
+            </a:r>
+          </a:p>
+          <a:p>
+            <a:pPr marL="400050" lvl="0" indent="-400050">
+              <a:spcAft>
+                <a:spcPts val="0"/>
+              </a:spcAft>
+              <a:buClr>
+                <a:schemeClr val="accent2"/>
+              </a:buClr>
+              <a:buFont typeface="+mj-lt"/>
+              <a:buAutoNum type="romanUcPeriod"/>
+            </a:pPr>
+            <a:endParaRPr lang="ru-RU" sz="2400" dirty="0">
+              <a:latin typeface="Times New Roman" panose="02020603050405020304" pitchFamily="18" charset="0"/>
+              <a:ea typeface="Calibri" panose="020F0502020204030204" pitchFamily="34" charset="0"/>
+            </a:endParaRPr>
+          </a:p>
+          <a:p>
+            <a:pPr marL="400050" lvl="0" indent="-400050">
+              <a:spcAft>
+                <a:spcPts val="0"/>
+              </a:spcAft>
+              <a:buClr>
+                <a:schemeClr val="accent2"/>
+              </a:buClr>
+              <a:buFont typeface="+mj-lt"/>
+              <a:buAutoNum type="romanUcPeriod"/>
+            </a:pPr>
+            <a:r>
+              <a:rPr lang="ru-RU" sz="2400" dirty="0">
+                <a:latin typeface="Times New Roman" panose="02020603050405020304" pitchFamily="18" charset="0"/>
+                <a:ea typeface="Calibri" panose="020F0502020204030204" pitchFamily="34" charset="0"/>
+              </a:rPr>
+              <a:t>Проектирования архитектуры </a:t>
+            </a:r>
+            <a:r>
+              <a:rPr lang="ru-RU" sz="2400" dirty="0" smtClean="0">
+                <a:latin typeface="Times New Roman" panose="02020603050405020304" pitchFamily="18" charset="0"/>
+                <a:ea typeface="Calibri" panose="020F0502020204030204" pitchFamily="34" charset="0"/>
+              </a:rPr>
+              <a:t>системы</a:t>
+            </a:r>
+          </a:p>
+          <a:p>
+            <a:pPr marL="400050" lvl="0" indent="-400050">
+              <a:spcAft>
+                <a:spcPts val="0"/>
+              </a:spcAft>
+              <a:buClr>
+                <a:schemeClr val="accent2"/>
+              </a:buClr>
+              <a:buFont typeface="+mj-lt"/>
+              <a:buAutoNum type="romanUcPeriod"/>
+            </a:pPr>
+            <a:endParaRPr lang="ru-RU" sz="2400" dirty="0">
+              <a:latin typeface="Times New Roman" panose="02020603050405020304" pitchFamily="18" charset="0"/>
+              <a:ea typeface="Calibri" panose="020F0502020204030204" pitchFamily="34" charset="0"/>
+            </a:endParaRPr>
+          </a:p>
+          <a:p>
+            <a:pPr marL="400050" lvl="0" indent="-400050">
+              <a:spcAft>
+                <a:spcPts val="800"/>
+              </a:spcAft>
+              <a:buClr>
+                <a:schemeClr val="accent2"/>
+              </a:buClr>
+              <a:buFont typeface="+mj-lt"/>
+              <a:buAutoNum type="romanUcPeriod"/>
+            </a:pPr>
+            <a:r>
+              <a:rPr lang="ru-RU" sz="2400" dirty="0">
+                <a:latin typeface="Times New Roman" panose="02020603050405020304" pitchFamily="18" charset="0"/>
+                <a:ea typeface="Calibri" panose="020F0502020204030204" pitchFamily="34" charset="0"/>
+              </a:rPr>
+              <a:t>Тестирование системы</a:t>
+            </a:r>
+          </a:p>
+        </p:txBody>
+      </p:sp>
+      <p:cxnSp>
+        <p:nvCxnSpPr>
+          <p:cNvPr id="85" name="Прямая со стрелкой 84"/>
+          <p:cNvCxnSpPr/>
+          <p:nvPr/>
+        </p:nvCxnSpPr>
+        <p:spPr>
+          <a:xfrm>
+            <a:off x="5041785" y="2962938"/>
+            <a:ext cx="0" cy="360000"/>
+          </a:xfrm>
+          <a:prstGeom prst="straightConnector1">
+            <a:avLst/>
+          </a:prstGeom>
+          <a:ln>
+            <a:tailEnd type="triangle"/>
+          </a:ln>
+        </p:spPr>
+        <p:style>
+          <a:lnRef idx="1">
+            <a:schemeClr val="accent1"/>
+          </a:lnRef>
+          <a:fillRef idx="0">
+            <a:schemeClr val="accent1"/>
+          </a:fillRef>
+          <a:effectRef idx="0">
+            <a:schemeClr val="accent1"/>
+          </a:effectRef>
+          <a:fontRef idx="minor">
+            <a:schemeClr val="tx1"/>
+          </a:fontRef>
+        </p:style>
+      </p:cxnSp>
+      <p:cxnSp>
+        <p:nvCxnSpPr>
+          <p:cNvPr id="87" name="Прямая со стрелкой 86"/>
+          <p:cNvCxnSpPr/>
+          <p:nvPr/>
+        </p:nvCxnSpPr>
+        <p:spPr>
+          <a:xfrm>
+            <a:off x="5043183" y="3660623"/>
+            <a:ext cx="0" cy="360000"/>
+          </a:xfrm>
+          <a:prstGeom prst="straightConnector1">
+            <a:avLst/>
+          </a:prstGeom>
+          <a:ln>
+            <a:tailEnd type="triangle"/>
+          </a:ln>
+        </p:spPr>
+        <p:style>
+          <a:lnRef idx="1">
+            <a:schemeClr val="accent1"/>
+          </a:lnRef>
+          <a:fillRef idx="0">
+            <a:schemeClr val="accent1"/>
+          </a:fillRef>
+          <a:effectRef idx="0">
+            <a:schemeClr val="accent1"/>
+          </a:effectRef>
+          <a:fontRef idx="minor">
+            <a:schemeClr val="tx1"/>
+          </a:fontRef>
+        </p:style>
+      </p:cxnSp>
+      <p:cxnSp>
+        <p:nvCxnSpPr>
+          <p:cNvPr id="88" name="Прямая со стрелкой 87"/>
+          <p:cNvCxnSpPr/>
+          <p:nvPr/>
+        </p:nvCxnSpPr>
+        <p:spPr>
+          <a:xfrm>
+            <a:off x="5043183" y="4449189"/>
+            <a:ext cx="0" cy="360000"/>
+          </a:xfrm>
+          <a:prstGeom prst="straightConnector1">
+            <a:avLst/>
+          </a:prstGeom>
+          <a:ln>
+            <a:tailEnd type="triangle"/>
+          </a:ln>
+        </p:spPr>
+        <p:style>
+          <a:lnRef idx="1">
+            <a:schemeClr val="accent1"/>
+          </a:lnRef>
+          <a:fillRef idx="0">
+            <a:schemeClr val="accent1"/>
+          </a:fillRef>
+          <a:effectRef idx="0">
+            <a:schemeClr val="accent1"/>
+          </a:effectRef>
+          <a:fontRef idx="minor">
+            <a:schemeClr val="tx1"/>
+          </a:fontRef>
+        </p:style>
+      </p:cxnSp>
+      <p:cxnSp>
+        <p:nvCxnSpPr>
+          <p:cNvPr id="89" name="Прямая со стрелкой 88"/>
+          <p:cNvCxnSpPr/>
+          <p:nvPr/>
+        </p:nvCxnSpPr>
+        <p:spPr>
+          <a:xfrm>
+            <a:off x="5043183" y="5153865"/>
+            <a:ext cx="0" cy="360000"/>
+          </a:xfrm>
+          <a:prstGeom prst="straightConnector1">
+            <a:avLst/>
+          </a:prstGeom>
+          <a:ln>
+            <a:tailEnd type="triangle"/>
+          </a:ln>
+        </p:spPr>
+        <p:style>
+          <a:lnRef idx="1">
+            <a:schemeClr val="accent1"/>
+          </a:lnRef>
+          <a:fillRef idx="0">
+            <a:schemeClr val="accent1"/>
+          </a:fillRef>
+          <a:effectRef idx="0">
+            <a:schemeClr val="accent1"/>
+          </a:effectRef>
+          <a:fontRef idx="minor">
+            <a:schemeClr val="tx1"/>
+          </a:fontRef>
+        </p:style>
+      </p:cxnSp>
+      <p:cxnSp>
+        <p:nvCxnSpPr>
+          <p:cNvPr id="90" name="Прямая со стрелкой 89"/>
+          <p:cNvCxnSpPr/>
+          <p:nvPr/>
+        </p:nvCxnSpPr>
+        <p:spPr>
+          <a:xfrm>
+            <a:off x="5043183" y="5925653"/>
+            <a:ext cx="0" cy="360000"/>
+          </a:xfrm>
+          <a:prstGeom prst="straightConnector1">
+            <a:avLst/>
+          </a:prstGeom>
+          <a:ln>
+            <a:tailEnd type="triangle"/>
+          </a:ln>
+        </p:spPr>
+        <p:style>
+          <a:lnRef idx="1">
+            <a:schemeClr val="accent1"/>
+          </a:lnRef>
+          <a:fillRef idx="0">
+            <a:schemeClr val="accent1"/>
+          </a:fillRef>
+          <a:effectRef idx="0">
+            <a:schemeClr val="accent1"/>
+          </a:effectRef>
+          <a:fontRef idx="minor">
+            <a:schemeClr val="tx1"/>
+          </a:fontRef>
+        </p:style>
+      </p:cxnSp>
+      <p:cxnSp>
+        <p:nvCxnSpPr>
+          <p:cNvPr id="104" name="Соединительная линия уступом 103"/>
+          <p:cNvCxnSpPr/>
+          <p:nvPr/>
+        </p:nvCxnSpPr>
+        <p:spPr>
+          <a:xfrm flipV="1">
+            <a:off x="2768937" y="3490107"/>
+            <a:ext cx="74930" cy="1478915"/>
+          </a:xfrm>
+          <a:prstGeom prst="bentConnector3">
+            <a:avLst>
+              <a:gd name="adj1" fmla="val -140616"/>
+            </a:avLst>
+          </a:prstGeom>
+          <a:ln>
+            <a:solidFill>
+              <a:schemeClr val="accent1"/>
+            </a:solidFill>
+            <a:tailEnd type="triangle"/>
+          </a:ln>
+        </p:spPr>
+        <p:style>
+          <a:lnRef idx="1">
+            <a:schemeClr val="accent1"/>
+          </a:lnRef>
+          <a:fillRef idx="0">
+            <a:schemeClr val="accent1"/>
+          </a:fillRef>
+          <a:effectRef idx="0">
+            <a:schemeClr val="accent1"/>
+          </a:effectRef>
+          <a:fontRef idx="minor">
+            <a:schemeClr val="tx1"/>
+          </a:fontRef>
+        </p:style>
+      </p:cxnSp>
     </p:spTree>
     <p:extLst>
       <p:ext uri="{BB962C8B-B14F-4D97-AF65-F5344CB8AC3E}">
@@ -4204,6 +7508,30 @@
               <a:t>Структура сайта</a:t>
             </a:r>
             <a:endParaRPr lang="ru-RU" sz="2400" dirty="0"/>
+          </a:p>
+        </p:txBody>
+      </p:sp>
+      <p:sp>
+        <p:nvSpPr>
+          <p:cNvPr id="7" name="Номер слайда 6"/>
+          <p:cNvSpPr>
+            <a:spLocks noGrp="1"/>
+          </p:cNvSpPr>
+          <p:nvPr>
+            <p:ph type="sldNum" sz="quarter" idx="12"/>
+          </p:nvPr>
+        </p:nvSpPr>
+        <p:spPr/>
+        <p:txBody>
+          <a:bodyPr/>
+          <a:lstStyle/>
+          <a:p>
+            <a:fld id="{D57F1E4F-1CFF-5643-939E-217C01CDF565}" type="slidenum">
+              <a:rPr lang="en-US" sz="1200" smtClean="0"/>
+              <a:pPr/>
+              <a:t>4</a:t>
+            </a:fld>
+            <a:endParaRPr lang="en-US" sz="1200" dirty="0"/>
           </a:p>
         </p:txBody>
       </p:sp>
@@ -4300,12 +7628,7 @@
             <p:ph idx="1"/>
           </p:nvPr>
         </p:nvSpPr>
-        <p:spPr>
-          <a:xfrm>
-            <a:off x="581192" y="2192371"/>
-            <a:ext cx="11029615" cy="3678303"/>
-          </a:xfrm>
-        </p:spPr>
+        <p:spPr/>
         <p:txBody>
           <a:bodyPr>
             <a:normAutofit/>
@@ -4313,8 +7636,8 @@
           <a:lstStyle/>
           <a:p>
             <a:r>
-              <a:rPr lang="ru-RU" sz="2400" dirty="0" smtClean="0"/>
-              <a:t>Принципы, использованные при проектировании интерфейса:</a:t>
+              <a:rPr lang="ru-RU" sz="3600" dirty="0" smtClean="0"/>
+              <a:t>Уровни доступа:</a:t>
             </a:r>
           </a:p>
           <a:p>
@@ -4323,12 +7646,8 @@
               <a:buAutoNum type="arabicPeriod"/>
             </a:pPr>
             <a:r>
-              <a:rPr lang="ru-RU" sz="2400" dirty="0" smtClean="0"/>
-              <a:t>Принцип </a:t>
-            </a:r>
-            <a:r>
-              <a:rPr lang="ru-RU" sz="2400" dirty="0"/>
-              <a:t>структуризации </a:t>
+              <a:rPr lang="ru-RU" sz="3600" dirty="0" smtClean="0"/>
+              <a:t>Гостевой</a:t>
             </a:r>
           </a:p>
           <a:p>
@@ -4337,12 +7656,8 @@
               <a:buAutoNum type="arabicPeriod"/>
             </a:pPr>
             <a:r>
-              <a:rPr lang="ru-RU" sz="2400" dirty="0" smtClean="0"/>
-              <a:t>Принцип </a:t>
-            </a:r>
-            <a:r>
-              <a:rPr lang="ru-RU" sz="2400" dirty="0"/>
-              <a:t>простоты </a:t>
+              <a:rPr lang="ru-RU" sz="3600" dirty="0" smtClean="0"/>
+              <a:t>Зарегистрированный пользователь</a:t>
             </a:r>
           </a:p>
           <a:p>
@@ -4351,48 +7666,54 @@
               <a:buAutoNum type="arabicPeriod"/>
             </a:pPr>
             <a:r>
-              <a:rPr lang="ru-RU" sz="2400" dirty="0" smtClean="0"/>
-              <a:t>Принцип </a:t>
-            </a:r>
-            <a:r>
-              <a:rPr lang="ru-RU" sz="2400" dirty="0"/>
-              <a:t>повторного </a:t>
-            </a:r>
-            <a:r>
-              <a:rPr lang="ru-RU" sz="2400" dirty="0" smtClean="0"/>
-              <a:t>использования</a:t>
-            </a:r>
-          </a:p>
-          <a:p>
-            <a:pPr marL="457200" indent="-457200">
-              <a:buFont typeface="+mj-lt"/>
-              <a:buAutoNum type="arabicPeriod"/>
-            </a:pPr>
-            <a:r>
-              <a:rPr lang="ru-RU" sz="2400" dirty="0" smtClean="0"/>
-              <a:t>Принцип </a:t>
-            </a:r>
-            <a:r>
-              <a:rPr lang="ru-RU" sz="2400" dirty="0"/>
-              <a:t>видимости</a:t>
-            </a:r>
-            <a:endParaRPr lang="ru-RU" sz="2400" dirty="0" smtClean="0"/>
-          </a:p>
-          <a:p>
-            <a:endParaRPr lang="ru-RU" sz="2400" dirty="0"/>
+              <a:rPr lang="ru-RU" sz="3600" dirty="0" smtClean="0"/>
+              <a:t>Администратор</a:t>
+            </a:r>
+            <a:endParaRPr lang="ru-RU" sz="3600" dirty="0"/>
+          </a:p>
+        </p:txBody>
+      </p:sp>
+      <p:sp>
+        <p:nvSpPr>
+          <p:cNvPr id="6" name="Номер слайда 5"/>
+          <p:cNvSpPr>
+            <a:spLocks noGrp="1"/>
+          </p:cNvSpPr>
+          <p:nvPr>
+            <p:ph type="sldNum" sz="quarter" idx="12"/>
+          </p:nvPr>
+        </p:nvSpPr>
+        <p:spPr/>
+        <p:txBody>
+          <a:bodyPr/>
+          <a:lstStyle/>
+          <a:p>
+            <a:fld id="{D57F1E4F-1CFF-5643-939E-217C01CDF565}" type="slidenum">
+              <a:rPr lang="en-US" sz="1200" smtClean="0"/>
+              <a:pPr/>
+              <a:t>5</a:t>
+            </a:fld>
+            <a:endParaRPr lang="en-US" sz="1200" dirty="0"/>
           </a:p>
         </p:txBody>
       </p:sp>
     </p:spTree>
     <p:extLst>
       <p:ext uri="{BB962C8B-B14F-4D97-AF65-F5344CB8AC3E}">
-        <p14:creationId xmlns:p14="http://schemas.microsoft.com/office/powerpoint/2010/main" val="3207310630"/>
+        <p14:creationId xmlns:p14="http://schemas.microsoft.com/office/powerpoint/2010/main" val="3099924831"/>
       </p:ext>
     </p:extLst>
   </p:cSld>
   <p:clrMapOvr>
     <a:masterClrMapping/>
   </p:clrMapOvr>
+  <p:timing>
+    <p:tnLst>
+      <p:par>
+        <p:cTn id="1" dur="indefinite" restart="never" nodeType="tmRoot"/>
+      </p:par>
+    </p:tnLst>
+  </p:timing>
 </p:sld>
 </file>
 
@@ -4415,14 +7736,190 @@
       </p:grpSpPr>
       <p:sp>
         <p:nvSpPr>
-          <p:cNvPr id="5" name="Прямоугольник 4"/>
+          <p:cNvPr id="2" name="Заголовок 1"/>
+          <p:cNvSpPr>
+            <a:spLocks noGrp="1"/>
+          </p:cNvSpPr>
+          <p:nvPr>
+            <p:ph type="title"/>
+          </p:nvPr>
+        </p:nvSpPr>
+        <p:spPr/>
+        <p:txBody>
+          <a:bodyPr/>
+          <a:lstStyle/>
+          <a:p>
+            <a:r>
+              <a:rPr lang="ru-RU" dirty="0"/>
+              <a:t>Графический Пользовательский интерфейс</a:t>
+            </a:r>
+          </a:p>
+        </p:txBody>
+      </p:sp>
+      <p:sp>
+        <p:nvSpPr>
+          <p:cNvPr id="3" name="Объект 2"/>
+          <p:cNvSpPr>
+            <a:spLocks noGrp="1"/>
+          </p:cNvSpPr>
+          <p:nvPr>
+            <p:ph idx="1"/>
+          </p:nvPr>
+        </p:nvSpPr>
+        <p:spPr>
+          <a:xfrm>
+            <a:off x="581192" y="2192371"/>
+            <a:ext cx="11029615" cy="3678303"/>
+          </a:xfrm>
+        </p:spPr>
+        <p:txBody>
+          <a:bodyPr>
+            <a:normAutofit/>
+          </a:bodyPr>
+          <a:lstStyle/>
+          <a:p>
+            <a:r>
+              <a:rPr lang="ru-RU" sz="2400" dirty="0" smtClean="0"/>
+              <a:t>Принципы, использованные при проектировании интерфейса:</a:t>
+            </a:r>
+          </a:p>
+          <a:p>
+            <a:pPr marL="457200" indent="-457200">
+              <a:buFont typeface="+mj-lt"/>
+              <a:buAutoNum type="arabicPeriod"/>
+            </a:pPr>
+            <a:r>
+              <a:rPr lang="ru-RU" sz="2400" dirty="0" smtClean="0"/>
+              <a:t>Принцип </a:t>
+            </a:r>
+            <a:r>
+              <a:rPr lang="ru-RU" sz="2400" dirty="0"/>
+              <a:t>структуризации </a:t>
+            </a:r>
+          </a:p>
+          <a:p>
+            <a:pPr marL="457200" indent="-457200">
+              <a:buFont typeface="+mj-lt"/>
+              <a:buAutoNum type="arabicPeriod"/>
+            </a:pPr>
+            <a:r>
+              <a:rPr lang="ru-RU" sz="2400" dirty="0" smtClean="0"/>
+              <a:t>Принцип </a:t>
+            </a:r>
+            <a:r>
+              <a:rPr lang="ru-RU" sz="2400" dirty="0"/>
+              <a:t>простоты </a:t>
+            </a:r>
+          </a:p>
+          <a:p>
+            <a:pPr marL="457200" indent="-457200">
+              <a:buFont typeface="+mj-lt"/>
+              <a:buAutoNum type="arabicPeriod"/>
+            </a:pPr>
+            <a:r>
+              <a:rPr lang="ru-RU" sz="2400" dirty="0" smtClean="0"/>
+              <a:t>Принцип </a:t>
+            </a:r>
+            <a:r>
+              <a:rPr lang="ru-RU" sz="2400" dirty="0"/>
+              <a:t>повторного </a:t>
+            </a:r>
+            <a:r>
+              <a:rPr lang="ru-RU" sz="2400" dirty="0" smtClean="0"/>
+              <a:t>использования</a:t>
+            </a:r>
+          </a:p>
+          <a:p>
+            <a:pPr marL="457200" indent="-457200">
+              <a:buFont typeface="+mj-lt"/>
+              <a:buAutoNum type="arabicPeriod"/>
+            </a:pPr>
+            <a:r>
+              <a:rPr lang="ru-RU" sz="2400" dirty="0" smtClean="0"/>
+              <a:t>Принцип </a:t>
+            </a:r>
+            <a:r>
+              <a:rPr lang="ru-RU" sz="2400" dirty="0"/>
+              <a:t>видимости</a:t>
+            </a:r>
+            <a:endParaRPr lang="ru-RU" sz="2400" dirty="0" smtClean="0"/>
+          </a:p>
+          <a:p>
+            <a:endParaRPr lang="ru-RU" sz="2400" dirty="0"/>
+          </a:p>
+        </p:txBody>
+      </p:sp>
+      <p:sp>
+        <p:nvSpPr>
+          <p:cNvPr id="6" name="Номер слайда 5"/>
+          <p:cNvSpPr>
+            <a:spLocks noGrp="1"/>
+          </p:cNvSpPr>
+          <p:nvPr>
+            <p:ph type="sldNum" sz="quarter" idx="12"/>
+          </p:nvPr>
+        </p:nvSpPr>
+        <p:spPr/>
+        <p:txBody>
+          <a:bodyPr/>
+          <a:lstStyle/>
+          <a:p>
+            <a:fld id="{D57F1E4F-1CFF-5643-939E-217C01CDF565}" type="slidenum">
+              <a:rPr lang="en-US" sz="1200" smtClean="0"/>
+              <a:pPr/>
+              <a:t>6</a:t>
+            </a:fld>
+            <a:endParaRPr lang="en-US" sz="1200" dirty="0"/>
+          </a:p>
+        </p:txBody>
+      </p:sp>
+    </p:spTree>
+    <p:extLst>
+      <p:ext uri="{BB962C8B-B14F-4D97-AF65-F5344CB8AC3E}">
+        <p14:creationId xmlns:p14="http://schemas.microsoft.com/office/powerpoint/2010/main" val="3207310630"/>
+      </p:ext>
+    </p:extLst>
+  </p:cSld>
+  <p:clrMapOvr>
+    <a:masterClrMapping/>
+  </p:clrMapOvr>
+  <p:timing>
+    <p:tnLst>
+      <p:par>
+        <p:cTn id="1" dur="indefinite" restart="never" nodeType="tmRoot"/>
+      </p:par>
+    </p:tnLst>
+  </p:timing>
+</p:sld>
+</file>
+
+<file path=ppt/slides/slide7.xml><?xml version="1.0" encoding="utf-8"?>
+<p:sld xmlns:a="http://schemas.openxmlformats.org/drawingml/2006/main" xmlns:r="http://schemas.openxmlformats.org/officeDocument/2006/relationships" xmlns:p="http://schemas.openxmlformats.org/presentationml/2006/main">
+  <p:cSld>
+    <p:spTree>
+      <p:nvGrpSpPr>
+        <p:cNvPr id="1" name=""/>
+        <p:cNvGrpSpPr/>
+        <p:nvPr/>
+      </p:nvGrpSpPr>
+      <p:grpSpPr>
+        <a:xfrm>
+          <a:off x="0" y="0"/>
+          <a:ext cx="0" cy="0"/>
+          <a:chOff x="0" y="0"/>
+          <a:chExt cx="0" cy="0"/>
+        </a:xfrm>
+      </p:grpSpPr>
+      <p:sp>
+        <p:nvSpPr>
+          <p:cNvPr id="14" name="Прямоугольник 13"/>
           <p:cNvSpPr/>
           <p:nvPr/>
         </p:nvSpPr>
         <p:spPr>
           <a:xfrm>
-            <a:off x="427512" y="604007"/>
-            <a:ext cx="11334276" cy="6058050"/>
+            <a:off x="428863" y="602235"/>
+            <a:ext cx="11334276" cy="6049661"/>
           </a:xfrm>
           <a:prstGeom prst="rect">
             <a:avLst/>
@@ -4461,80 +7958,59 @@
       </p:sp>
       <p:sp>
         <p:nvSpPr>
-          <p:cNvPr id="2" name="Заголовок 1"/>
+          <p:cNvPr id="8" name="Заголовок 7"/>
           <p:cNvSpPr>
             <a:spLocks noGrp="1"/>
           </p:cNvSpPr>
           <p:nvPr>
             <p:ph type="title"/>
           </p:nvPr>
+        </p:nvSpPr>
+        <p:spPr/>
+        <p:txBody>
+          <a:bodyPr/>
+          <a:lstStyle/>
+          <a:p>
+            <a:endParaRPr lang="ru-RU" dirty="0"/>
+          </a:p>
+        </p:txBody>
+      </p:sp>
+      <p:sp>
+        <p:nvSpPr>
+          <p:cNvPr id="4" name="Номер слайда 3"/>
+          <p:cNvSpPr>
+            <a:spLocks noGrp="1"/>
+          </p:cNvSpPr>
+          <p:nvPr>
+            <p:ph type="sldNum" sz="quarter" idx="12"/>
+          </p:nvPr>
+        </p:nvSpPr>
+        <p:spPr/>
+        <p:txBody>
+          <a:bodyPr/>
+          <a:lstStyle/>
+          <a:p>
+            <a:fld id="{D57F1E4F-1CFF-5643-939E-217C01CDF565}" type="slidenum">
+              <a:rPr lang="en-US" smtClean="0"/>
+              <a:pPr/>
+              <a:t>7</a:t>
+            </a:fld>
+            <a:endParaRPr lang="en-US" dirty="0"/>
+          </a:p>
+        </p:txBody>
+      </p:sp>
+      <p:sp>
+        <p:nvSpPr>
+          <p:cNvPr id="11" name="Объект 2"/>
+          <p:cNvSpPr txBox="1">
+            <a:spLocks/>
+          </p:cNvSpPr>
+          <p:nvPr/>
         </p:nvSpPr>
         <p:spPr>
           <a:xfrm>
-            <a:off x="581192" y="-473504"/>
-            <a:ext cx="11029616" cy="1013800"/>
-          </a:xfrm>
-        </p:spPr>
-        <p:txBody>
-          <a:bodyPr/>
-          <a:lstStyle/>
-          <a:p>
-            <a:r>
-              <a:rPr lang="ru-RU" dirty="0">
-                <a:solidFill>
-                  <a:schemeClr val="accent1"/>
-                </a:solidFill>
-              </a:rPr>
-              <a:t>Графический Пользовательский интерфейс</a:t>
-            </a:r>
-          </a:p>
-        </p:txBody>
-      </p:sp>
-      <p:sp>
-        <p:nvSpPr>
-          <p:cNvPr id="7" name="Объект 2"/>
-          <p:cNvSpPr>
-            <a:spLocks noGrp="1"/>
-          </p:cNvSpPr>
-          <p:nvPr>
-            <p:ph idx="1"/>
-          </p:nvPr>
-        </p:nvSpPr>
-        <p:spPr>
-          <a:xfrm>
-            <a:off x="1733098" y="6083755"/>
-            <a:ext cx="3159535" cy="622080"/>
-          </a:xfrm>
-        </p:spPr>
-        <p:txBody>
-          <a:bodyPr>
-            <a:normAutofit/>
-          </a:bodyPr>
-          <a:lstStyle/>
-          <a:p>
-            <a:r>
-              <a:rPr lang="ru-RU" sz="2400" dirty="0" smtClean="0"/>
-              <a:t>Макет </a:t>
-            </a:r>
-            <a:r>
-              <a:rPr lang="ru-RU" sz="2400" u="sng" dirty="0" smtClean="0"/>
-              <a:t>Корзины</a:t>
-            </a:r>
-          </a:p>
-        </p:txBody>
-      </p:sp>
-      <p:sp>
-        <p:nvSpPr>
-          <p:cNvPr id="9" name="Объект 2"/>
-          <p:cNvSpPr txBox="1">
-            <a:spLocks/>
-          </p:cNvSpPr>
-          <p:nvPr/>
-        </p:nvSpPr>
-        <p:spPr>
-          <a:xfrm>
-            <a:off x="7068076" y="6083755"/>
-            <a:ext cx="3159535" cy="622080"/>
+            <a:off x="1801104" y="6103198"/>
+            <a:ext cx="3159535" cy="1054335"/>
           </a:xfrm>
           <a:prstGeom prst="rect">
             <a:avLst/>
@@ -4751,7 +8227,241 @@
             </a:r>
             <a:r>
               <a:rPr lang="ru-RU" sz="2400" u="sng" dirty="0" smtClean="0"/>
-              <a:t>Каталога</a:t>
+              <a:t>Корзина</a:t>
+            </a:r>
+            <a:endParaRPr lang="ru-RU" sz="2400" u="sng" dirty="0" smtClean="0"/>
+          </a:p>
+        </p:txBody>
+      </p:sp>
+      <p:sp>
+        <p:nvSpPr>
+          <p:cNvPr id="12" name="Объект 2"/>
+          <p:cNvSpPr txBox="1">
+            <a:spLocks/>
+          </p:cNvSpPr>
+          <p:nvPr/>
+        </p:nvSpPr>
+        <p:spPr>
+          <a:xfrm>
+            <a:off x="7925020" y="6124729"/>
+            <a:ext cx="3159535" cy="1054335"/>
+          </a:xfrm>
+          <a:prstGeom prst="rect">
+            <a:avLst/>
+          </a:prstGeom>
+        </p:spPr>
+        <p:txBody>
+          <a:bodyPr vert="horz" lIns="91440" tIns="45720" rIns="91440" bIns="45720" rtlCol="0" anchor="ctr">
+            <a:normAutofit/>
+          </a:bodyPr>
+          <a:lstStyle>
+            <a:lvl1pPr marL="306000" indent="-306000" algn="l" defTabSz="457200" rtl="0" eaLnBrk="1" latinLnBrk="0" hangingPunct="1">
+              <a:spcBef>
+                <a:spcPct val="20000"/>
+              </a:spcBef>
+              <a:spcAft>
+                <a:spcPts val="600"/>
+              </a:spcAft>
+              <a:buClr>
+                <a:schemeClr val="accent2"/>
+              </a:buClr>
+              <a:buSzPct val="92000"/>
+              <a:buFont typeface="Wingdings 2" panose="05020102010507070707" pitchFamily="18" charset="2"/>
+              <a:buChar char=""/>
+              <a:defRPr sz="1800" kern="1200">
+                <a:solidFill>
+                  <a:schemeClr val="tx2"/>
+                </a:solidFill>
+                <a:latin typeface="+mn-lt"/>
+                <a:ea typeface="+mn-ea"/>
+                <a:cs typeface="+mn-cs"/>
+              </a:defRPr>
+            </a:lvl1pPr>
+            <a:lvl2pPr marL="630000" indent="-306000" algn="l" defTabSz="457200" rtl="0" eaLnBrk="1" latinLnBrk="0" hangingPunct="1">
+              <a:spcBef>
+                <a:spcPct val="20000"/>
+              </a:spcBef>
+              <a:spcAft>
+                <a:spcPts val="600"/>
+              </a:spcAft>
+              <a:buClr>
+                <a:schemeClr val="accent2"/>
+              </a:buClr>
+              <a:buSzPct val="92000"/>
+              <a:buFont typeface="Wingdings 2" panose="05020102010507070707" pitchFamily="18" charset="2"/>
+              <a:buChar char=""/>
+              <a:defRPr sz="1600" kern="1200">
+                <a:solidFill>
+                  <a:schemeClr val="tx2"/>
+                </a:solidFill>
+                <a:latin typeface="+mn-lt"/>
+                <a:ea typeface="+mn-ea"/>
+                <a:cs typeface="+mn-cs"/>
+              </a:defRPr>
+            </a:lvl2pPr>
+            <a:lvl3pPr marL="900000" indent="-270000" algn="l" defTabSz="457200" rtl="0" eaLnBrk="1" latinLnBrk="0" hangingPunct="1">
+              <a:spcBef>
+                <a:spcPct val="20000"/>
+              </a:spcBef>
+              <a:spcAft>
+                <a:spcPts val="600"/>
+              </a:spcAft>
+              <a:buClr>
+                <a:schemeClr val="accent2"/>
+              </a:buClr>
+              <a:buSzPct val="92000"/>
+              <a:buFont typeface="Wingdings 2" panose="05020102010507070707" pitchFamily="18" charset="2"/>
+              <a:buChar char=""/>
+              <a:defRPr sz="1400" kern="1200">
+                <a:solidFill>
+                  <a:schemeClr val="tx2"/>
+                </a:solidFill>
+                <a:latin typeface="+mn-lt"/>
+                <a:ea typeface="+mn-ea"/>
+                <a:cs typeface="+mn-cs"/>
+              </a:defRPr>
+            </a:lvl3pPr>
+            <a:lvl4pPr marL="1242000" indent="-234000" algn="l" defTabSz="457200" rtl="0" eaLnBrk="1" latinLnBrk="0" hangingPunct="1">
+              <a:spcBef>
+                <a:spcPct val="20000"/>
+              </a:spcBef>
+              <a:spcAft>
+                <a:spcPts val="600"/>
+              </a:spcAft>
+              <a:buClr>
+                <a:schemeClr val="accent2"/>
+              </a:buClr>
+              <a:buSzPct val="92000"/>
+              <a:buFont typeface="Wingdings 2" panose="05020102010507070707" pitchFamily="18" charset="2"/>
+              <a:buChar char=""/>
+              <a:defRPr sz="1200" kern="1200">
+                <a:solidFill>
+                  <a:schemeClr val="tx2"/>
+                </a:solidFill>
+                <a:latin typeface="+mn-lt"/>
+                <a:ea typeface="+mn-ea"/>
+                <a:cs typeface="+mn-cs"/>
+              </a:defRPr>
+            </a:lvl4pPr>
+            <a:lvl5pPr marL="1602000" indent="-234000" algn="l" defTabSz="457200" rtl="0" eaLnBrk="1" latinLnBrk="0" hangingPunct="1">
+              <a:spcBef>
+                <a:spcPct val="20000"/>
+              </a:spcBef>
+              <a:spcAft>
+                <a:spcPts val="600"/>
+              </a:spcAft>
+              <a:buClr>
+                <a:schemeClr val="accent2"/>
+              </a:buClr>
+              <a:buSzPct val="92000"/>
+              <a:buFont typeface="Wingdings 2" panose="05020102010507070707" pitchFamily="18" charset="2"/>
+              <a:buChar char=""/>
+              <a:defRPr sz="1200" kern="1200">
+                <a:solidFill>
+                  <a:schemeClr val="tx2"/>
+                </a:solidFill>
+                <a:latin typeface="+mn-lt"/>
+                <a:ea typeface="+mn-ea"/>
+                <a:cs typeface="+mn-cs"/>
+              </a:defRPr>
+            </a:lvl5pPr>
+            <a:lvl6pPr marL="1900000" indent="-228600" algn="l" defTabSz="457200" rtl="0" eaLnBrk="1" latinLnBrk="0" hangingPunct="1">
+              <a:spcBef>
+                <a:spcPct val="20000"/>
+              </a:spcBef>
+              <a:spcAft>
+                <a:spcPts val="600"/>
+              </a:spcAft>
+              <a:buClr>
+                <a:schemeClr val="accent2"/>
+              </a:buClr>
+              <a:buSzPct val="92000"/>
+              <a:buFont typeface="Wingdings 2" panose="05020102010507070707" pitchFamily="18" charset="2"/>
+              <a:buChar char=""/>
+              <a:defRPr sz="1200" kern="1200">
+                <a:solidFill>
+                  <a:schemeClr val="tx2"/>
+                </a:solidFill>
+                <a:latin typeface="+mn-lt"/>
+                <a:ea typeface="+mn-ea"/>
+                <a:cs typeface="+mn-cs"/>
+              </a:defRPr>
+            </a:lvl6pPr>
+            <a:lvl7pPr marL="2200000" indent="-228600" algn="l" defTabSz="457200" rtl="0" eaLnBrk="1" latinLnBrk="0" hangingPunct="1">
+              <a:spcBef>
+                <a:spcPct val="20000"/>
+              </a:spcBef>
+              <a:spcAft>
+                <a:spcPts val="600"/>
+              </a:spcAft>
+              <a:buClr>
+                <a:schemeClr val="accent2"/>
+              </a:buClr>
+              <a:buSzPct val="92000"/>
+              <a:buFont typeface="Wingdings 2" panose="05020102010507070707" pitchFamily="18" charset="2"/>
+              <a:buChar char=""/>
+              <a:defRPr sz="1200" kern="1200">
+                <a:solidFill>
+                  <a:schemeClr val="tx2"/>
+                </a:solidFill>
+                <a:latin typeface="+mn-lt"/>
+                <a:ea typeface="+mn-ea"/>
+                <a:cs typeface="+mn-cs"/>
+              </a:defRPr>
+            </a:lvl7pPr>
+            <a:lvl8pPr marL="2500000" indent="-228600" algn="l" defTabSz="457200" rtl="0" eaLnBrk="1" latinLnBrk="0" hangingPunct="1">
+              <a:spcBef>
+                <a:spcPct val="20000"/>
+              </a:spcBef>
+              <a:spcAft>
+                <a:spcPts val="600"/>
+              </a:spcAft>
+              <a:buClr>
+                <a:schemeClr val="accent2"/>
+              </a:buClr>
+              <a:buSzPct val="92000"/>
+              <a:buFont typeface="Wingdings 2" panose="05020102010507070707" pitchFamily="18" charset="2"/>
+              <a:buChar char=""/>
+              <a:defRPr sz="1200" kern="1200">
+                <a:solidFill>
+                  <a:schemeClr val="tx2"/>
+                </a:solidFill>
+                <a:latin typeface="+mn-lt"/>
+                <a:ea typeface="+mn-ea"/>
+                <a:cs typeface="+mn-cs"/>
+              </a:defRPr>
+            </a:lvl8pPr>
+            <a:lvl9pPr marL="2800000" indent="-228600" algn="l" defTabSz="457200" rtl="0" eaLnBrk="1" latinLnBrk="0" hangingPunct="1">
+              <a:spcBef>
+                <a:spcPct val="20000"/>
+              </a:spcBef>
+              <a:spcAft>
+                <a:spcPts val="600"/>
+              </a:spcAft>
+              <a:buClr>
+                <a:schemeClr val="accent2"/>
+              </a:buClr>
+              <a:buSzPct val="92000"/>
+              <a:buFont typeface="Wingdings 2" panose="05020102010507070707" pitchFamily="18" charset="2"/>
+              <a:buChar char=""/>
+              <a:defRPr sz="1200" kern="1200">
+                <a:solidFill>
+                  <a:schemeClr val="tx2"/>
+                </a:solidFill>
+                <a:latin typeface="+mn-lt"/>
+                <a:ea typeface="+mn-ea"/>
+                <a:cs typeface="+mn-cs"/>
+              </a:defRPr>
+            </a:lvl9pPr>
+          </a:lstStyle>
+          <a:p>
+            <a:r>
+              <a:rPr lang="ru-RU" sz="2400" dirty="0" smtClean="0"/>
+              <a:t>Макет </a:t>
+            </a:r>
+            <a:r>
+              <a:rPr lang="ru-RU" sz="2400" u="sng" dirty="0" smtClean="0"/>
+              <a:t>Каталог</a:t>
             </a:r>
             <a:endParaRPr lang="ru-RU" sz="2400" u="sng" dirty="0" smtClean="0"/>
           </a:p>
@@ -4759,7 +8469,7 @@
       </p:sp>
       <p:pic>
         <p:nvPicPr>
-          <p:cNvPr id="10" name="Рисунок 9"/>
+          <p:cNvPr id="13" name="Рисунок 12"/>
           <p:cNvPicPr>
             <a:picLocks noChangeAspect="1"/>
           </p:cNvPicPr>
@@ -4773,8 +8483,8 @@
         </p:blipFill>
         <p:spPr>
           <a:xfrm>
-            <a:off x="427512" y="629423"/>
-            <a:ext cx="5404401" cy="5600257"/>
+            <a:off x="6804660" y="612396"/>
+            <a:ext cx="4806149" cy="5696220"/>
           </a:xfrm>
           <a:prstGeom prst="rect">
             <a:avLst/>
@@ -4788,7 +8498,7 @@
       </p:pic>
       <p:pic>
         <p:nvPicPr>
-          <p:cNvPr id="11" name="Рисунок 10"/>
+          <p:cNvPr id="15" name="Рисунок 14"/>
           <p:cNvPicPr>
             <a:picLocks noChangeAspect="1"/>
           </p:cNvPicPr>
@@ -4802,8 +8512,8 @@
         </p:blipFill>
         <p:spPr>
           <a:xfrm>
-            <a:off x="7008980" y="596681"/>
-            <a:ext cx="4752808" cy="5632999"/>
+            <a:off x="581193" y="612396"/>
+            <a:ext cx="5497008" cy="5696220"/>
           </a:xfrm>
           <a:prstGeom prst="rect">
             <a:avLst/>
@@ -4815,20 +8525,137 @@
           </a:ln>
         </p:spPr>
       </p:pic>
+      <p:sp>
+        <p:nvSpPr>
+          <p:cNvPr id="16" name="Заголовок 1"/>
+          <p:cNvSpPr txBox="1">
+            <a:spLocks/>
+          </p:cNvSpPr>
+          <p:nvPr/>
+        </p:nvSpPr>
+        <p:spPr>
+          <a:xfrm>
+            <a:off x="581192" y="-473504"/>
+            <a:ext cx="11029616" cy="1013800"/>
+          </a:xfrm>
+          <a:prstGeom prst="rect">
+            <a:avLst/>
+          </a:prstGeom>
+        </p:spPr>
+        <p:txBody>
+          <a:bodyPr vert="horz" lIns="91440" tIns="45720" rIns="91440" bIns="45720" rtlCol="0" anchor="b">
+            <a:normAutofit/>
+          </a:bodyPr>
+          <a:lstStyle>
+            <a:lvl1pPr algn="l" defTabSz="457200" rtl="0" eaLnBrk="1" latinLnBrk="0" hangingPunct="1">
+              <a:spcBef>
+                <a:spcPct val="0"/>
+              </a:spcBef>
+              <a:buNone/>
+              <a:defRPr sz="2800" b="0" kern="1200" cap="all">
+                <a:solidFill>
+                  <a:schemeClr val="bg1"/>
+                </a:solidFill>
+                <a:latin typeface="+mj-lt"/>
+                <a:ea typeface="+mj-ea"/>
+                <a:cs typeface="+mj-cs"/>
+              </a:defRPr>
+            </a:lvl1pPr>
+            <a:lvl2pPr eaLnBrk="1" hangingPunct="1">
+              <a:defRPr>
+                <a:solidFill>
+                  <a:schemeClr val="tx2"/>
+                </a:solidFill>
+              </a:defRPr>
+            </a:lvl2pPr>
+            <a:lvl3pPr eaLnBrk="1" hangingPunct="1">
+              <a:defRPr>
+                <a:solidFill>
+                  <a:schemeClr val="tx2"/>
+                </a:solidFill>
+              </a:defRPr>
+            </a:lvl3pPr>
+            <a:lvl4pPr eaLnBrk="1" hangingPunct="1">
+              <a:defRPr>
+                <a:solidFill>
+                  <a:schemeClr val="tx2"/>
+                </a:solidFill>
+              </a:defRPr>
+            </a:lvl4pPr>
+            <a:lvl5pPr eaLnBrk="1" hangingPunct="1">
+              <a:defRPr>
+                <a:solidFill>
+                  <a:schemeClr val="tx2"/>
+                </a:solidFill>
+              </a:defRPr>
+            </a:lvl5pPr>
+            <a:lvl6pPr eaLnBrk="1" hangingPunct="1">
+              <a:defRPr>
+                <a:solidFill>
+                  <a:schemeClr val="tx2"/>
+                </a:solidFill>
+              </a:defRPr>
+            </a:lvl6pPr>
+            <a:lvl7pPr eaLnBrk="1" hangingPunct="1">
+              <a:defRPr>
+                <a:solidFill>
+                  <a:schemeClr val="tx2"/>
+                </a:solidFill>
+              </a:defRPr>
+            </a:lvl7pPr>
+            <a:lvl8pPr eaLnBrk="1" hangingPunct="1">
+              <a:defRPr>
+                <a:solidFill>
+                  <a:schemeClr val="tx2"/>
+                </a:solidFill>
+              </a:defRPr>
+            </a:lvl8pPr>
+            <a:lvl9pPr eaLnBrk="1" hangingPunct="1">
+              <a:defRPr>
+                <a:solidFill>
+                  <a:schemeClr val="tx2"/>
+                </a:solidFill>
+              </a:defRPr>
+            </a:lvl9pPr>
+          </a:lstStyle>
+          <a:p>
+            <a:r>
+              <a:rPr lang="ru-RU" smtClean="0">
+                <a:solidFill>
+                  <a:schemeClr val="accent1"/>
+                </a:solidFill>
+              </a:rPr>
+              <a:t>Графический Пользовательский интерфейс</a:t>
+            </a:r>
+            <a:endParaRPr lang="ru-RU" dirty="0">
+              <a:solidFill>
+                <a:schemeClr val="accent1"/>
+              </a:solidFill>
+            </a:endParaRPr>
+          </a:p>
+        </p:txBody>
+      </p:sp>
     </p:spTree>
     <p:extLst>
       <p:ext uri="{BB962C8B-B14F-4D97-AF65-F5344CB8AC3E}">
-        <p14:creationId xmlns:p14="http://schemas.microsoft.com/office/powerpoint/2010/main" val="2120338948"/>
+        <p14:creationId xmlns:p14="http://schemas.microsoft.com/office/powerpoint/2010/main" val="3746755276"/>
       </p:ext>
     </p:extLst>
   </p:cSld>
   <p:clrMapOvr>
     <a:masterClrMapping/>
   </p:clrMapOvr>
+  <p:timing>
+    <p:tnLst>
+      <p:par>
+        <p:cTn id="1" dur="indefinite" restart="never" nodeType="tmRoot"/>
+      </p:par>
+    </p:tnLst>
+  </p:timing>
 </p:sld>
 </file>
 
-<file path=ppt/slides/slide7.xml><?xml version="1.0" encoding="utf-8"?>
+<file path=ppt/slides/slide8.xml><?xml version="1.0" encoding="utf-8"?>
 <p:sld xmlns:a="http://schemas.openxmlformats.org/drawingml/2006/main" xmlns:r="http://schemas.openxmlformats.org/officeDocument/2006/relationships" xmlns:p="http://schemas.openxmlformats.org/presentationml/2006/main">
   <p:cSld>
     <p:spTree>
@@ -4908,7 +8735,9 @@
           </a:xfrm>
         </p:spPr>
         <p:txBody>
-          <a:bodyPr/>
+          <a:bodyPr>
+            <a:normAutofit/>
+          </a:bodyPr>
           <a:lstStyle/>
           <a:p>
             <a:r>
@@ -4952,6 +8781,30 @@
               <a:rPr lang="ru-RU" sz="2400" u="sng" dirty="0" smtClean="0"/>
               <a:t>Главной страницы (верх)</a:t>
             </a:r>
+          </a:p>
+        </p:txBody>
+      </p:sp>
+      <p:sp>
+        <p:nvSpPr>
+          <p:cNvPr id="6" name="Номер слайда 5"/>
+          <p:cNvSpPr>
+            <a:spLocks noGrp="1"/>
+          </p:cNvSpPr>
+          <p:nvPr>
+            <p:ph type="sldNum" sz="quarter" idx="12"/>
+          </p:nvPr>
+        </p:nvSpPr>
+        <p:spPr/>
+        <p:txBody>
+          <a:bodyPr/>
+          <a:lstStyle/>
+          <a:p>
+            <a:fld id="{D57F1E4F-1CFF-5643-939E-217C01CDF565}" type="slidenum">
+              <a:rPr lang="en-US" sz="1200" smtClean="0"/>
+              <a:pPr/>
+              <a:t>8</a:t>
+            </a:fld>
+            <a:endParaRPr lang="en-US" sz="1200" dirty="0"/>
           </a:p>
         </p:txBody>
       </p:sp>
@@ -5243,7 +9096,6 @@
               <a:rPr lang="ru-RU" sz="2400" u="sng" dirty="0" smtClean="0"/>
               <a:t>Главной страницы (низ)</a:t>
             </a:r>
-            <a:endParaRPr lang="ru-RU" sz="2400" u="sng" dirty="0" smtClean="0"/>
           </a:p>
         </p:txBody>
       </p:sp>
@@ -5257,13 +9109,295 @@
   <p:clrMapOvr>
     <a:masterClrMapping/>
   </p:clrMapOvr>
+  <p:timing>
+    <p:tnLst>
+      <p:par>
+        <p:cTn id="1" dur="indefinite" restart="never" nodeType="tmRoot"/>
+      </p:par>
+    </p:tnLst>
+  </p:timing>
+</p:sld>
+</file>
+
+<file path=ppt/slides/slide9.xml><?xml version="1.0" encoding="utf-8"?>
+<p:sld xmlns:a="http://schemas.openxmlformats.org/drawingml/2006/main" xmlns:r="http://schemas.openxmlformats.org/officeDocument/2006/relationships" xmlns:p="http://schemas.openxmlformats.org/presentationml/2006/main">
+  <p:cSld>
+    <p:spTree>
+      <p:nvGrpSpPr>
+        <p:cNvPr id="1" name=""/>
+        <p:cNvGrpSpPr/>
+        <p:nvPr/>
+      </p:nvGrpSpPr>
+      <p:grpSpPr>
+        <a:xfrm>
+          <a:off x="0" y="0"/>
+          <a:ext cx="0" cy="0"/>
+          <a:chOff x="0" y="0"/>
+          <a:chExt cx="0" cy="0"/>
+        </a:xfrm>
+      </p:grpSpPr>
+      <p:sp>
+        <p:nvSpPr>
+          <p:cNvPr id="2" name="Заголовок 1"/>
+          <p:cNvSpPr>
+            <a:spLocks noGrp="1"/>
+          </p:cNvSpPr>
+          <p:nvPr>
+            <p:ph type="title"/>
+          </p:nvPr>
+        </p:nvSpPr>
+        <p:spPr/>
+        <p:txBody>
+          <a:bodyPr/>
+          <a:lstStyle/>
+          <a:p>
+            <a:r>
+              <a:rPr lang="ru-RU" dirty="0" smtClean="0"/>
+              <a:t>Руководство оператора</a:t>
+            </a:r>
+            <a:endParaRPr lang="ru-RU" dirty="0"/>
+          </a:p>
+        </p:txBody>
+      </p:sp>
+      <p:sp>
+        <p:nvSpPr>
+          <p:cNvPr id="3" name="Объект 2"/>
+          <p:cNvSpPr>
+            <a:spLocks noGrp="1"/>
+          </p:cNvSpPr>
+          <p:nvPr>
+            <p:ph sz="half" idx="1"/>
+          </p:nvPr>
+        </p:nvSpPr>
+        <p:spPr>
+          <a:xfrm>
+            <a:off x="167780" y="1971413"/>
+            <a:ext cx="6744748" cy="4823670"/>
+          </a:xfrm>
+        </p:spPr>
+        <p:txBody>
+          <a:bodyPr>
+            <a:noAutofit/>
+          </a:bodyPr>
+          <a:lstStyle/>
+          <a:p>
+            <a:r>
+              <a:rPr lang="ru-RU" sz="2600" dirty="0" smtClean="0"/>
+              <a:t>Функционал, внесённый в руководство:</a:t>
+            </a:r>
+          </a:p>
+          <a:p>
+            <a:pPr marL="342900" lvl="0" indent="-342900">
+              <a:buFont typeface="+mj-lt"/>
+              <a:buAutoNum type="arabicPeriod"/>
+            </a:pPr>
+            <a:r>
+              <a:rPr lang="ru-RU" sz="2600" dirty="0"/>
+              <a:t>Запуск </a:t>
+            </a:r>
+            <a:r>
+              <a:rPr lang="ru-RU" sz="2600" dirty="0" smtClean="0"/>
+              <a:t>программы</a:t>
+            </a:r>
+            <a:endParaRPr lang="ru-RU" sz="2600" dirty="0"/>
+          </a:p>
+          <a:p>
+            <a:pPr marL="342900" lvl="0" indent="-342900">
+              <a:buFont typeface="+mj-lt"/>
+              <a:buAutoNum type="arabicPeriod"/>
+            </a:pPr>
+            <a:r>
+              <a:rPr lang="ru-RU" sz="2600" dirty="0"/>
+              <a:t>Поиск материала по </a:t>
+            </a:r>
+            <a:r>
+              <a:rPr lang="ru-RU" sz="2600" dirty="0" smtClean="0"/>
+              <a:t>фильтру</a:t>
+            </a:r>
+            <a:endParaRPr lang="ru-RU" sz="2600" dirty="0"/>
+          </a:p>
+          <a:p>
+            <a:pPr marL="342900" lvl="0" indent="-342900">
+              <a:buFont typeface="+mj-lt"/>
+              <a:buAutoNum type="arabicPeriod"/>
+            </a:pPr>
+            <a:r>
+              <a:rPr lang="ru-RU" sz="2600" dirty="0"/>
+              <a:t>Функция просмотра корзины </a:t>
+            </a:r>
+            <a:r>
+              <a:rPr lang="ru-RU" sz="2600" dirty="0" smtClean="0"/>
+              <a:t>товаров</a:t>
+            </a:r>
+            <a:endParaRPr lang="ru-RU" sz="2600" dirty="0"/>
+          </a:p>
+          <a:p>
+            <a:pPr marL="342900" lvl="0" indent="-342900">
+              <a:buFont typeface="+mj-lt"/>
+              <a:buAutoNum type="arabicPeriod"/>
+            </a:pPr>
+            <a:r>
+              <a:rPr lang="ru-RU" sz="2600" dirty="0"/>
+              <a:t>Функция просмотра истории заказов </a:t>
+            </a:r>
+            <a:r>
+              <a:rPr lang="ru-RU" sz="2600" dirty="0" smtClean="0"/>
+              <a:t>Кошелёк</a:t>
+            </a:r>
+            <a:endParaRPr lang="ru-RU" sz="2600" dirty="0"/>
+          </a:p>
+          <a:p>
+            <a:pPr marL="342900" lvl="0" indent="-342900">
+              <a:buFont typeface="+mj-lt"/>
+              <a:buAutoNum type="arabicPeriod"/>
+            </a:pPr>
+            <a:r>
+              <a:rPr lang="ru-RU" sz="2600" dirty="0"/>
+              <a:t>Функция расчёта примерной стоимости </a:t>
+            </a:r>
+            <a:r>
+              <a:rPr lang="ru-RU" sz="2600" dirty="0" smtClean="0"/>
+              <a:t>застройки, </a:t>
+            </a:r>
+            <a:r>
+              <a:rPr lang="ru-RU" sz="2600" dirty="0"/>
+              <a:t>в зависимости от введённых </a:t>
+            </a:r>
+            <a:r>
+              <a:rPr lang="ru-RU" sz="2600" dirty="0" smtClean="0"/>
+              <a:t>параметров</a:t>
+            </a:r>
+            <a:endParaRPr lang="ru-RU" sz="2600" dirty="0"/>
+          </a:p>
+          <a:p>
+            <a:pPr marL="342900" lvl="0" indent="-342900">
+              <a:buFont typeface="+mj-lt"/>
+              <a:buAutoNum type="arabicPeriod"/>
+            </a:pPr>
+            <a:r>
+              <a:rPr lang="ru-RU" sz="2600" dirty="0"/>
+              <a:t>Завершение </a:t>
+            </a:r>
+            <a:r>
+              <a:rPr lang="ru-RU" sz="2600" dirty="0" smtClean="0"/>
+              <a:t>программы</a:t>
+            </a:r>
+            <a:endParaRPr lang="ru-RU" sz="2600" dirty="0"/>
+          </a:p>
+        </p:txBody>
+      </p:sp>
+      <p:sp>
+        <p:nvSpPr>
+          <p:cNvPr id="4" name="Объект 3"/>
+          <p:cNvSpPr>
+            <a:spLocks noGrp="1"/>
+          </p:cNvSpPr>
+          <p:nvPr>
+            <p:ph sz="half" idx="2"/>
+          </p:nvPr>
+        </p:nvSpPr>
+        <p:spPr>
+          <a:xfrm>
+            <a:off x="7046751" y="1971413"/>
+            <a:ext cx="4915950" cy="4823670"/>
+          </a:xfrm>
+        </p:spPr>
+        <p:txBody>
+          <a:bodyPr>
+            <a:noAutofit/>
+          </a:bodyPr>
+          <a:lstStyle/>
+          <a:p>
+            <a:r>
+              <a:rPr lang="ru-RU" sz="2600" dirty="0" smtClean="0"/>
+              <a:t>В руководстве описаны ошибки:</a:t>
+            </a:r>
+          </a:p>
+          <a:p>
+            <a:pPr marL="457200" indent="-457200">
+              <a:buFont typeface="+mj-lt"/>
+              <a:buAutoNum type="arabicPeriod"/>
+            </a:pPr>
+            <a:r>
+              <a:rPr lang="ru-RU" sz="2600" dirty="0" smtClean="0"/>
+              <a:t>Ввод некорректных данных в калькулятор примерной стоимости</a:t>
+            </a:r>
+          </a:p>
+          <a:p>
+            <a:pPr marL="457200" indent="-457200">
+              <a:buFont typeface="+mj-lt"/>
+              <a:buAutoNum type="arabicPeriod"/>
+            </a:pPr>
+            <a:r>
+              <a:rPr lang="ru-RU" sz="2600" dirty="0" smtClean="0"/>
+              <a:t>Ошибка работы всего сайта, во время технических неполадок</a:t>
+            </a:r>
+          </a:p>
+          <a:p>
+            <a:pPr marL="457200" indent="-457200">
+              <a:buFont typeface="+mj-lt"/>
+              <a:buAutoNum type="arabicPeriod"/>
+            </a:pPr>
+            <a:r>
+              <a:rPr lang="ru-RU" sz="2600" dirty="0" smtClean="0"/>
+              <a:t>Ввод некорректного адреса доставки</a:t>
+            </a:r>
+          </a:p>
+        </p:txBody>
+      </p:sp>
+      <p:sp>
+        <p:nvSpPr>
+          <p:cNvPr id="7" name="Номер слайда 6"/>
+          <p:cNvSpPr>
+            <a:spLocks noGrp="1"/>
+          </p:cNvSpPr>
+          <p:nvPr>
+            <p:ph type="sldNum" sz="quarter" idx="12"/>
+          </p:nvPr>
+        </p:nvSpPr>
+        <p:spPr>
+          <a:xfrm>
+            <a:off x="10751246" y="6216196"/>
+            <a:ext cx="1052510" cy="365125"/>
+          </a:xfrm>
+        </p:spPr>
+        <p:txBody>
+          <a:bodyPr/>
+          <a:lstStyle/>
+          <a:p>
+            <a:fld id="{D57F1E4F-1CFF-5643-939E-217C01CDF565}" type="slidenum">
+              <a:rPr lang="en-US" sz="1200" smtClean="0"/>
+              <a:pPr/>
+              <a:t>9</a:t>
+            </a:fld>
+            <a:endParaRPr lang="en-US" sz="1200" dirty="0"/>
+          </a:p>
+        </p:txBody>
+      </p:sp>
+    </p:spTree>
+    <p:extLst>
+      <p:ext uri="{BB962C8B-B14F-4D97-AF65-F5344CB8AC3E}">
+        <p14:creationId xmlns:p14="http://schemas.microsoft.com/office/powerpoint/2010/main" val="3624835093"/>
+      </p:ext>
+    </p:extLst>
+  </p:cSld>
+  <p:clrMapOvr>
+    <a:masterClrMapping/>
+  </p:clrMapOvr>
+  <p:timing>
+    <p:tnLst>
+      <p:par>
+        <p:cTn id="1" dur="indefinite" restart="never" nodeType="tmRoot"/>
+      </p:par>
+    </p:tnLst>
+  </p:timing>
 </p:sld>
 </file>
 
 <file path=ppt/theme/theme1.xml><?xml version="1.0" encoding="utf-8"?>
 <a:theme xmlns:a="http://schemas.openxmlformats.org/drawingml/2006/main" name="Дивиденд">
   <a:themeElements>
-    <a:clrScheme name="Dividend">
+    <a:clrScheme name="Дивиденд">
       <a:dk1>
         <a:sysClr val="windowText" lastClr="000000"/>
       </a:dk1>
@@ -5301,7 +9435,7 @@
         <a:srgbClr val="A5A5A5"/>
       </a:folHlink>
     </a:clrScheme>
-    <a:fontScheme name="Dividend">
+    <a:fontScheme name="Дивиденд">
       <a:majorFont>
         <a:latin typeface="Gill Sans MT" panose="020B0502020104020203"/>
         <a:ea typeface=""/>
@@ -5377,7 +9511,7 @@
         <a:font script="Geor" typeface="Sylfaen"/>
       </a:minorFont>
     </a:fontScheme>
-    <a:fmtScheme name="Dividend">
+    <a:fmtScheme name="Дивиденд">
       <a:fillStyleLst>
         <a:solidFill>
           <a:schemeClr val="phClr"/>
@@ -5527,4 +9661,265 @@
     </a:ext>
   </a:extLst>
 </a:theme>
+</file>
+
+<file path=ppt/theme/theme2.xml><?xml version="1.0" encoding="utf-8"?>
+<a:theme xmlns:a="http://schemas.openxmlformats.org/drawingml/2006/main" name="Тема Office">
+  <a:themeElements>
+    <a:clrScheme name="Стандартная">
+      <a:dk1>
+        <a:sysClr val="windowText" lastClr="000000"/>
+      </a:dk1>
+      <a:lt1>
+        <a:sysClr val="window" lastClr="FFFFFF"/>
+      </a:lt1>
+      <a:dk2>
+        <a:srgbClr val="44546A"/>
+      </a:dk2>
+      <a:lt2>
+        <a:srgbClr val="E7E6E6"/>
+      </a:lt2>
+      <a:accent1>
+        <a:srgbClr val="5B9BD5"/>
+      </a:accent1>
+      <a:accent2>
+        <a:srgbClr val="ED7D31"/>
+      </a:accent2>
+      <a:accent3>
+        <a:srgbClr val="A5A5A5"/>
+      </a:accent3>
+      <a:accent4>
+        <a:srgbClr val="FFC000"/>
+      </a:accent4>
+      <a:accent5>
+        <a:srgbClr val="4472C4"/>
+      </a:accent5>
+      <a:accent6>
+        <a:srgbClr val="70AD47"/>
+      </a:accent6>
+      <a:hlink>
+        <a:srgbClr val="0563C1"/>
+      </a:hlink>
+      <a:folHlink>
+        <a:srgbClr val="954F72"/>
+      </a:folHlink>
+    </a:clrScheme>
+    <a:fontScheme name="Стандартная">
+      <a:majorFont>
+        <a:latin typeface="Calibri Light" panose="020F0302020204030204"/>
+        <a:ea typeface=""/>
+        <a:cs typeface=""/>
+        <a:font script="Jpan" typeface="游ゴシック Light"/>
+        <a:font script="Hang" typeface="맑은 고딕"/>
+        <a:font script="Hans" typeface="等线 Light"/>
+        <a:font script="Hant" typeface="新細明體"/>
+        <a:font script="Arab" typeface="Times New Roman"/>
+        <a:font script="Hebr" typeface="Times New Roman"/>
+        <a:font script="Thai" typeface="Angsana New"/>
+        <a:font script="Ethi" typeface="Nyala"/>
+        <a:font script="Beng" typeface="Vrinda"/>
+        <a:font script="Gujr" typeface="Shruti"/>
+        <a:font script="Khmr" typeface="MoolBoran"/>
+        <a:font script="Knda" typeface="Tunga"/>
+        <a:font script="Guru" typeface="Raavi"/>
+        <a:font script="Cans" typeface="Euphemia"/>
+        <a:font script="Cher" typeface="Plantagenet Cherokee"/>
+        <a:font script="Yiii" typeface="Microsoft Yi Baiti"/>
+        <a:font script="Tibt" typeface="Microsoft Himalaya"/>
+        <a:font script="Thaa" typeface="MV Boli"/>
+        <a:font script="Deva" typeface="Mangal"/>
+        <a:font script="Telu" typeface="Gautami"/>
+        <a:font script="Taml" typeface="Latha"/>
+        <a:font script="Syrc" typeface="Estrangelo Edessa"/>
+        <a:font script="Orya" typeface="Kalinga"/>
+        <a:font script="Mlym" typeface="Kartika"/>
+        <a:font script="Laoo" typeface="DokChampa"/>
+        <a:font script="Sinh" typeface="Iskoola Pota"/>
+        <a:font script="Mong" typeface="Mongolian Baiti"/>
+        <a:font script="Viet" typeface="Times New Roman"/>
+        <a:font script="Uigh" typeface="Microsoft Uighur"/>
+        <a:font script="Geor" typeface="Sylfaen"/>
+      </a:majorFont>
+      <a:minorFont>
+        <a:latin typeface="Calibri" panose="020F0502020204030204"/>
+        <a:ea typeface=""/>
+        <a:cs typeface=""/>
+        <a:font script="Jpan" typeface="游ゴシック"/>
+        <a:font script="Hang" typeface="맑은 고딕"/>
+        <a:font script="Hans" typeface="等线"/>
+        <a:font script="Hant" typeface="新細明體"/>
+        <a:font script="Arab" typeface="Arial"/>
+        <a:font script="Hebr" typeface="Arial"/>
+        <a:font script="Thai" typeface="Cordia New"/>
+        <a:font script="Ethi" typeface="Nyala"/>
+        <a:font script="Beng" typeface="Vrinda"/>
+        <a:font script="Gujr" typeface="Shruti"/>
+        <a:font script="Khmr" typeface="DaunPenh"/>
+        <a:font script="Knda" typeface="Tunga"/>
+        <a:font script="Guru" typeface="Raavi"/>
+        <a:font script="Cans" typeface="Euphemia"/>
+        <a:font script="Cher" typeface="Plantagenet Cherokee"/>
+        <a:font script="Yiii" typeface="Microsoft Yi Baiti"/>
+        <a:font script="Tibt" typeface="Microsoft Himalaya"/>
+        <a:font script="Thaa" typeface="MV Boli"/>
+        <a:font script="Deva" typeface="Mangal"/>
+        <a:font script="Telu" typeface="Gautami"/>
+        <a:font script="Taml" typeface="Latha"/>
+        <a:font script="Syrc" typeface="Estrangelo Edessa"/>
+        <a:font script="Orya" typeface="Kalinga"/>
+        <a:font script="Mlym" typeface="Kartika"/>
+        <a:font script="Laoo" typeface="DokChampa"/>
+        <a:font script="Sinh" typeface="Iskoola Pota"/>
+        <a:font script="Mong" typeface="Mongolian Baiti"/>
+        <a:font script="Viet" typeface="Arial"/>
+        <a:font script="Uigh" typeface="Microsoft Uighur"/>
+        <a:font script="Geor" typeface="Sylfaen"/>
+      </a:minorFont>
+    </a:fontScheme>
+    <a:fmtScheme name="Стандартная">
+      <a:fillStyleLst>
+        <a:solidFill>
+          <a:schemeClr val="phClr"/>
+        </a:solidFill>
+        <a:gradFill rotWithShape="1">
+          <a:gsLst>
+            <a:gs pos="0">
+              <a:schemeClr val="phClr">
+                <a:lumMod val="110000"/>
+                <a:satMod val="105000"/>
+                <a:tint val="67000"/>
+              </a:schemeClr>
+            </a:gs>
+            <a:gs pos="50000">
+              <a:schemeClr val="phClr">
+                <a:lumMod val="105000"/>
+                <a:satMod val="103000"/>
+                <a:tint val="73000"/>
+              </a:schemeClr>
+            </a:gs>
+            <a:gs pos="100000">
+              <a:schemeClr val="phClr">
+                <a:lumMod val="105000"/>
+                <a:satMod val="109000"/>
+                <a:tint val="81000"/>
+              </a:schemeClr>
+            </a:gs>
+          </a:gsLst>
+          <a:lin ang="5400000" scaled="0"/>
+        </a:gradFill>
+        <a:gradFill rotWithShape="1">
+          <a:gsLst>
+            <a:gs pos="0">
+              <a:schemeClr val="phClr">
+                <a:satMod val="103000"/>
+                <a:lumMod val="102000"/>
+                <a:tint val="94000"/>
+              </a:schemeClr>
+            </a:gs>
+            <a:gs pos="50000">
+              <a:schemeClr val="phClr">
+                <a:satMod val="110000"/>
+                <a:lumMod val="100000"/>
+                <a:shade val="100000"/>
+              </a:schemeClr>
+            </a:gs>
+            <a:gs pos="100000">
+              <a:schemeClr val="phClr">
+                <a:lumMod val="99000"/>
+                <a:satMod val="120000"/>
+                <a:shade val="78000"/>
+              </a:schemeClr>
+            </a:gs>
+          </a:gsLst>
+          <a:lin ang="5400000" scaled="0"/>
+        </a:gradFill>
+      </a:fillStyleLst>
+      <a:lnStyleLst>
+        <a:ln w="6350" cap="flat" cmpd="sng" algn="ctr">
+          <a:solidFill>
+            <a:schemeClr val="phClr"/>
+          </a:solidFill>
+          <a:prstDash val="solid"/>
+          <a:miter lim="800000"/>
+        </a:ln>
+        <a:ln w="12700" cap="flat" cmpd="sng" algn="ctr">
+          <a:solidFill>
+            <a:schemeClr val="phClr"/>
+          </a:solidFill>
+          <a:prstDash val="solid"/>
+          <a:miter lim="800000"/>
+        </a:ln>
+        <a:ln w="19050" cap="flat" cmpd="sng" algn="ctr">
+          <a:solidFill>
+            <a:schemeClr val="phClr"/>
+          </a:solidFill>
+          <a:prstDash val="solid"/>
+          <a:miter lim="800000"/>
+        </a:ln>
+      </a:lnStyleLst>
+      <a:effectStyleLst>
+        <a:effectStyle>
+          <a:effectLst/>
+        </a:effectStyle>
+        <a:effectStyle>
+          <a:effectLst/>
+        </a:effectStyle>
+        <a:effectStyle>
+          <a:effectLst>
+            <a:outerShdw blurRad="57150" dist="19050" dir="5400000" algn="ctr" rotWithShape="0">
+              <a:srgbClr val="000000">
+                <a:alpha val="63000"/>
+              </a:srgbClr>
+            </a:outerShdw>
+          </a:effectLst>
+        </a:effectStyle>
+      </a:effectStyleLst>
+      <a:bgFillStyleLst>
+        <a:solidFill>
+          <a:schemeClr val="phClr"/>
+        </a:solidFill>
+        <a:solidFill>
+          <a:schemeClr val="phClr">
+            <a:tint val="95000"/>
+            <a:satMod val="170000"/>
+          </a:schemeClr>
+        </a:solidFill>
+        <a:gradFill rotWithShape="1">
+          <a:gsLst>
+            <a:gs pos="0">
+              <a:schemeClr val="phClr">
+                <a:tint val="93000"/>
+                <a:satMod val="150000"/>
+                <a:shade val="98000"/>
+                <a:lumMod val="102000"/>
+              </a:schemeClr>
+            </a:gs>
+            <a:gs pos="50000">
+              <a:schemeClr val="phClr">
+                <a:tint val="98000"/>
+                <a:satMod val="130000"/>
+                <a:shade val="90000"/>
+                <a:lumMod val="103000"/>
+              </a:schemeClr>
+            </a:gs>
+            <a:gs pos="100000">
+              <a:schemeClr val="phClr">
+                <a:shade val="63000"/>
+                <a:satMod val="120000"/>
+              </a:schemeClr>
+            </a:gs>
+          </a:gsLst>
+          <a:lin ang="5400000" scaled="0"/>
+        </a:gradFill>
+      </a:bgFillStyleLst>
+    </a:fmtScheme>
+  </a:themeElements>
+  <a:objectDefaults/>
+  <a:extraClrSchemeLst/>
+  <a:extLst>
+    <a:ext uri="{05A4C25C-085E-4340-85A3-A5531E510DB2}">
+      <thm15:themeFamily xmlns:thm15="http://schemas.microsoft.com/office/thememl/2012/main" name="Office Theme" id="{62F939B6-93AF-4DB8-9C6B-D6C7DFDC589F}" vid="{4A3C46E8-61CC-4603-A589-7422A47A8E4A}"/>
+    </a:ext>
+  </a:extLst>
+</a:theme>
 </file>
--- a/Сайт для компании «Кисловодск-строй».pptx
+++ b/Сайт для компании «Кисловодск-строй».pptx
@@ -1,11 +1,11 @@
 
 <file path=ppt/presentation.xml><?xml version="1.0" encoding="utf-8"?>
-<p:presentation xmlns:a="http://schemas.openxmlformats.org/drawingml/2006/main" xmlns:r="http://schemas.openxmlformats.org/officeDocument/2006/relationships" xmlns:p="http://schemas.openxmlformats.org/presentationml/2006/main" showSpecialPlsOnTitleSld="0" autoCompressPictures="0">
+<p:presentation xmlns:a="http://schemas.openxmlformats.org/drawingml/2006/main" xmlns:r="http://schemas.openxmlformats.org/officeDocument/2006/relationships" xmlns:p="http://schemas.openxmlformats.org/presentationml/2006/main" showSpecialPlsOnTitleSld="0" autoCompressPictures="0" bookmarkIdSeed="2">
   <p:sldMasterIdLst>
     <p:sldMasterId id="2147483684" r:id="rId1"/>
   </p:sldMasterIdLst>
   <p:notesMasterIdLst>
-    <p:notesMasterId r:id="rId14"/>
+    <p:notesMasterId r:id="rId16"/>
   </p:notesMasterIdLst>
   <p:sldIdLst>
     <p:sldId id="256" r:id="rId2"/>
@@ -19,7 +19,9 @@
     <p:sldId id="264" r:id="rId10"/>
     <p:sldId id="265" r:id="rId11"/>
     <p:sldId id="266" r:id="rId12"/>
-    <p:sldId id="267" r:id="rId13"/>
+    <p:sldId id="269" r:id="rId13"/>
+    <p:sldId id="270" r:id="rId14"/>
+    <p:sldId id="267" r:id="rId15"/>
   </p:sldIdLst>
   <p:sldSz cx="12192000" cy="6858000"/>
   <p:notesSz cx="6858000" cy="9144000"/>
@@ -128,7 +130,7 @@
 
 <file path=ppt/commentAuthors.xml><?xml version="1.0" encoding="utf-8"?>
 <p:cmAuthorLst xmlns:a="http://schemas.openxmlformats.org/drawingml/2006/main" xmlns:r="http://schemas.openxmlformats.org/officeDocument/2006/relationships" xmlns:p="http://schemas.openxmlformats.org/presentationml/2006/main">
-  <p:cmAuthor id="1" name="evgen" initials="e" lastIdx="1" clrIdx="0">
+  <p:cmAuthor id="1" name="evgen" initials="e" lastIdx="2" clrIdx="0">
     <p:extLst>
       <p:ext uri="{19B8F6BF-5375-455C-9EA6-DF929625EA0E}">
         <p15:presenceInfo xmlns:p15="http://schemas.microsoft.com/office/powerpoint/2012/main" userId="7c2057cc35d274f8" providerId="Windows Live"/>
@@ -140,9 +142,9 @@
 
 <file path=ppt/comments/comment1.xml><?xml version="1.0" encoding="utf-8"?>
 <p:cmLst xmlns:a="http://schemas.openxmlformats.org/drawingml/2006/main" xmlns:r="http://schemas.openxmlformats.org/officeDocument/2006/relationships" xmlns:p="http://schemas.openxmlformats.org/presentationml/2006/main">
-  <p:cm authorId="1" dt="2024-06-18T21:43:01.671" idx="1">
+  <p:cm authorId="1" dt="2024-06-20T22:14:50.178" idx="2">
     <p:pos x="10" y="10"/>
-    <p:text/>
+    <p:text>Со слайда 6 по 8 будет множество переключений во время презентации для наглядной демонстрации принципов.</p:text>
     <p:extLst>
       <p:ext uri="{C676402C-5697-4E1C-873F-D02D1690AC5C}">
         <p15:threadingInfo xmlns:p15="http://schemas.microsoft.com/office/powerpoint/2012/main" timeZoneBias="-180"/>
@@ -234,7 +236,7 @@
           <a:p>
             <a:fld id="{AC8D3FD7-A755-4966-A4E3-844B456159E1}" type="datetimeFigureOut">
               <a:rPr lang="ru-RU" smtClean="0"/>
-              <a:t>18.06.2024</a:t>
+              <a:t>20.06.2024</a:t>
             </a:fld>
             <a:endParaRPr lang="ru-RU"/>
           </a:p>
@@ -747,7 +749,7 @@
           <a:p>
             <a:fld id="{739B03AD-6ED1-4274-A52A-DC9FA690B45D}" type="datetime1">
               <a:rPr lang="en-US" smtClean="0"/>
-              <a:t>6/18/2024</a:t>
+              <a:t>6/20/2024</a:t>
             </a:fld>
             <a:endParaRPr lang="en-US" dirty="0"/>
           </a:p>
@@ -1010,7 +1012,7 @@
           <a:p>
             <a:fld id="{4D2B0814-6C13-4B68-BA33-FC93401D68EA}" type="datetime1">
               <a:rPr lang="en-US" smtClean="0"/>
-              <a:t>6/18/2024</a:t>
+              <a:t>6/20/2024</a:t>
             </a:fld>
             <a:endParaRPr lang="en-US" dirty="0"/>
           </a:p>
@@ -1246,7 +1248,7 @@
           <a:p>
             <a:fld id="{6A8EC655-A397-44F6-BEB5-313C5D0F8057}" type="datetime1">
               <a:rPr lang="en-US" smtClean="0"/>
-              <a:t>6/18/2024</a:t>
+              <a:t>6/20/2024</a:t>
             </a:fld>
             <a:endParaRPr lang="en-US" dirty="0"/>
           </a:p>
@@ -1487,7 +1489,7 @@
           <a:p>
             <a:fld id="{8173375E-3736-4BED-B83B-878B977CCF33}" type="datetime1">
               <a:rPr lang="en-US" smtClean="0"/>
-              <a:t>6/18/2024</a:t>
+              <a:t>6/20/2024</a:t>
             </a:fld>
             <a:endParaRPr lang="en-US" dirty="0"/>
           </a:p>
@@ -1795,7 +1797,7 @@
           <a:p>
             <a:fld id="{8EE8A1D6-559C-4085-B648-411A8ED5D278}" type="datetime1">
               <a:rPr lang="en-US" smtClean="0"/>
-              <a:t>6/18/2024</a:t>
+              <a:t>6/20/2024</a:t>
             </a:fld>
             <a:endParaRPr lang="en-US" dirty="0"/>
           </a:p>
@@ -2098,7 +2100,7 @@
           <a:p>
             <a:fld id="{EAD5F190-BFE2-4CFD-9A7E-BD949474EF89}" type="datetime1">
               <a:rPr lang="en-US" smtClean="0"/>
-              <a:t>6/18/2024</a:t>
+              <a:t>6/20/2024</a:t>
             </a:fld>
             <a:endParaRPr lang="en-US" dirty="0"/>
           </a:p>
@@ -2521,7 +2523,7 @@
           <a:p>
             <a:fld id="{CA185710-0CB8-4676-9B8A-3AA4A0ACE6ED}" type="datetime1">
               <a:rPr lang="en-US" smtClean="0"/>
-              <a:t>6/18/2024</a:t>
+              <a:t>6/20/2024</a:t>
             </a:fld>
             <a:endParaRPr lang="en-US" dirty="0"/>
           </a:p>
@@ -2684,7 +2686,7 @@
           <a:p>
             <a:fld id="{FA8B0F95-D820-4A9A-9A58-FE09324B1C7B}" type="datetime1">
               <a:rPr lang="en-US" smtClean="0"/>
-              <a:t>6/18/2024</a:t>
+              <a:t>6/20/2024</a:t>
             </a:fld>
             <a:endParaRPr lang="en-US" dirty="0"/>
           </a:p>
@@ -2780,7 +2782,7 @@
           <a:p>
             <a:fld id="{7763D4B6-5C60-499C-BC94-767365083D7C}" type="datetime1">
               <a:rPr lang="en-US" smtClean="0"/>
-              <a:t>6/18/2024</a:t>
+              <a:t>6/20/2024</a:t>
             </a:fld>
             <a:endParaRPr lang="en-US" dirty="0"/>
           </a:p>
@@ -3159,7 +3161,7 @@
           <a:p>
             <a:fld id="{D421958E-7981-43C3-93C0-452CF197834A}" type="datetime1">
               <a:rPr lang="en-US" smtClean="0"/>
-              <a:t>6/18/2024</a:t>
+              <a:t>6/20/2024</a:t>
             </a:fld>
             <a:endParaRPr lang="en-US" dirty="0"/>
           </a:p>
@@ -3449,7 +3451,7 @@
           <a:p>
             <a:fld id="{7DE44962-766E-43CB-AAF1-179505212E07}" type="datetime1">
               <a:rPr lang="en-US" smtClean="0"/>
-              <a:t>6/18/2024</a:t>
+              <a:t>6/20/2024</a:t>
             </a:fld>
             <a:endParaRPr lang="en-US" dirty="0"/>
           </a:p>
@@ -3661,7 +3663,7 @@
           <a:p>
             <a:fld id="{81CB1547-160B-4F9E-9E20-0F577EC68284}" type="datetime1">
               <a:rPr lang="en-US" smtClean="0"/>
-              <a:t>6/18/2024</a:t>
+              <a:t>6/20/2024</a:t>
             </a:fld>
             <a:endParaRPr lang="en-US" dirty="0"/>
           </a:p>
@@ -4983,31 +4985,6 @@
       </p:sp>
       <p:sp>
         <p:nvSpPr>
-          <p:cNvPr id="6" name="Объект 5"/>
-          <p:cNvSpPr>
-            <a:spLocks noGrp="1"/>
-          </p:cNvSpPr>
-          <p:nvPr>
-            <p:ph idx="1"/>
-          </p:nvPr>
-        </p:nvSpPr>
-        <p:spPr/>
-        <p:txBody>
-          <a:bodyPr>
-            <a:normAutofit/>
-          </a:bodyPr>
-          <a:lstStyle/>
-          <a:p>
-            <a:r>
-              <a:rPr lang="ru-RU" sz="2400" dirty="0" smtClean="0"/>
-              <a:t>Ключевые оценочные элементы?</a:t>
-            </a:r>
-            <a:endParaRPr lang="ru-RU" sz="2400" dirty="0"/>
-          </a:p>
-        </p:txBody>
-      </p:sp>
-      <p:sp>
-        <p:nvSpPr>
           <p:cNvPr id="9" name="Номер слайда 8"/>
           <p:cNvSpPr>
             <a:spLocks noGrp="1"/>
@@ -5030,6 +5007,760 @@
           </a:p>
         </p:txBody>
       </p:sp>
+      <p:sp>
+        <p:nvSpPr>
+          <p:cNvPr id="4" name="Rectangle 1"/>
+          <p:cNvSpPr>
+            <a:spLocks noChangeArrowheads="1"/>
+          </p:cNvSpPr>
+          <p:nvPr/>
+        </p:nvSpPr>
+        <p:spPr bwMode="auto">
+          <a:xfrm>
+            <a:off x="4720273" y="2012315"/>
+            <a:ext cx="12192000" cy="0"/>
+          </a:xfrm>
+          <a:prstGeom prst="rect">
+            <a:avLst/>
+          </a:prstGeom>
+          <a:noFill/>
+          <a:ln>
+            <a:noFill/>
+          </a:ln>
+          <a:effectLst/>
+          <a:extLst>
+            <a:ext uri="{909E8E84-426E-40DD-AFC4-6F175D3DCCD1}">
+              <a14:hiddenFill xmlns:a14="http://schemas.microsoft.com/office/drawing/2010/main">
+                <a:solidFill>
+                  <a:schemeClr val="accent1"/>
+                </a:solidFill>
+              </a14:hiddenFill>
+            </a:ext>
+            <a:ext uri="{91240B29-F687-4F45-9708-019B960494DF}">
+              <a14:hiddenLine xmlns:a14="http://schemas.microsoft.com/office/drawing/2010/main" w="9525">
+                <a:solidFill>
+                  <a:schemeClr val="tx1"/>
+                </a:solidFill>
+                <a:miter lim="800000"/>
+                <a:headEnd/>
+                <a:tailEnd/>
+              </a14:hiddenLine>
+            </a:ext>
+            <a:ext uri="{AF507438-7753-43E0-B8FC-AC1667EBCBE1}">
+              <a14:hiddenEffects xmlns:a14="http://schemas.microsoft.com/office/drawing/2010/main">
+                <a:effectLst>
+                  <a:outerShdw dist="35921" dir="2700000" algn="ctr" rotWithShape="0">
+                    <a:schemeClr val="bg2"/>
+                  </a:outerShdw>
+                </a:effectLst>
+              </a14:hiddenEffects>
+            </a:ext>
+          </a:extLst>
+        </p:spPr>
+        <p:txBody>
+          <a:bodyPr vert="horz" wrap="none" lIns="91440" tIns="45720" rIns="91440" bIns="45720" numCol="1" anchor="ctr" anchorCtr="0" compatLnSpc="1">
+            <a:prstTxWarp prst="textNoShape">
+              <a:avLst/>
+            </a:prstTxWarp>
+            <a:spAutoFit/>
+          </a:bodyPr>
+          <a:lstStyle/>
+          <a:p>
+            <a:pPr marL="0" marR="0" lvl="0" indent="0" algn="l" defTabSz="914400" rtl="0" eaLnBrk="0" fontAlgn="base" latinLnBrk="0" hangingPunct="0">
+              <a:lnSpc>
+                <a:spcPct val="100000"/>
+              </a:lnSpc>
+              <a:spcBef>
+                <a:spcPct val="0"/>
+              </a:spcBef>
+              <a:spcAft>
+                <a:spcPct val="0"/>
+              </a:spcAft>
+              <a:buClrTx/>
+              <a:buSzTx/>
+              <a:buFontTx/>
+              <a:buNone/>
+              <a:tabLst/>
+            </a:pPr>
+            <a:r>
+              <a:rPr kumimoji="0" lang="ru-RU" altLang="ru-RU" sz="1800" b="0" i="0" u="none" strike="noStrike" cap="none" normalizeH="0" baseline="0" smtClean="0">
+                <a:ln>
+                  <a:noFill/>
+                </a:ln>
+                <a:solidFill>
+                  <a:schemeClr val="tx1"/>
+                </a:solidFill>
+                <a:effectLst/>
+                <a:latin typeface="Arial" panose="020B0604020202020204" pitchFamily="34" charset="0"/>
+              </a:rPr>
+              <a:t/>
+            </a:r>
+            <a:br>
+              <a:rPr kumimoji="0" lang="ru-RU" altLang="ru-RU" sz="1800" b="0" i="0" u="none" strike="noStrike" cap="none" normalizeH="0" baseline="0" smtClean="0">
+                <a:ln>
+                  <a:noFill/>
+                </a:ln>
+                <a:solidFill>
+                  <a:schemeClr val="tx1"/>
+                </a:solidFill>
+                <a:effectLst/>
+                <a:latin typeface="Arial" panose="020B0604020202020204" pitchFamily="34" charset="0"/>
+              </a:rPr>
+            </a:br>
+            <a:endParaRPr kumimoji="0" lang="ru-RU" altLang="ru-RU" sz="1800" b="0" i="0" u="none" strike="noStrike" cap="none" normalizeH="0" baseline="0" smtClean="0">
+              <a:ln>
+                <a:noFill/>
+              </a:ln>
+              <a:solidFill>
+                <a:schemeClr val="tx1"/>
+              </a:solidFill>
+              <a:effectLst/>
+              <a:latin typeface="Arial" panose="020B0604020202020204" pitchFamily="34" charset="0"/>
+            </a:endParaRPr>
+          </a:p>
+        </p:txBody>
+      </p:sp>
+      <p:sp>
+        <p:nvSpPr>
+          <p:cNvPr id="11" name="Объект 2"/>
+          <p:cNvSpPr>
+            <a:spLocks noGrp="1"/>
+          </p:cNvSpPr>
+          <p:nvPr>
+            <p:ph idx="1"/>
+          </p:nvPr>
+        </p:nvSpPr>
+        <p:spPr>
+          <a:xfrm>
+            <a:off x="636780" y="1715956"/>
+            <a:ext cx="10747500" cy="1054335"/>
+          </a:xfrm>
+        </p:spPr>
+        <p:txBody>
+          <a:bodyPr>
+            <a:normAutofit/>
+          </a:bodyPr>
+          <a:lstStyle/>
+          <a:p>
+            <a:r>
+              <a:rPr lang="ru-RU" sz="2400" dirty="0" smtClean="0"/>
+              <a:t>Примеры наших ключевых оценочных элементов</a:t>
+            </a:r>
+            <a:endParaRPr lang="ru-RU" sz="2400" u="sng" dirty="0" smtClean="0"/>
+          </a:p>
+        </p:txBody>
+      </p:sp>
+      <p:sp>
+        <p:nvSpPr>
+          <p:cNvPr id="13" name="Rectangle 4"/>
+          <p:cNvSpPr>
+            <a:spLocks noChangeArrowheads="1"/>
+          </p:cNvSpPr>
+          <p:nvPr/>
+        </p:nvSpPr>
+        <p:spPr bwMode="auto">
+          <a:xfrm>
+            <a:off x="3592513" y="2335213"/>
+            <a:ext cx="12192000" cy="0"/>
+          </a:xfrm>
+          <a:prstGeom prst="rect">
+            <a:avLst/>
+          </a:prstGeom>
+          <a:noFill/>
+          <a:ln>
+            <a:noFill/>
+          </a:ln>
+          <a:effectLst/>
+          <a:extLst>
+            <a:ext uri="{909E8E84-426E-40DD-AFC4-6F175D3DCCD1}">
+              <a14:hiddenFill xmlns:a14="http://schemas.microsoft.com/office/drawing/2010/main">
+                <a:solidFill>
+                  <a:schemeClr val="accent1"/>
+                </a:solidFill>
+              </a14:hiddenFill>
+            </a:ext>
+            <a:ext uri="{91240B29-F687-4F45-9708-019B960494DF}">
+              <a14:hiddenLine xmlns:a14="http://schemas.microsoft.com/office/drawing/2010/main" w="9525">
+                <a:solidFill>
+                  <a:schemeClr val="tx1"/>
+                </a:solidFill>
+                <a:miter lim="800000"/>
+                <a:headEnd/>
+                <a:tailEnd/>
+              </a14:hiddenLine>
+            </a:ext>
+            <a:ext uri="{AF507438-7753-43E0-B8FC-AC1667EBCBE1}">
+              <a14:hiddenEffects xmlns:a14="http://schemas.microsoft.com/office/drawing/2010/main">
+                <a:effectLst>
+                  <a:outerShdw dist="35921" dir="2700000" algn="ctr" rotWithShape="0">
+                    <a:schemeClr val="bg2"/>
+                  </a:outerShdw>
+                </a:effectLst>
+              </a14:hiddenEffects>
+            </a:ext>
+          </a:extLst>
+        </p:spPr>
+        <p:txBody>
+          <a:bodyPr vert="horz" wrap="none" lIns="91440" tIns="45720" rIns="91440" bIns="45720" numCol="1" anchor="ctr" anchorCtr="0" compatLnSpc="1">
+            <a:prstTxWarp prst="textNoShape">
+              <a:avLst/>
+            </a:prstTxWarp>
+            <a:spAutoFit/>
+          </a:bodyPr>
+          <a:lstStyle/>
+          <a:p>
+            <a:pPr marL="0" marR="0" lvl="0" indent="0" algn="l" defTabSz="914400" rtl="0" eaLnBrk="0" fontAlgn="base" latinLnBrk="0" hangingPunct="0">
+              <a:lnSpc>
+                <a:spcPct val="100000"/>
+              </a:lnSpc>
+              <a:spcBef>
+                <a:spcPct val="0"/>
+              </a:spcBef>
+              <a:spcAft>
+                <a:spcPct val="0"/>
+              </a:spcAft>
+              <a:buClrTx/>
+              <a:buSzTx/>
+              <a:buFontTx/>
+              <a:buNone/>
+              <a:tabLst/>
+            </a:pPr>
+            <a:r>
+              <a:rPr kumimoji="0" lang="ru-RU" altLang="ru-RU" sz="1800" b="0" i="0" u="none" strike="noStrike" cap="none" normalizeH="0" baseline="0" smtClean="0">
+                <a:ln>
+                  <a:noFill/>
+                </a:ln>
+                <a:solidFill>
+                  <a:schemeClr val="tx1"/>
+                </a:solidFill>
+                <a:effectLst/>
+                <a:latin typeface="Arial" panose="020B0604020202020204" pitchFamily="34" charset="0"/>
+              </a:rPr>
+              <a:t/>
+            </a:r>
+            <a:br>
+              <a:rPr kumimoji="0" lang="ru-RU" altLang="ru-RU" sz="1800" b="0" i="0" u="none" strike="noStrike" cap="none" normalizeH="0" baseline="0" smtClean="0">
+                <a:ln>
+                  <a:noFill/>
+                </a:ln>
+                <a:solidFill>
+                  <a:schemeClr val="tx1"/>
+                </a:solidFill>
+                <a:effectLst/>
+                <a:latin typeface="Arial" panose="020B0604020202020204" pitchFamily="34" charset="0"/>
+              </a:rPr>
+            </a:br>
+            <a:endParaRPr kumimoji="0" lang="ru-RU" altLang="ru-RU" sz="1800" b="0" i="0" u="none" strike="noStrike" cap="none" normalizeH="0" baseline="0" smtClean="0">
+              <a:ln>
+                <a:noFill/>
+              </a:ln>
+              <a:solidFill>
+                <a:schemeClr val="tx1"/>
+              </a:solidFill>
+              <a:effectLst/>
+              <a:latin typeface="Arial" panose="020B0604020202020204" pitchFamily="34" charset="0"/>
+            </a:endParaRPr>
+          </a:p>
+        </p:txBody>
+      </p:sp>
+      <p:graphicFrame>
+        <p:nvGraphicFramePr>
+          <p:cNvPr id="16" name="Таблица 15"/>
+          <p:cNvGraphicFramePr>
+            <a:graphicFrameLocks noGrp="1"/>
+          </p:cNvGraphicFramePr>
+          <p:nvPr>
+            <p:extLst>
+              <p:ext uri="{D42A27DB-BD31-4B8C-83A1-F6EECF244321}">
+                <p14:modId xmlns:p14="http://schemas.microsoft.com/office/powerpoint/2010/main" val="1289411935"/>
+              </p:ext>
+            </p:extLst>
+          </p:nvPr>
+        </p:nvGraphicFramePr>
+        <p:xfrm>
+          <a:off x="581192" y="2631573"/>
+          <a:ext cx="10510838" cy="3913507"/>
+        </p:xfrm>
+        <a:graphic>
+          <a:graphicData uri="http://schemas.openxmlformats.org/drawingml/2006/table">
+            <a:tbl>
+              <a:tblPr firstRow="1" firstCol="1" bandRow="1">
+                <a:tableStyleId>{5C22544A-7EE6-4342-B048-85BDC9FD1C3A}</a:tableStyleId>
+              </a:tblPr>
+              <a:tblGrid>
+                <a:gridCol w="3934778">
+                  <a:extLst>
+                    <a:ext uri="{9D8B030D-6E8A-4147-A177-3AD203B41FA5}">
+                      <a16:colId xmlns:a16="http://schemas.microsoft.com/office/drawing/2014/main" val="2380330741"/>
+                    </a:ext>
+                  </a:extLst>
+                </a:gridCol>
+                <a:gridCol w="6576060">
+                  <a:extLst>
+                    <a:ext uri="{9D8B030D-6E8A-4147-A177-3AD203B41FA5}">
+                      <a16:colId xmlns:a16="http://schemas.microsoft.com/office/drawing/2014/main" val="3651323977"/>
+                    </a:ext>
+                  </a:extLst>
+                </a:gridCol>
+              </a:tblGrid>
+              <a:tr h="0">
+                <a:tc>
+                  <a:txBody>
+                    <a:bodyPr/>
+                    <a:lstStyle/>
+                    <a:p>
+                      <a:pPr>
+                        <a:lnSpc>
+                          <a:spcPct val="107000"/>
+                        </a:lnSpc>
+                        <a:spcAft>
+                          <a:spcPts val="0"/>
+                        </a:spcAft>
+                      </a:pPr>
+                      <a:r>
+                        <a:rPr lang="ru-RU" sz="2400">
+                          <a:effectLst/>
+                        </a:rPr>
+                        <a:t>Функциональность</a:t>
+                      </a:r>
+                      <a:endParaRPr lang="ru-RU" sz="2400">
+                        <a:effectLst/>
+                        <a:latin typeface="Times New Roman" panose="02020603050405020304" pitchFamily="18" charset="0"/>
+                        <a:ea typeface="Calibri" panose="020F0502020204030204" pitchFamily="34" charset="0"/>
+                        <a:cs typeface="Times New Roman" panose="02020603050405020304" pitchFamily="18" charset="0"/>
+                      </a:endParaRPr>
+                    </a:p>
+                  </a:txBody>
+                  <a:tcPr marL="68580" marR="68580" marT="0" marB="0"/>
+                </a:tc>
+                <a:tc>
+                  <a:txBody>
+                    <a:bodyPr/>
+                    <a:lstStyle/>
+                    <a:p>
+                      <a:pPr>
+                        <a:lnSpc>
+                          <a:spcPct val="107000"/>
+                        </a:lnSpc>
+                        <a:spcAft>
+                          <a:spcPts val="0"/>
+                        </a:spcAft>
+                      </a:pPr>
+                      <a:r>
+                        <a:rPr lang="ru-RU" sz="2400" b="0" dirty="0">
+                          <a:solidFill>
+                            <a:schemeClr val="tx1"/>
+                          </a:solidFill>
+                          <a:effectLst/>
+                        </a:rPr>
+                        <a:t>Поиск товаров в каталоге по названию товара, описанию товара.</a:t>
+                      </a:r>
+                      <a:endParaRPr lang="ru-RU" sz="2400" b="0" dirty="0">
+                        <a:solidFill>
+                          <a:schemeClr val="tx1"/>
+                        </a:solidFill>
+                        <a:effectLst/>
+                        <a:latin typeface="Times New Roman" panose="02020603050405020304" pitchFamily="18" charset="0"/>
+                        <a:ea typeface="Calibri" panose="020F0502020204030204" pitchFamily="34" charset="0"/>
+                        <a:cs typeface="Times New Roman" panose="02020603050405020304" pitchFamily="18" charset="0"/>
+                      </a:endParaRPr>
+                    </a:p>
+                  </a:txBody>
+                  <a:tcPr marL="68580" marR="68580" marT="0" marB="0">
+                    <a:solidFill>
+                      <a:schemeClr val="bg2"/>
+                    </a:solidFill>
+                  </a:tcPr>
+                </a:tc>
+                <a:extLst>
+                  <a:ext uri="{0D108BD9-81ED-4DB2-BD59-A6C34878D82A}">
+                    <a16:rowId xmlns:a16="http://schemas.microsoft.com/office/drawing/2014/main" val="3457561735"/>
+                  </a:ext>
+                </a:extLst>
+              </a:tr>
+              <a:tr h="0">
+                <a:tc>
+                  <a:txBody>
+                    <a:bodyPr/>
+                    <a:lstStyle/>
+                    <a:p>
+                      <a:pPr>
+                        <a:lnSpc>
+                          <a:spcPct val="107000"/>
+                        </a:lnSpc>
+                        <a:spcAft>
+                          <a:spcPts val="0"/>
+                        </a:spcAft>
+                      </a:pPr>
+                      <a:r>
+                        <a:rPr lang="ru-RU" sz="2400">
+                          <a:effectLst/>
+                        </a:rPr>
+                        <a:t>Надёжность</a:t>
+                      </a:r>
+                      <a:endParaRPr lang="ru-RU" sz="2400">
+                        <a:effectLst/>
+                        <a:latin typeface="Times New Roman" panose="02020603050405020304" pitchFamily="18" charset="0"/>
+                        <a:ea typeface="Calibri" panose="020F0502020204030204" pitchFamily="34" charset="0"/>
+                        <a:cs typeface="Times New Roman" panose="02020603050405020304" pitchFamily="18" charset="0"/>
+                      </a:endParaRPr>
+                    </a:p>
+                  </a:txBody>
+                  <a:tcPr marL="68580" marR="68580" marT="0" marB="0"/>
+                </a:tc>
+                <a:tc>
+                  <a:txBody>
+                    <a:bodyPr/>
+                    <a:lstStyle/>
+                    <a:p>
+                      <a:pPr>
+                        <a:lnSpc>
+                          <a:spcPct val="107000"/>
+                        </a:lnSpc>
+                        <a:spcAft>
+                          <a:spcPts val="0"/>
+                        </a:spcAft>
+                      </a:pPr>
+                      <a:r>
+                        <a:rPr lang="ru-RU" sz="2400" dirty="0">
+                          <a:effectLst/>
+                        </a:rPr>
+                        <a:t>Наличие ограничений на длину введённых данных во всех полях ввода.</a:t>
+                      </a:r>
+                      <a:endParaRPr lang="ru-RU" sz="2400" dirty="0">
+                        <a:effectLst/>
+                        <a:latin typeface="Times New Roman" panose="02020603050405020304" pitchFamily="18" charset="0"/>
+                        <a:ea typeface="Calibri" panose="020F0502020204030204" pitchFamily="34" charset="0"/>
+                        <a:cs typeface="Times New Roman" panose="02020603050405020304" pitchFamily="18" charset="0"/>
+                      </a:endParaRPr>
+                    </a:p>
+                  </a:txBody>
+                  <a:tcPr marL="68580" marR="68580" marT="0" marB="0"/>
+                </a:tc>
+                <a:extLst>
+                  <a:ext uri="{0D108BD9-81ED-4DB2-BD59-A6C34878D82A}">
+                    <a16:rowId xmlns:a16="http://schemas.microsoft.com/office/drawing/2014/main" val="939084457"/>
+                  </a:ext>
+                </a:extLst>
+              </a:tr>
+              <a:tr h="0">
+                <a:tc>
+                  <a:txBody>
+                    <a:bodyPr/>
+                    <a:lstStyle/>
+                    <a:p>
+                      <a:pPr>
+                        <a:lnSpc>
+                          <a:spcPct val="107000"/>
+                        </a:lnSpc>
+                        <a:spcAft>
+                          <a:spcPts val="0"/>
+                        </a:spcAft>
+                      </a:pPr>
+                      <a:r>
+                        <a:rPr lang="ru-RU" sz="2400">
+                          <a:effectLst/>
+                        </a:rPr>
+                        <a:t>Удобство использования</a:t>
+                      </a:r>
+                      <a:endParaRPr lang="ru-RU" sz="2400">
+                        <a:effectLst/>
+                        <a:latin typeface="Times New Roman" panose="02020603050405020304" pitchFamily="18" charset="0"/>
+                        <a:ea typeface="Calibri" panose="020F0502020204030204" pitchFamily="34" charset="0"/>
+                        <a:cs typeface="Times New Roman" panose="02020603050405020304" pitchFamily="18" charset="0"/>
+                      </a:endParaRPr>
+                    </a:p>
+                  </a:txBody>
+                  <a:tcPr marL="68580" marR="68580" marT="0" marB="0"/>
+                </a:tc>
+                <a:tc>
+                  <a:txBody>
+                    <a:bodyPr/>
+                    <a:lstStyle/>
+                    <a:p>
+                      <a:pPr>
+                        <a:lnSpc>
+                          <a:spcPct val="107000"/>
+                        </a:lnSpc>
+                        <a:spcAft>
+                          <a:spcPts val="0"/>
+                        </a:spcAft>
+                      </a:pPr>
+                      <a:r>
+                        <a:rPr lang="ru-RU" sz="2400" dirty="0">
+                          <a:effectLst/>
+                        </a:rPr>
+                        <a:t>Время ответа сайта не превышает 30 сек.</a:t>
+                      </a:r>
+                      <a:endParaRPr lang="ru-RU" sz="2400" dirty="0">
+                        <a:effectLst/>
+                        <a:latin typeface="Times New Roman" panose="02020603050405020304" pitchFamily="18" charset="0"/>
+                        <a:ea typeface="Calibri" panose="020F0502020204030204" pitchFamily="34" charset="0"/>
+                        <a:cs typeface="Times New Roman" panose="02020603050405020304" pitchFamily="18" charset="0"/>
+                      </a:endParaRPr>
+                    </a:p>
+                  </a:txBody>
+                  <a:tcPr marL="68580" marR="68580" marT="0" marB="0"/>
+                </a:tc>
+                <a:extLst>
+                  <a:ext uri="{0D108BD9-81ED-4DB2-BD59-A6C34878D82A}">
+                    <a16:rowId xmlns:a16="http://schemas.microsoft.com/office/drawing/2014/main" val="2950118443"/>
+                  </a:ext>
+                </a:extLst>
+              </a:tr>
+              <a:tr h="0">
+                <a:tc>
+                  <a:txBody>
+                    <a:bodyPr/>
+                    <a:lstStyle/>
+                    <a:p>
+                      <a:pPr>
+                        <a:lnSpc>
+                          <a:spcPct val="107000"/>
+                        </a:lnSpc>
+                        <a:spcAft>
+                          <a:spcPts val="0"/>
+                        </a:spcAft>
+                      </a:pPr>
+                      <a:r>
+                        <a:rPr lang="ru-RU" sz="2400">
+                          <a:effectLst/>
+                        </a:rPr>
+                        <a:t>Производительность</a:t>
+                      </a:r>
+                      <a:endParaRPr lang="ru-RU" sz="2400">
+                        <a:effectLst/>
+                        <a:latin typeface="Times New Roman" panose="02020603050405020304" pitchFamily="18" charset="0"/>
+                        <a:ea typeface="Calibri" panose="020F0502020204030204" pitchFamily="34" charset="0"/>
+                        <a:cs typeface="Times New Roman" panose="02020603050405020304" pitchFamily="18" charset="0"/>
+                      </a:endParaRPr>
+                    </a:p>
+                  </a:txBody>
+                  <a:tcPr marL="68580" marR="68580" marT="0" marB="0"/>
+                </a:tc>
+                <a:tc>
+                  <a:txBody>
+                    <a:bodyPr/>
+                    <a:lstStyle/>
+                    <a:p>
+                      <a:pPr>
+                        <a:lnSpc>
+                          <a:spcPct val="107000"/>
+                        </a:lnSpc>
+                        <a:spcAft>
+                          <a:spcPts val="0"/>
+                        </a:spcAft>
+                      </a:pPr>
+                      <a:r>
+                        <a:rPr lang="ru-RU" sz="2400" dirty="0">
+                          <a:effectLst/>
+                        </a:rPr>
+                        <a:t>Ведение системы контроля версий проекта.</a:t>
+                      </a:r>
+                      <a:endParaRPr lang="ru-RU" sz="2400" dirty="0">
+                        <a:effectLst/>
+                        <a:latin typeface="Times New Roman" panose="02020603050405020304" pitchFamily="18" charset="0"/>
+                        <a:ea typeface="Calibri" panose="020F0502020204030204" pitchFamily="34" charset="0"/>
+                        <a:cs typeface="Times New Roman" panose="02020603050405020304" pitchFamily="18" charset="0"/>
+                      </a:endParaRPr>
+                    </a:p>
+                  </a:txBody>
+                  <a:tcPr marL="68580" marR="68580" marT="0" marB="0"/>
+                </a:tc>
+                <a:extLst>
+                  <a:ext uri="{0D108BD9-81ED-4DB2-BD59-A6C34878D82A}">
+                    <a16:rowId xmlns:a16="http://schemas.microsoft.com/office/drawing/2014/main" val="2128027604"/>
+                  </a:ext>
+                </a:extLst>
+              </a:tr>
+              <a:tr h="0">
+                <a:tc>
+                  <a:txBody>
+                    <a:bodyPr/>
+                    <a:lstStyle/>
+                    <a:p>
+                      <a:pPr>
+                        <a:lnSpc>
+                          <a:spcPct val="107000"/>
+                        </a:lnSpc>
+                        <a:spcAft>
+                          <a:spcPts val="0"/>
+                        </a:spcAft>
+                      </a:pPr>
+                      <a:r>
+                        <a:rPr lang="ru-RU" sz="2400">
+                          <a:effectLst/>
+                        </a:rPr>
+                        <a:t>Удобство сопровождения</a:t>
+                      </a:r>
+                      <a:endParaRPr lang="ru-RU" sz="2400">
+                        <a:effectLst/>
+                        <a:latin typeface="Times New Roman" panose="02020603050405020304" pitchFamily="18" charset="0"/>
+                        <a:ea typeface="Calibri" panose="020F0502020204030204" pitchFamily="34" charset="0"/>
+                        <a:cs typeface="Times New Roman" panose="02020603050405020304" pitchFamily="18" charset="0"/>
+                      </a:endParaRPr>
+                    </a:p>
+                  </a:txBody>
+                  <a:tcPr marL="68580" marR="68580" marT="0" marB="0"/>
+                </a:tc>
+                <a:tc>
+                  <a:txBody>
+                    <a:bodyPr/>
+                    <a:lstStyle/>
+                    <a:p>
+                      <a:pPr>
+                        <a:lnSpc>
+                          <a:spcPct val="107000"/>
+                        </a:lnSpc>
+                        <a:spcAft>
+                          <a:spcPts val="0"/>
+                        </a:spcAft>
+                      </a:pPr>
+                      <a:r>
+                        <a:rPr lang="ru-RU" sz="2400" dirty="0">
+                          <a:effectLst/>
+                        </a:rPr>
+                        <a:t>Ведение системы контроля версий проекта.</a:t>
+                      </a:r>
+                      <a:endParaRPr lang="ru-RU" sz="2400" dirty="0">
+                        <a:effectLst/>
+                        <a:latin typeface="Times New Roman" panose="02020603050405020304" pitchFamily="18" charset="0"/>
+                        <a:ea typeface="Calibri" panose="020F0502020204030204" pitchFamily="34" charset="0"/>
+                        <a:cs typeface="Times New Roman" panose="02020603050405020304" pitchFamily="18" charset="0"/>
+                      </a:endParaRPr>
+                    </a:p>
+                  </a:txBody>
+                  <a:tcPr marL="68580" marR="68580" marT="0" marB="0"/>
+                </a:tc>
+                <a:extLst>
+                  <a:ext uri="{0D108BD9-81ED-4DB2-BD59-A6C34878D82A}">
+                    <a16:rowId xmlns:a16="http://schemas.microsoft.com/office/drawing/2014/main" val="3448104573"/>
+                  </a:ext>
+                </a:extLst>
+              </a:tr>
+              <a:tr h="0">
+                <a:tc>
+                  <a:txBody>
+                    <a:bodyPr/>
+                    <a:lstStyle/>
+                    <a:p>
+                      <a:pPr>
+                        <a:lnSpc>
+                          <a:spcPct val="107000"/>
+                        </a:lnSpc>
+                        <a:spcAft>
+                          <a:spcPts val="0"/>
+                        </a:spcAft>
+                      </a:pPr>
+                      <a:r>
+                        <a:rPr lang="ru-RU" sz="2400" dirty="0">
+                          <a:effectLst/>
+                        </a:rPr>
+                        <a:t>Переносимость</a:t>
+                      </a:r>
+                      <a:endParaRPr lang="ru-RU" sz="2400" dirty="0">
+                        <a:effectLst/>
+                        <a:latin typeface="Times New Roman" panose="02020603050405020304" pitchFamily="18" charset="0"/>
+                        <a:ea typeface="Calibri" panose="020F0502020204030204" pitchFamily="34" charset="0"/>
+                        <a:cs typeface="Times New Roman" panose="02020603050405020304" pitchFamily="18" charset="0"/>
+                      </a:endParaRPr>
+                    </a:p>
+                  </a:txBody>
+                  <a:tcPr marL="68580" marR="68580" marT="0" marB="0"/>
+                </a:tc>
+                <a:tc>
+                  <a:txBody>
+                    <a:bodyPr/>
+                    <a:lstStyle/>
+                    <a:p>
+                      <a:pPr>
+                        <a:lnSpc>
+                          <a:spcPct val="107000"/>
+                        </a:lnSpc>
+                        <a:spcAft>
+                          <a:spcPts val="0"/>
+                        </a:spcAft>
+                      </a:pPr>
+                      <a:r>
+                        <a:rPr lang="ru-RU" sz="2400" dirty="0">
+                          <a:effectLst/>
+                        </a:rPr>
+                        <a:t>Возможность открыть с самых популярных браузеров (</a:t>
+                      </a:r>
+                      <a:r>
+                        <a:rPr lang="en-US" sz="2400" dirty="0">
+                          <a:effectLst/>
+                        </a:rPr>
+                        <a:t>Google Chrome</a:t>
+                      </a:r>
+                      <a:r>
+                        <a:rPr lang="ru-RU" sz="2400" dirty="0">
+                          <a:effectLst/>
+                        </a:rPr>
+                        <a:t>, </a:t>
+                      </a:r>
+                      <a:r>
+                        <a:rPr lang="en-US" sz="2400" dirty="0">
+                          <a:effectLst/>
+                        </a:rPr>
+                        <a:t>Opera</a:t>
+                      </a:r>
+                      <a:r>
+                        <a:rPr lang="ru-RU" sz="2400" dirty="0">
+                          <a:effectLst/>
+                        </a:rPr>
+                        <a:t>, </a:t>
+                      </a:r>
+                      <a:r>
+                        <a:rPr lang="en-US" sz="2400" dirty="0" err="1">
+                          <a:effectLst/>
+                        </a:rPr>
+                        <a:t>Yandex</a:t>
+                      </a:r>
+                      <a:r>
+                        <a:rPr lang="en-US" sz="2400" dirty="0">
+                          <a:effectLst/>
+                        </a:rPr>
+                        <a:t> Browser</a:t>
+                      </a:r>
+                      <a:r>
+                        <a:rPr lang="ru-RU" sz="2400" dirty="0">
+                          <a:effectLst/>
+                        </a:rPr>
+                        <a:t>, </a:t>
+                      </a:r>
+                      <a:r>
+                        <a:rPr lang="en-US" sz="2400" dirty="0">
+                          <a:effectLst/>
+                        </a:rPr>
+                        <a:t>Mozilla Firefox</a:t>
+                      </a:r>
+                      <a:r>
+                        <a:rPr lang="ru-RU" sz="2400" dirty="0">
+                          <a:effectLst/>
+                        </a:rPr>
+                        <a:t>).</a:t>
+                      </a:r>
+                      <a:endParaRPr lang="ru-RU" sz="2400" dirty="0">
+                        <a:effectLst/>
+                        <a:latin typeface="Times New Roman" panose="02020603050405020304" pitchFamily="18" charset="0"/>
+                        <a:ea typeface="Calibri" panose="020F0502020204030204" pitchFamily="34" charset="0"/>
+                        <a:cs typeface="Times New Roman" panose="02020603050405020304" pitchFamily="18" charset="0"/>
+                      </a:endParaRPr>
+                    </a:p>
+                  </a:txBody>
+                  <a:tcPr marL="68580" marR="68580" marT="0" marB="0"/>
+                </a:tc>
+                <a:extLst>
+                  <a:ext uri="{0D108BD9-81ED-4DB2-BD59-A6C34878D82A}">
+                    <a16:rowId xmlns:a16="http://schemas.microsoft.com/office/drawing/2014/main" val="3596681417"/>
+                  </a:ext>
+                </a:extLst>
+              </a:tr>
+            </a:tbl>
+          </a:graphicData>
+        </a:graphic>
+      </p:graphicFrame>
     </p:spTree>
     <p:extLst>
       <p:ext uri="{BB962C8B-B14F-4D97-AF65-F5344CB8AC3E}">
@@ -5099,14 +5830,14 @@
             <p:ph idx="1"/>
             <p:extLst>
               <p:ext uri="{D42A27DB-BD31-4B8C-83A1-F6EECF244321}">
-                <p14:modId xmlns:p14="http://schemas.microsoft.com/office/powerpoint/2010/main" val="1739257634"/>
+                <p14:modId xmlns:p14="http://schemas.microsoft.com/office/powerpoint/2010/main" val="2892129318"/>
               </p:ext>
             </p:extLst>
           </p:nvPr>
         </p:nvGraphicFramePr>
         <p:xfrm>
           <a:off x="6375503" y="2265536"/>
-          <a:ext cx="5377472" cy="2348295"/>
+          <a:ext cx="5377472" cy="3172016"/>
         </p:xfrm>
         <a:graphic>
           <a:graphicData uri="http://schemas.openxmlformats.org/drawingml/2006/table">
@@ -5145,12 +5876,12 @@
                         </a:spcAft>
                       </a:pPr>
                       <a:r>
-                        <a:rPr lang="ru-RU" sz="1600">
+                        <a:rPr lang="ru-RU" sz="1800">
                           <a:effectLst/>
                         </a:rPr>
                         <a:t>Действие</a:t>
                       </a:r>
-                      <a:endParaRPr lang="ru-RU" sz="1600">
+                      <a:endParaRPr lang="ru-RU" sz="1800">
                         <a:effectLst/>
                         <a:latin typeface="Times New Roman" panose="02020603050405020304" pitchFamily="18" charset="0"/>
                         <a:ea typeface="Calibri" panose="020F0502020204030204" pitchFamily="34" charset="0"/>
@@ -5174,12 +5905,12 @@
                         </a:spcAft>
                       </a:pPr>
                       <a:r>
-                        <a:rPr lang="ru-RU" sz="1600">
+                        <a:rPr lang="ru-RU" sz="1800">
                           <a:effectLst/>
                         </a:rPr>
                         <a:t>Ожидаемый результат</a:t>
                       </a:r>
-                      <a:endParaRPr lang="ru-RU" sz="1600">
+                      <a:endParaRPr lang="ru-RU" sz="1800">
                         <a:effectLst/>
                         <a:latin typeface="Times New Roman" panose="02020603050405020304" pitchFamily="18" charset="0"/>
                         <a:ea typeface="Calibri" panose="020F0502020204030204" pitchFamily="34" charset="0"/>
@@ -5212,7 +5943,7 @@
                         <a:buAutoNum type="arabicPeriod"/>
                       </a:pPr>
                       <a:r>
-                        <a:rPr lang="ru-RU" sz="1600" dirty="0" smtClean="0">
+                        <a:rPr lang="ru-RU" sz="1800" dirty="0" smtClean="0">
                           <a:effectLst/>
                           <a:latin typeface="+mn-lt"/>
                           <a:ea typeface="+mn-ea"/>
@@ -5221,7 +5952,7 @@
                         <a:t>Первый</a:t>
                       </a:r>
                       <a:r>
-                        <a:rPr lang="ru-RU" sz="1600" baseline="0" dirty="0" smtClean="0">
+                        <a:rPr lang="ru-RU" sz="1800" baseline="0" dirty="0" smtClean="0">
                           <a:effectLst/>
                           <a:latin typeface="+mn-lt"/>
                           <a:ea typeface="+mn-ea"/>
@@ -5229,7 +5960,7 @@
                         </a:rPr>
                         <a:t> блок действий</a:t>
                       </a:r>
-                      <a:endParaRPr lang="ru-RU" sz="1600" dirty="0">
+                      <a:endParaRPr lang="ru-RU" sz="1800" dirty="0">
                         <a:effectLst/>
                         <a:latin typeface="Times New Roman" panose="02020603050405020304" pitchFamily="18" charset="0"/>
                         <a:ea typeface="Calibri" panose="020F0502020204030204" pitchFamily="34" charset="0"/>
@@ -5254,7 +5985,7 @@
                         <a:buFont typeface="+mj-lt"/>
                         <a:buAutoNum type="arabicParenR"/>
                       </a:pPr>
-                      <a:endParaRPr lang="ru-RU" sz="1600" dirty="0">
+                      <a:endParaRPr lang="ru-RU" sz="1800" dirty="0">
                         <a:effectLst/>
                         <a:latin typeface="Times New Roman" panose="02020603050405020304" pitchFamily="18" charset="0"/>
                         <a:ea typeface="Calibri" panose="020F0502020204030204" pitchFamily="34" charset="0"/>
@@ -5287,7 +6018,7 @@
                         <a:buAutoNum type="arabicPeriod" startAt="2"/>
                       </a:pPr>
                       <a:r>
-                        <a:rPr lang="ru-RU" sz="1600" b="1" kern="1200" dirty="0" smtClean="0">
+                        <a:rPr lang="ru-RU" sz="1800" b="1" kern="1200" dirty="0" smtClean="0">
                           <a:solidFill>
                             <a:schemeClr val="lt1"/>
                           </a:solidFill>
@@ -5299,12 +6030,12 @@
                         <a:t>Второй блок действий</a:t>
                       </a:r>
                       <a:r>
-                        <a:rPr lang="ru-RU" sz="1600" dirty="0" smtClean="0">
+                        <a:rPr lang="ru-RU" sz="1800" dirty="0" smtClean="0">
                           <a:effectLst/>
                         </a:rPr>
                         <a:t>:</a:t>
                       </a:r>
-                      <a:endParaRPr lang="ru-RU" sz="1600" dirty="0">
+                      <a:endParaRPr lang="ru-RU" sz="1800" dirty="0">
                         <a:effectLst/>
                       </a:endParaRPr>
                     </a:p>
@@ -5320,12 +6051,12 @@
                         <a:buAutoNum type="arabicParenR"/>
                       </a:pPr>
                       <a:r>
-                        <a:rPr lang="ru-RU" sz="1600" dirty="0" smtClean="0">
+                        <a:rPr lang="ru-RU" sz="1800" dirty="0" smtClean="0">
                           <a:effectLst/>
                         </a:rPr>
                         <a:t>Действие1,</a:t>
                       </a:r>
-                      <a:endParaRPr lang="ru-RU" sz="1600" dirty="0">
+                      <a:endParaRPr lang="ru-RU" sz="1800" dirty="0">
                         <a:effectLst/>
                       </a:endParaRPr>
                     </a:p>
@@ -5341,7 +6072,7 @@
                         <a:buAutoNum type="arabicParenR"/>
                       </a:pPr>
                       <a:r>
-                        <a:rPr lang="ru-RU" sz="1600" dirty="0" smtClean="0">
+                        <a:rPr lang="ru-RU" sz="1800" dirty="0" smtClean="0">
                           <a:effectLst/>
                         </a:rPr>
                         <a:t>Действие2,</a:t>
@@ -5359,7 +6090,7 @@
                         <a:buAutoNum type="arabicParenR"/>
                       </a:pPr>
                       <a:r>
-                        <a:rPr lang="ru-RU" sz="1600" dirty="0" smtClean="0">
+                        <a:rPr lang="ru-RU" sz="1800" dirty="0" smtClean="0">
                           <a:effectLst/>
                         </a:rPr>
                         <a:t>Действие3,</a:t>
@@ -5384,7 +6115,7 @@
                         <a:defRPr/>
                       </a:pPr>
                       <a:r>
-                        <a:rPr lang="ru-RU" sz="1600" dirty="0" smtClean="0">
+                        <a:rPr lang="ru-RU" sz="1800" dirty="0" smtClean="0">
                           <a:effectLst/>
                         </a:rPr>
                         <a:t>Действие4,</a:t>
@@ -5406,7 +6137,7 @@
                           <a:spcPts val="0"/>
                         </a:spcAft>
                       </a:pPr>
-                      <a:endParaRPr lang="ru-RU" sz="1600" dirty="0">
+                      <a:endParaRPr lang="ru-RU" sz="2400" dirty="0">
                         <a:effectLst/>
                         <a:latin typeface="Times New Roman" panose="02020603050405020304" pitchFamily="18" charset="0"/>
                         <a:ea typeface="Calibri" panose="020F0502020204030204" pitchFamily="34" charset="0"/>
@@ -5439,12 +6170,12 @@
                         <a:buAutoNum type="arabicPeriod" startAt="3"/>
                       </a:pPr>
                       <a:r>
-                        <a:rPr lang="ru-RU" sz="1600" dirty="0" smtClean="0">
+                        <a:rPr lang="ru-RU" sz="1800" dirty="0" smtClean="0">
                           <a:effectLst/>
                         </a:rPr>
                         <a:t>Последний блок действий</a:t>
                       </a:r>
-                      <a:endParaRPr lang="ru-RU" sz="1600" dirty="0">
+                      <a:endParaRPr lang="ru-RU" sz="1800" dirty="0">
                         <a:effectLst/>
                         <a:latin typeface="Times New Roman" panose="02020603050405020304" pitchFamily="18" charset="0"/>
                         <a:ea typeface="Calibri" panose="020F0502020204030204" pitchFamily="34" charset="0"/>
@@ -5467,7 +6198,7 @@
                           <a:spcPts val="0"/>
                         </a:spcAft>
                       </a:pPr>
-                      <a:endParaRPr lang="ru-RU" sz="1600" dirty="0">
+                      <a:endParaRPr lang="ru-RU" sz="1800" dirty="0">
                         <a:effectLst/>
                         <a:latin typeface="Times New Roman" panose="02020603050405020304" pitchFamily="18" charset="0"/>
                         <a:ea typeface="Calibri" panose="020F0502020204030204" pitchFamily="34" charset="0"/>
@@ -5521,8 +6252,8 @@
         </p:nvSpPr>
         <p:spPr bwMode="auto">
           <a:xfrm>
-            <a:off x="6375502" y="2003926"/>
-            <a:ext cx="5377473" cy="261610"/>
+            <a:off x="6375502" y="1965455"/>
+            <a:ext cx="5377473" cy="338554"/>
           </a:xfrm>
           <a:prstGeom prst="rect">
             <a:avLst/>
@@ -5714,7 +6445,7 @@
               <a:tabLst/>
             </a:pPr>
             <a:r>
-              <a:rPr kumimoji="0" lang="ru-RU" altLang="ru-RU" sz="1100" b="0" i="0" u="sng" strike="noStrike" cap="none" normalizeH="0" baseline="0" dirty="0" smtClean="0">
+              <a:rPr kumimoji="0" lang="ru-RU" altLang="ru-RU" sz="1600" b="0" i="0" u="sng" strike="noStrike" cap="none" normalizeH="0" baseline="0" dirty="0" smtClean="0">
                 <a:ln>
                   <a:noFill/>
                 </a:ln>
@@ -5729,7 +6460,7 @@
               <a:t>Тест-кейс № 01</a:t>
             </a:r>
             <a:r>
-              <a:rPr kumimoji="0" lang="ru-RU" altLang="ru-RU" sz="1100" b="0" i="0" u="none" strike="noStrike" cap="none" normalizeH="0" baseline="0" dirty="0" smtClean="0">
+              <a:rPr kumimoji="0" lang="ru-RU" altLang="ru-RU" sz="1600" b="0" i="0" u="none" strike="noStrike" cap="none" normalizeH="0" baseline="0" dirty="0" smtClean="0">
                 <a:ln>
                   <a:noFill/>
                 </a:ln>
@@ -5743,7 +6474,7 @@
               </a:rPr>
               <a:t>. Название Тест-Кейса</a:t>
             </a:r>
-            <a:endParaRPr kumimoji="0" lang="ru-RU" altLang="ru-RU" sz="1800" b="0" i="0" u="none" strike="noStrike" cap="none" normalizeH="0" baseline="0" dirty="0" smtClean="0">
+            <a:endParaRPr kumimoji="0" lang="ru-RU" altLang="ru-RU" sz="2800" b="0" i="0" u="none" strike="noStrike" cap="none" normalizeH="0" baseline="0" dirty="0" smtClean="0">
               <a:ln>
                 <a:noFill/>
               </a:ln>
@@ -5766,8 +6497,8 @@
         </p:nvSpPr>
         <p:spPr>
           <a:xfrm>
-            <a:off x="8044999" y="4613831"/>
-            <a:ext cx="3159535" cy="1054335"/>
+            <a:off x="7806421" y="5266927"/>
+            <a:ext cx="3328854" cy="1054335"/>
           </a:xfrm>
           <a:prstGeom prst="rect">
             <a:avLst/>
@@ -5979,14 +6710,13 @@
           </a:lstStyle>
           <a:p>
             <a:r>
-              <a:rPr lang="ru-RU" sz="2400" dirty="0" smtClean="0"/>
+              <a:rPr lang="ru-RU" sz="2800" dirty="0" smtClean="0"/>
               <a:t>Форма </a:t>
             </a:r>
             <a:r>
-              <a:rPr lang="ru-RU" sz="2400" u="sng" dirty="0" smtClean="0"/>
+              <a:rPr lang="ru-RU" sz="2800" u="sng" dirty="0" smtClean="0"/>
               <a:t>Тест-Кейса</a:t>
             </a:r>
-            <a:endParaRPr lang="ru-RU" sz="2400" u="sng" dirty="0" smtClean="0"/>
           </a:p>
         </p:txBody>
       </p:sp>
@@ -6000,8 +6730,8 @@
         </p:nvSpPr>
         <p:spPr>
           <a:xfrm>
-            <a:off x="581192" y="2192371"/>
-            <a:ext cx="5500695" cy="4451710"/>
+            <a:off x="581192" y="1995430"/>
+            <a:ext cx="5676900" cy="4451710"/>
           </a:xfrm>
           <a:prstGeom prst="rect">
             <a:avLst/>
@@ -6009,7 +6739,7 @@
         </p:spPr>
         <p:txBody>
           <a:bodyPr vert="horz" lIns="91440" tIns="45720" rIns="91440" bIns="45720" rtlCol="0" anchor="ctr">
-            <a:normAutofit/>
+            <a:noAutofit/>
           </a:bodyPr>
           <a:lstStyle>
             <a:lvl1pPr marL="306000" indent="-306000" algn="l" defTabSz="457200" rtl="0" eaLnBrk="1" latinLnBrk="0" hangingPunct="1">
@@ -6214,7 +6944,23 @@
           <a:p>
             <a:r>
               <a:rPr lang="ru-RU" sz="2400" dirty="0" smtClean="0"/>
-              <a:t>Мы проводили Тестирование пользовательского интерфейса</a:t>
+              <a:t>Мы </a:t>
+            </a:r>
+            <a:r>
+              <a:rPr lang="ru-RU" sz="2400" dirty="0" smtClean="0"/>
+              <a:t>проводили </a:t>
+            </a:r>
+            <a:r>
+              <a:rPr lang="ru-RU" sz="2400" b="1" dirty="0" smtClean="0"/>
+              <a:t>функциональное</a:t>
+            </a:r>
+            <a:r>
+              <a:rPr lang="ru-RU" sz="2400" dirty="0" smtClean="0"/>
+              <a:t> тестирование </a:t>
+            </a:r>
+            <a:r>
+              <a:rPr lang="ru-RU" sz="2400" u="sng" dirty="0" smtClean="0"/>
+              <a:t>пользовательского интерфейса</a:t>
             </a:r>
           </a:p>
           <a:p>
@@ -6312,6 +7058,329 @@
       </p:grpSpPr>
       <p:sp>
         <p:nvSpPr>
+          <p:cNvPr id="2" name="Заголовок 1"/>
+          <p:cNvSpPr>
+            <a:spLocks noGrp="1"/>
+          </p:cNvSpPr>
+          <p:nvPr>
+            <p:ph type="title"/>
+          </p:nvPr>
+        </p:nvSpPr>
+        <p:spPr/>
+        <p:txBody>
+          <a:bodyPr/>
+          <a:lstStyle/>
+          <a:p>
+            <a:r>
+              <a:rPr lang="ru-RU" dirty="0" smtClean="0"/>
+              <a:t>Система контроля версий</a:t>
+            </a:r>
+            <a:endParaRPr lang="ru-RU" dirty="0"/>
+          </a:p>
+        </p:txBody>
+      </p:sp>
+      <p:sp>
+        <p:nvSpPr>
+          <p:cNvPr id="3" name="Объект 2"/>
+          <p:cNvSpPr>
+            <a:spLocks noGrp="1"/>
+          </p:cNvSpPr>
+          <p:nvPr>
+            <p:ph idx="1"/>
+          </p:nvPr>
+        </p:nvSpPr>
+        <p:spPr>
+          <a:xfrm>
+            <a:off x="581192" y="2180497"/>
+            <a:ext cx="4381333" cy="2572478"/>
+          </a:xfrm>
+        </p:spPr>
+        <p:txBody>
+          <a:bodyPr>
+            <a:normAutofit/>
+          </a:bodyPr>
+          <a:lstStyle/>
+          <a:p>
+            <a:r>
+              <a:rPr lang="ru-RU" sz="2400" dirty="0" smtClean="0"/>
+              <a:t>Для проекта была заведена система контроля версий, что также мы отмечали среди </a:t>
+            </a:r>
+            <a:r>
+              <a:rPr lang="ru-RU" sz="2400" smtClean="0"/>
+              <a:t>оценочных элементов</a:t>
+            </a:r>
+            <a:endParaRPr lang="ru-RU" sz="2400" dirty="0"/>
+          </a:p>
+        </p:txBody>
+      </p:sp>
+      <p:sp>
+        <p:nvSpPr>
+          <p:cNvPr id="4" name="Номер слайда 3"/>
+          <p:cNvSpPr>
+            <a:spLocks noGrp="1"/>
+          </p:cNvSpPr>
+          <p:nvPr>
+            <p:ph type="sldNum" sz="quarter" idx="12"/>
+          </p:nvPr>
+        </p:nvSpPr>
+        <p:spPr/>
+        <p:txBody>
+          <a:bodyPr/>
+          <a:lstStyle/>
+          <a:p>
+            <a:fld id="{D57F1E4F-1CFF-5643-939E-217C01CDF565}" type="slidenum">
+              <a:rPr lang="en-US" sz="1200" smtClean="0"/>
+              <a:pPr/>
+              <a:t>12</a:t>
+            </a:fld>
+            <a:endParaRPr lang="en-US" sz="1200" dirty="0"/>
+          </a:p>
+        </p:txBody>
+      </p:sp>
+      <p:pic>
+        <p:nvPicPr>
+          <p:cNvPr id="6" name="Рисунок 5"/>
+          <p:cNvPicPr>
+            <a:picLocks noChangeAspect="1"/>
+          </p:cNvPicPr>
+          <p:nvPr/>
+        </p:nvPicPr>
+        <p:blipFill>
+          <a:blip r:embed="rId2"/>
+          <a:stretch>
+            <a:fillRect/>
+          </a:stretch>
+        </p:blipFill>
+        <p:spPr>
+          <a:xfrm>
+            <a:off x="5029200" y="1844707"/>
+            <a:ext cx="6272212" cy="4293992"/>
+          </a:xfrm>
+          <a:prstGeom prst="rect">
+            <a:avLst/>
+          </a:prstGeom>
+        </p:spPr>
+      </p:pic>
+    </p:spTree>
+    <p:extLst>
+      <p:ext uri="{BB962C8B-B14F-4D97-AF65-F5344CB8AC3E}">
+        <p14:creationId xmlns:p14="http://schemas.microsoft.com/office/powerpoint/2010/main" val="3652536929"/>
+      </p:ext>
+    </p:extLst>
+  </p:cSld>
+  <p:clrMapOvr>
+    <a:masterClrMapping/>
+  </p:clrMapOvr>
+  <p:timing>
+    <p:tnLst>
+      <p:par>
+        <p:cTn id="1" dur="indefinite" restart="never" nodeType="tmRoot"/>
+      </p:par>
+    </p:tnLst>
+  </p:timing>
+</p:sld>
+</file>
+
+<file path=ppt/slides/slide13.xml><?xml version="1.0" encoding="utf-8"?>
+<p:sld xmlns:a="http://schemas.openxmlformats.org/drawingml/2006/main" xmlns:r="http://schemas.openxmlformats.org/officeDocument/2006/relationships" xmlns:p="http://schemas.openxmlformats.org/presentationml/2006/main">
+  <p:cSld>
+    <p:spTree>
+      <p:nvGrpSpPr>
+        <p:cNvPr id="1" name=""/>
+        <p:cNvGrpSpPr/>
+        <p:nvPr/>
+      </p:nvGrpSpPr>
+      <p:grpSpPr>
+        <a:xfrm>
+          <a:off x="0" y="0"/>
+          <a:ext cx="0" cy="0"/>
+          <a:chOff x="0" y="0"/>
+          <a:chExt cx="0" cy="0"/>
+        </a:xfrm>
+      </p:grpSpPr>
+      <p:sp>
+        <p:nvSpPr>
+          <p:cNvPr id="2" name="Заголовок 1"/>
+          <p:cNvSpPr>
+            <a:spLocks noGrp="1"/>
+          </p:cNvSpPr>
+          <p:nvPr>
+            <p:ph type="title"/>
+          </p:nvPr>
+        </p:nvSpPr>
+        <p:spPr/>
+        <p:txBody>
+          <a:bodyPr/>
+          <a:lstStyle/>
+          <a:p>
+            <a:r>
+              <a:rPr lang="ru-RU" dirty="0" smtClean="0"/>
+              <a:t>Выводы</a:t>
+            </a:r>
+            <a:endParaRPr lang="ru-RU" dirty="0"/>
+          </a:p>
+        </p:txBody>
+      </p:sp>
+      <p:sp>
+        <p:nvSpPr>
+          <p:cNvPr id="3" name="Объект 2"/>
+          <p:cNvSpPr>
+            <a:spLocks noGrp="1"/>
+          </p:cNvSpPr>
+          <p:nvPr>
+            <p:ph idx="1"/>
+          </p:nvPr>
+        </p:nvSpPr>
+        <p:spPr/>
+        <p:txBody>
+          <a:bodyPr>
+            <a:normAutofit lnSpcReduction="10000"/>
+          </a:bodyPr>
+          <a:lstStyle/>
+          <a:p>
+            <a:r>
+              <a:rPr lang="ru-RU" sz="2400" dirty="0" smtClean="0"/>
+              <a:t>Оценочно работа выполнена на </a:t>
+            </a:r>
+            <a:r>
+              <a:rPr lang="ru-RU" sz="2400" b="1" dirty="0" smtClean="0">
+                <a:solidFill>
+                  <a:schemeClr val="accent1"/>
+                </a:solidFill>
+              </a:rPr>
+              <a:t>36,91% </a:t>
+            </a:r>
+            <a:r>
+              <a:rPr lang="ru-RU" sz="2400" dirty="0"/>
+              <a:t>от всего объёма.</a:t>
+            </a:r>
+          </a:p>
+          <a:p>
+            <a:r>
+              <a:rPr lang="ru-RU" sz="2400" dirty="0"/>
+              <a:t>Для </a:t>
+            </a:r>
+            <a:r>
+              <a:rPr lang="ru-RU" sz="2400" dirty="0" smtClean="0"/>
+              <a:t>завершения проекта следует:</a:t>
+            </a:r>
+          </a:p>
+          <a:p>
+            <a:pPr marL="457200" indent="-457200">
+              <a:buFont typeface="+mj-lt"/>
+              <a:buAutoNum type="arabicParenR"/>
+            </a:pPr>
+            <a:r>
+              <a:rPr lang="ru-RU" sz="2400" dirty="0" smtClean="0"/>
+              <a:t>Полноценно разобраться с технологией хостинга</a:t>
+            </a:r>
+          </a:p>
+          <a:p>
+            <a:pPr marL="457200" indent="-457200">
+              <a:buFont typeface="+mj-lt"/>
+              <a:buAutoNum type="arabicParenR"/>
+            </a:pPr>
+            <a:r>
+              <a:rPr lang="ru-RU" sz="2400" dirty="0" smtClean="0"/>
+              <a:t>Разработать полноценный </a:t>
+            </a:r>
+            <a:r>
+              <a:rPr lang="ru-RU" sz="2400" dirty="0" err="1" smtClean="0"/>
+              <a:t>агрегатор</a:t>
+            </a:r>
+            <a:r>
+              <a:rPr lang="ru-RU" sz="2400" dirty="0" smtClean="0"/>
+              <a:t> и наладить связь между веб клиентом и сервером</a:t>
+            </a:r>
+          </a:p>
+          <a:p>
+            <a:pPr marL="457200" indent="-457200">
+              <a:buFont typeface="+mj-lt"/>
+              <a:buAutoNum type="arabicParenR"/>
+            </a:pPr>
+            <a:r>
+              <a:rPr lang="ru-RU" sz="2400" dirty="0" smtClean="0"/>
+              <a:t>Разработать большее количество тест кейсов для полного покрытия</a:t>
+            </a:r>
+            <a:endParaRPr lang="ru-RU" sz="2400" dirty="0"/>
+          </a:p>
+          <a:p>
+            <a:r>
+              <a:rPr lang="ru-RU" sz="2400" dirty="0" smtClean="0"/>
+              <a:t>Несмотря на кажущийся ещё большой объём работы, всё равно могу утверждать, что доволен своим вложенным трудом и полученными навыками.</a:t>
+            </a:r>
+            <a:endParaRPr lang="ru-RU" sz="2400" dirty="0"/>
+          </a:p>
+        </p:txBody>
+      </p:sp>
+      <p:sp>
+        <p:nvSpPr>
+          <p:cNvPr id="4" name="Номер слайда 3"/>
+          <p:cNvSpPr>
+            <a:spLocks noGrp="1"/>
+          </p:cNvSpPr>
+          <p:nvPr>
+            <p:ph type="sldNum" sz="quarter" idx="12"/>
+          </p:nvPr>
+        </p:nvSpPr>
+        <p:spPr>
+          <a:xfrm>
+            <a:off x="10558299" y="5958214"/>
+            <a:ext cx="1052508" cy="365125"/>
+          </a:xfrm>
+        </p:spPr>
+        <p:txBody>
+          <a:bodyPr/>
+          <a:lstStyle/>
+          <a:p>
+            <a:fld id="{D57F1E4F-1CFF-5643-939E-217C01CDF565}" type="slidenum">
+              <a:rPr lang="en-US" sz="1200" smtClean="0"/>
+              <a:pPr/>
+              <a:t>13</a:t>
+            </a:fld>
+            <a:endParaRPr lang="en-US" sz="1200" dirty="0"/>
+          </a:p>
+        </p:txBody>
+      </p:sp>
+    </p:spTree>
+    <p:extLst>
+      <p:ext uri="{BB962C8B-B14F-4D97-AF65-F5344CB8AC3E}">
+        <p14:creationId xmlns:p14="http://schemas.microsoft.com/office/powerpoint/2010/main" val="3579237179"/>
+      </p:ext>
+    </p:extLst>
+  </p:cSld>
+  <p:clrMapOvr>
+    <a:masterClrMapping/>
+  </p:clrMapOvr>
+  <p:timing>
+    <p:tnLst>
+      <p:par>
+        <p:cTn id="1" dur="indefinite" restart="never" nodeType="tmRoot"/>
+      </p:par>
+    </p:tnLst>
+  </p:timing>
+</p:sld>
+</file>
+
+<file path=ppt/slides/slide14.xml><?xml version="1.0" encoding="utf-8"?>
+<p:sld xmlns:a="http://schemas.openxmlformats.org/drawingml/2006/main" xmlns:r="http://schemas.openxmlformats.org/officeDocument/2006/relationships" xmlns:p="http://schemas.openxmlformats.org/presentationml/2006/main">
+  <p:cSld>
+    <p:spTree>
+      <p:nvGrpSpPr>
+        <p:cNvPr id="1" name=""/>
+        <p:cNvGrpSpPr/>
+        <p:nvPr/>
+      </p:nvGrpSpPr>
+      <p:grpSpPr>
+        <a:xfrm>
+          <a:off x="0" y="0"/>
+          <a:ext cx="0" cy="0"/>
+          <a:chOff x="0" y="0"/>
+          <a:chExt cx="0" cy="0"/>
+        </a:xfrm>
+      </p:grpSpPr>
+      <p:sp>
+        <p:nvSpPr>
           <p:cNvPr id="5" name="Заголовок 4"/>
           <p:cNvSpPr>
             <a:spLocks noGrp="1"/>
@@ -6382,13 +7451,7 @@
               <a:rPr lang="en-US" sz="2400" cap="none">
                 <a:hlinkClick r:id="rId2"/>
               </a:rPr>
-              <a:t>https</a:t>
-            </a:r>
-            <a:r>
-              <a:rPr lang="en-US" sz="2400" cap="none">
-                <a:hlinkClick r:id="rId2"/>
-              </a:rPr>
-              <a:t>://</a:t>
+              <a:t>https://</a:t>
             </a:r>
             <a:r>
               <a:rPr lang="en-US" sz="2400" cap="none" smtClean="0">
@@ -6422,7 +7485,7 @@
                 </a:solidFill>
               </a:rPr>
               <a:pPr/>
-              <a:t>12</a:t>
+              <a:t>14</a:t>
             </a:fld>
             <a:endParaRPr lang="en-US" sz="1200" dirty="0">
               <a:solidFill>
@@ -6804,29 +7867,45 @@
           <a:p>
             <a:r>
               <a:rPr lang="ru-RU" sz="2400" dirty="0" smtClean="0"/>
-              <a:t>Сроки – 2,5 месяца</a:t>
+              <a:t>Сроки – </a:t>
+            </a:r>
+            <a:r>
+              <a:rPr lang="ru-RU" sz="2400" dirty="0" smtClean="0"/>
+              <a:t>примерно 2,5 </a:t>
+            </a:r>
+            <a:r>
+              <a:rPr lang="ru-RU" sz="2400" dirty="0" smtClean="0"/>
+              <a:t>месяца</a:t>
+            </a:r>
+          </a:p>
+          <a:p>
+            <a:r>
+              <a:rPr lang="ru-RU" sz="2400" dirty="0" smtClean="0"/>
+              <a:t>Бюджет – </a:t>
+            </a:r>
+            <a:r>
+              <a:rPr lang="ru-RU" sz="2400" dirty="0" smtClean="0"/>
+              <a:t>строго </a:t>
+            </a:r>
+            <a:r>
+              <a:rPr lang="ru-RU" sz="2400" dirty="0" smtClean="0"/>
+              <a:t>2,125 </a:t>
+            </a:r>
+            <a:r>
+              <a:rPr lang="ru-RU" sz="2400" dirty="0" smtClean="0"/>
+              <a:t>млн. рублей</a:t>
+            </a:r>
+          </a:p>
+          <a:p>
+            <a:r>
+              <a:rPr lang="ru-RU" sz="2400" dirty="0"/>
+              <a:t>Требования </a:t>
+            </a:r>
+            <a:r>
+              <a:rPr lang="ru-RU" sz="2400" dirty="0" smtClean="0"/>
+              <a:t>– добавить новый функционал, создать БД, обновить дизайн</a:t>
             </a:r>
             <a:endParaRPr lang="ru-RU" sz="2400" dirty="0" smtClean="0"/>
-          </a:p>
-          <a:p>
-            <a:r>
-              <a:rPr lang="ru-RU" sz="2400" dirty="0" smtClean="0"/>
-              <a:t>Бюджет – 2,125 млн. рублей</a:t>
-            </a:r>
-            <a:endParaRPr lang="ru-RU" sz="2400" dirty="0" smtClean="0"/>
-          </a:p>
-          <a:p>
-            <a:r>
-              <a:rPr lang="ru-RU" sz="2400" dirty="0" smtClean="0"/>
-              <a:t>Требования</a:t>
-            </a:r>
-          </a:p>
-          <a:p>
-            <a:r>
-              <a:rPr lang="ru-RU" sz="2400" dirty="0" smtClean="0"/>
-              <a:t>Условия проекта</a:t>
-            </a:r>
-            <a:endParaRPr lang="ru-RU" sz="2400" dirty="0"/>
           </a:p>
         </p:txBody>
       </p:sp>
@@ -7796,6 +8875,11 @@
               <a:rPr lang="ru-RU" sz="2400" dirty="0"/>
               <a:t>структуризации </a:t>
             </a:r>
+            <a:r>
+              <a:rPr lang="ru-RU" sz="2400" dirty="0" smtClean="0"/>
+              <a:t>(группы эл. управления)</a:t>
+            </a:r>
+            <a:endParaRPr lang="ru-RU" sz="2400" dirty="0"/>
           </a:p>
           <a:p>
             <a:pPr marL="457200" indent="-457200">
@@ -7810,6 +8894,11 @@
               <a:rPr lang="ru-RU" sz="2400" dirty="0"/>
               <a:t>простоты </a:t>
             </a:r>
+            <a:r>
+              <a:rPr lang="ru-RU" sz="2400" dirty="0" smtClean="0"/>
+              <a:t>(доступность страниц)</a:t>
+            </a:r>
+            <a:endParaRPr lang="ru-RU" sz="2400" dirty="0"/>
           </a:p>
           <a:p>
             <a:pPr marL="457200" indent="-457200">
@@ -7825,9 +8914,14 @@
               <a:t>повторного </a:t>
             </a:r>
             <a:r>
+              <a:rPr lang="ru-RU" sz="2400" dirty="0"/>
+              <a:t>использования </a:t>
+            </a:r>
+            <a:r>
               <a:rPr lang="ru-RU" sz="2400" dirty="0" smtClean="0"/>
-              <a:t>использования</a:t>
-            </a:r>
+              <a:t>(унификация интерфейса)</a:t>
+            </a:r>
+            <a:endParaRPr lang="ru-RU" sz="2400" dirty="0" smtClean="0"/>
           </a:p>
           <a:p>
             <a:pPr marL="457200" indent="-457200">
@@ -7839,8 +8933,8 @@
               <a:t>Принцип </a:t>
             </a:r>
             <a:r>
-              <a:rPr lang="ru-RU" sz="2400" dirty="0"/>
-              <a:t>видимости</a:t>
+              <a:rPr lang="ru-RU" sz="2400" dirty="0" smtClean="0"/>
+              <a:t>видимости («всё необходимое рядом»)</a:t>
             </a:r>
             <a:endParaRPr lang="ru-RU" sz="2400" dirty="0" smtClean="0"/>
           </a:p>
@@ -7958,25 +9052,6 @@
       </p:sp>
       <p:sp>
         <p:nvSpPr>
-          <p:cNvPr id="8" name="Заголовок 7"/>
-          <p:cNvSpPr>
-            <a:spLocks noGrp="1"/>
-          </p:cNvSpPr>
-          <p:nvPr>
-            <p:ph type="title"/>
-          </p:nvPr>
-        </p:nvSpPr>
-        <p:spPr/>
-        <p:txBody>
-          <a:bodyPr/>
-          <a:lstStyle/>
-          <a:p>
-            <a:endParaRPr lang="ru-RU" dirty="0"/>
-          </a:p>
-        </p:txBody>
-      </p:sp>
-      <p:sp>
-        <p:nvSpPr>
           <p:cNvPr id="4" name="Номер слайда 3"/>
           <p:cNvSpPr>
             <a:spLocks noGrp="1"/>
@@ -7991,11 +9066,11 @@
           <a:lstStyle/>
           <a:p>
             <a:fld id="{D57F1E4F-1CFF-5643-939E-217C01CDF565}" type="slidenum">
-              <a:rPr lang="en-US" smtClean="0"/>
+              <a:rPr lang="en-US" sz="1200" smtClean="0"/>
               <a:pPr/>
               <a:t>7</a:t>
             </a:fld>
-            <a:endParaRPr lang="en-US" dirty="0"/>
+            <a:endParaRPr lang="en-US" sz="1200" dirty="0"/>
           </a:p>
         </p:txBody>
       </p:sp>
@@ -8229,7 +9304,6 @@
               <a:rPr lang="ru-RU" sz="2400" u="sng" dirty="0" smtClean="0"/>
               <a:t>Корзина</a:t>
             </a:r>
-            <a:endParaRPr lang="ru-RU" sz="2400" u="sng" dirty="0" smtClean="0"/>
           </a:p>
         </p:txBody>
       </p:sp>
@@ -8463,7 +9537,6 @@
               <a:rPr lang="ru-RU" sz="2400" u="sng" dirty="0" smtClean="0"/>
               <a:t>Каталог</a:t>
             </a:r>
-            <a:endParaRPr lang="ru-RU" sz="2400" u="sng" dirty="0" smtClean="0"/>
           </a:p>
         </p:txBody>
       </p:sp>
@@ -8483,7 +9556,7 @@
         </p:blipFill>
         <p:spPr>
           <a:xfrm>
-            <a:off x="6804660" y="612396"/>
+            <a:off x="6517595" y="625042"/>
             <a:ext cx="4806149" cy="5696220"/>
           </a:xfrm>
           <a:prstGeom prst="rect">
@@ -8764,7 +9837,7 @@
         <p:spPr>
           <a:xfrm>
             <a:off x="581192" y="4907994"/>
-            <a:ext cx="3159535" cy="1054335"/>
+            <a:ext cx="4790908" cy="1054335"/>
           </a:xfrm>
         </p:spPr>
         <p:txBody>
@@ -8853,8 +9926,8 @@
         </p:blipFill>
         <p:spPr>
           <a:xfrm>
-            <a:off x="7691430" y="702545"/>
-            <a:ext cx="4070358" cy="5740683"/>
+            <a:off x="7691430" y="702546"/>
+            <a:ext cx="3724992" cy="5253592"/>
           </a:xfrm>
           <a:prstGeom prst="rect">
             <a:avLst/>
@@ -8876,8 +9949,8 @@
         </p:nvSpPr>
         <p:spPr>
           <a:xfrm>
-            <a:off x="5301798" y="5607722"/>
-            <a:ext cx="3159535" cy="1054335"/>
+            <a:off x="6802478" y="5762880"/>
+            <a:ext cx="4613944" cy="1054335"/>
           </a:xfrm>
           <a:prstGeom prst="rect">
             <a:avLst/>

--- a/Сайт для компании «Кисловодск-строй».pptx
+++ b/Сайт для компании «Кисловодск-строй».pptx
@@ -236,7 +236,7 @@
           <a:p>
             <a:fld id="{AC8D3FD7-A755-4966-A4E3-844B456159E1}" type="datetimeFigureOut">
               <a:rPr lang="ru-RU" smtClean="0"/>
-              <a:t>20.06.2024</a:t>
+              <a:t>21.06.2024</a:t>
             </a:fld>
             <a:endParaRPr lang="ru-RU"/>
           </a:p>
@@ -749,7 +749,7 @@
           <a:p>
             <a:fld id="{739B03AD-6ED1-4274-A52A-DC9FA690B45D}" type="datetime1">
               <a:rPr lang="en-US" smtClean="0"/>
-              <a:t>6/20/2024</a:t>
+              <a:t>6/21/2024</a:t>
             </a:fld>
             <a:endParaRPr lang="en-US" dirty="0"/>
           </a:p>
@@ -1012,7 +1012,7 @@
           <a:p>
             <a:fld id="{4D2B0814-6C13-4B68-BA33-FC93401D68EA}" type="datetime1">
               <a:rPr lang="en-US" smtClean="0"/>
-              <a:t>6/20/2024</a:t>
+              <a:t>6/21/2024</a:t>
             </a:fld>
             <a:endParaRPr lang="en-US" dirty="0"/>
           </a:p>
@@ -1248,7 +1248,7 @@
           <a:p>
             <a:fld id="{6A8EC655-A397-44F6-BEB5-313C5D0F8057}" type="datetime1">
               <a:rPr lang="en-US" smtClean="0"/>
-              <a:t>6/20/2024</a:t>
+              <a:t>6/21/2024</a:t>
             </a:fld>
             <a:endParaRPr lang="en-US" dirty="0"/>
           </a:p>
@@ -1489,7 +1489,7 @@
           <a:p>
             <a:fld id="{8173375E-3736-4BED-B83B-878B977CCF33}" type="datetime1">
               <a:rPr lang="en-US" smtClean="0"/>
-              <a:t>6/20/2024</a:t>
+              <a:t>6/21/2024</a:t>
             </a:fld>
             <a:endParaRPr lang="en-US" dirty="0"/>
           </a:p>
@@ -1797,7 +1797,7 @@
           <a:p>
             <a:fld id="{8EE8A1D6-559C-4085-B648-411A8ED5D278}" type="datetime1">
               <a:rPr lang="en-US" smtClean="0"/>
-              <a:t>6/20/2024</a:t>
+              <a:t>6/21/2024</a:t>
             </a:fld>
             <a:endParaRPr lang="en-US" dirty="0"/>
           </a:p>
@@ -2100,7 +2100,7 @@
           <a:p>
             <a:fld id="{EAD5F190-BFE2-4CFD-9A7E-BD949474EF89}" type="datetime1">
               <a:rPr lang="en-US" smtClean="0"/>
-              <a:t>6/20/2024</a:t>
+              <a:t>6/21/2024</a:t>
             </a:fld>
             <a:endParaRPr lang="en-US" dirty="0"/>
           </a:p>
@@ -2523,7 +2523,7 @@
           <a:p>
             <a:fld id="{CA185710-0CB8-4676-9B8A-3AA4A0ACE6ED}" type="datetime1">
               <a:rPr lang="en-US" smtClean="0"/>
-              <a:t>6/20/2024</a:t>
+              <a:t>6/21/2024</a:t>
             </a:fld>
             <a:endParaRPr lang="en-US" dirty="0"/>
           </a:p>
@@ -2686,7 +2686,7 @@
           <a:p>
             <a:fld id="{FA8B0F95-D820-4A9A-9A58-FE09324B1C7B}" type="datetime1">
               <a:rPr lang="en-US" smtClean="0"/>
-              <a:t>6/20/2024</a:t>
+              <a:t>6/21/2024</a:t>
             </a:fld>
             <a:endParaRPr lang="en-US" dirty="0"/>
           </a:p>
@@ -2782,7 +2782,7 @@
           <a:p>
             <a:fld id="{7763D4B6-5C60-499C-BC94-767365083D7C}" type="datetime1">
               <a:rPr lang="en-US" smtClean="0"/>
-              <a:t>6/20/2024</a:t>
+              <a:t>6/21/2024</a:t>
             </a:fld>
             <a:endParaRPr lang="en-US" dirty="0"/>
           </a:p>
@@ -3161,7 +3161,7 @@
           <a:p>
             <a:fld id="{D421958E-7981-43C3-93C0-452CF197834A}" type="datetime1">
               <a:rPr lang="en-US" smtClean="0"/>
-              <a:t>6/20/2024</a:t>
+              <a:t>6/21/2024</a:t>
             </a:fld>
             <a:endParaRPr lang="en-US" dirty="0"/>
           </a:p>
@@ -3451,7 +3451,7 @@
           <a:p>
             <a:fld id="{7DE44962-766E-43CB-AAF1-179505212E07}" type="datetime1">
               <a:rPr lang="en-US" smtClean="0"/>
-              <a:t>6/20/2024</a:t>
+              <a:t>6/21/2024</a:t>
             </a:fld>
             <a:endParaRPr lang="en-US" dirty="0"/>
           </a:p>
@@ -3663,7 +3663,7 @@
           <a:p>
             <a:fld id="{81CB1547-160B-4F9E-9E20-0F577EC68284}" type="datetime1">
               <a:rPr lang="en-US" smtClean="0"/>
-              <a:t>6/20/2024</a:t>
+              <a:t>6/21/2024</a:t>
             </a:fld>
             <a:endParaRPr lang="en-US" dirty="0"/>
           </a:p>
@@ -5003,6 +5003,10 @@
               <a:pPr/>
               <a:t>10</a:t>
             </a:fld>
+            <a:r>
+              <a:rPr lang="ru-RU" sz="1200" dirty="0"/>
+              <a:t> из 14</a:t>
+            </a:r>
             <a:endParaRPr lang="en-US" sz="1200" dirty="0"/>
           </a:p>
         </p:txBody>
@@ -5272,14 +5276,14 @@
           <p:nvPr>
             <p:extLst>
               <p:ext uri="{D42A27DB-BD31-4B8C-83A1-F6EECF244321}">
-                <p14:modId xmlns:p14="http://schemas.microsoft.com/office/powerpoint/2010/main" val="1289411935"/>
+                <p14:modId xmlns:p14="http://schemas.microsoft.com/office/powerpoint/2010/main" val="2075462054"/>
               </p:ext>
             </p:extLst>
           </p:nvPr>
         </p:nvGraphicFramePr>
         <p:xfrm>
           <a:off x="581192" y="2631573"/>
-          <a:ext cx="10510838" cy="3913507"/>
+          <a:ext cx="10223828" cy="3913507"/>
         </p:xfrm>
         <a:graphic>
           <a:graphicData uri="http://schemas.openxmlformats.org/drawingml/2006/table">
@@ -5288,14 +5292,14 @@
                 <a:tableStyleId>{5C22544A-7EE6-4342-B048-85BDC9FD1C3A}</a:tableStyleId>
               </a:tblPr>
               <a:tblGrid>
-                <a:gridCol w="3934778">
+                <a:gridCol w="3827334">
                   <a:extLst>
                     <a:ext uri="{9D8B030D-6E8A-4147-A177-3AD203B41FA5}">
                       <a16:colId xmlns:a16="http://schemas.microsoft.com/office/drawing/2014/main" val="2380330741"/>
                     </a:ext>
                   </a:extLst>
                 </a:gridCol>
-                <a:gridCol w="6576060">
+                <a:gridCol w="6396494">
                   <a:extLst>
                     <a:ext uri="{9D8B030D-6E8A-4147-A177-3AD203B41FA5}">
                       <a16:colId xmlns:a16="http://schemas.microsoft.com/office/drawing/2014/main" val="3651323977"/>
@@ -5837,7 +5841,7 @@
         </p:nvGraphicFramePr>
         <p:xfrm>
           <a:off x="6375503" y="2265536"/>
-          <a:ext cx="5377472" cy="3172016"/>
+          <a:ext cx="5377472" cy="3228467"/>
         </p:xfrm>
         <a:graphic>
           <a:graphicData uri="http://schemas.openxmlformats.org/drawingml/2006/table">
@@ -6238,6 +6242,10 @@
               <a:pPr/>
               <a:t>11</a:t>
             </a:fld>
+            <a:r>
+              <a:rPr lang="ru-RU" sz="1200" dirty="0"/>
+              <a:t> из 14</a:t>
+            </a:r>
             <a:endParaRPr lang="en-US" sz="1200" dirty="0"/>
           </a:p>
         </p:txBody>
@@ -6944,11 +6952,7 @@
           <a:p>
             <a:r>
               <a:rPr lang="ru-RU" sz="2400" dirty="0" smtClean="0"/>
-              <a:t>Мы </a:t>
-            </a:r>
-            <a:r>
-              <a:rPr lang="ru-RU" sz="2400" dirty="0" smtClean="0"/>
-              <a:t>проводили </a:t>
+              <a:t>Мы проводили </a:t>
             </a:r>
             <a:r>
               <a:rPr lang="ru-RU" sz="2400" b="1" dirty="0" smtClean="0"/>
@@ -7133,6 +7137,10 @@
               <a:pPr/>
               <a:t>12</a:t>
             </a:fld>
+            <a:r>
+              <a:rPr lang="ru-RU" sz="1200" dirty="0"/>
+              <a:t> из 14</a:t>
+            </a:r>
             <a:endParaRPr lang="en-US" sz="1200" dirty="0"/>
           </a:p>
         </p:txBody>
@@ -7153,8 +7161,8 @@
         </p:blipFill>
         <p:spPr>
           <a:xfrm>
-            <a:off x="5029200" y="1844707"/>
-            <a:ext cx="6272212" cy="4293992"/>
+            <a:off x="4962525" y="1844707"/>
+            <a:ext cx="6085776" cy="4166357"/>
           </a:xfrm>
           <a:prstGeom prst="rect">
             <a:avLst/>
@@ -7338,6 +7346,14 @@
               <a:pPr/>
               <a:t>13</a:t>
             </a:fld>
+            <a:r>
+              <a:rPr lang="en-US" sz="1200" dirty="0" smtClean="0"/>
+              <a:t> </a:t>
+            </a:r>
+            <a:r>
+              <a:rPr lang="ru-RU" sz="1200" dirty="0"/>
+              <a:t> из 14</a:t>
+            </a:r>
             <a:endParaRPr lang="en-US" sz="1200" dirty="0"/>
           </a:p>
         </p:txBody>
@@ -7487,6 +7503,22 @@
               <a:pPr/>
               <a:t>14</a:t>
             </a:fld>
+            <a:r>
+              <a:rPr lang="ru-RU" sz="1200" dirty="0" smtClean="0">
+                <a:solidFill>
+                  <a:schemeClr val="bg1"/>
+                </a:solidFill>
+              </a:rPr>
+              <a:t> </a:t>
+            </a:r>
+            <a:r>
+              <a:rPr lang="ru-RU" sz="1200" dirty="0">
+                <a:solidFill>
+                  <a:schemeClr val="bg1"/>
+                </a:solidFill>
+              </a:rPr>
+              <a:t>из 14</a:t>
+            </a:r>
             <a:endParaRPr lang="en-US" sz="1200" dirty="0">
               <a:solidFill>
                 <a:schemeClr val="bg1"/>
@@ -7867,33 +7899,13 @@
           <a:p>
             <a:r>
               <a:rPr lang="ru-RU" sz="2400" dirty="0" smtClean="0"/>
-              <a:t>Сроки – </a:t>
-            </a:r>
+              <a:t>Сроки – примерно 2,5 месяца</a:t>
+            </a:r>
+          </a:p>
+          <a:p>
             <a:r>
               <a:rPr lang="ru-RU" sz="2400" dirty="0" smtClean="0"/>
-              <a:t>примерно 2,5 </a:t>
-            </a:r>
-            <a:r>
-              <a:rPr lang="ru-RU" sz="2400" dirty="0" smtClean="0"/>
-              <a:t>месяца</a:t>
-            </a:r>
-          </a:p>
-          <a:p>
-            <a:r>
-              <a:rPr lang="ru-RU" sz="2400" dirty="0" smtClean="0"/>
-              <a:t>Бюджет – </a:t>
-            </a:r>
-            <a:r>
-              <a:rPr lang="ru-RU" sz="2400" dirty="0" smtClean="0"/>
-              <a:t>строго </a:t>
-            </a:r>
-            <a:r>
-              <a:rPr lang="ru-RU" sz="2400" dirty="0" smtClean="0"/>
-              <a:t>2,125 </a:t>
-            </a:r>
-            <a:r>
-              <a:rPr lang="ru-RU" sz="2400" dirty="0" smtClean="0"/>
-              <a:t>млн. рублей</a:t>
+              <a:t>Бюджет – строго 2,125 млн. рублей</a:t>
             </a:r>
           </a:p>
           <a:p>
@@ -7905,7 +7917,6 @@
               <a:rPr lang="ru-RU" sz="2400" dirty="0" smtClean="0"/>
               <a:t>– добавить новый функционал, создать БД, обновить дизайн</a:t>
             </a:r>
-            <a:endParaRPr lang="ru-RU" sz="2400" dirty="0" smtClean="0"/>
           </a:p>
         </p:txBody>
       </p:sp>
@@ -7929,6 +7940,10 @@
               <a:pPr/>
               <a:t>2</a:t>
             </a:fld>
+            <a:r>
+              <a:rPr lang="ru-RU" sz="1200" dirty="0"/>
+              <a:t> из 14</a:t>
+            </a:r>
             <a:endParaRPr lang="en-US" sz="1200" dirty="0"/>
           </a:p>
         </p:txBody>
@@ -8047,6 +8062,10 @@
               <a:pPr/>
               <a:t>3</a:t>
             </a:fld>
+            <a:r>
+              <a:rPr lang="ru-RU" sz="1200" dirty="0"/>
+              <a:t> из 14</a:t>
+            </a:r>
             <a:endParaRPr lang="en-US" sz="1200" dirty="0"/>
           </a:p>
         </p:txBody>
@@ -8610,6 +8629,10 @@
               <a:pPr/>
               <a:t>4</a:t>
             </a:fld>
+            <a:r>
+              <a:rPr lang="ru-RU" sz="1200" dirty="0"/>
+              <a:t> из 14</a:t>
+            </a:r>
             <a:endParaRPr lang="en-US" sz="1200" dirty="0"/>
           </a:p>
         </p:txBody>
@@ -8630,7 +8653,7 @@
         </p:blipFill>
         <p:spPr>
           <a:xfrm>
-            <a:off x="3652420" y="1871737"/>
+            <a:off x="3351798" y="1972678"/>
             <a:ext cx="7732756" cy="4885322"/>
           </a:xfrm>
           <a:prstGeom prst="rect">
@@ -8772,6 +8795,10 @@
               <a:pPr/>
               <a:t>5</a:t>
             </a:fld>
+            <a:r>
+              <a:rPr lang="ru-RU" sz="1200" dirty="0"/>
+              <a:t> из 14</a:t>
+            </a:r>
             <a:endParaRPr lang="en-US" sz="1200" dirty="0"/>
           </a:p>
         </p:txBody>
@@ -8911,17 +8938,12 @@
             </a:r>
             <a:r>
               <a:rPr lang="ru-RU" sz="2400" dirty="0"/>
-              <a:t>повторного </a:t>
-            </a:r>
-            <a:r>
-              <a:rPr lang="ru-RU" sz="2400" dirty="0"/>
-              <a:t>использования </a:t>
+              <a:t>повторного использования </a:t>
             </a:r>
             <a:r>
               <a:rPr lang="ru-RU" sz="2400" dirty="0" smtClean="0"/>
               <a:t>(унификация интерфейса)</a:t>
             </a:r>
-            <a:endParaRPr lang="ru-RU" sz="2400" dirty="0" smtClean="0"/>
           </a:p>
           <a:p>
             <a:pPr marL="457200" indent="-457200">
@@ -8930,13 +8952,8 @@
             </a:pPr>
             <a:r>
               <a:rPr lang="ru-RU" sz="2400" dirty="0" smtClean="0"/>
-              <a:t>Принцип </a:t>
-            </a:r>
-            <a:r>
-              <a:rPr lang="ru-RU" sz="2400" dirty="0" smtClean="0"/>
-              <a:t>видимости («всё необходимое рядом»)</a:t>
-            </a:r>
-            <a:endParaRPr lang="ru-RU" sz="2400" dirty="0" smtClean="0"/>
+              <a:t>Принцип видимости («всё необходимое рядом»)</a:t>
+            </a:r>
           </a:p>
           <a:p>
             <a:endParaRPr lang="ru-RU" sz="2400" dirty="0"/>
@@ -8963,6 +8980,10 @@
               <a:pPr/>
               <a:t>6</a:t>
             </a:fld>
+            <a:r>
+              <a:rPr lang="ru-RU" sz="1200" dirty="0"/>
+              <a:t> из 14</a:t>
+            </a:r>
             <a:endParaRPr lang="en-US" sz="1200" dirty="0"/>
           </a:p>
         </p:txBody>
@@ -9070,6 +9091,10 @@
               <a:pPr/>
               <a:t>7</a:t>
             </a:fld>
+            <a:r>
+              <a:rPr lang="ru-RU" sz="1200" dirty="0"/>
+              <a:t> из 14</a:t>
+            </a:r>
             <a:endParaRPr lang="en-US" sz="1200" dirty="0"/>
           </a:p>
         </p:txBody>
@@ -9556,8 +9581,8 @@
         </p:blipFill>
         <p:spPr>
           <a:xfrm>
-            <a:off x="6517595" y="625042"/>
-            <a:ext cx="4806149" cy="5696220"/>
+            <a:off x="6219861" y="612396"/>
+            <a:ext cx="4816819" cy="5708866"/>
           </a:xfrm>
           <a:prstGeom prst="rect">
             <a:avLst/>
@@ -9877,6 +9902,10 @@
               <a:pPr/>
               <a:t>8</a:t>
             </a:fld>
+            <a:r>
+              <a:rPr lang="ru-RU" sz="1200" dirty="0"/>
+              <a:t> из 14</a:t>
+            </a:r>
             <a:endParaRPr lang="en-US" sz="1200" dirty="0"/>
           </a:p>
         </p:txBody>
@@ -9949,7 +9978,7 @@
         </p:nvSpPr>
         <p:spPr>
           <a:xfrm>
-            <a:off x="6802478" y="5762880"/>
+            <a:off x="6470610" y="5781930"/>
             <a:ext cx="4613944" cy="1054335"/>
           </a:xfrm>
           <a:prstGeom prst="rect">
@@ -10443,6 +10472,10 @@
               <a:pPr/>
               <a:t>9</a:t>
             </a:fld>
+            <a:r>
+              <a:rPr lang="ru-RU" sz="1200" dirty="0"/>
+              <a:t> из 14</a:t>
+            </a:r>
             <a:endParaRPr lang="en-US" sz="1200" dirty="0"/>
           </a:p>
         </p:txBody>

--- a/Сайт для компании «Кисловодск-строй».pptx
+++ b/Сайт для компании «Кисловодск-строй».pptx
@@ -236,7 +236,7 @@
           <a:p>
             <a:fld id="{AC8D3FD7-A755-4966-A4E3-844B456159E1}" type="datetimeFigureOut">
               <a:rPr lang="ru-RU" smtClean="0"/>
-              <a:t>21.06.2024</a:t>
+              <a:t>23.06.2024</a:t>
             </a:fld>
             <a:endParaRPr lang="ru-RU"/>
           </a:p>
@@ -749,7 +749,7 @@
           <a:p>
             <a:fld id="{739B03AD-6ED1-4274-A52A-DC9FA690B45D}" type="datetime1">
               <a:rPr lang="en-US" smtClean="0"/>
-              <a:t>6/21/2024</a:t>
+              <a:t>6/23/2024</a:t>
             </a:fld>
             <a:endParaRPr lang="en-US" dirty="0"/>
           </a:p>
@@ -1012,7 +1012,7 @@
           <a:p>
             <a:fld id="{4D2B0814-6C13-4B68-BA33-FC93401D68EA}" type="datetime1">
               <a:rPr lang="en-US" smtClean="0"/>
-              <a:t>6/21/2024</a:t>
+              <a:t>6/23/2024</a:t>
             </a:fld>
             <a:endParaRPr lang="en-US" dirty="0"/>
           </a:p>
@@ -1248,7 +1248,7 @@
           <a:p>
             <a:fld id="{6A8EC655-A397-44F6-BEB5-313C5D0F8057}" type="datetime1">
               <a:rPr lang="en-US" smtClean="0"/>
-              <a:t>6/21/2024</a:t>
+              <a:t>6/23/2024</a:t>
             </a:fld>
             <a:endParaRPr lang="en-US" dirty="0"/>
           </a:p>
@@ -1489,7 +1489,7 @@
           <a:p>
             <a:fld id="{8173375E-3736-4BED-B83B-878B977CCF33}" type="datetime1">
               <a:rPr lang="en-US" smtClean="0"/>
-              <a:t>6/21/2024</a:t>
+              <a:t>6/23/2024</a:t>
             </a:fld>
             <a:endParaRPr lang="en-US" dirty="0"/>
           </a:p>
@@ -1797,7 +1797,7 @@
           <a:p>
             <a:fld id="{8EE8A1D6-559C-4085-B648-411A8ED5D278}" type="datetime1">
               <a:rPr lang="en-US" smtClean="0"/>
-              <a:t>6/21/2024</a:t>
+              <a:t>6/23/2024</a:t>
             </a:fld>
             <a:endParaRPr lang="en-US" dirty="0"/>
           </a:p>
@@ -2100,7 +2100,7 @@
           <a:p>
             <a:fld id="{EAD5F190-BFE2-4CFD-9A7E-BD949474EF89}" type="datetime1">
               <a:rPr lang="en-US" smtClean="0"/>
-              <a:t>6/21/2024</a:t>
+              <a:t>6/23/2024</a:t>
             </a:fld>
             <a:endParaRPr lang="en-US" dirty="0"/>
           </a:p>
@@ -2523,7 +2523,7 @@
           <a:p>
             <a:fld id="{CA185710-0CB8-4676-9B8A-3AA4A0ACE6ED}" type="datetime1">
               <a:rPr lang="en-US" smtClean="0"/>
-              <a:t>6/21/2024</a:t>
+              <a:t>6/23/2024</a:t>
             </a:fld>
             <a:endParaRPr lang="en-US" dirty="0"/>
           </a:p>
@@ -2686,7 +2686,7 @@
           <a:p>
             <a:fld id="{FA8B0F95-D820-4A9A-9A58-FE09324B1C7B}" type="datetime1">
               <a:rPr lang="en-US" smtClean="0"/>
-              <a:t>6/21/2024</a:t>
+              <a:t>6/23/2024</a:t>
             </a:fld>
             <a:endParaRPr lang="en-US" dirty="0"/>
           </a:p>
@@ -2782,7 +2782,7 @@
           <a:p>
             <a:fld id="{7763D4B6-5C60-499C-BC94-767365083D7C}" type="datetime1">
               <a:rPr lang="en-US" smtClean="0"/>
-              <a:t>6/21/2024</a:t>
+              <a:t>6/23/2024</a:t>
             </a:fld>
             <a:endParaRPr lang="en-US" dirty="0"/>
           </a:p>
@@ -3161,7 +3161,7 @@
           <a:p>
             <a:fld id="{D421958E-7981-43C3-93C0-452CF197834A}" type="datetime1">
               <a:rPr lang="en-US" smtClean="0"/>
-              <a:t>6/21/2024</a:t>
+              <a:t>6/23/2024</a:t>
             </a:fld>
             <a:endParaRPr lang="en-US" dirty="0"/>
           </a:p>
@@ -3451,7 +3451,7 @@
           <a:p>
             <a:fld id="{7DE44962-766E-43CB-AAF1-179505212E07}" type="datetime1">
               <a:rPr lang="en-US" smtClean="0"/>
-              <a:t>6/21/2024</a:t>
+              <a:t>6/23/2024</a:t>
             </a:fld>
             <a:endParaRPr lang="en-US" dirty="0"/>
           </a:p>
@@ -3663,7 +3663,7 @@
           <a:p>
             <a:fld id="{81CB1547-160B-4F9E-9E20-0F577EC68284}" type="datetime1">
               <a:rPr lang="en-US" smtClean="0"/>
-              <a:t>6/21/2024</a:t>
+              <a:t>6/23/2024</a:t>
             </a:fld>
             <a:endParaRPr lang="en-US" dirty="0"/>
           </a:p>
@@ -8639,7 +8639,7 @@
       </p:sp>
       <p:pic>
         <p:nvPicPr>
-          <p:cNvPr id="4" name="Рисунок 3"/>
+          <p:cNvPr id="5" name="Рисунок 4"/>
           <p:cNvPicPr>
             <a:picLocks noChangeAspect="1"/>
           </p:cNvPicPr>
@@ -8653,8 +8653,8 @@
         </p:blipFill>
         <p:spPr>
           <a:xfrm>
-            <a:off x="3351798" y="1972678"/>
-            <a:ext cx="7732756" cy="4885322"/>
+            <a:off x="3132733" y="1837141"/>
+            <a:ext cx="8023709" cy="5020859"/>
           </a:xfrm>
           <a:prstGeom prst="rect">
             <a:avLst/>

--- a/Сайт для компании «Кисловодск-строй».pptx
+++ b/Сайт для компании «Кисловодск-строй».pptx
@@ -236,7 +236,7 @@
           <a:p>
             <a:fld id="{AC8D3FD7-A755-4966-A4E3-844B456159E1}" type="datetimeFigureOut">
               <a:rPr lang="ru-RU" smtClean="0"/>
-              <a:t>23.06.2024</a:t>
+              <a:t>24.06.2024</a:t>
             </a:fld>
             <a:endParaRPr lang="ru-RU"/>
           </a:p>
@@ -749,7 +749,7 @@
           <a:p>
             <a:fld id="{739B03AD-6ED1-4274-A52A-DC9FA690B45D}" type="datetime1">
               <a:rPr lang="en-US" smtClean="0"/>
-              <a:t>6/23/2024</a:t>
+              <a:t>6/24/2024</a:t>
             </a:fld>
             <a:endParaRPr lang="en-US" dirty="0"/>
           </a:p>
@@ -1012,7 +1012,7 @@
           <a:p>
             <a:fld id="{4D2B0814-6C13-4B68-BA33-FC93401D68EA}" type="datetime1">
               <a:rPr lang="en-US" smtClean="0"/>
-              <a:t>6/23/2024</a:t>
+              <a:t>6/24/2024</a:t>
             </a:fld>
             <a:endParaRPr lang="en-US" dirty="0"/>
           </a:p>
@@ -1248,7 +1248,7 @@
           <a:p>
             <a:fld id="{6A8EC655-A397-44F6-BEB5-313C5D0F8057}" type="datetime1">
               <a:rPr lang="en-US" smtClean="0"/>
-              <a:t>6/23/2024</a:t>
+              <a:t>6/24/2024</a:t>
             </a:fld>
             <a:endParaRPr lang="en-US" dirty="0"/>
           </a:p>
@@ -1489,7 +1489,7 @@
           <a:p>
             <a:fld id="{8173375E-3736-4BED-B83B-878B977CCF33}" type="datetime1">
               <a:rPr lang="en-US" smtClean="0"/>
-              <a:t>6/23/2024</a:t>
+              <a:t>6/24/2024</a:t>
             </a:fld>
             <a:endParaRPr lang="en-US" dirty="0"/>
           </a:p>
@@ -1797,7 +1797,7 @@
           <a:p>
             <a:fld id="{8EE8A1D6-559C-4085-B648-411A8ED5D278}" type="datetime1">
               <a:rPr lang="en-US" smtClean="0"/>
-              <a:t>6/23/2024</a:t>
+              <a:t>6/24/2024</a:t>
             </a:fld>
             <a:endParaRPr lang="en-US" dirty="0"/>
           </a:p>
@@ -2100,7 +2100,7 @@
           <a:p>
             <a:fld id="{EAD5F190-BFE2-4CFD-9A7E-BD949474EF89}" type="datetime1">
               <a:rPr lang="en-US" smtClean="0"/>
-              <a:t>6/23/2024</a:t>
+              <a:t>6/24/2024</a:t>
             </a:fld>
             <a:endParaRPr lang="en-US" dirty="0"/>
           </a:p>
@@ -2523,7 +2523,7 @@
           <a:p>
             <a:fld id="{CA185710-0CB8-4676-9B8A-3AA4A0ACE6ED}" type="datetime1">
               <a:rPr lang="en-US" smtClean="0"/>
-              <a:t>6/23/2024</a:t>
+              <a:t>6/24/2024</a:t>
             </a:fld>
             <a:endParaRPr lang="en-US" dirty="0"/>
           </a:p>
@@ -2686,7 +2686,7 @@
           <a:p>
             <a:fld id="{FA8B0F95-D820-4A9A-9A58-FE09324B1C7B}" type="datetime1">
               <a:rPr lang="en-US" smtClean="0"/>
-              <a:t>6/23/2024</a:t>
+              <a:t>6/24/2024</a:t>
             </a:fld>
             <a:endParaRPr lang="en-US" dirty="0"/>
           </a:p>
@@ -2782,7 +2782,7 @@
           <a:p>
             <a:fld id="{7763D4B6-5C60-499C-BC94-767365083D7C}" type="datetime1">
               <a:rPr lang="en-US" smtClean="0"/>
-              <a:t>6/23/2024</a:t>
+              <a:t>6/24/2024</a:t>
             </a:fld>
             <a:endParaRPr lang="en-US" dirty="0"/>
           </a:p>
@@ -3161,7 +3161,7 @@
           <a:p>
             <a:fld id="{D421958E-7981-43C3-93C0-452CF197834A}" type="datetime1">
               <a:rPr lang="en-US" smtClean="0"/>
-              <a:t>6/23/2024</a:t>
+              <a:t>6/24/2024</a:t>
             </a:fld>
             <a:endParaRPr lang="en-US" dirty="0"/>
           </a:p>
@@ -3451,7 +3451,7 @@
           <a:p>
             <a:fld id="{7DE44962-766E-43CB-AAF1-179505212E07}" type="datetime1">
               <a:rPr lang="en-US" smtClean="0"/>
-              <a:t>6/23/2024</a:t>
+              <a:t>6/24/2024</a:t>
             </a:fld>
             <a:endParaRPr lang="en-US" dirty="0"/>
           </a:p>
@@ -3663,7 +3663,7 @@
           <a:p>
             <a:fld id="{81CB1547-160B-4F9E-9E20-0F577EC68284}" type="datetime1">
               <a:rPr lang="en-US" smtClean="0"/>
-              <a:t>6/23/2024</a:t>
+              <a:t>6/24/2024</a:t>
             </a:fld>
             <a:endParaRPr lang="en-US" dirty="0"/>
           </a:p>
@@ -4278,25 +4278,22 @@
         </p:nvSpPr>
         <p:spPr>
           <a:xfrm>
-            <a:off x="581191" y="1020431"/>
+            <a:off x="581193" y="1949204"/>
             <a:ext cx="10993549" cy="1065043"/>
           </a:xfrm>
+          <a:effectLst/>
         </p:spPr>
         <p:txBody>
-          <a:bodyPr>
+          <a:bodyPr vert="horz" lIns="91440" tIns="45720" rIns="91440" bIns="45720" rtlCol="0" anchor="b">
             <a:noAutofit/>
           </a:bodyPr>
           <a:lstStyle/>
           <a:p>
             <a:r>
-              <a:rPr lang="ru-RU" dirty="0" smtClean="0"/>
-              <a:t>Сайт для компании </a:t>
-            </a:r>
-            <a:r>
-              <a:rPr lang="ru-RU" sz="4000" dirty="0" smtClean="0"/>
-              <a:t>«Кисловодск-строй»</a:t>
-            </a:r>
-            <a:endParaRPr lang="ru-RU" sz="4000" dirty="0"/>
+              <a:rPr lang="ru-RU" dirty="0"/>
+              <a:t>Сайт для компании «Кисловодск-строй»</a:t>
+            </a:r>
+            <a:endParaRPr lang="ru-RU" dirty="0"/>
           </a:p>
         </p:txBody>
       </p:sp>
@@ -4312,7 +4309,7 @@
         </p:nvSpPr>
         <p:spPr>
           <a:xfrm>
-            <a:off x="581194" y="2085475"/>
+            <a:off x="581193" y="3407182"/>
             <a:ext cx="10993546" cy="1000292"/>
           </a:xfrm>
         </p:spPr>
@@ -4323,26 +4320,45 @@
           <a:lstStyle/>
           <a:p>
             <a:r>
-              <a:rPr lang="ru-RU" sz="2400" cap="none" dirty="0"/>
+              <a:rPr lang="ru-RU" sz="2400" cap="none" dirty="0">
+                <a:solidFill>
+                  <a:schemeClr val="bg1"/>
+                </a:solidFill>
+              </a:rPr>
               <a:t>Автор: Моисеев Евгений</a:t>
             </a:r>
           </a:p>
           <a:p>
             <a:r>
-              <a:rPr lang="en-US" sz="2400" cap="none" dirty="0"/>
+              <a:rPr lang="en-US" sz="2400" cap="none" dirty="0">
+                <a:solidFill>
+                  <a:schemeClr val="bg1"/>
+                </a:solidFill>
+              </a:rPr>
               <a:t>GitHub: </a:t>
             </a:r>
             <a:r>
-              <a:rPr lang="ru-RU" sz="2400" cap="none" dirty="0"/>
+              <a:rPr lang="ru-RU" sz="2400" cap="none" dirty="0">
+                <a:solidFill>
+                  <a:schemeClr val="bg1"/>
+                </a:solidFill>
+              </a:rPr>
               <a:t> </a:t>
             </a:r>
             <a:r>
               <a:rPr lang="en-US" sz="2400" cap="none" dirty="0">
+                <a:solidFill>
+                  <a:schemeClr val="bg1"/>
+                </a:solidFill>
                 <a:hlinkClick r:id="rId2"/>
               </a:rPr>
               <a:t>https://github.com/jecsonM/MDKmyWORKasAstudent.git</a:t>
             </a:r>
-            <a:endParaRPr lang="ru-RU" sz="2400" cap="none" dirty="0"/>
+            <a:endParaRPr lang="ru-RU" sz="2400" cap="none" dirty="0">
+              <a:solidFill>
+                <a:schemeClr val="bg1"/>
+              </a:solidFill>
+            </a:endParaRPr>
           </a:p>
         </p:txBody>
       </p:sp>
@@ -4602,324 +4618,99 @@
         </p:nvSpPr>
         <p:spPr>
           <a:xfrm>
-            <a:off x="581193" y="3229761"/>
-            <a:ext cx="11029615" cy="3045204"/>
+            <a:off x="581193" y="581506"/>
+            <a:ext cx="11029615" cy="713653"/>
           </a:xfrm>
           <a:prstGeom prst="rect">
             <a:avLst/>
           </a:prstGeom>
+          <a:effectLst/>
         </p:spPr>
         <p:txBody>
-          <a:bodyPr vert="horz" lIns="91440" tIns="45720" rIns="91440" bIns="45720" rtlCol="0" anchor="t">
+          <a:bodyPr vert="horz" lIns="91440" tIns="45720" rIns="91440" bIns="45720" rtlCol="0" anchor="b">
             <a:noAutofit/>
           </a:bodyPr>
           <a:lstStyle>
-            <a:lvl1pPr marL="0" indent="0" algn="l" defTabSz="457200" rtl="0" eaLnBrk="1" latinLnBrk="0" hangingPunct="1">
+            <a:lvl1pPr>
               <a:spcBef>
-                <a:spcPct val="20000"/>
+                <a:spcPct val="0"/>
               </a:spcBef>
-              <a:spcAft>
-                <a:spcPts val="600"/>
-              </a:spcAft>
-              <a:buClr>
-                <a:schemeClr val="accent2"/>
-              </a:buClr>
-              <a:buSzPct val="92000"/>
-              <a:buFont typeface="Wingdings 2" panose="05020102010507070707" pitchFamily="18" charset="2"/>
               <a:buNone/>
-              <a:defRPr sz="1600" kern="1200" cap="all">
-                <a:solidFill>
-                  <a:schemeClr val="accent2"/>
-                </a:solidFill>
-                <a:latin typeface="+mn-lt"/>
-                <a:ea typeface="+mn-ea"/>
-                <a:cs typeface="+mn-cs"/>
+              <a:defRPr sz="3600" b="0" cap="all">
+                <a:solidFill>
+                  <a:schemeClr val="accent1"/>
+                </a:solidFill>
+                <a:latin typeface="+mj-lt"/>
+                <a:ea typeface="+mj-ea"/>
+                <a:cs typeface="+mj-cs"/>
               </a:defRPr>
             </a:lvl1pPr>
-            <a:lvl2pPr marL="457200" indent="0" algn="ctr" defTabSz="457200" rtl="0" eaLnBrk="1" latinLnBrk="0" hangingPunct="1">
-              <a:spcBef>
-                <a:spcPct val="20000"/>
-              </a:spcBef>
-              <a:spcAft>
-                <a:spcPts val="600"/>
-              </a:spcAft>
-              <a:buClr>
-                <a:schemeClr val="accent2"/>
-              </a:buClr>
-              <a:buSzPct val="92000"/>
-              <a:buFont typeface="Wingdings 2" panose="05020102010507070707" pitchFamily="18" charset="2"/>
-              <a:buNone/>
-              <a:defRPr sz="1600" kern="1200">
-                <a:solidFill>
-                  <a:schemeClr val="tx1">
-                    <a:tint val="75000"/>
-                  </a:schemeClr>
-                </a:solidFill>
-                <a:latin typeface="+mn-lt"/>
-                <a:ea typeface="+mn-ea"/>
-                <a:cs typeface="+mn-cs"/>
+            <a:lvl2pPr>
+              <a:defRPr>
+                <a:solidFill>
+                  <a:schemeClr val="tx2"/>
+                </a:solidFill>
               </a:defRPr>
             </a:lvl2pPr>
-            <a:lvl3pPr marL="914400" indent="0" algn="ctr" defTabSz="457200" rtl="0" eaLnBrk="1" latinLnBrk="0" hangingPunct="1">
-              <a:spcBef>
-                <a:spcPct val="20000"/>
-              </a:spcBef>
-              <a:spcAft>
-                <a:spcPts val="600"/>
-              </a:spcAft>
-              <a:buClr>
-                <a:schemeClr val="accent2"/>
-              </a:buClr>
-              <a:buSzPct val="92000"/>
-              <a:buFont typeface="Wingdings 2" panose="05020102010507070707" pitchFamily="18" charset="2"/>
-              <a:buNone/>
-              <a:defRPr sz="1400" kern="1200">
-                <a:solidFill>
-                  <a:schemeClr val="tx1">
-                    <a:tint val="75000"/>
-                  </a:schemeClr>
-                </a:solidFill>
-                <a:latin typeface="+mn-lt"/>
-                <a:ea typeface="+mn-ea"/>
-                <a:cs typeface="+mn-cs"/>
+            <a:lvl3pPr>
+              <a:defRPr>
+                <a:solidFill>
+                  <a:schemeClr val="tx2"/>
+                </a:solidFill>
               </a:defRPr>
             </a:lvl3pPr>
-            <a:lvl4pPr marL="1371600" indent="0" algn="ctr" defTabSz="457200" rtl="0" eaLnBrk="1" latinLnBrk="0" hangingPunct="1">
-              <a:spcBef>
-                <a:spcPct val="20000"/>
-              </a:spcBef>
-              <a:spcAft>
-                <a:spcPts val="600"/>
-              </a:spcAft>
-              <a:buClr>
-                <a:schemeClr val="accent2"/>
-              </a:buClr>
-              <a:buSzPct val="92000"/>
-              <a:buFont typeface="Wingdings 2" panose="05020102010507070707" pitchFamily="18" charset="2"/>
-              <a:buNone/>
-              <a:defRPr sz="1200" kern="1200">
-                <a:solidFill>
-                  <a:schemeClr val="tx1">
-                    <a:tint val="75000"/>
-                  </a:schemeClr>
-                </a:solidFill>
-                <a:latin typeface="+mn-lt"/>
-                <a:ea typeface="+mn-ea"/>
-                <a:cs typeface="+mn-cs"/>
+            <a:lvl4pPr>
+              <a:defRPr>
+                <a:solidFill>
+                  <a:schemeClr val="tx2"/>
+                </a:solidFill>
               </a:defRPr>
             </a:lvl4pPr>
-            <a:lvl5pPr marL="1828800" indent="0" algn="ctr" defTabSz="457200" rtl="0" eaLnBrk="1" latinLnBrk="0" hangingPunct="1">
-              <a:spcBef>
-                <a:spcPct val="20000"/>
-              </a:spcBef>
-              <a:spcAft>
-                <a:spcPts val="600"/>
-              </a:spcAft>
-              <a:buClr>
-                <a:schemeClr val="accent2"/>
-              </a:buClr>
-              <a:buSzPct val="92000"/>
-              <a:buFont typeface="Wingdings 2" panose="05020102010507070707" pitchFamily="18" charset="2"/>
-              <a:buNone/>
-              <a:defRPr sz="1200" kern="1200">
-                <a:solidFill>
-                  <a:schemeClr val="tx1">
-                    <a:tint val="75000"/>
-                  </a:schemeClr>
-                </a:solidFill>
-                <a:latin typeface="+mn-lt"/>
-                <a:ea typeface="+mn-ea"/>
-                <a:cs typeface="+mn-cs"/>
+            <a:lvl5pPr>
+              <a:defRPr>
+                <a:solidFill>
+                  <a:schemeClr val="tx2"/>
+                </a:solidFill>
               </a:defRPr>
             </a:lvl5pPr>
-            <a:lvl6pPr marL="2286000" indent="0" algn="ctr" defTabSz="457200" rtl="0" eaLnBrk="1" latinLnBrk="0" hangingPunct="1">
-              <a:spcBef>
-                <a:spcPct val="20000"/>
-              </a:spcBef>
-              <a:spcAft>
-                <a:spcPts val="600"/>
-              </a:spcAft>
-              <a:buClr>
-                <a:schemeClr val="accent2"/>
-              </a:buClr>
-              <a:buSzPct val="92000"/>
-              <a:buFont typeface="Wingdings 2" panose="05020102010507070707" pitchFamily="18" charset="2"/>
-              <a:buNone/>
-              <a:defRPr sz="1200" kern="1200">
-                <a:solidFill>
-                  <a:schemeClr val="tx1">
-                    <a:tint val="75000"/>
-                  </a:schemeClr>
-                </a:solidFill>
-                <a:latin typeface="+mn-lt"/>
-                <a:ea typeface="+mn-ea"/>
-                <a:cs typeface="+mn-cs"/>
+            <a:lvl6pPr>
+              <a:defRPr>
+                <a:solidFill>
+                  <a:schemeClr val="tx2"/>
+                </a:solidFill>
               </a:defRPr>
             </a:lvl6pPr>
-            <a:lvl7pPr marL="2743200" indent="0" algn="ctr" defTabSz="457200" rtl="0" eaLnBrk="1" latinLnBrk="0" hangingPunct="1">
-              <a:spcBef>
-                <a:spcPct val="20000"/>
-              </a:spcBef>
-              <a:spcAft>
-                <a:spcPts val="600"/>
-              </a:spcAft>
-              <a:buClr>
-                <a:schemeClr val="accent2"/>
-              </a:buClr>
-              <a:buSzPct val="92000"/>
-              <a:buFont typeface="Wingdings 2" panose="05020102010507070707" pitchFamily="18" charset="2"/>
-              <a:buNone/>
-              <a:defRPr sz="1200" kern="1200">
-                <a:solidFill>
-                  <a:schemeClr val="tx1">
-                    <a:tint val="75000"/>
-                  </a:schemeClr>
-                </a:solidFill>
-                <a:latin typeface="+mn-lt"/>
-                <a:ea typeface="+mn-ea"/>
-                <a:cs typeface="+mn-cs"/>
+            <a:lvl7pPr>
+              <a:defRPr>
+                <a:solidFill>
+                  <a:schemeClr val="tx2"/>
+                </a:solidFill>
               </a:defRPr>
             </a:lvl7pPr>
-            <a:lvl8pPr marL="3200400" indent="0" algn="ctr" defTabSz="457200" rtl="0" eaLnBrk="1" latinLnBrk="0" hangingPunct="1">
-              <a:spcBef>
-                <a:spcPct val="20000"/>
-              </a:spcBef>
-              <a:spcAft>
-                <a:spcPts val="600"/>
-              </a:spcAft>
-              <a:buClr>
-                <a:schemeClr val="accent2"/>
-              </a:buClr>
-              <a:buSzPct val="92000"/>
-              <a:buFont typeface="Wingdings 2" panose="05020102010507070707" pitchFamily="18" charset="2"/>
-              <a:buNone/>
-              <a:defRPr sz="1200" kern="1200">
-                <a:solidFill>
-                  <a:schemeClr val="tx1">
-                    <a:tint val="75000"/>
-                  </a:schemeClr>
-                </a:solidFill>
-                <a:latin typeface="+mn-lt"/>
-                <a:ea typeface="+mn-ea"/>
-                <a:cs typeface="+mn-cs"/>
+            <a:lvl8pPr>
+              <a:defRPr>
+                <a:solidFill>
+                  <a:schemeClr val="tx2"/>
+                </a:solidFill>
               </a:defRPr>
             </a:lvl8pPr>
-            <a:lvl9pPr marL="3657600" indent="0" algn="ctr" defTabSz="457200" rtl="0" eaLnBrk="1" latinLnBrk="0" hangingPunct="1">
-              <a:spcBef>
-                <a:spcPct val="20000"/>
-              </a:spcBef>
-              <a:spcAft>
-                <a:spcPts val="600"/>
-              </a:spcAft>
-              <a:buClr>
-                <a:schemeClr val="accent2"/>
-              </a:buClr>
-              <a:buSzPct val="92000"/>
-              <a:buFont typeface="Wingdings 2" panose="05020102010507070707" pitchFamily="18" charset="2"/>
-              <a:buNone/>
-              <a:defRPr sz="1200" kern="1200">
-                <a:solidFill>
-                  <a:schemeClr val="tx1">
-                    <a:tint val="75000"/>
-                  </a:schemeClr>
-                </a:solidFill>
-                <a:latin typeface="+mn-lt"/>
-                <a:ea typeface="+mn-ea"/>
-                <a:cs typeface="+mn-cs"/>
+            <a:lvl9pPr>
+              <a:defRPr>
+                <a:solidFill>
+                  <a:schemeClr val="tx2"/>
+                </a:solidFill>
               </a:defRPr>
             </a:lvl9pPr>
           </a:lstStyle>
           <a:p>
-            <a:pPr algn="ctr"/>
-            <a:r>
-              <a:rPr lang="ru-RU" sz="2200" b="1" dirty="0">
-                <a:solidFill>
-                  <a:schemeClr val="bg1"/>
-                </a:solidFill>
-              </a:rPr>
-              <a:t>Министерство науки и высшего образования Российской Федерации</a:t>
-            </a:r>
-            <a:endParaRPr lang="ru-RU" sz="2200" dirty="0">
-              <a:solidFill>
-                <a:schemeClr val="bg1"/>
-              </a:solidFill>
-            </a:endParaRPr>
-          </a:p>
-          <a:p>
-            <a:pPr algn="ctr"/>
-            <a:r>
-              <a:rPr lang="ru-RU" sz="2200" dirty="0">
-                <a:solidFill>
-                  <a:schemeClr val="bg1"/>
-                </a:solidFill>
-              </a:rPr>
-              <a:t>федеральное государственное автономное образовательное учреждение </a:t>
-            </a:r>
-          </a:p>
-          <a:p>
-            <a:pPr algn="ctr"/>
-            <a:r>
-              <a:rPr lang="ru-RU" sz="2200" dirty="0">
-                <a:solidFill>
-                  <a:schemeClr val="bg1"/>
-                </a:solidFill>
-              </a:rPr>
-              <a:t>высшего образования</a:t>
-            </a:r>
-          </a:p>
-          <a:p>
-            <a:pPr algn="ctr"/>
-            <a:r>
-              <a:rPr lang="ru-RU" sz="2200" dirty="0">
-                <a:solidFill>
-                  <a:schemeClr val="bg1"/>
-                </a:solidFill>
-              </a:rPr>
-              <a:t>«Санкт-Петербургский политехнический университет Петра Великого»</a:t>
-            </a:r>
-          </a:p>
-          <a:p>
-            <a:pPr algn="ctr"/>
-            <a:r>
-              <a:rPr lang="ru-RU" sz="2200" dirty="0">
-                <a:solidFill>
-                  <a:schemeClr val="bg1"/>
-                </a:solidFill>
-              </a:rPr>
-              <a:t>(ФГАОУ ВО «</a:t>
-            </a:r>
-            <a:r>
-              <a:rPr lang="ru-RU" sz="2200" dirty="0" err="1">
-                <a:solidFill>
-                  <a:schemeClr val="bg1"/>
-                </a:solidFill>
-              </a:rPr>
-              <a:t>СПбПУ</a:t>
-            </a:r>
-            <a:r>
-              <a:rPr lang="ru-RU" sz="2200" dirty="0">
-                <a:solidFill>
-                  <a:schemeClr val="bg1"/>
-                </a:solidFill>
-              </a:rPr>
-              <a:t>»)</a:t>
-            </a:r>
-          </a:p>
-          <a:p>
-            <a:pPr algn="ctr"/>
-            <a:r>
-              <a:rPr lang="ru-RU" sz="2200" b="1" dirty="0">
-                <a:solidFill>
-                  <a:schemeClr val="bg1"/>
-                </a:solidFill>
-              </a:rPr>
-              <a:t>Институт среднего профессионального образования</a:t>
-            </a:r>
-            <a:endParaRPr lang="ru-RU" sz="2200" dirty="0">
-              <a:solidFill>
-                <a:schemeClr val="bg1"/>
-              </a:solidFill>
-            </a:endParaRPr>
+            <a:r>
+              <a:rPr lang="ru-RU" sz="2800" dirty="0"/>
+              <a:t>Институт </a:t>
+            </a:r>
+            <a:r>
+              <a:rPr lang="ru-RU" sz="2800" dirty="0"/>
+              <a:t>среднего профессионального образования</a:t>
+            </a:r>
           </a:p>
         </p:txBody>
       </p:sp>
@@ -5276,14 +5067,14 @@
           <p:nvPr>
             <p:extLst>
               <p:ext uri="{D42A27DB-BD31-4B8C-83A1-F6EECF244321}">
-                <p14:modId xmlns:p14="http://schemas.microsoft.com/office/powerpoint/2010/main" val="2075462054"/>
+                <p14:modId xmlns:p14="http://schemas.microsoft.com/office/powerpoint/2010/main" val="2392044511"/>
               </p:ext>
             </p:extLst>
           </p:nvPr>
         </p:nvGraphicFramePr>
         <p:xfrm>
-          <a:off x="581192" y="2631573"/>
-          <a:ext cx="10223828" cy="3913507"/>
+          <a:off x="984086" y="2468109"/>
+          <a:ext cx="10223828" cy="4657727"/>
         </p:xfrm>
         <a:graphic>
           <a:graphicData uri="http://schemas.openxmlformats.org/drawingml/2006/table">
@@ -5397,12 +5188,12 @@
                         </a:spcAft>
                       </a:pPr>
                       <a:r>
-                        <a:rPr lang="ru-RU" sz="2400">
+                        <a:rPr lang="ru-RU" sz="2400" dirty="0" smtClean="0">
                           <a:effectLst/>
                         </a:rPr>
-                        <a:t>Надёжность</a:t>
+                        <a:t>Наличие ограничений на длину введённых данных во всех полях ввода.</a:t>
                       </a:r>
-                      <a:endParaRPr lang="ru-RU" sz="2400">
+                      <a:endParaRPr lang="ru-RU" sz="2400" dirty="0">
                         <a:effectLst/>
                         <a:latin typeface="Times New Roman" panose="02020603050405020304" pitchFamily="18" charset="0"/>
                         <a:ea typeface="Calibri" panose="020F0502020204030204" pitchFamily="34" charset="0"/>
@@ -5425,12 +5216,6 @@
                           <a:spcPts val="0"/>
                         </a:spcAft>
                       </a:pPr>
-                      <a:r>
-                        <a:rPr lang="ru-RU" sz="2400" dirty="0">
-                          <a:effectLst/>
-                        </a:rPr>
-                        <a:t>Наличие ограничений на длину введённых данных во всех полях ввода.</a:t>
-                      </a:r>
                       <a:endParaRPr lang="ru-RU" sz="2400" dirty="0">
                         <a:effectLst/>
                         <a:latin typeface="Times New Roman" panose="02020603050405020304" pitchFamily="18" charset="0"/>
@@ -5453,26 +5238,7 @@
                     <a:bodyPr/>
                     <a:lstStyle/>
                     <a:p>
-                      <a:pPr>
-                        <a:lnSpc>
-                          <a:spcPct val="107000"/>
-                        </a:lnSpc>
-                        <a:spcAft>
-                          <a:spcPts val="0"/>
-                        </a:spcAft>
-                      </a:pPr>
-                      <a:r>
-                        <a:rPr lang="ru-RU" sz="2400">
-                          <a:effectLst/>
-                        </a:rPr>
-                        <a:t>Удобство использования</a:t>
-                      </a:r>
-                      <a:endParaRPr lang="ru-RU" sz="2400">
-                        <a:effectLst/>
-                        <a:latin typeface="Times New Roman" panose="02020603050405020304" pitchFamily="18" charset="0"/>
-                        <a:ea typeface="Calibri" panose="020F0502020204030204" pitchFamily="34" charset="0"/>
-                        <a:cs typeface="Times New Roman" panose="02020603050405020304" pitchFamily="18" charset="0"/>
-                      </a:endParaRPr>
+                      <a:endParaRPr lang="ru-RU" dirty="0"/>
                     </a:p>
                   </a:txBody>
                   <a:tcPr marL="68580" marR="68580" marT="0" marB="0"/>
@@ -5518,26 +5284,7 @@
                     <a:bodyPr/>
                     <a:lstStyle/>
                     <a:p>
-                      <a:pPr>
-                        <a:lnSpc>
-                          <a:spcPct val="107000"/>
-                        </a:lnSpc>
-                        <a:spcAft>
-                          <a:spcPts val="0"/>
-                        </a:spcAft>
-                      </a:pPr>
-                      <a:r>
-                        <a:rPr lang="ru-RU" sz="2400">
-                          <a:effectLst/>
-                        </a:rPr>
-                        <a:t>Производительность</a:t>
-                      </a:r>
-                      <a:endParaRPr lang="ru-RU" sz="2400">
-                        <a:effectLst/>
-                        <a:latin typeface="Times New Roman" panose="02020603050405020304" pitchFamily="18" charset="0"/>
-                        <a:ea typeface="Calibri" panose="020F0502020204030204" pitchFamily="34" charset="0"/>
-                        <a:cs typeface="Times New Roman" panose="02020603050405020304" pitchFamily="18" charset="0"/>
-                      </a:endParaRPr>
+                      <a:endParaRPr lang="ru-RU" dirty="0"/>
                     </a:p>
                   </a:txBody>
                   <a:tcPr marL="68580" marR="68580" marT="0" marB="0"/>
@@ -5592,12 +5339,12 @@
                         </a:spcAft>
                       </a:pPr>
                       <a:r>
-                        <a:rPr lang="ru-RU" sz="2400">
+                        <a:rPr lang="ru-RU" sz="2400" dirty="0" smtClean="0">
                           <a:effectLst/>
                         </a:rPr>
-                        <a:t>Удобство сопровождения</a:t>
+                        <a:t>Ведение системы контроля версий проекта.</a:t>
                       </a:r>
-                      <a:endParaRPr lang="ru-RU" sz="2400">
+                      <a:endParaRPr lang="ru-RU" sz="2400" dirty="0">
                         <a:effectLst/>
                         <a:latin typeface="Times New Roman" panose="02020603050405020304" pitchFamily="18" charset="0"/>
                         <a:ea typeface="Calibri" panose="020F0502020204030204" pitchFamily="34" charset="0"/>

--- a/Сайт для компании «Кисловодск-строй».pptx
+++ b/Сайт для компании «Кисловодск-строй».pptx
@@ -5,7 +5,7 @@
     <p:sldMasterId id="2147483684" r:id="rId1"/>
   </p:sldMasterIdLst>
   <p:notesMasterIdLst>
-    <p:notesMasterId r:id="rId16"/>
+    <p:notesMasterId r:id="rId17"/>
   </p:notesMasterIdLst>
   <p:sldIdLst>
     <p:sldId id="256" r:id="rId2"/>
@@ -17,11 +17,12 @@
     <p:sldId id="268" r:id="rId8"/>
     <p:sldId id="262" r:id="rId9"/>
     <p:sldId id="264" r:id="rId10"/>
-    <p:sldId id="265" r:id="rId11"/>
-    <p:sldId id="266" r:id="rId12"/>
-    <p:sldId id="269" r:id="rId13"/>
-    <p:sldId id="270" r:id="rId14"/>
-    <p:sldId id="267" r:id="rId15"/>
+    <p:sldId id="271" r:id="rId11"/>
+    <p:sldId id="265" r:id="rId12"/>
+    <p:sldId id="266" r:id="rId13"/>
+    <p:sldId id="269" r:id="rId14"/>
+    <p:sldId id="270" r:id="rId15"/>
+    <p:sldId id="267" r:id="rId16"/>
   </p:sldIdLst>
   <p:sldSz cx="12192000" cy="6858000"/>
   <p:notesSz cx="6858000" cy="9144000"/>
@@ -4293,7 +4294,6 @@
               <a:rPr lang="ru-RU" dirty="0"/>
               <a:t>Сайт для компании «Кисловодск-строй»</a:t>
             </a:r>
-            <a:endParaRPr lang="ru-RU" dirty="0"/>
           </a:p>
         </p:txBody>
       </p:sp>
@@ -4705,11 +4705,7 @@
           <a:p>
             <a:r>
               <a:rPr lang="ru-RU" sz="2800" dirty="0"/>
-              <a:t>Институт </a:t>
-            </a:r>
-            <a:r>
-              <a:rPr lang="ru-RU" sz="2800" dirty="0"/>
-              <a:t>среднего профессионального образования</a:t>
+              <a:t>Институт среднего профессионального образования</a:t>
             </a:r>
           </a:p>
         </p:txBody>
@@ -4753,30 +4749,95 @@
       </p:grpSpPr>
       <p:sp>
         <p:nvSpPr>
-          <p:cNvPr id="5" name="Заголовок 4"/>
+          <p:cNvPr id="3" name="Объект 2"/>
           <p:cNvSpPr>
             <a:spLocks noGrp="1"/>
           </p:cNvSpPr>
           <p:nvPr>
-            <p:ph type="title"/>
-          </p:nvPr>
-        </p:nvSpPr>
-        <p:spPr/>
-        <p:txBody>
-          <a:bodyPr/>
+            <p:ph sz="half" idx="1"/>
+          </p:nvPr>
+        </p:nvSpPr>
+        <p:spPr>
+          <a:xfrm>
+            <a:off x="581192" y="1989221"/>
+            <a:ext cx="5514807" cy="4459705"/>
+          </a:xfrm>
+        </p:spPr>
+        <p:txBody>
+          <a:bodyPr>
+            <a:noAutofit/>
+          </a:bodyPr>
           <a:lstStyle/>
           <a:p>
             <a:r>
-              <a:rPr lang="ru-RU" dirty="0" smtClean="0"/>
-              <a:t>Тестирование</a:t>
-            </a:r>
-            <a:endParaRPr lang="ru-RU" dirty="0"/>
-          </a:p>
-        </p:txBody>
-      </p:sp>
-      <p:sp>
-        <p:nvSpPr>
-          <p:cNvPr id="9" name="Номер слайда 8"/>
+              <a:rPr lang="ru-RU" sz="2800" dirty="0"/>
+              <a:t>В руководстве описаны ошибки:</a:t>
+            </a:r>
+          </a:p>
+          <a:p>
+            <a:pPr marL="457200" indent="-457200">
+              <a:buFont typeface="+mj-lt"/>
+              <a:buAutoNum type="arabicPeriod"/>
+            </a:pPr>
+            <a:r>
+              <a:rPr lang="ru-RU" sz="2800" dirty="0"/>
+              <a:t>Ввод некорректных данных в калькулятор примерной стоимости</a:t>
+            </a:r>
+          </a:p>
+          <a:p>
+            <a:pPr marL="457200" indent="-457200">
+              <a:buFont typeface="+mj-lt"/>
+              <a:buAutoNum type="arabicPeriod"/>
+            </a:pPr>
+            <a:r>
+              <a:rPr lang="ru-RU" sz="2800" dirty="0"/>
+              <a:t>Ошибка работы всего сайта, во время технических неполадок</a:t>
+            </a:r>
+          </a:p>
+          <a:p>
+            <a:pPr marL="457200" indent="-457200">
+              <a:buFont typeface="+mj-lt"/>
+              <a:buAutoNum type="arabicPeriod"/>
+            </a:pPr>
+            <a:r>
+              <a:rPr lang="ru-RU" sz="2800" dirty="0"/>
+              <a:t>Ввод некорректного адреса доставки</a:t>
+            </a:r>
+          </a:p>
+          <a:p>
+            <a:endParaRPr lang="ru-RU" sz="2800" dirty="0"/>
+          </a:p>
+        </p:txBody>
+      </p:sp>
+      <p:pic>
+        <p:nvPicPr>
+          <p:cNvPr id="6" name="Объект 5"/>
+          <p:cNvPicPr>
+            <a:picLocks noGrp="1" noChangeAspect="1"/>
+          </p:cNvPicPr>
+          <p:nvPr>
+            <p:ph sz="half" idx="2"/>
+          </p:nvPr>
+        </p:nvPicPr>
+        <p:blipFill>
+          <a:blip r:embed="rId2"/>
+          <a:stretch>
+            <a:fillRect/>
+          </a:stretch>
+        </p:blipFill>
+        <p:spPr>
+          <a:xfrm>
+            <a:off x="6096001" y="2685995"/>
+            <a:ext cx="5910807" cy="2717062"/>
+          </a:xfrm>
+          <a:prstGeom prst="rect">
+            <a:avLst/>
+          </a:prstGeom>
+        </p:spPr>
+      </p:pic>
+      <p:sp>
+        <p:nvSpPr>
+          <p:cNvPr id="5" name="Номер слайда 4"/>
           <p:cNvSpPr>
             <a:spLocks noGrp="1"/>
           </p:cNvSpPr>
@@ -4796,7 +4857,7 @@
             </a:fld>
             <a:r>
               <a:rPr lang="ru-RU" sz="1200" dirty="0"/>
-              <a:t> из 14</a:t>
+              <a:t> из 15</a:t>
             </a:r>
             <a:endParaRPr lang="en-US" sz="1200" dirty="0"/>
           </a:p>
@@ -4804,731 +4865,271 @@
       </p:sp>
       <p:sp>
         <p:nvSpPr>
-          <p:cNvPr id="4" name="Rectangle 1"/>
-          <p:cNvSpPr>
-            <a:spLocks noChangeArrowheads="1"/>
+          <p:cNvPr id="7" name="Объект 2"/>
+          <p:cNvSpPr txBox="1">
+            <a:spLocks/>
           </p:cNvSpPr>
           <p:nvPr/>
         </p:nvSpPr>
-        <p:spPr bwMode="auto">
+        <p:spPr>
           <a:xfrm>
-            <a:off x="4720273" y="2012315"/>
-            <a:ext cx="12192000" cy="0"/>
+            <a:off x="6655950" y="5152430"/>
+            <a:ext cx="4790908" cy="1054335"/>
           </a:xfrm>
           <a:prstGeom prst="rect">
             <a:avLst/>
           </a:prstGeom>
-          <a:noFill/>
-          <a:ln>
-            <a:noFill/>
-          </a:ln>
-          <a:effectLst/>
-          <a:extLst>
-            <a:ext uri="{909E8E84-426E-40DD-AFC4-6F175D3DCCD1}">
-              <a14:hiddenFill xmlns:a14="http://schemas.microsoft.com/office/drawing/2010/main">
-                <a:solidFill>
-                  <a:schemeClr val="accent1"/>
-                </a:solidFill>
-              </a14:hiddenFill>
-            </a:ext>
-            <a:ext uri="{91240B29-F687-4F45-9708-019B960494DF}">
-              <a14:hiddenLine xmlns:a14="http://schemas.microsoft.com/office/drawing/2010/main" w="9525">
-                <a:solidFill>
-                  <a:schemeClr val="tx1"/>
-                </a:solidFill>
-                <a:miter lim="800000"/>
-                <a:headEnd/>
-                <a:tailEnd/>
-              </a14:hiddenLine>
-            </a:ext>
-            <a:ext uri="{AF507438-7753-43E0-B8FC-AC1667EBCBE1}">
-              <a14:hiddenEffects xmlns:a14="http://schemas.microsoft.com/office/drawing/2010/main">
-                <a:effectLst>
-                  <a:outerShdw dist="35921" dir="2700000" algn="ctr" rotWithShape="0">
-                    <a:schemeClr val="bg2"/>
-                  </a:outerShdw>
-                </a:effectLst>
-              </a14:hiddenEffects>
-            </a:ext>
-          </a:extLst>
         </p:spPr>
         <p:txBody>
-          <a:bodyPr vert="horz" wrap="none" lIns="91440" tIns="45720" rIns="91440" bIns="45720" numCol="1" anchor="ctr" anchorCtr="0" compatLnSpc="1">
-            <a:prstTxWarp prst="textNoShape">
-              <a:avLst/>
-            </a:prstTxWarp>
-            <a:spAutoFit/>
+          <a:bodyPr vert="horz" lIns="91440" tIns="45720" rIns="91440" bIns="45720" rtlCol="0" anchor="ctr">
+            <a:normAutofit/>
           </a:bodyPr>
-          <a:lstStyle/>
-          <a:p>
-            <a:pPr marL="0" marR="0" lvl="0" indent="0" algn="l" defTabSz="914400" rtl="0" eaLnBrk="0" fontAlgn="base" latinLnBrk="0" hangingPunct="0">
-              <a:lnSpc>
-                <a:spcPct val="100000"/>
-              </a:lnSpc>
+          <a:lstStyle>
+            <a:lvl1pPr marL="306000" indent="-306000" algn="l" defTabSz="457200" rtl="0" eaLnBrk="1" latinLnBrk="0" hangingPunct="1">
               <a:spcBef>
-                <a:spcPct val="0"/>
+                <a:spcPct val="20000"/>
               </a:spcBef>
               <a:spcAft>
-                <a:spcPct val="0"/>
+                <a:spcPts val="600"/>
               </a:spcAft>
-              <a:buClrTx/>
-              <a:buSzTx/>
-              <a:buFontTx/>
-              <a:buNone/>
-              <a:tabLst/>
-            </a:pPr>
-            <a:r>
-              <a:rPr kumimoji="0" lang="ru-RU" altLang="ru-RU" sz="1800" b="0" i="0" u="none" strike="noStrike" cap="none" normalizeH="0" baseline="0" smtClean="0">
-                <a:ln>
-                  <a:noFill/>
-                </a:ln>
-                <a:solidFill>
-                  <a:schemeClr val="tx1"/>
-                </a:solidFill>
-                <a:effectLst/>
-                <a:latin typeface="Arial" panose="020B0604020202020204" pitchFamily="34" charset="0"/>
-              </a:rPr>
-              <a:t/>
-            </a:r>
-            <a:br>
-              <a:rPr kumimoji="0" lang="ru-RU" altLang="ru-RU" sz="1800" b="0" i="0" u="none" strike="noStrike" cap="none" normalizeH="0" baseline="0" smtClean="0">
-                <a:ln>
-                  <a:noFill/>
-                </a:ln>
-                <a:solidFill>
-                  <a:schemeClr val="tx1"/>
-                </a:solidFill>
-                <a:effectLst/>
-                <a:latin typeface="Arial" panose="020B0604020202020204" pitchFamily="34" charset="0"/>
-              </a:rPr>
-            </a:br>
-            <a:endParaRPr kumimoji="0" lang="ru-RU" altLang="ru-RU" sz="1800" b="0" i="0" u="none" strike="noStrike" cap="none" normalizeH="0" baseline="0" smtClean="0">
-              <a:ln>
-                <a:noFill/>
-              </a:ln>
-              <a:solidFill>
-                <a:schemeClr val="tx1"/>
-              </a:solidFill>
-              <a:effectLst/>
-              <a:latin typeface="Arial" panose="020B0604020202020204" pitchFamily="34" charset="0"/>
-            </a:endParaRPr>
-          </a:p>
-        </p:txBody>
-      </p:sp>
-      <p:sp>
-        <p:nvSpPr>
-          <p:cNvPr id="11" name="Объект 2"/>
-          <p:cNvSpPr>
-            <a:spLocks noGrp="1"/>
-          </p:cNvSpPr>
-          <p:nvPr>
-            <p:ph idx="1"/>
-          </p:nvPr>
-        </p:nvSpPr>
-        <p:spPr>
-          <a:xfrm>
-            <a:off x="636780" y="1715956"/>
-            <a:ext cx="10747500" cy="1054335"/>
-          </a:xfrm>
-        </p:spPr>
-        <p:txBody>
-          <a:bodyPr>
-            <a:normAutofit/>
-          </a:bodyPr>
-          <a:lstStyle/>
-          <a:p>
-            <a:r>
-              <a:rPr lang="ru-RU" sz="2400" dirty="0" smtClean="0"/>
-              <a:t>Примеры наших ключевых оценочных элементов</a:t>
-            </a:r>
-            <a:endParaRPr lang="ru-RU" sz="2400" u="sng" dirty="0" smtClean="0"/>
-          </a:p>
-        </p:txBody>
-      </p:sp>
-      <p:sp>
-        <p:nvSpPr>
-          <p:cNvPr id="13" name="Rectangle 4"/>
-          <p:cNvSpPr>
-            <a:spLocks noChangeArrowheads="1"/>
-          </p:cNvSpPr>
-          <p:nvPr/>
-        </p:nvSpPr>
-        <p:spPr bwMode="auto">
-          <a:xfrm>
-            <a:off x="3592513" y="2335213"/>
-            <a:ext cx="12192000" cy="0"/>
-          </a:xfrm>
-          <a:prstGeom prst="rect">
-            <a:avLst/>
-          </a:prstGeom>
-          <a:noFill/>
-          <a:ln>
-            <a:noFill/>
-          </a:ln>
-          <a:effectLst/>
-          <a:extLst>
-            <a:ext uri="{909E8E84-426E-40DD-AFC4-6F175D3DCCD1}">
-              <a14:hiddenFill xmlns:a14="http://schemas.microsoft.com/office/drawing/2010/main">
-                <a:solidFill>
-                  <a:schemeClr val="accent1"/>
-                </a:solidFill>
-              </a14:hiddenFill>
-            </a:ext>
-            <a:ext uri="{91240B29-F687-4F45-9708-019B960494DF}">
-              <a14:hiddenLine xmlns:a14="http://schemas.microsoft.com/office/drawing/2010/main" w="9525">
-                <a:solidFill>
-                  <a:schemeClr val="tx1"/>
-                </a:solidFill>
-                <a:miter lim="800000"/>
-                <a:headEnd/>
-                <a:tailEnd/>
-              </a14:hiddenLine>
-            </a:ext>
-            <a:ext uri="{AF507438-7753-43E0-B8FC-AC1667EBCBE1}">
-              <a14:hiddenEffects xmlns:a14="http://schemas.microsoft.com/office/drawing/2010/main">
-                <a:effectLst>
-                  <a:outerShdw dist="35921" dir="2700000" algn="ctr" rotWithShape="0">
-                    <a:schemeClr val="bg2"/>
-                  </a:outerShdw>
-                </a:effectLst>
-              </a14:hiddenEffects>
-            </a:ext>
-          </a:extLst>
-        </p:spPr>
-        <p:txBody>
-          <a:bodyPr vert="horz" wrap="none" lIns="91440" tIns="45720" rIns="91440" bIns="45720" numCol="1" anchor="ctr" anchorCtr="0" compatLnSpc="1">
-            <a:prstTxWarp prst="textNoShape">
-              <a:avLst/>
-            </a:prstTxWarp>
-            <a:spAutoFit/>
-          </a:bodyPr>
-          <a:lstStyle/>
-          <a:p>
-            <a:pPr marL="0" marR="0" lvl="0" indent="0" algn="l" defTabSz="914400" rtl="0" eaLnBrk="0" fontAlgn="base" latinLnBrk="0" hangingPunct="0">
-              <a:lnSpc>
-                <a:spcPct val="100000"/>
-              </a:lnSpc>
+              <a:buClr>
+                <a:schemeClr val="accent2"/>
+              </a:buClr>
+              <a:buSzPct val="92000"/>
+              <a:buFont typeface="Wingdings 2" panose="05020102010507070707" pitchFamily="18" charset="2"/>
+              <a:buChar char=""/>
+              <a:defRPr sz="1800" kern="1200">
+                <a:solidFill>
+                  <a:schemeClr val="tx2"/>
+                </a:solidFill>
+                <a:latin typeface="+mn-lt"/>
+                <a:ea typeface="+mn-ea"/>
+                <a:cs typeface="+mn-cs"/>
+              </a:defRPr>
+            </a:lvl1pPr>
+            <a:lvl2pPr marL="630000" indent="-306000" algn="l" defTabSz="457200" rtl="0" eaLnBrk="1" latinLnBrk="0" hangingPunct="1">
               <a:spcBef>
-                <a:spcPct val="0"/>
+                <a:spcPct val="20000"/>
               </a:spcBef>
               <a:spcAft>
-                <a:spcPct val="0"/>
+                <a:spcPts val="600"/>
               </a:spcAft>
-              <a:buClrTx/>
-              <a:buSzTx/>
-              <a:buFontTx/>
-              <a:buNone/>
-              <a:tabLst/>
-            </a:pPr>
-            <a:r>
-              <a:rPr kumimoji="0" lang="ru-RU" altLang="ru-RU" sz="1800" b="0" i="0" u="none" strike="noStrike" cap="none" normalizeH="0" baseline="0" smtClean="0">
-                <a:ln>
-                  <a:noFill/>
-                </a:ln>
-                <a:solidFill>
-                  <a:schemeClr val="tx1"/>
-                </a:solidFill>
-                <a:effectLst/>
-                <a:latin typeface="Arial" panose="020B0604020202020204" pitchFamily="34" charset="0"/>
-              </a:rPr>
-              <a:t/>
-            </a:r>
-            <a:br>
-              <a:rPr kumimoji="0" lang="ru-RU" altLang="ru-RU" sz="1800" b="0" i="0" u="none" strike="noStrike" cap="none" normalizeH="0" baseline="0" smtClean="0">
-                <a:ln>
-                  <a:noFill/>
-                </a:ln>
-                <a:solidFill>
-                  <a:schemeClr val="tx1"/>
-                </a:solidFill>
-                <a:effectLst/>
-                <a:latin typeface="Arial" panose="020B0604020202020204" pitchFamily="34" charset="0"/>
-              </a:rPr>
-            </a:br>
-            <a:endParaRPr kumimoji="0" lang="ru-RU" altLang="ru-RU" sz="1800" b="0" i="0" u="none" strike="noStrike" cap="none" normalizeH="0" baseline="0" smtClean="0">
-              <a:ln>
-                <a:noFill/>
-              </a:ln>
-              <a:solidFill>
-                <a:schemeClr val="tx1"/>
-              </a:solidFill>
-              <a:effectLst/>
-              <a:latin typeface="Arial" panose="020B0604020202020204" pitchFamily="34" charset="0"/>
-            </a:endParaRPr>
-          </a:p>
-        </p:txBody>
-      </p:sp>
-      <p:graphicFrame>
-        <p:nvGraphicFramePr>
-          <p:cNvPr id="16" name="Таблица 15"/>
-          <p:cNvGraphicFramePr>
-            <a:graphicFrameLocks noGrp="1"/>
-          </p:cNvGraphicFramePr>
-          <p:nvPr>
-            <p:extLst>
-              <p:ext uri="{D42A27DB-BD31-4B8C-83A1-F6EECF244321}">
-                <p14:modId xmlns:p14="http://schemas.microsoft.com/office/powerpoint/2010/main" val="2392044511"/>
-              </p:ext>
-            </p:extLst>
-          </p:nvPr>
-        </p:nvGraphicFramePr>
-        <p:xfrm>
-          <a:off x="984086" y="2468109"/>
-          <a:ext cx="10223828" cy="4657727"/>
-        </p:xfrm>
-        <a:graphic>
-          <a:graphicData uri="http://schemas.openxmlformats.org/drawingml/2006/table">
-            <a:tbl>
-              <a:tblPr firstRow="1" firstCol="1" bandRow="1">
-                <a:tableStyleId>{5C22544A-7EE6-4342-B048-85BDC9FD1C3A}</a:tableStyleId>
-              </a:tblPr>
-              <a:tblGrid>
-                <a:gridCol w="3827334">
-                  <a:extLst>
-                    <a:ext uri="{9D8B030D-6E8A-4147-A177-3AD203B41FA5}">
-                      <a16:colId xmlns:a16="http://schemas.microsoft.com/office/drawing/2014/main" val="2380330741"/>
-                    </a:ext>
-                  </a:extLst>
-                </a:gridCol>
-                <a:gridCol w="6396494">
-                  <a:extLst>
-                    <a:ext uri="{9D8B030D-6E8A-4147-A177-3AD203B41FA5}">
-                      <a16:colId xmlns:a16="http://schemas.microsoft.com/office/drawing/2014/main" val="3651323977"/>
-                    </a:ext>
-                  </a:extLst>
-                </a:gridCol>
-              </a:tblGrid>
-              <a:tr h="0">
-                <a:tc>
-                  <a:txBody>
-                    <a:bodyPr/>
-                    <a:lstStyle/>
-                    <a:p>
-                      <a:pPr>
-                        <a:lnSpc>
-                          <a:spcPct val="107000"/>
-                        </a:lnSpc>
-                        <a:spcAft>
-                          <a:spcPts val="0"/>
-                        </a:spcAft>
-                      </a:pPr>
-                      <a:r>
-                        <a:rPr lang="ru-RU" sz="2400">
-                          <a:effectLst/>
-                        </a:rPr>
-                        <a:t>Функциональность</a:t>
-                      </a:r>
-                      <a:endParaRPr lang="ru-RU" sz="2400">
-                        <a:effectLst/>
-                        <a:latin typeface="Times New Roman" panose="02020603050405020304" pitchFamily="18" charset="0"/>
-                        <a:ea typeface="Calibri" panose="020F0502020204030204" pitchFamily="34" charset="0"/>
-                        <a:cs typeface="Times New Roman" panose="02020603050405020304" pitchFamily="18" charset="0"/>
-                      </a:endParaRPr>
-                    </a:p>
-                  </a:txBody>
-                  <a:tcPr marL="68580" marR="68580" marT="0" marB="0"/>
-                </a:tc>
-                <a:tc>
-                  <a:txBody>
-                    <a:bodyPr/>
-                    <a:lstStyle/>
-                    <a:p>
-                      <a:pPr>
-                        <a:lnSpc>
-                          <a:spcPct val="107000"/>
-                        </a:lnSpc>
-                        <a:spcAft>
-                          <a:spcPts val="0"/>
-                        </a:spcAft>
-                      </a:pPr>
-                      <a:r>
-                        <a:rPr lang="ru-RU" sz="2400" b="0" dirty="0">
-                          <a:solidFill>
-                            <a:schemeClr val="tx1"/>
-                          </a:solidFill>
-                          <a:effectLst/>
-                        </a:rPr>
-                        <a:t>Поиск товаров в каталоге по названию товара, описанию товара.</a:t>
-                      </a:r>
-                      <a:endParaRPr lang="ru-RU" sz="2400" b="0" dirty="0">
-                        <a:solidFill>
-                          <a:schemeClr val="tx1"/>
-                        </a:solidFill>
-                        <a:effectLst/>
-                        <a:latin typeface="Times New Roman" panose="02020603050405020304" pitchFamily="18" charset="0"/>
-                        <a:ea typeface="Calibri" panose="020F0502020204030204" pitchFamily="34" charset="0"/>
-                        <a:cs typeface="Times New Roman" panose="02020603050405020304" pitchFamily="18" charset="0"/>
-                      </a:endParaRPr>
-                    </a:p>
-                  </a:txBody>
-                  <a:tcPr marL="68580" marR="68580" marT="0" marB="0">
-                    <a:solidFill>
-                      <a:schemeClr val="bg2"/>
-                    </a:solidFill>
-                  </a:tcPr>
-                </a:tc>
-                <a:extLst>
-                  <a:ext uri="{0D108BD9-81ED-4DB2-BD59-A6C34878D82A}">
-                    <a16:rowId xmlns:a16="http://schemas.microsoft.com/office/drawing/2014/main" val="3457561735"/>
-                  </a:ext>
-                </a:extLst>
-              </a:tr>
-              <a:tr h="0">
-                <a:tc>
-                  <a:txBody>
-                    <a:bodyPr/>
-                    <a:lstStyle/>
-                    <a:p>
-                      <a:pPr>
-                        <a:lnSpc>
-                          <a:spcPct val="107000"/>
-                        </a:lnSpc>
-                        <a:spcAft>
-                          <a:spcPts val="0"/>
-                        </a:spcAft>
-                      </a:pPr>
-                      <a:r>
-                        <a:rPr lang="ru-RU" sz="2400" dirty="0" smtClean="0">
-                          <a:effectLst/>
-                        </a:rPr>
-                        <a:t>Наличие ограничений на длину введённых данных во всех полях ввода.</a:t>
-                      </a:r>
-                      <a:endParaRPr lang="ru-RU" sz="2400" dirty="0">
-                        <a:effectLst/>
-                        <a:latin typeface="Times New Roman" panose="02020603050405020304" pitchFamily="18" charset="0"/>
-                        <a:ea typeface="Calibri" panose="020F0502020204030204" pitchFamily="34" charset="0"/>
-                        <a:cs typeface="Times New Roman" panose="02020603050405020304" pitchFamily="18" charset="0"/>
-                      </a:endParaRPr>
-                    </a:p>
-                  </a:txBody>
-                  <a:tcPr marL="68580" marR="68580" marT="0" marB="0"/>
-                </a:tc>
-                <a:tc>
-                  <a:txBody>
-                    <a:bodyPr/>
-                    <a:lstStyle/>
-                    <a:p>
-                      <a:pPr>
-                        <a:lnSpc>
-                          <a:spcPct val="107000"/>
-                        </a:lnSpc>
-                        <a:spcAft>
-                          <a:spcPts val="0"/>
-                        </a:spcAft>
-                      </a:pPr>
-                      <a:endParaRPr lang="ru-RU" sz="2400" dirty="0">
-                        <a:effectLst/>
-                        <a:latin typeface="Times New Roman" panose="02020603050405020304" pitchFamily="18" charset="0"/>
-                        <a:ea typeface="Calibri" panose="020F0502020204030204" pitchFamily="34" charset="0"/>
-                        <a:cs typeface="Times New Roman" panose="02020603050405020304" pitchFamily="18" charset="0"/>
-                      </a:endParaRPr>
-                    </a:p>
-                  </a:txBody>
-                  <a:tcPr marL="68580" marR="68580" marT="0" marB="0"/>
-                </a:tc>
-                <a:extLst>
-                  <a:ext uri="{0D108BD9-81ED-4DB2-BD59-A6C34878D82A}">
-                    <a16:rowId xmlns:a16="http://schemas.microsoft.com/office/drawing/2014/main" val="939084457"/>
-                  </a:ext>
-                </a:extLst>
-              </a:tr>
-              <a:tr h="0">
-                <a:tc>
-                  <a:txBody>
-                    <a:bodyPr/>
-                    <a:lstStyle/>
-                    <a:p>
-                      <a:endParaRPr lang="ru-RU" dirty="0"/>
-                    </a:p>
-                  </a:txBody>
-                  <a:tcPr marL="68580" marR="68580" marT="0" marB="0"/>
-                </a:tc>
-                <a:tc>
-                  <a:txBody>
-                    <a:bodyPr/>
-                    <a:lstStyle/>
-                    <a:p>
-                      <a:pPr>
-                        <a:lnSpc>
-                          <a:spcPct val="107000"/>
-                        </a:lnSpc>
-                        <a:spcAft>
-                          <a:spcPts val="0"/>
-                        </a:spcAft>
-                      </a:pPr>
-                      <a:r>
-                        <a:rPr lang="ru-RU" sz="2400" dirty="0">
-                          <a:effectLst/>
-                        </a:rPr>
-                        <a:t>Время ответа сайта не превышает 30 сек.</a:t>
-                      </a:r>
-                      <a:endParaRPr lang="ru-RU" sz="2400" dirty="0">
-                        <a:effectLst/>
-                        <a:latin typeface="Times New Roman" panose="02020603050405020304" pitchFamily="18" charset="0"/>
-                        <a:ea typeface="Calibri" panose="020F0502020204030204" pitchFamily="34" charset="0"/>
-                        <a:cs typeface="Times New Roman" panose="02020603050405020304" pitchFamily="18" charset="0"/>
-                      </a:endParaRPr>
-                    </a:p>
-                  </a:txBody>
-                  <a:tcPr marL="68580" marR="68580" marT="0" marB="0"/>
-                </a:tc>
-                <a:extLst>
-                  <a:ext uri="{0D108BD9-81ED-4DB2-BD59-A6C34878D82A}">
-                    <a16:rowId xmlns:a16="http://schemas.microsoft.com/office/drawing/2014/main" val="2950118443"/>
-                  </a:ext>
-                </a:extLst>
-              </a:tr>
-              <a:tr h="0">
-                <a:tc>
-                  <a:txBody>
-                    <a:bodyPr/>
-                    <a:lstStyle/>
-                    <a:p>
-                      <a:endParaRPr lang="ru-RU" dirty="0"/>
-                    </a:p>
-                  </a:txBody>
-                  <a:tcPr marL="68580" marR="68580" marT="0" marB="0"/>
-                </a:tc>
-                <a:tc>
-                  <a:txBody>
-                    <a:bodyPr/>
-                    <a:lstStyle/>
-                    <a:p>
-                      <a:pPr>
-                        <a:lnSpc>
-                          <a:spcPct val="107000"/>
-                        </a:lnSpc>
-                        <a:spcAft>
-                          <a:spcPts val="0"/>
-                        </a:spcAft>
-                      </a:pPr>
-                      <a:r>
-                        <a:rPr lang="ru-RU" sz="2400" dirty="0">
-                          <a:effectLst/>
-                        </a:rPr>
-                        <a:t>Ведение системы контроля версий проекта.</a:t>
-                      </a:r>
-                      <a:endParaRPr lang="ru-RU" sz="2400" dirty="0">
-                        <a:effectLst/>
-                        <a:latin typeface="Times New Roman" panose="02020603050405020304" pitchFamily="18" charset="0"/>
-                        <a:ea typeface="Calibri" panose="020F0502020204030204" pitchFamily="34" charset="0"/>
-                        <a:cs typeface="Times New Roman" panose="02020603050405020304" pitchFamily="18" charset="0"/>
-                      </a:endParaRPr>
-                    </a:p>
-                  </a:txBody>
-                  <a:tcPr marL="68580" marR="68580" marT="0" marB="0"/>
-                </a:tc>
-                <a:extLst>
-                  <a:ext uri="{0D108BD9-81ED-4DB2-BD59-A6C34878D82A}">
-                    <a16:rowId xmlns:a16="http://schemas.microsoft.com/office/drawing/2014/main" val="2128027604"/>
-                  </a:ext>
-                </a:extLst>
-              </a:tr>
-              <a:tr h="0">
-                <a:tc>
-                  <a:txBody>
-                    <a:bodyPr/>
-                    <a:lstStyle/>
-                    <a:p>
-                      <a:pPr>
-                        <a:lnSpc>
-                          <a:spcPct val="107000"/>
-                        </a:lnSpc>
-                        <a:spcAft>
-                          <a:spcPts val="0"/>
-                        </a:spcAft>
-                      </a:pPr>
-                      <a:r>
-                        <a:rPr lang="ru-RU" sz="2400" dirty="0" smtClean="0">
-                          <a:effectLst/>
-                        </a:rPr>
-                        <a:t>Ведение системы контроля версий проекта.</a:t>
-                      </a:r>
-                      <a:endParaRPr lang="ru-RU" sz="2400" dirty="0">
-                        <a:effectLst/>
-                        <a:latin typeface="Times New Roman" panose="02020603050405020304" pitchFamily="18" charset="0"/>
-                        <a:ea typeface="Calibri" panose="020F0502020204030204" pitchFamily="34" charset="0"/>
-                        <a:cs typeface="Times New Roman" panose="02020603050405020304" pitchFamily="18" charset="0"/>
-                      </a:endParaRPr>
-                    </a:p>
-                  </a:txBody>
-                  <a:tcPr marL="68580" marR="68580" marT="0" marB="0"/>
-                </a:tc>
-                <a:tc>
-                  <a:txBody>
-                    <a:bodyPr/>
-                    <a:lstStyle/>
-                    <a:p>
-                      <a:pPr>
-                        <a:lnSpc>
-                          <a:spcPct val="107000"/>
-                        </a:lnSpc>
-                        <a:spcAft>
-                          <a:spcPts val="0"/>
-                        </a:spcAft>
-                      </a:pPr>
-                      <a:r>
-                        <a:rPr lang="ru-RU" sz="2400" dirty="0">
-                          <a:effectLst/>
-                        </a:rPr>
-                        <a:t>Ведение системы контроля версий проекта.</a:t>
-                      </a:r>
-                      <a:endParaRPr lang="ru-RU" sz="2400" dirty="0">
-                        <a:effectLst/>
-                        <a:latin typeface="Times New Roman" panose="02020603050405020304" pitchFamily="18" charset="0"/>
-                        <a:ea typeface="Calibri" panose="020F0502020204030204" pitchFamily="34" charset="0"/>
-                        <a:cs typeface="Times New Roman" panose="02020603050405020304" pitchFamily="18" charset="0"/>
-                      </a:endParaRPr>
-                    </a:p>
-                  </a:txBody>
-                  <a:tcPr marL="68580" marR="68580" marT="0" marB="0"/>
-                </a:tc>
-                <a:extLst>
-                  <a:ext uri="{0D108BD9-81ED-4DB2-BD59-A6C34878D82A}">
-                    <a16:rowId xmlns:a16="http://schemas.microsoft.com/office/drawing/2014/main" val="3448104573"/>
-                  </a:ext>
-                </a:extLst>
-              </a:tr>
-              <a:tr h="0">
-                <a:tc>
-                  <a:txBody>
-                    <a:bodyPr/>
-                    <a:lstStyle/>
-                    <a:p>
-                      <a:pPr>
-                        <a:lnSpc>
-                          <a:spcPct val="107000"/>
-                        </a:lnSpc>
-                        <a:spcAft>
-                          <a:spcPts val="0"/>
-                        </a:spcAft>
-                      </a:pPr>
-                      <a:r>
-                        <a:rPr lang="ru-RU" sz="2400" dirty="0">
-                          <a:effectLst/>
-                        </a:rPr>
-                        <a:t>Переносимость</a:t>
-                      </a:r>
-                      <a:endParaRPr lang="ru-RU" sz="2400" dirty="0">
-                        <a:effectLst/>
-                        <a:latin typeface="Times New Roman" panose="02020603050405020304" pitchFamily="18" charset="0"/>
-                        <a:ea typeface="Calibri" panose="020F0502020204030204" pitchFamily="34" charset="0"/>
-                        <a:cs typeface="Times New Roman" panose="02020603050405020304" pitchFamily="18" charset="0"/>
-                      </a:endParaRPr>
-                    </a:p>
-                  </a:txBody>
-                  <a:tcPr marL="68580" marR="68580" marT="0" marB="0"/>
-                </a:tc>
-                <a:tc>
-                  <a:txBody>
-                    <a:bodyPr/>
-                    <a:lstStyle/>
-                    <a:p>
-                      <a:pPr>
-                        <a:lnSpc>
-                          <a:spcPct val="107000"/>
-                        </a:lnSpc>
-                        <a:spcAft>
-                          <a:spcPts val="0"/>
-                        </a:spcAft>
-                      </a:pPr>
-                      <a:r>
-                        <a:rPr lang="ru-RU" sz="2400" dirty="0">
-                          <a:effectLst/>
-                        </a:rPr>
-                        <a:t>Возможность открыть с самых популярных браузеров (</a:t>
-                      </a:r>
-                      <a:r>
-                        <a:rPr lang="en-US" sz="2400" dirty="0">
-                          <a:effectLst/>
-                        </a:rPr>
-                        <a:t>Google Chrome</a:t>
-                      </a:r>
-                      <a:r>
-                        <a:rPr lang="ru-RU" sz="2400" dirty="0">
-                          <a:effectLst/>
-                        </a:rPr>
-                        <a:t>, </a:t>
-                      </a:r>
-                      <a:r>
-                        <a:rPr lang="en-US" sz="2400" dirty="0">
-                          <a:effectLst/>
-                        </a:rPr>
-                        <a:t>Opera</a:t>
-                      </a:r>
-                      <a:r>
-                        <a:rPr lang="ru-RU" sz="2400" dirty="0">
-                          <a:effectLst/>
-                        </a:rPr>
-                        <a:t>, </a:t>
-                      </a:r>
-                      <a:r>
-                        <a:rPr lang="en-US" sz="2400" dirty="0" err="1">
-                          <a:effectLst/>
-                        </a:rPr>
-                        <a:t>Yandex</a:t>
-                      </a:r>
-                      <a:r>
-                        <a:rPr lang="en-US" sz="2400" dirty="0">
-                          <a:effectLst/>
-                        </a:rPr>
-                        <a:t> Browser</a:t>
-                      </a:r>
-                      <a:r>
-                        <a:rPr lang="ru-RU" sz="2400" dirty="0">
-                          <a:effectLst/>
-                        </a:rPr>
-                        <a:t>, </a:t>
-                      </a:r>
-                      <a:r>
-                        <a:rPr lang="en-US" sz="2400" dirty="0">
-                          <a:effectLst/>
-                        </a:rPr>
-                        <a:t>Mozilla Firefox</a:t>
-                      </a:r>
-                      <a:r>
-                        <a:rPr lang="ru-RU" sz="2400" dirty="0">
-                          <a:effectLst/>
-                        </a:rPr>
-                        <a:t>).</a:t>
-                      </a:r>
-                      <a:endParaRPr lang="ru-RU" sz="2400" dirty="0">
-                        <a:effectLst/>
-                        <a:latin typeface="Times New Roman" panose="02020603050405020304" pitchFamily="18" charset="0"/>
-                        <a:ea typeface="Calibri" panose="020F0502020204030204" pitchFamily="34" charset="0"/>
-                        <a:cs typeface="Times New Roman" panose="02020603050405020304" pitchFamily="18" charset="0"/>
-                      </a:endParaRPr>
-                    </a:p>
-                  </a:txBody>
-                  <a:tcPr marL="68580" marR="68580" marT="0" marB="0"/>
-                </a:tc>
-                <a:extLst>
-                  <a:ext uri="{0D108BD9-81ED-4DB2-BD59-A6C34878D82A}">
-                    <a16:rowId xmlns:a16="http://schemas.microsoft.com/office/drawing/2014/main" val="3596681417"/>
-                  </a:ext>
-                </a:extLst>
-              </a:tr>
-            </a:tbl>
-          </a:graphicData>
-        </a:graphic>
-      </p:graphicFrame>
+              <a:buClr>
+                <a:schemeClr val="accent2"/>
+              </a:buClr>
+              <a:buSzPct val="92000"/>
+              <a:buFont typeface="Wingdings 2" panose="05020102010507070707" pitchFamily="18" charset="2"/>
+              <a:buChar char=""/>
+              <a:defRPr sz="1600" kern="1200">
+                <a:solidFill>
+                  <a:schemeClr val="tx2"/>
+                </a:solidFill>
+                <a:latin typeface="+mn-lt"/>
+                <a:ea typeface="+mn-ea"/>
+                <a:cs typeface="+mn-cs"/>
+              </a:defRPr>
+            </a:lvl2pPr>
+            <a:lvl3pPr marL="900000" indent="-270000" algn="l" defTabSz="457200" rtl="0" eaLnBrk="1" latinLnBrk="0" hangingPunct="1">
+              <a:spcBef>
+                <a:spcPct val="20000"/>
+              </a:spcBef>
+              <a:spcAft>
+                <a:spcPts val="600"/>
+              </a:spcAft>
+              <a:buClr>
+                <a:schemeClr val="accent2"/>
+              </a:buClr>
+              <a:buSzPct val="92000"/>
+              <a:buFont typeface="Wingdings 2" panose="05020102010507070707" pitchFamily="18" charset="2"/>
+              <a:buChar char=""/>
+              <a:defRPr sz="1400" kern="1200">
+                <a:solidFill>
+                  <a:schemeClr val="tx2"/>
+                </a:solidFill>
+                <a:latin typeface="+mn-lt"/>
+                <a:ea typeface="+mn-ea"/>
+                <a:cs typeface="+mn-cs"/>
+              </a:defRPr>
+            </a:lvl3pPr>
+            <a:lvl4pPr marL="1242000" indent="-234000" algn="l" defTabSz="457200" rtl="0" eaLnBrk="1" latinLnBrk="0" hangingPunct="1">
+              <a:spcBef>
+                <a:spcPct val="20000"/>
+              </a:spcBef>
+              <a:spcAft>
+                <a:spcPts val="600"/>
+              </a:spcAft>
+              <a:buClr>
+                <a:schemeClr val="accent2"/>
+              </a:buClr>
+              <a:buSzPct val="92000"/>
+              <a:buFont typeface="Wingdings 2" panose="05020102010507070707" pitchFamily="18" charset="2"/>
+              <a:buChar char=""/>
+              <a:defRPr sz="1200" kern="1200">
+                <a:solidFill>
+                  <a:schemeClr val="tx2"/>
+                </a:solidFill>
+                <a:latin typeface="+mn-lt"/>
+                <a:ea typeface="+mn-ea"/>
+                <a:cs typeface="+mn-cs"/>
+              </a:defRPr>
+            </a:lvl4pPr>
+            <a:lvl5pPr marL="1602000" indent="-234000" algn="l" defTabSz="457200" rtl="0" eaLnBrk="1" latinLnBrk="0" hangingPunct="1">
+              <a:spcBef>
+                <a:spcPct val="20000"/>
+              </a:spcBef>
+              <a:spcAft>
+                <a:spcPts val="600"/>
+              </a:spcAft>
+              <a:buClr>
+                <a:schemeClr val="accent2"/>
+              </a:buClr>
+              <a:buSzPct val="92000"/>
+              <a:buFont typeface="Wingdings 2" panose="05020102010507070707" pitchFamily="18" charset="2"/>
+              <a:buChar char=""/>
+              <a:defRPr sz="1200" kern="1200">
+                <a:solidFill>
+                  <a:schemeClr val="tx2"/>
+                </a:solidFill>
+                <a:latin typeface="+mn-lt"/>
+                <a:ea typeface="+mn-ea"/>
+                <a:cs typeface="+mn-cs"/>
+              </a:defRPr>
+            </a:lvl5pPr>
+            <a:lvl6pPr marL="1900000" indent="-228600" algn="l" defTabSz="457200" rtl="0" eaLnBrk="1" latinLnBrk="0" hangingPunct="1">
+              <a:spcBef>
+                <a:spcPct val="20000"/>
+              </a:spcBef>
+              <a:spcAft>
+                <a:spcPts val="600"/>
+              </a:spcAft>
+              <a:buClr>
+                <a:schemeClr val="accent2"/>
+              </a:buClr>
+              <a:buSzPct val="92000"/>
+              <a:buFont typeface="Wingdings 2" panose="05020102010507070707" pitchFamily="18" charset="2"/>
+              <a:buChar char=""/>
+              <a:defRPr sz="1200" kern="1200">
+                <a:solidFill>
+                  <a:schemeClr val="tx2"/>
+                </a:solidFill>
+                <a:latin typeface="+mn-lt"/>
+                <a:ea typeface="+mn-ea"/>
+                <a:cs typeface="+mn-cs"/>
+              </a:defRPr>
+            </a:lvl6pPr>
+            <a:lvl7pPr marL="2200000" indent="-228600" algn="l" defTabSz="457200" rtl="0" eaLnBrk="1" latinLnBrk="0" hangingPunct="1">
+              <a:spcBef>
+                <a:spcPct val="20000"/>
+              </a:spcBef>
+              <a:spcAft>
+                <a:spcPts val="600"/>
+              </a:spcAft>
+              <a:buClr>
+                <a:schemeClr val="accent2"/>
+              </a:buClr>
+              <a:buSzPct val="92000"/>
+              <a:buFont typeface="Wingdings 2" panose="05020102010507070707" pitchFamily="18" charset="2"/>
+              <a:buChar char=""/>
+              <a:defRPr sz="1200" kern="1200">
+                <a:solidFill>
+                  <a:schemeClr val="tx2"/>
+                </a:solidFill>
+                <a:latin typeface="+mn-lt"/>
+                <a:ea typeface="+mn-ea"/>
+                <a:cs typeface="+mn-cs"/>
+              </a:defRPr>
+            </a:lvl7pPr>
+            <a:lvl8pPr marL="2500000" indent="-228600" algn="l" defTabSz="457200" rtl="0" eaLnBrk="1" latinLnBrk="0" hangingPunct="1">
+              <a:spcBef>
+                <a:spcPct val="20000"/>
+              </a:spcBef>
+              <a:spcAft>
+                <a:spcPts val="600"/>
+              </a:spcAft>
+              <a:buClr>
+                <a:schemeClr val="accent2"/>
+              </a:buClr>
+              <a:buSzPct val="92000"/>
+              <a:buFont typeface="Wingdings 2" panose="05020102010507070707" pitchFamily="18" charset="2"/>
+              <a:buChar char=""/>
+              <a:defRPr sz="1200" kern="1200">
+                <a:solidFill>
+                  <a:schemeClr val="tx2"/>
+                </a:solidFill>
+                <a:latin typeface="+mn-lt"/>
+                <a:ea typeface="+mn-ea"/>
+                <a:cs typeface="+mn-cs"/>
+              </a:defRPr>
+            </a:lvl8pPr>
+            <a:lvl9pPr marL="2800000" indent="-228600" algn="l" defTabSz="457200" rtl="0" eaLnBrk="1" latinLnBrk="0" hangingPunct="1">
+              <a:spcBef>
+                <a:spcPct val="20000"/>
+              </a:spcBef>
+              <a:spcAft>
+                <a:spcPts val="600"/>
+              </a:spcAft>
+              <a:buClr>
+                <a:schemeClr val="accent2"/>
+              </a:buClr>
+              <a:buSzPct val="92000"/>
+              <a:buFont typeface="Wingdings 2" panose="05020102010507070707" pitchFamily="18" charset="2"/>
+              <a:buChar char=""/>
+              <a:defRPr sz="1200" kern="1200">
+                <a:solidFill>
+                  <a:schemeClr val="tx2"/>
+                </a:solidFill>
+                <a:latin typeface="+mn-lt"/>
+                <a:ea typeface="+mn-ea"/>
+                <a:cs typeface="+mn-cs"/>
+              </a:defRPr>
+            </a:lvl9pPr>
+          </a:lstStyle>
+          <a:p>
+            <a:r>
+              <a:rPr lang="ru-RU" sz="2400" dirty="0" smtClean="0"/>
+              <a:t>Пример </a:t>
+            </a:r>
+            <a:r>
+              <a:rPr lang="ru-RU" sz="2400" u="sng" dirty="0" smtClean="0"/>
+              <a:t>сообщения об ошибке</a:t>
+            </a:r>
+            <a:endParaRPr lang="ru-RU" sz="2400" u="sng" dirty="0" smtClean="0"/>
+          </a:p>
+        </p:txBody>
+      </p:sp>
+      <p:sp>
+        <p:nvSpPr>
+          <p:cNvPr id="8" name="Заголовок 1"/>
+          <p:cNvSpPr>
+            <a:spLocks noGrp="1"/>
+          </p:cNvSpPr>
+          <p:nvPr>
+            <p:ph type="title"/>
+          </p:nvPr>
+        </p:nvSpPr>
+        <p:spPr/>
+        <p:txBody>
+          <a:bodyPr/>
+          <a:lstStyle/>
+          <a:p>
+            <a:r>
+              <a:rPr lang="ru-RU" dirty="0" smtClean="0"/>
+              <a:t>Руководство оператора</a:t>
+            </a:r>
+            <a:endParaRPr lang="ru-RU" dirty="0"/>
+          </a:p>
+        </p:txBody>
+      </p:sp>
     </p:spTree>
     <p:extLst>
       <p:ext uri="{BB962C8B-B14F-4D97-AF65-F5344CB8AC3E}">
-        <p14:creationId xmlns:p14="http://schemas.microsoft.com/office/powerpoint/2010/main" val="465720200"/>
+        <p14:creationId xmlns:p14="http://schemas.microsoft.com/office/powerpoint/2010/main" val="1841903891"/>
       </p:ext>
     </p:extLst>
   </p:cSld>
   <p:clrMapOvr>
     <a:masterClrMapping/>
   </p:clrMapOvr>
-  <p:timing>
-    <p:tnLst>
-      <p:par>
-        <p:cTn id="1" dur="indefinite" restart="never" nodeType="tmRoot"/>
-      </p:par>
-    </p:tnLst>
-  </p:timing>
 </p:sld>
 </file>
 
@@ -5551,7 +5152,7 @@
       </p:grpSpPr>
       <p:sp>
         <p:nvSpPr>
-          <p:cNvPr id="2" name="Заголовок 1"/>
+          <p:cNvPr id="5" name="Заголовок 4"/>
           <p:cNvSpPr>
             <a:spLocks noGrp="1"/>
           </p:cNvSpPr>
@@ -5565,30 +5166,253 @@
           <a:lstStyle/>
           <a:p>
             <a:r>
-              <a:rPr lang="ru-RU" dirty="0"/>
+              <a:rPr lang="ru-RU" dirty="0" smtClean="0"/>
               <a:t>Тестирование</a:t>
             </a:r>
+            <a:endParaRPr lang="ru-RU" dirty="0"/>
+          </a:p>
+        </p:txBody>
+      </p:sp>
+      <p:sp>
+        <p:nvSpPr>
+          <p:cNvPr id="9" name="Номер слайда 8"/>
+          <p:cNvSpPr>
+            <a:spLocks noGrp="1"/>
+          </p:cNvSpPr>
+          <p:nvPr>
+            <p:ph type="sldNum" sz="quarter" idx="12"/>
+          </p:nvPr>
+        </p:nvSpPr>
+        <p:spPr/>
+        <p:txBody>
+          <a:bodyPr/>
+          <a:lstStyle/>
+          <a:p>
+            <a:fld id="{D57F1E4F-1CFF-5643-939E-217C01CDF565}" type="slidenum">
+              <a:rPr lang="en-US" sz="1200" smtClean="0"/>
+              <a:pPr/>
+              <a:t>11</a:t>
+            </a:fld>
+            <a:r>
+              <a:rPr lang="ru-RU" sz="1200" dirty="0"/>
+              <a:t> из </a:t>
+            </a:r>
+            <a:r>
+              <a:rPr lang="ru-RU" sz="1200" dirty="0"/>
+              <a:t>15</a:t>
+            </a:r>
+            <a:endParaRPr lang="en-US" sz="1200" dirty="0"/>
+          </a:p>
+        </p:txBody>
+      </p:sp>
+      <p:sp>
+        <p:nvSpPr>
+          <p:cNvPr id="4" name="Rectangle 1"/>
+          <p:cNvSpPr>
+            <a:spLocks noChangeArrowheads="1"/>
+          </p:cNvSpPr>
+          <p:nvPr/>
+        </p:nvSpPr>
+        <p:spPr bwMode="auto">
+          <a:xfrm>
+            <a:off x="4720273" y="2012315"/>
+            <a:ext cx="12192000" cy="0"/>
+          </a:xfrm>
+          <a:prstGeom prst="rect">
+            <a:avLst/>
+          </a:prstGeom>
+          <a:noFill/>
+          <a:ln>
+            <a:noFill/>
+          </a:ln>
+          <a:effectLst/>
+          <a:extLst>
+            <a:ext uri="{909E8E84-426E-40DD-AFC4-6F175D3DCCD1}">
+              <a14:hiddenFill xmlns:a14="http://schemas.microsoft.com/office/drawing/2010/main">
+                <a:solidFill>
+                  <a:schemeClr val="accent1"/>
+                </a:solidFill>
+              </a14:hiddenFill>
+            </a:ext>
+            <a:ext uri="{91240B29-F687-4F45-9708-019B960494DF}">
+              <a14:hiddenLine xmlns:a14="http://schemas.microsoft.com/office/drawing/2010/main" w="9525">
+                <a:solidFill>
+                  <a:schemeClr val="tx1"/>
+                </a:solidFill>
+                <a:miter lim="800000"/>
+                <a:headEnd/>
+                <a:tailEnd/>
+              </a14:hiddenLine>
+            </a:ext>
+            <a:ext uri="{AF507438-7753-43E0-B8FC-AC1667EBCBE1}">
+              <a14:hiddenEffects xmlns:a14="http://schemas.microsoft.com/office/drawing/2010/main">
+                <a:effectLst>
+                  <a:outerShdw dist="35921" dir="2700000" algn="ctr" rotWithShape="0">
+                    <a:schemeClr val="bg2"/>
+                  </a:outerShdw>
+                </a:effectLst>
+              </a14:hiddenEffects>
+            </a:ext>
+          </a:extLst>
+        </p:spPr>
+        <p:txBody>
+          <a:bodyPr vert="horz" wrap="none" lIns="91440" tIns="45720" rIns="91440" bIns="45720" numCol="1" anchor="ctr" anchorCtr="0" compatLnSpc="1">
+            <a:prstTxWarp prst="textNoShape">
+              <a:avLst/>
+            </a:prstTxWarp>
+            <a:spAutoFit/>
+          </a:bodyPr>
+          <a:lstStyle/>
+          <a:p>
+            <a:pPr marL="0" marR="0" lvl="0" indent="0" algn="l" defTabSz="914400" rtl="0" eaLnBrk="0" fontAlgn="base" latinLnBrk="0" hangingPunct="0">
+              <a:lnSpc>
+                <a:spcPct val="100000"/>
+              </a:lnSpc>
+              <a:spcBef>
+                <a:spcPct val="0"/>
+              </a:spcBef>
+              <a:spcAft>
+                <a:spcPct val="0"/>
+              </a:spcAft>
+              <a:buClrTx/>
+              <a:buSzTx/>
+              <a:buFontTx/>
+              <a:buNone/>
+              <a:tabLst/>
+            </a:pPr>
+            <a:r>
+              <a:rPr kumimoji="0" lang="ru-RU" altLang="ru-RU" sz="1800" b="0" i="0" u="none" strike="noStrike" cap="none" normalizeH="0" baseline="0" smtClean="0">
+                <a:ln>
+                  <a:noFill/>
+                </a:ln>
+                <a:solidFill>
+                  <a:schemeClr val="tx1"/>
+                </a:solidFill>
+                <a:effectLst/>
+                <a:latin typeface="Arial" panose="020B0604020202020204" pitchFamily="34" charset="0"/>
+              </a:rPr>
+              <a:t/>
+            </a:r>
+            <a:br>
+              <a:rPr kumimoji="0" lang="ru-RU" altLang="ru-RU" sz="1800" b="0" i="0" u="none" strike="noStrike" cap="none" normalizeH="0" baseline="0" smtClean="0">
+                <a:ln>
+                  <a:noFill/>
+                </a:ln>
+                <a:solidFill>
+                  <a:schemeClr val="tx1"/>
+                </a:solidFill>
+                <a:effectLst/>
+                <a:latin typeface="Arial" panose="020B0604020202020204" pitchFamily="34" charset="0"/>
+              </a:rPr>
+            </a:br>
+            <a:endParaRPr kumimoji="0" lang="ru-RU" altLang="ru-RU" sz="1800" b="0" i="0" u="none" strike="noStrike" cap="none" normalizeH="0" baseline="0" smtClean="0">
+              <a:ln>
+                <a:noFill/>
+              </a:ln>
+              <a:solidFill>
+                <a:schemeClr val="tx1"/>
+              </a:solidFill>
+              <a:effectLst/>
+              <a:latin typeface="Arial" panose="020B0604020202020204" pitchFamily="34" charset="0"/>
+            </a:endParaRPr>
+          </a:p>
+        </p:txBody>
+      </p:sp>
+      <p:sp>
+        <p:nvSpPr>
+          <p:cNvPr id="11" name="Объект 2"/>
+          <p:cNvSpPr>
+            <a:spLocks noGrp="1"/>
+          </p:cNvSpPr>
+          <p:nvPr>
+            <p:ph idx="1"/>
+          </p:nvPr>
+        </p:nvSpPr>
+        <p:spPr>
+          <a:xfrm>
+            <a:off x="581192" y="2012315"/>
+            <a:ext cx="6381082" cy="3943822"/>
+          </a:xfrm>
+        </p:spPr>
+        <p:txBody>
+          <a:bodyPr>
+            <a:normAutofit fontScale="85000" lnSpcReduction="20000"/>
+          </a:bodyPr>
+          <a:lstStyle/>
+          <a:p>
+            <a:r>
+              <a:rPr lang="ru-RU" sz="2800" dirty="0" smtClean="0"/>
+              <a:t>Примеры наших ключевых оценочных </a:t>
+            </a:r>
+            <a:r>
+              <a:rPr lang="ru-RU" sz="2800" dirty="0" smtClean="0"/>
+              <a:t>элементов:</a:t>
+            </a:r>
+          </a:p>
+          <a:p>
+            <a:pPr marL="457200" indent="-457200">
+              <a:buFont typeface="+mj-lt"/>
+              <a:buAutoNum type="arabicPeriod"/>
+            </a:pPr>
+            <a:r>
+              <a:rPr lang="ru-RU" sz="2800" dirty="0" smtClean="0"/>
+              <a:t>Если существует максимальные по длине входные данные, то ограничение на длину ввода им соответствует</a:t>
+            </a:r>
+          </a:p>
+          <a:p>
+            <a:pPr marL="457200" indent="-457200">
+              <a:buFont typeface="+mj-lt"/>
+              <a:buAutoNum type="arabicPeriod"/>
+            </a:pPr>
+            <a:r>
+              <a:rPr lang="ru-RU" sz="2800" dirty="0" smtClean="0"/>
+              <a:t>При ведении СКВ все </a:t>
+            </a:r>
+            <a:r>
+              <a:rPr lang="ru-RU" sz="2800" dirty="0" err="1" smtClean="0"/>
+              <a:t>коммиты</a:t>
+            </a:r>
+            <a:r>
+              <a:rPr lang="ru-RU" sz="2800" dirty="0" smtClean="0"/>
+              <a:t> сопровождаются комментариями не мене 2 слов</a:t>
+            </a:r>
+          </a:p>
+          <a:p>
+            <a:pPr marL="457200" indent="-457200">
+              <a:buFont typeface="+mj-lt"/>
+              <a:buAutoNum type="arabicPeriod"/>
+            </a:pPr>
+            <a:r>
+              <a:rPr lang="ru-RU" sz="2800" dirty="0" smtClean="0"/>
+              <a:t>При хранении файлов структурно в одной папке хранятся файлы не более 10 различных расширений</a:t>
+            </a:r>
+          </a:p>
+          <a:p>
+            <a:pPr marL="457200" indent="-457200">
+              <a:buFont typeface="+mj-lt"/>
+              <a:buAutoNum type="arabicPeriod"/>
+            </a:pPr>
+            <a:endParaRPr lang="ru-RU" sz="2800" dirty="0" smtClean="0"/>
           </a:p>
         </p:txBody>
       </p:sp>
       <p:graphicFrame>
         <p:nvGraphicFramePr>
-          <p:cNvPr id="5" name="Объект 4"/>
+          <p:cNvPr id="12" name="Объект 4"/>
           <p:cNvGraphicFramePr>
-            <a:graphicFrameLocks noGrp="1"/>
+            <a:graphicFrameLocks/>
           </p:cNvGraphicFramePr>
           <p:nvPr>
-            <p:ph idx="1"/>
             <p:extLst>
               <p:ext uri="{D42A27DB-BD31-4B8C-83A1-F6EECF244321}">
-                <p14:modId xmlns:p14="http://schemas.microsoft.com/office/powerpoint/2010/main" val="2892129318"/>
+                <p14:modId xmlns:p14="http://schemas.microsoft.com/office/powerpoint/2010/main" val="1093654116"/>
               </p:ext>
             </p:extLst>
           </p:nvPr>
         </p:nvGraphicFramePr>
         <p:xfrm>
-          <a:off x="6375503" y="2265536"/>
-          <a:ext cx="5377472" cy="3228467"/>
+          <a:off x="6993203" y="2344815"/>
+          <a:ext cx="4759772" cy="2934970"/>
         </p:xfrm>
         <a:graphic>
           <a:graphicData uri="http://schemas.openxmlformats.org/drawingml/2006/table">
@@ -5597,14 +5421,14 @@
                 <a:tableStyleId>{5C22544A-7EE6-4342-B048-85BDC9FD1C3A}</a:tableStyleId>
               </a:tblPr>
               <a:tblGrid>
-                <a:gridCol w="2688448">
+                <a:gridCol w="2880792">
                   <a:extLst>
                     <a:ext uri="{9D8B030D-6E8A-4147-A177-3AD203B41FA5}">
                       <a16:colId xmlns:a16="http://schemas.microsoft.com/office/drawing/2014/main" val="1792865036"/>
                     </a:ext>
                   </a:extLst>
                 </a:gridCol>
-                <a:gridCol w="2689024">
+                <a:gridCol w="1878980">
                   <a:extLst>
                     <a:ext uri="{9D8B030D-6E8A-4147-A177-3AD203B41FA5}">
                       <a16:colId xmlns:a16="http://schemas.microsoft.com/office/drawing/2014/main" val="1743073044"/>
@@ -5971,35 +5795,7 @@
       </p:graphicFrame>
       <p:sp>
         <p:nvSpPr>
-          <p:cNvPr id="4" name="Номер слайда 3"/>
-          <p:cNvSpPr>
-            <a:spLocks noGrp="1"/>
-          </p:cNvSpPr>
-          <p:nvPr>
-            <p:ph type="sldNum" sz="quarter" idx="12"/>
-          </p:nvPr>
-        </p:nvSpPr>
-        <p:spPr/>
-        <p:txBody>
-          <a:bodyPr/>
-          <a:lstStyle/>
-          <a:p>
-            <a:fld id="{D57F1E4F-1CFF-5643-939E-217C01CDF565}" type="slidenum">
-              <a:rPr lang="en-US" sz="1200" smtClean="0"/>
-              <a:pPr/>
-              <a:t>11</a:t>
-            </a:fld>
-            <a:r>
-              <a:rPr lang="ru-RU" sz="1200" dirty="0"/>
-              <a:t> из 14</a:t>
-            </a:r>
-            <a:endParaRPr lang="en-US" sz="1200" dirty="0"/>
-          </a:p>
-        </p:txBody>
-      </p:sp>
-      <p:sp>
-        <p:nvSpPr>
-          <p:cNvPr id="6" name="Rectangle 1"/>
+          <p:cNvPr id="14" name="Rectangle 1"/>
           <p:cNvSpPr>
             <a:spLocks noChangeArrowheads="1"/>
           </p:cNvSpPr>
@@ -6007,8 +5803,8 @@
         </p:nvSpPr>
         <p:spPr bwMode="auto">
           <a:xfrm>
-            <a:off x="6375502" y="1965455"/>
-            <a:ext cx="5377473" cy="338554"/>
+            <a:off x="6962274" y="2006261"/>
+            <a:ext cx="4491789" cy="338553"/>
           </a:xfrm>
           <a:prstGeom prst="rect">
             <a:avLst/>
@@ -6244,7 +6040,7 @@
       </p:sp>
       <p:sp>
         <p:nvSpPr>
-          <p:cNvPr id="7" name="Объект 2"/>
+          <p:cNvPr id="15" name="Объект 2"/>
           <p:cNvSpPr txBox="1">
             <a:spLocks/>
           </p:cNvSpPr>
@@ -6475,305 +6271,10 @@
           </a:p>
         </p:txBody>
       </p:sp>
-      <p:sp>
-        <p:nvSpPr>
-          <p:cNvPr id="8" name="Объект 2"/>
-          <p:cNvSpPr txBox="1">
-            <a:spLocks/>
-          </p:cNvSpPr>
-          <p:nvPr/>
-        </p:nvSpPr>
-        <p:spPr>
-          <a:xfrm>
-            <a:off x="581192" y="1995430"/>
-            <a:ext cx="5676900" cy="4451710"/>
-          </a:xfrm>
-          <a:prstGeom prst="rect">
-            <a:avLst/>
-          </a:prstGeom>
-        </p:spPr>
-        <p:txBody>
-          <a:bodyPr vert="horz" lIns="91440" tIns="45720" rIns="91440" bIns="45720" rtlCol="0" anchor="ctr">
-            <a:noAutofit/>
-          </a:bodyPr>
-          <a:lstStyle>
-            <a:lvl1pPr marL="306000" indent="-306000" algn="l" defTabSz="457200" rtl="0" eaLnBrk="1" latinLnBrk="0" hangingPunct="1">
-              <a:spcBef>
-                <a:spcPct val="20000"/>
-              </a:spcBef>
-              <a:spcAft>
-                <a:spcPts val="600"/>
-              </a:spcAft>
-              <a:buClr>
-                <a:schemeClr val="accent2"/>
-              </a:buClr>
-              <a:buSzPct val="92000"/>
-              <a:buFont typeface="Wingdings 2" panose="05020102010507070707" pitchFamily="18" charset="2"/>
-              <a:buChar char=""/>
-              <a:defRPr sz="1800" kern="1200">
-                <a:solidFill>
-                  <a:schemeClr val="tx2"/>
-                </a:solidFill>
-                <a:latin typeface="+mn-lt"/>
-                <a:ea typeface="+mn-ea"/>
-                <a:cs typeface="+mn-cs"/>
-              </a:defRPr>
-            </a:lvl1pPr>
-            <a:lvl2pPr marL="630000" indent="-306000" algn="l" defTabSz="457200" rtl="0" eaLnBrk="1" latinLnBrk="0" hangingPunct="1">
-              <a:spcBef>
-                <a:spcPct val="20000"/>
-              </a:spcBef>
-              <a:spcAft>
-                <a:spcPts val="600"/>
-              </a:spcAft>
-              <a:buClr>
-                <a:schemeClr val="accent2"/>
-              </a:buClr>
-              <a:buSzPct val="92000"/>
-              <a:buFont typeface="Wingdings 2" panose="05020102010507070707" pitchFamily="18" charset="2"/>
-              <a:buChar char=""/>
-              <a:defRPr sz="1600" kern="1200">
-                <a:solidFill>
-                  <a:schemeClr val="tx2"/>
-                </a:solidFill>
-                <a:latin typeface="+mn-lt"/>
-                <a:ea typeface="+mn-ea"/>
-                <a:cs typeface="+mn-cs"/>
-              </a:defRPr>
-            </a:lvl2pPr>
-            <a:lvl3pPr marL="900000" indent="-270000" algn="l" defTabSz="457200" rtl="0" eaLnBrk="1" latinLnBrk="0" hangingPunct="1">
-              <a:spcBef>
-                <a:spcPct val="20000"/>
-              </a:spcBef>
-              <a:spcAft>
-                <a:spcPts val="600"/>
-              </a:spcAft>
-              <a:buClr>
-                <a:schemeClr val="accent2"/>
-              </a:buClr>
-              <a:buSzPct val="92000"/>
-              <a:buFont typeface="Wingdings 2" panose="05020102010507070707" pitchFamily="18" charset="2"/>
-              <a:buChar char=""/>
-              <a:defRPr sz="1400" kern="1200">
-                <a:solidFill>
-                  <a:schemeClr val="tx2"/>
-                </a:solidFill>
-                <a:latin typeface="+mn-lt"/>
-                <a:ea typeface="+mn-ea"/>
-                <a:cs typeface="+mn-cs"/>
-              </a:defRPr>
-            </a:lvl3pPr>
-            <a:lvl4pPr marL="1242000" indent="-234000" algn="l" defTabSz="457200" rtl="0" eaLnBrk="1" latinLnBrk="0" hangingPunct="1">
-              <a:spcBef>
-                <a:spcPct val="20000"/>
-              </a:spcBef>
-              <a:spcAft>
-                <a:spcPts val="600"/>
-              </a:spcAft>
-              <a:buClr>
-                <a:schemeClr val="accent2"/>
-              </a:buClr>
-              <a:buSzPct val="92000"/>
-              <a:buFont typeface="Wingdings 2" panose="05020102010507070707" pitchFamily="18" charset="2"/>
-              <a:buChar char=""/>
-              <a:defRPr sz="1200" kern="1200">
-                <a:solidFill>
-                  <a:schemeClr val="tx2"/>
-                </a:solidFill>
-                <a:latin typeface="+mn-lt"/>
-                <a:ea typeface="+mn-ea"/>
-                <a:cs typeface="+mn-cs"/>
-              </a:defRPr>
-            </a:lvl4pPr>
-            <a:lvl5pPr marL="1602000" indent="-234000" algn="l" defTabSz="457200" rtl="0" eaLnBrk="1" latinLnBrk="0" hangingPunct="1">
-              <a:spcBef>
-                <a:spcPct val="20000"/>
-              </a:spcBef>
-              <a:spcAft>
-                <a:spcPts val="600"/>
-              </a:spcAft>
-              <a:buClr>
-                <a:schemeClr val="accent2"/>
-              </a:buClr>
-              <a:buSzPct val="92000"/>
-              <a:buFont typeface="Wingdings 2" panose="05020102010507070707" pitchFamily="18" charset="2"/>
-              <a:buChar char=""/>
-              <a:defRPr sz="1200" kern="1200">
-                <a:solidFill>
-                  <a:schemeClr val="tx2"/>
-                </a:solidFill>
-                <a:latin typeface="+mn-lt"/>
-                <a:ea typeface="+mn-ea"/>
-                <a:cs typeface="+mn-cs"/>
-              </a:defRPr>
-            </a:lvl5pPr>
-            <a:lvl6pPr marL="1900000" indent="-228600" algn="l" defTabSz="457200" rtl="0" eaLnBrk="1" latinLnBrk="0" hangingPunct="1">
-              <a:spcBef>
-                <a:spcPct val="20000"/>
-              </a:spcBef>
-              <a:spcAft>
-                <a:spcPts val="600"/>
-              </a:spcAft>
-              <a:buClr>
-                <a:schemeClr val="accent2"/>
-              </a:buClr>
-              <a:buSzPct val="92000"/>
-              <a:buFont typeface="Wingdings 2" panose="05020102010507070707" pitchFamily="18" charset="2"/>
-              <a:buChar char=""/>
-              <a:defRPr sz="1200" kern="1200">
-                <a:solidFill>
-                  <a:schemeClr val="tx2"/>
-                </a:solidFill>
-                <a:latin typeface="+mn-lt"/>
-                <a:ea typeface="+mn-ea"/>
-                <a:cs typeface="+mn-cs"/>
-              </a:defRPr>
-            </a:lvl6pPr>
-            <a:lvl7pPr marL="2200000" indent="-228600" algn="l" defTabSz="457200" rtl="0" eaLnBrk="1" latinLnBrk="0" hangingPunct="1">
-              <a:spcBef>
-                <a:spcPct val="20000"/>
-              </a:spcBef>
-              <a:spcAft>
-                <a:spcPts val="600"/>
-              </a:spcAft>
-              <a:buClr>
-                <a:schemeClr val="accent2"/>
-              </a:buClr>
-              <a:buSzPct val="92000"/>
-              <a:buFont typeface="Wingdings 2" panose="05020102010507070707" pitchFamily="18" charset="2"/>
-              <a:buChar char=""/>
-              <a:defRPr sz="1200" kern="1200">
-                <a:solidFill>
-                  <a:schemeClr val="tx2"/>
-                </a:solidFill>
-                <a:latin typeface="+mn-lt"/>
-                <a:ea typeface="+mn-ea"/>
-                <a:cs typeface="+mn-cs"/>
-              </a:defRPr>
-            </a:lvl7pPr>
-            <a:lvl8pPr marL="2500000" indent="-228600" algn="l" defTabSz="457200" rtl="0" eaLnBrk="1" latinLnBrk="0" hangingPunct="1">
-              <a:spcBef>
-                <a:spcPct val="20000"/>
-              </a:spcBef>
-              <a:spcAft>
-                <a:spcPts val="600"/>
-              </a:spcAft>
-              <a:buClr>
-                <a:schemeClr val="accent2"/>
-              </a:buClr>
-              <a:buSzPct val="92000"/>
-              <a:buFont typeface="Wingdings 2" panose="05020102010507070707" pitchFamily="18" charset="2"/>
-              <a:buChar char=""/>
-              <a:defRPr sz="1200" kern="1200">
-                <a:solidFill>
-                  <a:schemeClr val="tx2"/>
-                </a:solidFill>
-                <a:latin typeface="+mn-lt"/>
-                <a:ea typeface="+mn-ea"/>
-                <a:cs typeface="+mn-cs"/>
-              </a:defRPr>
-            </a:lvl8pPr>
-            <a:lvl9pPr marL="2800000" indent="-228600" algn="l" defTabSz="457200" rtl="0" eaLnBrk="1" latinLnBrk="0" hangingPunct="1">
-              <a:spcBef>
-                <a:spcPct val="20000"/>
-              </a:spcBef>
-              <a:spcAft>
-                <a:spcPts val="600"/>
-              </a:spcAft>
-              <a:buClr>
-                <a:schemeClr val="accent2"/>
-              </a:buClr>
-              <a:buSzPct val="92000"/>
-              <a:buFont typeface="Wingdings 2" panose="05020102010507070707" pitchFamily="18" charset="2"/>
-              <a:buChar char=""/>
-              <a:defRPr sz="1200" kern="1200">
-                <a:solidFill>
-                  <a:schemeClr val="tx2"/>
-                </a:solidFill>
-                <a:latin typeface="+mn-lt"/>
-                <a:ea typeface="+mn-ea"/>
-                <a:cs typeface="+mn-cs"/>
-              </a:defRPr>
-            </a:lvl9pPr>
-          </a:lstStyle>
-          <a:p>
-            <a:r>
-              <a:rPr lang="ru-RU" sz="2400" dirty="0" smtClean="0"/>
-              <a:t>Мы проводили </a:t>
-            </a:r>
-            <a:r>
-              <a:rPr lang="ru-RU" sz="2400" b="1" dirty="0" smtClean="0"/>
-              <a:t>функциональное</a:t>
-            </a:r>
-            <a:r>
-              <a:rPr lang="ru-RU" sz="2400" dirty="0" smtClean="0"/>
-              <a:t> тестирование </a:t>
-            </a:r>
-            <a:r>
-              <a:rPr lang="ru-RU" sz="2400" u="sng" dirty="0" smtClean="0"/>
-              <a:t>пользовательского интерфейса</a:t>
-            </a:r>
-          </a:p>
-          <a:p>
-            <a:r>
-              <a:rPr lang="ru-RU" sz="2400" dirty="0" smtClean="0"/>
-              <a:t>Пользовались методами:</a:t>
-            </a:r>
-          </a:p>
-          <a:p>
-            <a:pPr marL="457200" indent="-457200">
-              <a:buFont typeface="+mj-lt"/>
-              <a:buAutoNum type="arabicParenR"/>
-            </a:pPr>
-            <a:r>
-              <a:rPr lang="ru-RU" sz="2400" dirty="0" smtClean="0"/>
-              <a:t>Равномерного тестирования</a:t>
-            </a:r>
-          </a:p>
-          <a:p>
-            <a:pPr marL="457200" indent="-457200">
-              <a:buFont typeface="+mj-lt"/>
-              <a:buAutoNum type="arabicParenR"/>
-            </a:pPr>
-            <a:r>
-              <a:rPr lang="ru-RU" sz="2400" dirty="0" smtClean="0"/>
-              <a:t>Предугадывания ошибки</a:t>
-            </a:r>
-          </a:p>
-          <a:p>
-            <a:pPr marL="457200" indent="-457200">
-              <a:buFont typeface="+mj-lt"/>
-              <a:buAutoNum type="arabicParenR"/>
-            </a:pPr>
-            <a:r>
-              <a:rPr lang="ru-RU" sz="2400" dirty="0" smtClean="0"/>
-              <a:t>Граничного тестирования</a:t>
-            </a:r>
-          </a:p>
-          <a:p>
-            <a:r>
-              <a:rPr lang="ru-RU" sz="2400" dirty="0" smtClean="0"/>
-              <a:t>На данный момент процент тестового покрытия составляет </a:t>
-            </a:r>
-            <a:r>
-              <a:rPr lang="ru-RU" sz="2400" b="1" dirty="0" smtClean="0">
-                <a:solidFill>
-                  <a:schemeClr val="accent1"/>
-                </a:solidFill>
-              </a:rPr>
-              <a:t>75%</a:t>
-            </a:r>
-            <a:r>
-              <a:rPr lang="ru-RU" sz="2400" dirty="0" smtClean="0"/>
-              <a:t> </a:t>
-            </a:r>
-          </a:p>
-        </p:txBody>
-      </p:sp>
     </p:spTree>
     <p:extLst>
       <p:ext uri="{BB962C8B-B14F-4D97-AF65-F5344CB8AC3E}">
-        <p14:creationId xmlns:p14="http://schemas.microsoft.com/office/powerpoint/2010/main" val="3464636312"/>
+        <p14:creationId xmlns:p14="http://schemas.microsoft.com/office/powerpoint/2010/main" val="465720200"/>
       </p:ext>
     </p:extLst>
   </p:cSld>
@@ -6823,44 +6324,9 @@
           <a:lstStyle/>
           <a:p>
             <a:r>
-              <a:rPr lang="ru-RU" dirty="0" smtClean="0"/>
-              <a:t>Система контроля версий</a:t>
-            </a:r>
-            <a:endParaRPr lang="ru-RU" dirty="0"/>
-          </a:p>
-        </p:txBody>
-      </p:sp>
-      <p:sp>
-        <p:nvSpPr>
-          <p:cNvPr id="3" name="Объект 2"/>
-          <p:cNvSpPr>
-            <a:spLocks noGrp="1"/>
-          </p:cNvSpPr>
-          <p:nvPr>
-            <p:ph idx="1"/>
-          </p:nvPr>
-        </p:nvSpPr>
-        <p:spPr>
-          <a:xfrm>
-            <a:off x="581192" y="2180497"/>
-            <a:ext cx="4381333" cy="2572478"/>
-          </a:xfrm>
-        </p:spPr>
-        <p:txBody>
-          <a:bodyPr>
-            <a:normAutofit/>
-          </a:bodyPr>
-          <a:lstStyle/>
-          <a:p>
-            <a:r>
-              <a:rPr lang="ru-RU" sz="2400" dirty="0" smtClean="0"/>
-              <a:t>Для проекта была заведена система контроля версий, что также мы отмечали среди </a:t>
-            </a:r>
-            <a:r>
-              <a:rPr lang="ru-RU" sz="2400" smtClean="0"/>
-              <a:t>оценочных элементов</a:t>
-            </a:r>
-            <a:endParaRPr lang="ru-RU" sz="2400" dirty="0"/>
+              <a:rPr lang="ru-RU" dirty="0"/>
+              <a:t>Тестирование</a:t>
+            </a:r>
           </a:p>
         </p:txBody>
       </p:sp>
@@ -6886,40 +6352,566 @@
             </a:fld>
             <a:r>
               <a:rPr lang="ru-RU" sz="1200" dirty="0"/>
-              <a:t> из 14</a:t>
+              <a:t> из </a:t>
+            </a:r>
+            <a:r>
+              <a:rPr lang="ru-RU" sz="1200" dirty="0"/>
+              <a:t>15</a:t>
             </a:r>
             <a:endParaRPr lang="en-US" sz="1200" dirty="0"/>
+          </a:p>
+        </p:txBody>
+      </p:sp>
+      <p:sp>
+        <p:nvSpPr>
+          <p:cNvPr id="8" name="Объект 2"/>
+          <p:cNvSpPr txBox="1">
+            <a:spLocks/>
+          </p:cNvSpPr>
+          <p:nvPr/>
+        </p:nvSpPr>
+        <p:spPr>
+          <a:xfrm>
+            <a:off x="581192" y="1995430"/>
+            <a:ext cx="5676900" cy="4451710"/>
+          </a:xfrm>
+          <a:prstGeom prst="rect">
+            <a:avLst/>
+          </a:prstGeom>
+        </p:spPr>
+        <p:txBody>
+          <a:bodyPr vert="horz" lIns="91440" tIns="45720" rIns="91440" bIns="45720" rtlCol="0" anchor="ctr">
+            <a:noAutofit/>
+          </a:bodyPr>
+          <a:lstStyle>
+            <a:lvl1pPr marL="306000" indent="-306000" algn="l" defTabSz="457200" rtl="0" eaLnBrk="1" latinLnBrk="0" hangingPunct="1">
+              <a:spcBef>
+                <a:spcPct val="20000"/>
+              </a:spcBef>
+              <a:spcAft>
+                <a:spcPts val="600"/>
+              </a:spcAft>
+              <a:buClr>
+                <a:schemeClr val="accent2"/>
+              </a:buClr>
+              <a:buSzPct val="92000"/>
+              <a:buFont typeface="Wingdings 2" panose="05020102010507070707" pitchFamily="18" charset="2"/>
+              <a:buChar char=""/>
+              <a:defRPr sz="1800" kern="1200">
+                <a:solidFill>
+                  <a:schemeClr val="tx2"/>
+                </a:solidFill>
+                <a:latin typeface="+mn-lt"/>
+                <a:ea typeface="+mn-ea"/>
+                <a:cs typeface="+mn-cs"/>
+              </a:defRPr>
+            </a:lvl1pPr>
+            <a:lvl2pPr marL="630000" indent="-306000" algn="l" defTabSz="457200" rtl="0" eaLnBrk="1" latinLnBrk="0" hangingPunct="1">
+              <a:spcBef>
+                <a:spcPct val="20000"/>
+              </a:spcBef>
+              <a:spcAft>
+                <a:spcPts val="600"/>
+              </a:spcAft>
+              <a:buClr>
+                <a:schemeClr val="accent2"/>
+              </a:buClr>
+              <a:buSzPct val="92000"/>
+              <a:buFont typeface="Wingdings 2" panose="05020102010507070707" pitchFamily="18" charset="2"/>
+              <a:buChar char=""/>
+              <a:defRPr sz="1600" kern="1200">
+                <a:solidFill>
+                  <a:schemeClr val="tx2"/>
+                </a:solidFill>
+                <a:latin typeface="+mn-lt"/>
+                <a:ea typeface="+mn-ea"/>
+                <a:cs typeface="+mn-cs"/>
+              </a:defRPr>
+            </a:lvl2pPr>
+            <a:lvl3pPr marL="900000" indent="-270000" algn="l" defTabSz="457200" rtl="0" eaLnBrk="1" latinLnBrk="0" hangingPunct="1">
+              <a:spcBef>
+                <a:spcPct val="20000"/>
+              </a:spcBef>
+              <a:spcAft>
+                <a:spcPts val="600"/>
+              </a:spcAft>
+              <a:buClr>
+                <a:schemeClr val="accent2"/>
+              </a:buClr>
+              <a:buSzPct val="92000"/>
+              <a:buFont typeface="Wingdings 2" panose="05020102010507070707" pitchFamily="18" charset="2"/>
+              <a:buChar char=""/>
+              <a:defRPr sz="1400" kern="1200">
+                <a:solidFill>
+                  <a:schemeClr val="tx2"/>
+                </a:solidFill>
+                <a:latin typeface="+mn-lt"/>
+                <a:ea typeface="+mn-ea"/>
+                <a:cs typeface="+mn-cs"/>
+              </a:defRPr>
+            </a:lvl3pPr>
+            <a:lvl4pPr marL="1242000" indent="-234000" algn="l" defTabSz="457200" rtl="0" eaLnBrk="1" latinLnBrk="0" hangingPunct="1">
+              <a:spcBef>
+                <a:spcPct val="20000"/>
+              </a:spcBef>
+              <a:spcAft>
+                <a:spcPts val="600"/>
+              </a:spcAft>
+              <a:buClr>
+                <a:schemeClr val="accent2"/>
+              </a:buClr>
+              <a:buSzPct val="92000"/>
+              <a:buFont typeface="Wingdings 2" panose="05020102010507070707" pitchFamily="18" charset="2"/>
+              <a:buChar char=""/>
+              <a:defRPr sz="1200" kern="1200">
+                <a:solidFill>
+                  <a:schemeClr val="tx2"/>
+                </a:solidFill>
+                <a:latin typeface="+mn-lt"/>
+                <a:ea typeface="+mn-ea"/>
+                <a:cs typeface="+mn-cs"/>
+              </a:defRPr>
+            </a:lvl4pPr>
+            <a:lvl5pPr marL="1602000" indent="-234000" algn="l" defTabSz="457200" rtl="0" eaLnBrk="1" latinLnBrk="0" hangingPunct="1">
+              <a:spcBef>
+                <a:spcPct val="20000"/>
+              </a:spcBef>
+              <a:spcAft>
+                <a:spcPts val="600"/>
+              </a:spcAft>
+              <a:buClr>
+                <a:schemeClr val="accent2"/>
+              </a:buClr>
+              <a:buSzPct val="92000"/>
+              <a:buFont typeface="Wingdings 2" panose="05020102010507070707" pitchFamily="18" charset="2"/>
+              <a:buChar char=""/>
+              <a:defRPr sz="1200" kern="1200">
+                <a:solidFill>
+                  <a:schemeClr val="tx2"/>
+                </a:solidFill>
+                <a:latin typeface="+mn-lt"/>
+                <a:ea typeface="+mn-ea"/>
+                <a:cs typeface="+mn-cs"/>
+              </a:defRPr>
+            </a:lvl5pPr>
+            <a:lvl6pPr marL="1900000" indent="-228600" algn="l" defTabSz="457200" rtl="0" eaLnBrk="1" latinLnBrk="0" hangingPunct="1">
+              <a:spcBef>
+                <a:spcPct val="20000"/>
+              </a:spcBef>
+              <a:spcAft>
+                <a:spcPts val="600"/>
+              </a:spcAft>
+              <a:buClr>
+                <a:schemeClr val="accent2"/>
+              </a:buClr>
+              <a:buSzPct val="92000"/>
+              <a:buFont typeface="Wingdings 2" panose="05020102010507070707" pitchFamily="18" charset="2"/>
+              <a:buChar char=""/>
+              <a:defRPr sz="1200" kern="1200">
+                <a:solidFill>
+                  <a:schemeClr val="tx2"/>
+                </a:solidFill>
+                <a:latin typeface="+mn-lt"/>
+                <a:ea typeface="+mn-ea"/>
+                <a:cs typeface="+mn-cs"/>
+              </a:defRPr>
+            </a:lvl6pPr>
+            <a:lvl7pPr marL="2200000" indent="-228600" algn="l" defTabSz="457200" rtl="0" eaLnBrk="1" latinLnBrk="0" hangingPunct="1">
+              <a:spcBef>
+                <a:spcPct val="20000"/>
+              </a:spcBef>
+              <a:spcAft>
+                <a:spcPts val="600"/>
+              </a:spcAft>
+              <a:buClr>
+                <a:schemeClr val="accent2"/>
+              </a:buClr>
+              <a:buSzPct val="92000"/>
+              <a:buFont typeface="Wingdings 2" panose="05020102010507070707" pitchFamily="18" charset="2"/>
+              <a:buChar char=""/>
+              <a:defRPr sz="1200" kern="1200">
+                <a:solidFill>
+                  <a:schemeClr val="tx2"/>
+                </a:solidFill>
+                <a:latin typeface="+mn-lt"/>
+                <a:ea typeface="+mn-ea"/>
+                <a:cs typeface="+mn-cs"/>
+              </a:defRPr>
+            </a:lvl7pPr>
+            <a:lvl8pPr marL="2500000" indent="-228600" algn="l" defTabSz="457200" rtl="0" eaLnBrk="1" latinLnBrk="0" hangingPunct="1">
+              <a:spcBef>
+                <a:spcPct val="20000"/>
+              </a:spcBef>
+              <a:spcAft>
+                <a:spcPts val="600"/>
+              </a:spcAft>
+              <a:buClr>
+                <a:schemeClr val="accent2"/>
+              </a:buClr>
+              <a:buSzPct val="92000"/>
+              <a:buFont typeface="Wingdings 2" panose="05020102010507070707" pitchFamily="18" charset="2"/>
+              <a:buChar char=""/>
+              <a:defRPr sz="1200" kern="1200">
+                <a:solidFill>
+                  <a:schemeClr val="tx2"/>
+                </a:solidFill>
+                <a:latin typeface="+mn-lt"/>
+                <a:ea typeface="+mn-ea"/>
+                <a:cs typeface="+mn-cs"/>
+              </a:defRPr>
+            </a:lvl8pPr>
+            <a:lvl9pPr marL="2800000" indent="-228600" algn="l" defTabSz="457200" rtl="0" eaLnBrk="1" latinLnBrk="0" hangingPunct="1">
+              <a:spcBef>
+                <a:spcPct val="20000"/>
+              </a:spcBef>
+              <a:spcAft>
+                <a:spcPts val="600"/>
+              </a:spcAft>
+              <a:buClr>
+                <a:schemeClr val="accent2"/>
+              </a:buClr>
+              <a:buSzPct val="92000"/>
+              <a:buFont typeface="Wingdings 2" panose="05020102010507070707" pitchFamily="18" charset="2"/>
+              <a:buChar char=""/>
+              <a:defRPr sz="1200" kern="1200">
+                <a:solidFill>
+                  <a:schemeClr val="tx2"/>
+                </a:solidFill>
+                <a:latin typeface="+mn-lt"/>
+                <a:ea typeface="+mn-ea"/>
+                <a:cs typeface="+mn-cs"/>
+              </a:defRPr>
+            </a:lvl9pPr>
+          </a:lstStyle>
+          <a:p>
+            <a:r>
+              <a:rPr lang="ru-RU" sz="2400" dirty="0" smtClean="0"/>
+              <a:t>Мы проводили </a:t>
+            </a:r>
+            <a:r>
+              <a:rPr lang="ru-RU" sz="2400" b="1" dirty="0" smtClean="0"/>
+              <a:t>функциональное</a:t>
+            </a:r>
+            <a:r>
+              <a:rPr lang="ru-RU" sz="2400" dirty="0" smtClean="0"/>
+              <a:t> тестирование </a:t>
+            </a:r>
+            <a:r>
+              <a:rPr lang="ru-RU" sz="2400" u="sng" dirty="0" smtClean="0"/>
+              <a:t>пользовательского интерфейса</a:t>
+            </a:r>
+          </a:p>
+          <a:p>
+            <a:r>
+              <a:rPr lang="ru-RU" sz="2400" dirty="0" smtClean="0"/>
+              <a:t>Пользовались методами:</a:t>
+            </a:r>
+          </a:p>
+          <a:p>
+            <a:pPr marL="457200" indent="-457200">
+              <a:buFont typeface="+mj-lt"/>
+              <a:buAutoNum type="arabicParenR"/>
+            </a:pPr>
+            <a:r>
+              <a:rPr lang="ru-RU" sz="2400" dirty="0" smtClean="0"/>
+              <a:t>Равномерного тестирования</a:t>
+            </a:r>
+          </a:p>
+          <a:p>
+            <a:pPr marL="457200" indent="-457200">
+              <a:buFont typeface="+mj-lt"/>
+              <a:buAutoNum type="arabicParenR"/>
+            </a:pPr>
+            <a:r>
+              <a:rPr lang="ru-RU" sz="2400" dirty="0" smtClean="0"/>
+              <a:t>Предугадывания ошибки</a:t>
+            </a:r>
+          </a:p>
+          <a:p>
+            <a:pPr marL="457200" indent="-457200">
+              <a:buFont typeface="+mj-lt"/>
+              <a:buAutoNum type="arabicParenR"/>
+            </a:pPr>
+            <a:r>
+              <a:rPr lang="ru-RU" sz="2400" dirty="0" smtClean="0"/>
+              <a:t>Граничного тестирования</a:t>
+            </a:r>
+          </a:p>
+          <a:p>
+            <a:r>
+              <a:rPr lang="ru-RU" sz="2400" dirty="0" smtClean="0"/>
+              <a:t>На данный момент процент тестового покрытия составляет </a:t>
+            </a:r>
+            <a:r>
+              <a:rPr lang="ru-RU" sz="2400" b="1" dirty="0" smtClean="0">
+                <a:solidFill>
+                  <a:schemeClr val="accent1"/>
+                </a:solidFill>
+              </a:rPr>
+              <a:t>75%</a:t>
+            </a:r>
+            <a:r>
+              <a:rPr lang="ru-RU" sz="2400" dirty="0" smtClean="0"/>
+              <a:t> </a:t>
+            </a:r>
           </a:p>
         </p:txBody>
       </p:sp>
       <p:pic>
         <p:nvPicPr>
-          <p:cNvPr id="6" name="Рисунок 5"/>
-          <p:cNvPicPr>
-            <a:picLocks noChangeAspect="1"/>
-          </p:cNvPicPr>
+          <p:cNvPr id="9" name="Рисунок 8"/>
+          <p:cNvPicPr/>
           <p:nvPr/>
         </p:nvPicPr>
-        <p:blipFill>
+        <p:blipFill rotWithShape="1">
           <a:blip r:embed="rId2"/>
-          <a:stretch>
-            <a:fillRect/>
-          </a:stretch>
+          <a:srcRect l="13274" t="1269" r="11923" b="35396"/>
+          <a:stretch/>
         </p:blipFill>
         <p:spPr>
           <a:xfrm>
-            <a:off x="4962525" y="1844707"/>
-            <a:ext cx="6085776" cy="4166357"/>
+            <a:off x="6640891" y="1851548"/>
+            <a:ext cx="4443663" cy="4340705"/>
           </a:xfrm>
           <a:prstGeom prst="rect">
             <a:avLst/>
           </a:prstGeom>
         </p:spPr>
       </p:pic>
+      <p:sp>
+        <p:nvSpPr>
+          <p:cNvPr id="10" name="Объект 2"/>
+          <p:cNvSpPr txBox="1">
+            <a:spLocks/>
+          </p:cNvSpPr>
+          <p:nvPr/>
+        </p:nvSpPr>
+        <p:spPr>
+          <a:xfrm>
+            <a:off x="6467268" y="5919972"/>
+            <a:ext cx="4790908" cy="1054335"/>
+          </a:xfrm>
+          <a:prstGeom prst="rect">
+            <a:avLst/>
+          </a:prstGeom>
+        </p:spPr>
+        <p:txBody>
+          <a:bodyPr vert="horz" lIns="91440" tIns="45720" rIns="91440" bIns="45720" rtlCol="0" anchor="ctr">
+            <a:normAutofit/>
+          </a:bodyPr>
+          <a:lstStyle>
+            <a:lvl1pPr marL="306000" indent="-306000" algn="l" defTabSz="457200" rtl="0" eaLnBrk="1" latinLnBrk="0" hangingPunct="1">
+              <a:spcBef>
+                <a:spcPct val="20000"/>
+              </a:spcBef>
+              <a:spcAft>
+                <a:spcPts val="600"/>
+              </a:spcAft>
+              <a:buClr>
+                <a:schemeClr val="accent2"/>
+              </a:buClr>
+              <a:buSzPct val="92000"/>
+              <a:buFont typeface="Wingdings 2" panose="05020102010507070707" pitchFamily="18" charset="2"/>
+              <a:buChar char=""/>
+              <a:defRPr sz="1800" kern="1200">
+                <a:solidFill>
+                  <a:schemeClr val="tx2"/>
+                </a:solidFill>
+                <a:latin typeface="+mn-lt"/>
+                <a:ea typeface="+mn-ea"/>
+                <a:cs typeface="+mn-cs"/>
+              </a:defRPr>
+            </a:lvl1pPr>
+            <a:lvl2pPr marL="630000" indent="-306000" algn="l" defTabSz="457200" rtl="0" eaLnBrk="1" latinLnBrk="0" hangingPunct="1">
+              <a:spcBef>
+                <a:spcPct val="20000"/>
+              </a:spcBef>
+              <a:spcAft>
+                <a:spcPts val="600"/>
+              </a:spcAft>
+              <a:buClr>
+                <a:schemeClr val="accent2"/>
+              </a:buClr>
+              <a:buSzPct val="92000"/>
+              <a:buFont typeface="Wingdings 2" panose="05020102010507070707" pitchFamily="18" charset="2"/>
+              <a:buChar char=""/>
+              <a:defRPr sz="1600" kern="1200">
+                <a:solidFill>
+                  <a:schemeClr val="tx2"/>
+                </a:solidFill>
+                <a:latin typeface="+mn-lt"/>
+                <a:ea typeface="+mn-ea"/>
+                <a:cs typeface="+mn-cs"/>
+              </a:defRPr>
+            </a:lvl2pPr>
+            <a:lvl3pPr marL="900000" indent="-270000" algn="l" defTabSz="457200" rtl="0" eaLnBrk="1" latinLnBrk="0" hangingPunct="1">
+              <a:spcBef>
+                <a:spcPct val="20000"/>
+              </a:spcBef>
+              <a:spcAft>
+                <a:spcPts val="600"/>
+              </a:spcAft>
+              <a:buClr>
+                <a:schemeClr val="accent2"/>
+              </a:buClr>
+              <a:buSzPct val="92000"/>
+              <a:buFont typeface="Wingdings 2" panose="05020102010507070707" pitchFamily="18" charset="2"/>
+              <a:buChar char=""/>
+              <a:defRPr sz="1400" kern="1200">
+                <a:solidFill>
+                  <a:schemeClr val="tx2"/>
+                </a:solidFill>
+                <a:latin typeface="+mn-lt"/>
+                <a:ea typeface="+mn-ea"/>
+                <a:cs typeface="+mn-cs"/>
+              </a:defRPr>
+            </a:lvl3pPr>
+            <a:lvl4pPr marL="1242000" indent="-234000" algn="l" defTabSz="457200" rtl="0" eaLnBrk="1" latinLnBrk="0" hangingPunct="1">
+              <a:spcBef>
+                <a:spcPct val="20000"/>
+              </a:spcBef>
+              <a:spcAft>
+                <a:spcPts val="600"/>
+              </a:spcAft>
+              <a:buClr>
+                <a:schemeClr val="accent2"/>
+              </a:buClr>
+              <a:buSzPct val="92000"/>
+              <a:buFont typeface="Wingdings 2" panose="05020102010507070707" pitchFamily="18" charset="2"/>
+              <a:buChar char=""/>
+              <a:defRPr sz="1200" kern="1200">
+                <a:solidFill>
+                  <a:schemeClr val="tx2"/>
+                </a:solidFill>
+                <a:latin typeface="+mn-lt"/>
+                <a:ea typeface="+mn-ea"/>
+                <a:cs typeface="+mn-cs"/>
+              </a:defRPr>
+            </a:lvl4pPr>
+            <a:lvl5pPr marL="1602000" indent="-234000" algn="l" defTabSz="457200" rtl="0" eaLnBrk="1" latinLnBrk="0" hangingPunct="1">
+              <a:spcBef>
+                <a:spcPct val="20000"/>
+              </a:spcBef>
+              <a:spcAft>
+                <a:spcPts val="600"/>
+              </a:spcAft>
+              <a:buClr>
+                <a:schemeClr val="accent2"/>
+              </a:buClr>
+              <a:buSzPct val="92000"/>
+              <a:buFont typeface="Wingdings 2" panose="05020102010507070707" pitchFamily="18" charset="2"/>
+              <a:buChar char=""/>
+              <a:defRPr sz="1200" kern="1200">
+                <a:solidFill>
+                  <a:schemeClr val="tx2"/>
+                </a:solidFill>
+                <a:latin typeface="+mn-lt"/>
+                <a:ea typeface="+mn-ea"/>
+                <a:cs typeface="+mn-cs"/>
+              </a:defRPr>
+            </a:lvl5pPr>
+            <a:lvl6pPr marL="1900000" indent="-228600" algn="l" defTabSz="457200" rtl="0" eaLnBrk="1" latinLnBrk="0" hangingPunct="1">
+              <a:spcBef>
+                <a:spcPct val="20000"/>
+              </a:spcBef>
+              <a:spcAft>
+                <a:spcPts val="600"/>
+              </a:spcAft>
+              <a:buClr>
+                <a:schemeClr val="accent2"/>
+              </a:buClr>
+              <a:buSzPct val="92000"/>
+              <a:buFont typeface="Wingdings 2" panose="05020102010507070707" pitchFamily="18" charset="2"/>
+              <a:buChar char=""/>
+              <a:defRPr sz="1200" kern="1200">
+                <a:solidFill>
+                  <a:schemeClr val="tx2"/>
+                </a:solidFill>
+                <a:latin typeface="+mn-lt"/>
+                <a:ea typeface="+mn-ea"/>
+                <a:cs typeface="+mn-cs"/>
+              </a:defRPr>
+            </a:lvl6pPr>
+            <a:lvl7pPr marL="2200000" indent="-228600" algn="l" defTabSz="457200" rtl="0" eaLnBrk="1" latinLnBrk="0" hangingPunct="1">
+              <a:spcBef>
+                <a:spcPct val="20000"/>
+              </a:spcBef>
+              <a:spcAft>
+                <a:spcPts val="600"/>
+              </a:spcAft>
+              <a:buClr>
+                <a:schemeClr val="accent2"/>
+              </a:buClr>
+              <a:buSzPct val="92000"/>
+              <a:buFont typeface="Wingdings 2" panose="05020102010507070707" pitchFamily="18" charset="2"/>
+              <a:buChar char=""/>
+              <a:defRPr sz="1200" kern="1200">
+                <a:solidFill>
+                  <a:schemeClr val="tx2"/>
+                </a:solidFill>
+                <a:latin typeface="+mn-lt"/>
+                <a:ea typeface="+mn-ea"/>
+                <a:cs typeface="+mn-cs"/>
+              </a:defRPr>
+            </a:lvl7pPr>
+            <a:lvl8pPr marL="2500000" indent="-228600" algn="l" defTabSz="457200" rtl="0" eaLnBrk="1" latinLnBrk="0" hangingPunct="1">
+              <a:spcBef>
+                <a:spcPct val="20000"/>
+              </a:spcBef>
+              <a:spcAft>
+                <a:spcPts val="600"/>
+              </a:spcAft>
+              <a:buClr>
+                <a:schemeClr val="accent2"/>
+              </a:buClr>
+              <a:buSzPct val="92000"/>
+              <a:buFont typeface="Wingdings 2" panose="05020102010507070707" pitchFamily="18" charset="2"/>
+              <a:buChar char=""/>
+              <a:defRPr sz="1200" kern="1200">
+                <a:solidFill>
+                  <a:schemeClr val="tx2"/>
+                </a:solidFill>
+                <a:latin typeface="+mn-lt"/>
+                <a:ea typeface="+mn-ea"/>
+                <a:cs typeface="+mn-cs"/>
+              </a:defRPr>
+            </a:lvl8pPr>
+            <a:lvl9pPr marL="2800000" indent="-228600" algn="l" defTabSz="457200" rtl="0" eaLnBrk="1" latinLnBrk="0" hangingPunct="1">
+              <a:spcBef>
+                <a:spcPct val="20000"/>
+              </a:spcBef>
+              <a:spcAft>
+                <a:spcPts val="600"/>
+              </a:spcAft>
+              <a:buClr>
+                <a:schemeClr val="accent2"/>
+              </a:buClr>
+              <a:buSzPct val="92000"/>
+              <a:buFont typeface="Wingdings 2" panose="05020102010507070707" pitchFamily="18" charset="2"/>
+              <a:buChar char=""/>
+              <a:defRPr sz="1200" kern="1200">
+                <a:solidFill>
+                  <a:schemeClr val="tx2"/>
+                </a:solidFill>
+                <a:latin typeface="+mn-lt"/>
+                <a:ea typeface="+mn-ea"/>
+                <a:cs typeface="+mn-cs"/>
+              </a:defRPr>
+            </a:lvl9pPr>
+          </a:lstStyle>
+          <a:p>
+            <a:r>
+              <a:rPr lang="ru-RU" sz="2400" dirty="0" smtClean="0"/>
+              <a:t>Тестируемая форма</a:t>
+            </a:r>
+            <a:endParaRPr lang="ru-RU" sz="2400" u="sng" dirty="0" smtClean="0"/>
+          </a:p>
+        </p:txBody>
+      </p:sp>
     </p:spTree>
     <p:extLst>
       <p:ext uri="{BB962C8B-B14F-4D97-AF65-F5344CB8AC3E}">
-        <p14:creationId xmlns:p14="http://schemas.microsoft.com/office/powerpoint/2010/main" val="3652536929"/>
+        <p14:creationId xmlns:p14="http://schemas.microsoft.com/office/powerpoint/2010/main" val="3464636312"/>
       </p:ext>
     </p:extLst>
   </p:cSld>
@@ -6970,7 +6962,7 @@
           <a:p>
             <a:r>
               <a:rPr lang="ru-RU" dirty="0" smtClean="0"/>
-              <a:t>Выводы</a:t>
+              <a:t>Система контроля версий</a:t>
             </a:r>
             <a:endParaRPr lang="ru-RU" dirty="0"/>
           </a:p>
@@ -6986,85 +6978,23 @@
             <p:ph idx="1"/>
           </p:nvPr>
         </p:nvSpPr>
-        <p:spPr/>
+        <p:spPr>
+          <a:xfrm>
+            <a:off x="581192" y="2180496"/>
+            <a:ext cx="3831976" cy="3947587"/>
+          </a:xfrm>
+        </p:spPr>
         <p:txBody>
           <a:bodyPr>
-            <a:normAutofit lnSpcReduction="10000"/>
+            <a:normAutofit/>
           </a:bodyPr>
           <a:lstStyle/>
           <a:p>
             <a:r>
-              <a:rPr lang="ru-RU" sz="2400" dirty="0" smtClean="0"/>
-              <a:t>Оценочно работа выполнена на </a:t>
-            </a:r>
-            <a:r>
-              <a:rPr lang="ru-RU" sz="2400" b="1" dirty="0" smtClean="0">
-                <a:solidFill>
-                  <a:schemeClr val="accent1"/>
-                </a:solidFill>
-              </a:rPr>
-              <a:t>36,91% </a:t>
-            </a:r>
-            <a:r>
-              <a:rPr lang="ru-RU" sz="2400" dirty="0"/>
-              <a:t>от всего объёма.</a:t>
-            </a:r>
-          </a:p>
-          <a:p>
-            <a:r>
-              <a:rPr lang="ru-RU" sz="2400" dirty="0"/>
-              <a:t>Для </a:t>
-            </a:r>
-            <a:r>
-              <a:rPr lang="ru-RU" sz="2400" dirty="0" smtClean="0"/>
-              <a:t>завершения проекта следует:</a:t>
-            </a:r>
-          </a:p>
-          <a:p>
-            <a:pPr marL="457200" indent="-457200">
-              <a:buFont typeface="+mj-lt"/>
-              <a:buAutoNum type="arabicParenR"/>
-            </a:pPr>
-            <a:r>
-              <a:rPr lang="ru-RU" sz="2400" dirty="0" smtClean="0"/>
-              <a:t>Полноценно разобраться с технологией хостинга</a:t>
-            </a:r>
-          </a:p>
-          <a:p>
-            <a:pPr marL="457200" indent="-457200">
-              <a:buFont typeface="+mj-lt"/>
-              <a:buAutoNum type="arabicParenR"/>
-            </a:pPr>
-            <a:r>
-              <a:rPr lang="ru-RU" sz="2400" dirty="0" smtClean="0"/>
-              <a:t>Разработать полноценный </a:t>
-            </a:r>
-            <a:r>
-              <a:rPr lang="ru-RU" sz="2400" dirty="0" err="1" smtClean="0"/>
-              <a:t>агрегатор</a:t>
-            </a:r>
-            <a:r>
-              <a:rPr lang="ru-RU" sz="2400" dirty="0" smtClean="0"/>
-              <a:t> и наладить связь между веб клиентом и сервером</a:t>
-            </a:r>
-          </a:p>
-          <a:p>
-            <a:pPr marL="457200" indent="-457200">
-              <a:buFont typeface="+mj-lt"/>
-              <a:buAutoNum type="arabicParenR"/>
-            </a:pPr>
-            <a:r>
-              <a:rPr lang="ru-RU" sz="2400" dirty="0" smtClean="0"/>
-              <a:t>Разработать большее количество тест кейсов для полного покрытия</a:t>
-            </a:r>
-            <a:endParaRPr lang="ru-RU" sz="2400" dirty="0"/>
-          </a:p>
-          <a:p>
-            <a:r>
-              <a:rPr lang="ru-RU" sz="2400" dirty="0" smtClean="0"/>
-              <a:t>Несмотря на кажущийся ещё большой объём работы, всё равно могу утверждать, что доволен своим вложенным трудом и полученными навыками.</a:t>
-            </a:r>
-            <a:endParaRPr lang="ru-RU" sz="2400" dirty="0"/>
+              <a:rPr lang="ru-RU" sz="2800" dirty="0" smtClean="0"/>
+              <a:t>Для проекта была заведена система контроля версий, что также мы отмечали среди оценочных элементов</a:t>
+            </a:r>
+            <a:endParaRPr lang="ru-RU" sz="2800" dirty="0"/>
           </a:p>
         </p:txBody>
       </p:sp>
@@ -7078,12 +7008,7 @@
             <p:ph type="sldNum" sz="quarter" idx="12"/>
           </p:nvPr>
         </p:nvSpPr>
-        <p:spPr>
-          <a:xfrm>
-            <a:off x="10558299" y="5958214"/>
-            <a:ext cx="1052508" cy="365125"/>
-          </a:xfrm>
-        </p:spPr>
+        <p:spPr/>
         <p:txBody>
           <a:bodyPr/>
           <a:lstStyle/>
@@ -7094,21 +7019,45 @@
               <a:t>13</a:t>
             </a:fld>
             <a:r>
-              <a:rPr lang="en-US" sz="1200" dirty="0" smtClean="0"/>
-              <a:t> </a:t>
-            </a:r>
-            <a:r>
               <a:rPr lang="ru-RU" sz="1200" dirty="0"/>
-              <a:t> из 14</a:t>
+              <a:t> из </a:t>
+            </a:r>
+            <a:r>
+              <a:rPr lang="ru-RU" sz="1200" dirty="0" smtClean="0"/>
+              <a:t>15</a:t>
             </a:r>
             <a:endParaRPr lang="en-US" sz="1200" dirty="0"/>
           </a:p>
         </p:txBody>
       </p:sp>
+      <p:pic>
+        <p:nvPicPr>
+          <p:cNvPr id="6" name="Рисунок 5"/>
+          <p:cNvPicPr>
+            <a:picLocks noChangeAspect="1"/>
+          </p:cNvPicPr>
+          <p:nvPr/>
+        </p:nvPicPr>
+        <p:blipFill>
+          <a:blip r:embed="rId2"/>
+          <a:stretch>
+            <a:fillRect/>
+          </a:stretch>
+        </p:blipFill>
+        <p:spPr>
+          <a:xfrm>
+            <a:off x="4413168" y="1844707"/>
+            <a:ext cx="6538881" cy="4476555"/>
+          </a:xfrm>
+          <a:prstGeom prst="rect">
+            <a:avLst/>
+          </a:prstGeom>
+        </p:spPr>
+      </p:pic>
     </p:spTree>
     <p:extLst>
       <p:ext uri="{BB962C8B-B14F-4D97-AF65-F5344CB8AC3E}">
-        <p14:creationId xmlns:p14="http://schemas.microsoft.com/office/powerpoint/2010/main" val="3579237179"/>
+        <p14:creationId xmlns:p14="http://schemas.microsoft.com/office/powerpoint/2010/main" val="3652536929"/>
       </p:ext>
     </p:extLst>
   </p:cSld>
@@ -7144,6 +7093,199 @@
       </p:grpSpPr>
       <p:sp>
         <p:nvSpPr>
+          <p:cNvPr id="2" name="Заголовок 1"/>
+          <p:cNvSpPr>
+            <a:spLocks noGrp="1"/>
+          </p:cNvSpPr>
+          <p:nvPr>
+            <p:ph type="title"/>
+          </p:nvPr>
+        </p:nvSpPr>
+        <p:spPr/>
+        <p:txBody>
+          <a:bodyPr/>
+          <a:lstStyle/>
+          <a:p>
+            <a:r>
+              <a:rPr lang="ru-RU" dirty="0" smtClean="0"/>
+              <a:t>Выводы</a:t>
+            </a:r>
+            <a:endParaRPr lang="ru-RU" dirty="0"/>
+          </a:p>
+        </p:txBody>
+      </p:sp>
+      <p:sp>
+        <p:nvSpPr>
+          <p:cNvPr id="3" name="Объект 2"/>
+          <p:cNvSpPr>
+            <a:spLocks noGrp="1"/>
+          </p:cNvSpPr>
+          <p:nvPr>
+            <p:ph idx="1"/>
+          </p:nvPr>
+        </p:nvSpPr>
+        <p:spPr/>
+        <p:txBody>
+          <a:bodyPr>
+            <a:noAutofit/>
+          </a:bodyPr>
+          <a:lstStyle/>
+          <a:p>
+            <a:r>
+              <a:rPr lang="ru-RU" sz="2400" dirty="0" smtClean="0"/>
+              <a:t>Оценочно работа выполнена на </a:t>
+            </a:r>
+            <a:r>
+              <a:rPr lang="ru-RU" sz="2400" b="1" dirty="0" smtClean="0">
+                <a:solidFill>
+                  <a:schemeClr val="accent1"/>
+                </a:solidFill>
+              </a:rPr>
+              <a:t>36,91% </a:t>
+            </a:r>
+            <a:r>
+              <a:rPr lang="ru-RU" sz="2400" dirty="0"/>
+              <a:t>от всего объёма.</a:t>
+            </a:r>
+          </a:p>
+          <a:p>
+            <a:r>
+              <a:rPr lang="ru-RU" sz="2400" dirty="0"/>
+              <a:t>Для </a:t>
+            </a:r>
+            <a:r>
+              <a:rPr lang="ru-RU" sz="2400" dirty="0" smtClean="0"/>
+              <a:t>завершения проекта следует:</a:t>
+            </a:r>
+          </a:p>
+          <a:p>
+            <a:pPr marL="457200" indent="-457200">
+              <a:buFont typeface="+mj-lt"/>
+              <a:buAutoNum type="arabicParenR"/>
+            </a:pPr>
+            <a:r>
+              <a:rPr lang="ru-RU" sz="2400" dirty="0" smtClean="0"/>
+              <a:t>Полноценно разобраться с технологией хостинга</a:t>
+            </a:r>
+          </a:p>
+          <a:p>
+            <a:pPr marL="457200" indent="-457200">
+              <a:buFont typeface="+mj-lt"/>
+              <a:buAutoNum type="arabicParenR"/>
+            </a:pPr>
+            <a:r>
+              <a:rPr lang="ru-RU" sz="2400" dirty="0" smtClean="0"/>
+              <a:t>Разработать полноценный </a:t>
+            </a:r>
+            <a:r>
+              <a:rPr lang="ru-RU" sz="2400" dirty="0" err="1" smtClean="0"/>
+              <a:t>агрегатор</a:t>
+            </a:r>
+            <a:r>
+              <a:rPr lang="ru-RU" sz="2400" dirty="0" smtClean="0"/>
+              <a:t> и наладить связь между веб клиентом и сервером</a:t>
+            </a:r>
+          </a:p>
+          <a:p>
+            <a:pPr marL="457200" indent="-457200">
+              <a:buFont typeface="+mj-lt"/>
+              <a:buAutoNum type="arabicParenR"/>
+            </a:pPr>
+            <a:r>
+              <a:rPr lang="ru-RU" sz="2400" dirty="0" smtClean="0"/>
+              <a:t>Разработать большее количество тест кейсов для полного покрытия</a:t>
+            </a:r>
+            <a:endParaRPr lang="ru-RU" sz="2400" dirty="0"/>
+          </a:p>
+          <a:p>
+            <a:r>
+              <a:rPr lang="ru-RU" sz="2400" dirty="0" smtClean="0"/>
+              <a:t>Несмотря на кажущийся ещё большой объём работы, всё равно могу утверждать, что доволен своим вложенным трудом и полученными навыками.</a:t>
+            </a:r>
+            <a:endParaRPr lang="ru-RU" sz="2400" dirty="0"/>
+          </a:p>
+        </p:txBody>
+      </p:sp>
+      <p:sp>
+        <p:nvSpPr>
+          <p:cNvPr id="4" name="Номер слайда 3"/>
+          <p:cNvSpPr>
+            <a:spLocks noGrp="1"/>
+          </p:cNvSpPr>
+          <p:nvPr>
+            <p:ph type="sldNum" sz="quarter" idx="12"/>
+          </p:nvPr>
+        </p:nvSpPr>
+        <p:spPr>
+          <a:xfrm>
+            <a:off x="10558299" y="5958214"/>
+            <a:ext cx="1052508" cy="365125"/>
+          </a:xfrm>
+        </p:spPr>
+        <p:txBody>
+          <a:bodyPr/>
+          <a:lstStyle/>
+          <a:p>
+            <a:fld id="{D57F1E4F-1CFF-5643-939E-217C01CDF565}" type="slidenum">
+              <a:rPr lang="en-US" sz="1200" smtClean="0"/>
+              <a:pPr/>
+              <a:t>14</a:t>
+            </a:fld>
+            <a:r>
+              <a:rPr lang="en-US" sz="1200" dirty="0" smtClean="0"/>
+              <a:t> </a:t>
+            </a:r>
+            <a:r>
+              <a:rPr lang="ru-RU" sz="1200" dirty="0"/>
+              <a:t> из </a:t>
+            </a:r>
+            <a:r>
+              <a:rPr lang="ru-RU" sz="1200" dirty="0" smtClean="0"/>
+              <a:t>15</a:t>
+            </a:r>
+            <a:endParaRPr lang="en-US" sz="1200" dirty="0"/>
+          </a:p>
+        </p:txBody>
+      </p:sp>
+    </p:spTree>
+    <p:extLst>
+      <p:ext uri="{BB962C8B-B14F-4D97-AF65-F5344CB8AC3E}">
+        <p14:creationId xmlns:p14="http://schemas.microsoft.com/office/powerpoint/2010/main" val="3579237179"/>
+      </p:ext>
+    </p:extLst>
+  </p:cSld>
+  <p:clrMapOvr>
+    <a:masterClrMapping/>
+  </p:clrMapOvr>
+  <p:timing>
+    <p:tnLst>
+      <p:par>
+        <p:cTn id="1" dur="indefinite" restart="never" nodeType="tmRoot"/>
+      </p:par>
+    </p:tnLst>
+  </p:timing>
+</p:sld>
+</file>
+
+<file path=ppt/slides/slide15.xml><?xml version="1.0" encoding="utf-8"?>
+<p:sld xmlns:a="http://schemas.openxmlformats.org/drawingml/2006/main" xmlns:r="http://schemas.openxmlformats.org/officeDocument/2006/relationships" xmlns:p="http://schemas.openxmlformats.org/presentationml/2006/main">
+  <p:cSld>
+    <p:spTree>
+      <p:nvGrpSpPr>
+        <p:cNvPr id="1" name=""/>
+        <p:cNvGrpSpPr/>
+        <p:nvPr/>
+      </p:nvGrpSpPr>
+      <p:grpSpPr>
+        <a:xfrm>
+          <a:off x="0" y="0"/>
+          <a:ext cx="0" cy="0"/>
+          <a:chOff x="0" y="0"/>
+          <a:chExt cx="0" cy="0"/>
+        </a:xfrm>
+      </p:grpSpPr>
+      <p:sp>
+        <p:nvSpPr>
           <p:cNvPr id="5" name="Заголовок 4"/>
           <p:cNvSpPr>
             <a:spLocks noGrp="1"/>
@@ -7248,7 +7390,7 @@
                 </a:solidFill>
               </a:rPr>
               <a:pPr/>
-              <a:t>14</a:t>
+              <a:t>15</a:t>
             </a:fld>
             <a:r>
               <a:rPr lang="ru-RU" sz="1200" dirty="0" smtClean="0">
@@ -7652,8 +7794,37 @@
           <a:p>
             <a:r>
               <a:rPr lang="ru-RU" sz="2400" dirty="0" smtClean="0"/>
-              <a:t>Бюджет – строго 2,125 млн. рублей</a:t>
-            </a:r>
+              <a:t>Бюджет – строго 2,125 млн. </a:t>
+            </a:r>
+            <a:r>
+              <a:rPr lang="ru-RU" sz="2400" dirty="0" smtClean="0"/>
+              <a:t>рублей</a:t>
+            </a:r>
+          </a:p>
+          <a:p>
+            <a:r>
+              <a:rPr lang="ru-RU" sz="2400" dirty="0" smtClean="0"/>
+              <a:t>Предполагаемая нагрузка</a:t>
+            </a:r>
+            <a:r>
+              <a:rPr lang="ru-RU" sz="2400" dirty="0"/>
+              <a:t> – </a:t>
+            </a:r>
+            <a:r>
+              <a:rPr lang="ru-RU" sz="2400" dirty="0" smtClean="0"/>
+              <a:t>до 1500 активных польз</a:t>
+            </a:r>
+          </a:p>
+          <a:p>
+            <a:r>
+              <a:rPr lang="ru-RU" sz="2400" dirty="0"/>
+              <a:t>Защита данных – </a:t>
+            </a:r>
+            <a:r>
+              <a:rPr lang="ru-RU" sz="2400" dirty="0" smtClean="0"/>
+              <a:t>хранение данных о складах и пользователях</a:t>
+            </a:r>
+            <a:endParaRPr lang="ru-RU" sz="2400" dirty="0" smtClean="0"/>
           </a:p>
           <a:p>
             <a:r>
@@ -7689,7 +7860,11 @@
             </a:fld>
             <a:r>
               <a:rPr lang="ru-RU" sz="1200" dirty="0"/>
-              <a:t> из 14</a:t>
+              <a:t> из </a:t>
+            </a:r>
+            <a:r>
+              <a:rPr lang="ru-RU" sz="1200" dirty="0"/>
+              <a:t>15</a:t>
             </a:r>
             <a:endParaRPr lang="en-US" sz="1200" dirty="0"/>
           </a:p>
@@ -7811,7 +7986,11 @@
             </a:fld>
             <a:r>
               <a:rPr lang="ru-RU" sz="1200" dirty="0"/>
-              <a:t> из 14</a:t>
+              <a:t> из </a:t>
+            </a:r>
+            <a:r>
+              <a:rPr lang="ru-RU" sz="1200" dirty="0"/>
+              <a:t>15</a:t>
             </a:r>
             <a:endParaRPr lang="en-US" sz="1200" dirty="0"/>
           </a:p>
@@ -8378,7 +8557,11 @@
             </a:fld>
             <a:r>
               <a:rPr lang="ru-RU" sz="1200" dirty="0"/>
-              <a:t> из 14</a:t>
+              <a:t> из </a:t>
+            </a:r>
+            <a:r>
+              <a:rPr lang="ru-RU" sz="1200" dirty="0"/>
+              <a:t>15</a:t>
             </a:r>
             <a:endParaRPr lang="en-US" sz="1200" dirty="0"/>
           </a:p>
@@ -8544,7 +8727,11 @@
             </a:fld>
             <a:r>
               <a:rPr lang="ru-RU" sz="1200" dirty="0"/>
-              <a:t> из 14</a:t>
+              <a:t> из </a:t>
+            </a:r>
+            <a:r>
+              <a:rPr lang="ru-RU" sz="1200" dirty="0"/>
+              <a:t>15</a:t>
             </a:r>
             <a:endParaRPr lang="en-US" sz="1200" dirty="0"/>
           </a:p>
@@ -8627,12 +8814,12 @@
         </p:spPr>
         <p:txBody>
           <a:bodyPr>
-            <a:normAutofit/>
+            <a:noAutofit/>
           </a:bodyPr>
           <a:lstStyle/>
           <a:p>
             <a:r>
-              <a:rPr lang="ru-RU" sz="2400" dirty="0" smtClean="0"/>
+              <a:rPr lang="ru-RU" sz="2800" dirty="0" smtClean="0"/>
               <a:t>Принципы, использованные при проектировании интерфейса:</a:t>
             </a:r>
           </a:p>
@@ -8642,18 +8829,18 @@
               <a:buAutoNum type="arabicPeriod"/>
             </a:pPr>
             <a:r>
-              <a:rPr lang="ru-RU" sz="2400" dirty="0" smtClean="0"/>
+              <a:rPr lang="ru-RU" sz="2800" dirty="0" smtClean="0"/>
               <a:t>Принцип </a:t>
             </a:r>
             <a:r>
-              <a:rPr lang="ru-RU" sz="2400" dirty="0"/>
+              <a:rPr lang="ru-RU" sz="2800" dirty="0"/>
               <a:t>структуризации </a:t>
             </a:r>
             <a:r>
-              <a:rPr lang="ru-RU" sz="2400" dirty="0" smtClean="0"/>
+              <a:rPr lang="ru-RU" sz="2800" dirty="0" smtClean="0"/>
               <a:t>(группы эл. управления)</a:t>
             </a:r>
-            <a:endParaRPr lang="ru-RU" sz="2400" dirty="0"/>
+            <a:endParaRPr lang="ru-RU" sz="2800" dirty="0"/>
           </a:p>
           <a:p>
             <a:pPr marL="457200" indent="-457200">
@@ -8661,18 +8848,18 @@
               <a:buAutoNum type="arabicPeriod"/>
             </a:pPr>
             <a:r>
-              <a:rPr lang="ru-RU" sz="2400" dirty="0" smtClean="0"/>
+              <a:rPr lang="ru-RU" sz="2800" dirty="0" smtClean="0"/>
               <a:t>Принцип </a:t>
             </a:r>
             <a:r>
-              <a:rPr lang="ru-RU" sz="2400" dirty="0"/>
+              <a:rPr lang="ru-RU" sz="2800" dirty="0"/>
               <a:t>простоты </a:t>
             </a:r>
             <a:r>
-              <a:rPr lang="ru-RU" sz="2400" dirty="0" smtClean="0"/>
+              <a:rPr lang="ru-RU" sz="2800" dirty="0" smtClean="0"/>
               <a:t>(доступность страниц)</a:t>
             </a:r>
-            <a:endParaRPr lang="ru-RU" sz="2400" dirty="0"/>
+            <a:endParaRPr lang="ru-RU" sz="2800" dirty="0"/>
           </a:p>
           <a:p>
             <a:pPr marL="457200" indent="-457200">
@@ -8680,15 +8867,15 @@
               <a:buAutoNum type="arabicPeriod"/>
             </a:pPr>
             <a:r>
-              <a:rPr lang="ru-RU" sz="2400" dirty="0" smtClean="0"/>
+              <a:rPr lang="ru-RU" sz="2800" dirty="0" smtClean="0"/>
               <a:t>Принцип </a:t>
             </a:r>
             <a:r>
-              <a:rPr lang="ru-RU" sz="2400" dirty="0"/>
+              <a:rPr lang="ru-RU" sz="2800" dirty="0"/>
               <a:t>повторного использования </a:t>
             </a:r>
             <a:r>
-              <a:rPr lang="ru-RU" sz="2400" dirty="0" smtClean="0"/>
+              <a:rPr lang="ru-RU" sz="2800" dirty="0" smtClean="0"/>
               <a:t>(унификация интерфейса)</a:t>
             </a:r>
           </a:p>
@@ -8698,12 +8885,12 @@
               <a:buAutoNum type="arabicPeriod"/>
             </a:pPr>
             <a:r>
-              <a:rPr lang="ru-RU" sz="2400" dirty="0" smtClean="0"/>
+              <a:rPr lang="ru-RU" sz="2800" dirty="0" smtClean="0"/>
               <a:t>Принцип видимости («всё необходимое рядом»)</a:t>
             </a:r>
           </a:p>
           <a:p>
-            <a:endParaRPr lang="ru-RU" sz="2400" dirty="0"/>
+            <a:endParaRPr lang="ru-RU" sz="2800" dirty="0"/>
           </a:p>
         </p:txBody>
       </p:sp>
@@ -8729,7 +8916,11 @@
             </a:fld>
             <a:r>
               <a:rPr lang="ru-RU" sz="1200" dirty="0"/>
-              <a:t> из 14</a:t>
+              <a:t> из </a:t>
+            </a:r>
+            <a:r>
+              <a:rPr lang="ru-RU" sz="1200" dirty="0"/>
+              <a:t>15</a:t>
             </a:r>
             <a:endParaRPr lang="en-US" sz="1200" dirty="0"/>
           </a:p>
@@ -8840,7 +9031,11 @@
             </a:fld>
             <a:r>
               <a:rPr lang="ru-RU" sz="1200" dirty="0"/>
-              <a:t> из 14</a:t>
+              <a:t> из </a:t>
+            </a:r>
+            <a:r>
+              <a:rPr lang="ru-RU" sz="1200" dirty="0"/>
+              <a:t>15</a:t>
             </a:r>
             <a:endParaRPr lang="en-US" sz="1200" dirty="0"/>
           </a:p>
@@ -9651,7 +9846,11 @@
             </a:fld>
             <a:r>
               <a:rPr lang="ru-RU" sz="1200" dirty="0"/>
-              <a:t> из 14</a:t>
+              <a:t> из </a:t>
+            </a:r>
+            <a:r>
+              <a:rPr lang="ru-RU" sz="1200" dirty="0"/>
+              <a:t>15</a:t>
             </a:r>
             <a:endParaRPr lang="en-US" sz="1200" dirty="0"/>
           </a:p>
@@ -10020,8 +10219,8 @@
         </p:nvSpPr>
         <p:spPr>
           <a:xfrm>
-            <a:off x="167780" y="1971413"/>
-            <a:ext cx="6744748" cy="4823670"/>
+            <a:off x="452859" y="1813798"/>
+            <a:ext cx="11286283" cy="4823670"/>
           </a:xfrm>
         </p:spPr>
         <p:txBody>
@@ -10031,7 +10230,7 @@
           <a:lstStyle/>
           <a:p>
             <a:r>
-              <a:rPr lang="ru-RU" sz="2600" dirty="0" smtClean="0"/>
+              <a:rPr lang="ru-RU" sz="3200" dirty="0" smtClean="0"/>
               <a:t>Функционал, внесённый в руководство:</a:t>
             </a:r>
           </a:p>
@@ -10041,14 +10240,14 @@
               <a:buAutoNum type="arabicPeriod"/>
             </a:pPr>
             <a:r>
-              <a:rPr lang="ru-RU" sz="2600" dirty="0"/>
+              <a:rPr lang="ru-RU" sz="3200" dirty="0"/>
               <a:t>Запуск </a:t>
             </a:r>
             <a:r>
-              <a:rPr lang="ru-RU" sz="2600" dirty="0" smtClean="0"/>
+              <a:rPr lang="ru-RU" sz="3200" dirty="0" smtClean="0"/>
               <a:t>программы</a:t>
             </a:r>
-            <a:endParaRPr lang="ru-RU" sz="2600" dirty="0"/>
+            <a:endParaRPr lang="ru-RU" sz="3200" dirty="0"/>
           </a:p>
           <a:p>
             <a:pPr marL="342900" lvl="0" indent="-342900">
@@ -10056,14 +10255,14 @@
               <a:buAutoNum type="arabicPeriod"/>
             </a:pPr>
             <a:r>
-              <a:rPr lang="ru-RU" sz="2600" dirty="0"/>
+              <a:rPr lang="ru-RU" sz="3200" dirty="0"/>
               <a:t>Поиск материала по </a:t>
             </a:r>
             <a:r>
-              <a:rPr lang="ru-RU" sz="2600" dirty="0" smtClean="0"/>
+              <a:rPr lang="ru-RU" sz="3200" dirty="0" smtClean="0"/>
               <a:t>фильтру</a:t>
             </a:r>
-            <a:endParaRPr lang="ru-RU" sz="2600" dirty="0"/>
+            <a:endParaRPr lang="ru-RU" sz="3200" dirty="0"/>
           </a:p>
           <a:p>
             <a:pPr marL="342900" lvl="0" indent="-342900">
@@ -10071,14 +10270,14 @@
               <a:buAutoNum type="arabicPeriod"/>
             </a:pPr>
             <a:r>
-              <a:rPr lang="ru-RU" sz="2600" dirty="0"/>
+              <a:rPr lang="ru-RU" sz="3200" dirty="0"/>
               <a:t>Функция просмотра корзины </a:t>
             </a:r>
             <a:r>
-              <a:rPr lang="ru-RU" sz="2600" dirty="0" smtClean="0"/>
+              <a:rPr lang="ru-RU" sz="3200" dirty="0" smtClean="0"/>
               <a:t>товаров</a:t>
             </a:r>
-            <a:endParaRPr lang="ru-RU" sz="2600" dirty="0"/>
+            <a:endParaRPr lang="ru-RU" sz="3200" dirty="0"/>
           </a:p>
           <a:p>
             <a:pPr marL="342900" lvl="0" indent="-342900">
@@ -10086,14 +10285,13 @@
               <a:buAutoNum type="arabicPeriod"/>
             </a:pPr>
             <a:r>
-              <a:rPr lang="ru-RU" sz="2600" dirty="0"/>
-              <a:t>Функция просмотра истории заказов </a:t>
-            </a:r>
-            <a:r>
-              <a:rPr lang="ru-RU" sz="2600" dirty="0" smtClean="0"/>
-              <a:t>Кошелёк</a:t>
-            </a:r>
-            <a:endParaRPr lang="ru-RU" sz="2600" dirty="0"/>
+              <a:rPr lang="ru-RU" sz="3200" dirty="0"/>
+              <a:t>Функция просмотра истории </a:t>
+            </a:r>
+            <a:r>
+              <a:rPr lang="ru-RU" sz="3200" dirty="0" smtClean="0"/>
+              <a:t>заказов</a:t>
+            </a:r>
           </a:p>
           <a:p>
             <a:pPr marL="342900" lvl="0" indent="-342900">
@@ -10101,22 +10299,18 @@
               <a:buAutoNum type="arabicPeriod"/>
             </a:pPr>
             <a:r>
-              <a:rPr lang="ru-RU" sz="2600" dirty="0"/>
-              <a:t>Функция расчёта примерной стоимости </a:t>
-            </a:r>
-            <a:r>
-              <a:rPr lang="ru-RU" sz="2600" dirty="0" smtClean="0"/>
-              <a:t>застройки, </a:t>
-            </a:r>
-            <a:r>
-              <a:rPr lang="ru-RU" sz="2600" dirty="0"/>
-              <a:t>в зависимости от введённых </a:t>
-            </a:r>
-            <a:r>
-              <a:rPr lang="ru-RU" sz="2600" dirty="0" smtClean="0"/>
-              <a:t>параметров</a:t>
-            </a:r>
-            <a:endParaRPr lang="ru-RU" sz="2600" dirty="0"/>
+              <a:rPr lang="ru-RU" sz="3200" dirty="0" smtClean="0"/>
+              <a:t>Функция </a:t>
+            </a:r>
+            <a:r>
+              <a:rPr lang="ru-RU" sz="3200" dirty="0"/>
+              <a:t>расчёта </a:t>
+            </a:r>
+            <a:r>
+              <a:rPr lang="ru-RU" sz="3200" dirty="0" smtClean="0"/>
+              <a:t>стоимости застройки</a:t>
+            </a:r>
+            <a:endParaRPr lang="ru-RU" sz="3200" dirty="0"/>
           </a:p>
           <a:p>
             <a:pPr marL="342900" lvl="0" indent="-342900">
@@ -10124,89 +10318,30 @@
               <a:buAutoNum type="arabicPeriod"/>
             </a:pPr>
             <a:r>
-              <a:rPr lang="ru-RU" sz="2600" dirty="0"/>
+              <a:rPr lang="ru-RU" sz="3200" dirty="0"/>
               <a:t>Завершение </a:t>
             </a:r>
             <a:r>
-              <a:rPr lang="ru-RU" sz="2600" dirty="0" smtClean="0"/>
+              <a:rPr lang="ru-RU" sz="3200" dirty="0" smtClean="0"/>
               <a:t>программы</a:t>
             </a:r>
-            <a:endParaRPr lang="ru-RU" sz="2600" dirty="0"/>
-          </a:p>
-        </p:txBody>
-      </p:sp>
-      <p:sp>
-        <p:nvSpPr>
-          <p:cNvPr id="4" name="Объект 3"/>
+            <a:endParaRPr lang="ru-RU" sz="3200" dirty="0"/>
+          </a:p>
+        </p:txBody>
+      </p:sp>
+      <p:sp>
+        <p:nvSpPr>
+          <p:cNvPr id="7" name="Номер слайда 6"/>
           <p:cNvSpPr>
             <a:spLocks noGrp="1"/>
           </p:cNvSpPr>
           <p:nvPr>
-            <p:ph sz="half" idx="2"/>
+            <p:ph type="sldNum" sz="quarter" idx="12"/>
           </p:nvPr>
         </p:nvSpPr>
         <p:spPr>
           <a:xfrm>
-            <a:off x="7046751" y="1971413"/>
-            <a:ext cx="4915950" cy="4823670"/>
-          </a:xfrm>
-        </p:spPr>
-        <p:txBody>
-          <a:bodyPr>
-            <a:noAutofit/>
-          </a:bodyPr>
-          <a:lstStyle/>
-          <a:p>
-            <a:r>
-              <a:rPr lang="ru-RU" sz="2600" dirty="0" smtClean="0"/>
-              <a:t>В руководстве описаны ошибки:</a:t>
-            </a:r>
-          </a:p>
-          <a:p>
-            <a:pPr marL="457200" indent="-457200">
-              <a:buFont typeface="+mj-lt"/>
-              <a:buAutoNum type="arabicPeriod"/>
-            </a:pPr>
-            <a:r>
-              <a:rPr lang="ru-RU" sz="2600" dirty="0" smtClean="0"/>
-              <a:t>Ввод некорректных данных в калькулятор примерной стоимости</a:t>
-            </a:r>
-          </a:p>
-          <a:p>
-            <a:pPr marL="457200" indent="-457200">
-              <a:buFont typeface="+mj-lt"/>
-              <a:buAutoNum type="arabicPeriod"/>
-            </a:pPr>
-            <a:r>
-              <a:rPr lang="ru-RU" sz="2600" dirty="0" smtClean="0"/>
-              <a:t>Ошибка работы всего сайта, во время технических неполадок</a:t>
-            </a:r>
-          </a:p>
-          <a:p>
-            <a:pPr marL="457200" indent="-457200">
-              <a:buFont typeface="+mj-lt"/>
-              <a:buAutoNum type="arabicPeriod"/>
-            </a:pPr>
-            <a:r>
-              <a:rPr lang="ru-RU" sz="2600" dirty="0" smtClean="0"/>
-              <a:t>Ввод некорректного адреса доставки</a:t>
-            </a:r>
-          </a:p>
-        </p:txBody>
-      </p:sp>
-      <p:sp>
-        <p:nvSpPr>
-          <p:cNvPr id="7" name="Номер слайда 6"/>
-          <p:cNvSpPr>
-            <a:spLocks noGrp="1"/>
-          </p:cNvSpPr>
-          <p:nvPr>
-            <p:ph type="sldNum" sz="quarter" idx="12"/>
-          </p:nvPr>
-        </p:nvSpPr>
-        <p:spPr>
-          <a:xfrm>
-            <a:off x="10751246" y="6216196"/>
+            <a:off x="10558299" y="5991607"/>
             <a:ext cx="1052510" cy="365125"/>
           </a:xfrm>
         </p:spPr>
@@ -10221,7 +10356,11 @@
             </a:fld>
             <a:r>
               <a:rPr lang="ru-RU" sz="1200" dirty="0"/>
-              <a:t> из 14</a:t>
+              <a:t> из </a:t>
+            </a:r>
+            <a:r>
+              <a:rPr lang="ru-RU" sz="1200" dirty="0"/>
+              <a:t>15</a:t>
             </a:r>
             <a:endParaRPr lang="en-US" sz="1200" dirty="0"/>
           </a:p>
